--- a/textmining2 tokenizer.pptx
+++ b/textmining2 tokenizer.pptx
@@ -5,7 +5,7 @@
     <p:sldMasterId id="2147483672" r:id="rId1"/>
   </p:sldMasterIdLst>
   <p:notesMasterIdLst>
-    <p:notesMasterId r:id="rId26"/>
+    <p:notesMasterId r:id="rId29"/>
   </p:notesMasterIdLst>
   <p:sldIdLst>
     <p:sldId id="256" r:id="rId2"/>
@@ -21,17 +21,20 @@
     <p:sldId id="1197" r:id="rId12"/>
     <p:sldId id="1199" r:id="rId13"/>
     <p:sldId id="1198" r:id="rId14"/>
-    <p:sldId id="1200" r:id="rId15"/>
-    <p:sldId id="1201" r:id="rId16"/>
-    <p:sldId id="1203" r:id="rId17"/>
-    <p:sldId id="1204" r:id="rId18"/>
-    <p:sldId id="1205" r:id="rId19"/>
-    <p:sldId id="1151" r:id="rId20"/>
-    <p:sldId id="1152" r:id="rId21"/>
-    <p:sldId id="1206" r:id="rId22"/>
-    <p:sldId id="1207" r:id="rId23"/>
-    <p:sldId id="1208" r:id="rId24"/>
-    <p:sldId id="1209" r:id="rId25"/>
+    <p:sldId id="1201" r:id="rId15"/>
+    <p:sldId id="1200" r:id="rId16"/>
+    <p:sldId id="1212" r:id="rId17"/>
+    <p:sldId id="1211" r:id="rId18"/>
+    <p:sldId id="1203" r:id="rId19"/>
+    <p:sldId id="1204" r:id="rId20"/>
+    <p:sldId id="1205" r:id="rId21"/>
+    <p:sldId id="1151" r:id="rId22"/>
+    <p:sldId id="1152" r:id="rId23"/>
+    <p:sldId id="1206" r:id="rId24"/>
+    <p:sldId id="1207" r:id="rId25"/>
+    <p:sldId id="1210" r:id="rId26"/>
+    <p:sldId id="1208" r:id="rId27"/>
+    <p:sldId id="1209" r:id="rId28"/>
   </p:sldIdLst>
   <p:sldSz cx="12192000" cy="6858000"/>
   <p:notesSz cx="6858000" cy="9144000"/>
@@ -1636,7 +1639,7 @@
 <dgm:dataModel xmlns:dgm="http://schemas.openxmlformats.org/drawingml/2006/diagram" xmlns:a="http://schemas.openxmlformats.org/drawingml/2006/main">
   <dgm:ptLst>
     <dgm:pt modelId="{F51919C4-B7BF-4F56-9A39-71D0042F9B06}" type="doc">
-      <dgm:prSet loTypeId="urn:microsoft.com/office/officeart/2005/8/layout/process2" loCatId="process" qsTypeId="urn:microsoft.com/office/officeart/2005/8/quickstyle/simple1" qsCatId="simple" csTypeId="urn:microsoft.com/office/officeart/2005/8/colors/accent1_2" csCatId="accent1"/>
+      <dgm:prSet loTypeId="urn:microsoft.com/office/officeart/2005/8/layout/process2" loCatId="process" qsTypeId="urn:microsoft.com/office/officeart/2005/8/quickstyle/simple1" qsCatId="simple" csTypeId="urn:microsoft.com/office/officeart/2005/8/colors/accent1_2" csCatId="accent1" phldr="1"/>
       <dgm:spPr/>
       <dgm:t>
         <a:bodyPr/>
@@ -1691,10 +1694,18 @@
         <a:lstStyle/>
         <a:p>
           <a:r>
-            <a:rPr kumimoji="1" lang="ja-JP"/>
-            <a:t>文書毎に単語の出現頻度を集計</a:t>
+            <a:rPr kumimoji="1" lang="ja-JP" dirty="0"/>
+            <a:t>うどん、ラーメン別文書</a:t>
           </a:r>
-          <a:endParaRPr lang="ja-JP"/>
+          <a:r>
+            <a:rPr kumimoji="1" lang="ja-JP" altLang="en-US" dirty="0"/>
+            <a:t>での</a:t>
+          </a:r>
+          <a:r>
+            <a:rPr kumimoji="1" lang="ja-JP" dirty="0"/>
+            <a:t>単語の出現頻度を集計</a:t>
+          </a:r>
+          <a:endParaRPr lang="ja-JP" dirty="0"/>
         </a:p>
       </dgm:t>
     </dgm:pt>
@@ -1710,43 +1721,6 @@
       </dgm:t>
     </dgm:pt>
     <dgm:pt modelId="{A6D9367C-F141-4CE0-80BC-5C19FA41B5C5}" type="sibTrans" cxnId="{63FB80F3-4DC1-4F4A-A3CD-852FDB7BA61E}">
-      <dgm:prSet/>
-      <dgm:spPr/>
-      <dgm:t>
-        <a:bodyPr/>
-        <a:lstStyle/>
-        <a:p>
-          <a:endParaRPr kumimoji="1" lang="ja-JP" altLang="en-US"/>
-        </a:p>
-      </dgm:t>
-    </dgm:pt>
-    <dgm:pt modelId="{E4F15E26-B3F4-4F19-89F3-74D08A5809AF}">
-      <dgm:prSet/>
-      <dgm:spPr/>
-      <dgm:t>
-        <a:bodyPr/>
-        <a:lstStyle/>
-        <a:p>
-          <a:r>
-            <a:rPr kumimoji="1" lang="ja-JP"/>
-            <a:t>うどん、ラーメン別の文書集合の出現頻度を集計</a:t>
-          </a:r>
-          <a:endParaRPr lang="ja-JP"/>
-        </a:p>
-      </dgm:t>
-    </dgm:pt>
-    <dgm:pt modelId="{0AA89AE8-1E7A-4B11-8964-045DE905324F}" type="parTrans" cxnId="{F2208DCF-7F0F-4CF7-95C6-F740BE386084}">
-      <dgm:prSet/>
-      <dgm:spPr/>
-      <dgm:t>
-        <a:bodyPr/>
-        <a:lstStyle/>
-        <a:p>
-          <a:endParaRPr kumimoji="1" lang="ja-JP" altLang="en-US"/>
-        </a:p>
-      </dgm:t>
-    </dgm:pt>
-    <dgm:pt modelId="{A75FB548-7C13-4FB1-9736-E278BFC9539F}" type="sibTrans" cxnId="{F2208DCF-7F0F-4CF7-95C6-F740BE386084}">
       <dgm:prSet/>
       <dgm:spPr/>
       <dgm:t>
@@ -1803,7 +1777,7 @@
       <dgm:spPr/>
     </dgm:pt>
     <dgm:pt modelId="{F4FDDF6D-4D83-4565-AFCF-0AB521BE25AF}" type="pres">
-      <dgm:prSet presAssocID="{6D35BBD9-C646-40F0-B3FB-F4B2D9AC1A1E}" presName="node" presStyleLbl="node1" presStyleIdx="0" presStyleCnt="4">
+      <dgm:prSet presAssocID="{6D35BBD9-C646-40F0-B3FB-F4B2D9AC1A1E}" presName="node" presStyleLbl="node1" presStyleIdx="0" presStyleCnt="3">
         <dgm:presLayoutVars>
           <dgm:bulletEnabled val="1"/>
         </dgm:presLayoutVars>
@@ -1811,15 +1785,15 @@
       <dgm:spPr/>
     </dgm:pt>
     <dgm:pt modelId="{C78E7D38-1563-4098-8567-676DB1F562E2}" type="pres">
-      <dgm:prSet presAssocID="{9A460F6B-E88F-45A8-AFC4-9BF64BB8C26C}" presName="sibTrans" presStyleLbl="sibTrans2D1" presStyleIdx="0" presStyleCnt="3"/>
+      <dgm:prSet presAssocID="{9A460F6B-E88F-45A8-AFC4-9BF64BB8C26C}" presName="sibTrans" presStyleLbl="sibTrans2D1" presStyleIdx="0" presStyleCnt="2"/>
       <dgm:spPr/>
     </dgm:pt>
     <dgm:pt modelId="{94A0F2C4-3156-4F99-AE55-F2707DEB74FE}" type="pres">
-      <dgm:prSet presAssocID="{9A460F6B-E88F-45A8-AFC4-9BF64BB8C26C}" presName="connectorText" presStyleLbl="sibTrans2D1" presStyleIdx="0" presStyleCnt="3"/>
+      <dgm:prSet presAssocID="{9A460F6B-E88F-45A8-AFC4-9BF64BB8C26C}" presName="connectorText" presStyleLbl="sibTrans2D1" presStyleIdx="0" presStyleCnt="2"/>
       <dgm:spPr/>
     </dgm:pt>
     <dgm:pt modelId="{288DFC49-1C57-4D5F-87F1-2475FE371035}" type="pres">
-      <dgm:prSet presAssocID="{A0282D86-FB34-4792-B224-F8B41B971A4E}" presName="node" presStyleLbl="node1" presStyleIdx="1" presStyleCnt="4">
+      <dgm:prSet presAssocID="{A0282D86-FB34-4792-B224-F8B41B971A4E}" presName="node" presStyleLbl="node1" presStyleIdx="1" presStyleCnt="3">
         <dgm:presLayoutVars>
           <dgm:bulletEnabled val="1"/>
         </dgm:presLayoutVars>
@@ -1827,31 +1801,15 @@
       <dgm:spPr/>
     </dgm:pt>
     <dgm:pt modelId="{51C6F3D9-2D1E-47BD-AAE0-0C40CE0E08F9}" type="pres">
-      <dgm:prSet presAssocID="{A6D9367C-F141-4CE0-80BC-5C19FA41B5C5}" presName="sibTrans" presStyleLbl="sibTrans2D1" presStyleIdx="1" presStyleCnt="3"/>
+      <dgm:prSet presAssocID="{A6D9367C-F141-4CE0-80BC-5C19FA41B5C5}" presName="sibTrans" presStyleLbl="sibTrans2D1" presStyleIdx="1" presStyleCnt="2"/>
       <dgm:spPr/>
     </dgm:pt>
     <dgm:pt modelId="{7C26B2A9-A83D-4904-B79D-BAF2026E58E0}" type="pres">
-      <dgm:prSet presAssocID="{A6D9367C-F141-4CE0-80BC-5C19FA41B5C5}" presName="connectorText" presStyleLbl="sibTrans2D1" presStyleIdx="1" presStyleCnt="3"/>
-      <dgm:spPr/>
-    </dgm:pt>
-    <dgm:pt modelId="{90F59BFF-318D-47CA-957F-1DB975A2B7AA}" type="pres">
-      <dgm:prSet presAssocID="{E4F15E26-B3F4-4F19-89F3-74D08A5809AF}" presName="node" presStyleLbl="node1" presStyleIdx="2" presStyleCnt="4">
-        <dgm:presLayoutVars>
-          <dgm:bulletEnabled val="1"/>
-        </dgm:presLayoutVars>
-      </dgm:prSet>
-      <dgm:spPr/>
-    </dgm:pt>
-    <dgm:pt modelId="{31E251AA-C138-4B40-8EE5-7EDA678B3B69}" type="pres">
-      <dgm:prSet presAssocID="{A75FB548-7C13-4FB1-9736-E278BFC9539F}" presName="sibTrans" presStyleLbl="sibTrans2D1" presStyleIdx="2" presStyleCnt="3"/>
-      <dgm:spPr/>
-    </dgm:pt>
-    <dgm:pt modelId="{63AEFDF2-4986-45CE-9C75-BF7468DD6CCB}" type="pres">
-      <dgm:prSet presAssocID="{A75FB548-7C13-4FB1-9736-E278BFC9539F}" presName="connectorText" presStyleLbl="sibTrans2D1" presStyleIdx="2" presStyleCnt="3"/>
+      <dgm:prSet presAssocID="{A6D9367C-F141-4CE0-80BC-5C19FA41B5C5}" presName="connectorText" presStyleLbl="sibTrans2D1" presStyleIdx="1" presStyleCnt="2"/>
       <dgm:spPr/>
     </dgm:pt>
     <dgm:pt modelId="{37E846F7-D61F-4C0E-861C-CC232ACC0708}" type="pres">
-      <dgm:prSet presAssocID="{FB33A9D8-514D-414A-8E55-9D7B25717FEC}" presName="node" presStyleLbl="node1" presStyleIdx="3" presStyleCnt="4">
+      <dgm:prSet presAssocID="{FB33A9D8-514D-414A-8E55-9D7B25717FEC}" presName="node" presStyleLbl="node1" presStyleIdx="2" presStyleCnt="3">
         <dgm:presLayoutVars>
           <dgm:bulletEnabled val="1"/>
         </dgm:presLayoutVars>
@@ -1861,18 +1819,14 @@
   </dgm:ptLst>
   <dgm:cxnLst>
     <dgm:cxn modelId="{EF95DC00-6983-4E9D-8413-D0EC73FD8DBE}" type="presOf" srcId="{F51919C4-B7BF-4F56-9A39-71D0042F9B06}" destId="{EF25A9DE-1FE9-4512-8AE6-72BFE9A70871}" srcOrd="0" destOrd="0" presId="urn:microsoft.com/office/officeart/2005/8/layout/process2"/>
-    <dgm:cxn modelId="{D7AD5B14-97A3-4A4F-8C0B-C23226D328DA}" type="presOf" srcId="{E4F15E26-B3F4-4F19-89F3-74D08A5809AF}" destId="{90F59BFF-318D-47CA-957F-1DB975A2B7AA}" srcOrd="0" destOrd="0" presId="urn:microsoft.com/office/officeart/2005/8/layout/process2"/>
     <dgm:cxn modelId="{CFE3F62B-0B7E-4765-B848-0A9FFF4F9F47}" type="presOf" srcId="{9A460F6B-E88F-45A8-AFC4-9BF64BB8C26C}" destId="{94A0F2C4-3156-4F99-AE55-F2707DEB74FE}" srcOrd="1" destOrd="0" presId="urn:microsoft.com/office/officeart/2005/8/layout/process2"/>
-    <dgm:cxn modelId="{83E40230-050C-49E7-9219-377469CCBBD8}" srcId="{F51919C4-B7BF-4F56-9A39-71D0042F9B06}" destId="{FB33A9D8-514D-414A-8E55-9D7B25717FEC}" srcOrd="3" destOrd="0" parTransId="{A40FDDB1-E603-4D31-A197-77104CB58029}" sibTransId="{817B8FA8-CCB6-4316-AE95-D2942A55D25F}"/>
+    <dgm:cxn modelId="{83E40230-050C-49E7-9219-377469CCBBD8}" srcId="{F51919C4-B7BF-4F56-9A39-71D0042F9B06}" destId="{FB33A9D8-514D-414A-8E55-9D7B25717FEC}" srcOrd="2" destOrd="0" parTransId="{A40FDDB1-E603-4D31-A197-77104CB58029}" sibTransId="{817B8FA8-CCB6-4316-AE95-D2942A55D25F}"/>
     <dgm:cxn modelId="{8C344938-6166-44D8-B9F2-6B43C49452BB}" type="presOf" srcId="{9A460F6B-E88F-45A8-AFC4-9BF64BB8C26C}" destId="{C78E7D38-1563-4098-8567-676DB1F562E2}" srcOrd="0" destOrd="0" presId="urn:microsoft.com/office/officeart/2005/8/layout/process2"/>
-    <dgm:cxn modelId="{E50D604C-68FC-441B-B9A2-391A5E4C2B88}" type="presOf" srcId="{A75FB548-7C13-4FB1-9736-E278BFC9539F}" destId="{31E251AA-C138-4B40-8EE5-7EDA678B3B69}" srcOrd="0" destOrd="0" presId="urn:microsoft.com/office/officeart/2005/8/layout/process2"/>
     <dgm:cxn modelId="{274E725A-927E-4135-BCCB-68372AEE08D5}" type="presOf" srcId="{6D35BBD9-C646-40F0-B3FB-F4B2D9AC1A1E}" destId="{F4FDDF6D-4D83-4565-AFCF-0AB521BE25AF}" srcOrd="0" destOrd="0" presId="urn:microsoft.com/office/officeart/2005/8/layout/process2"/>
     <dgm:cxn modelId="{127D8C83-2462-43B3-A2DF-C4911B802CB9}" type="presOf" srcId="{A6D9367C-F141-4CE0-80BC-5C19FA41B5C5}" destId="{51C6F3D9-2D1E-47BD-AAE0-0C40CE0E08F9}" srcOrd="0" destOrd="0" presId="urn:microsoft.com/office/officeart/2005/8/layout/process2"/>
     <dgm:cxn modelId="{6065648D-D7D6-4963-B728-135513D67297}" type="presOf" srcId="{A6D9367C-F141-4CE0-80BC-5C19FA41B5C5}" destId="{7C26B2A9-A83D-4904-B79D-BAF2026E58E0}" srcOrd="1" destOrd="0" presId="urn:microsoft.com/office/officeart/2005/8/layout/process2"/>
     <dgm:cxn modelId="{8E0EFEA6-A43C-4A12-9FBC-4C3D3E229486}" type="presOf" srcId="{A0282D86-FB34-4792-B224-F8B41B971A4E}" destId="{288DFC49-1C57-4D5F-87F1-2475FE371035}" srcOrd="0" destOrd="0" presId="urn:microsoft.com/office/officeart/2005/8/layout/process2"/>
     <dgm:cxn modelId="{CEC9F5B2-6BFE-4A55-9B62-2020BF329EAF}" srcId="{F51919C4-B7BF-4F56-9A39-71D0042F9B06}" destId="{6D35BBD9-C646-40F0-B3FB-F4B2D9AC1A1E}" srcOrd="0" destOrd="0" parTransId="{E938E3B3-3EE1-435C-A708-9AA2AA46DB5C}" sibTransId="{9A460F6B-E88F-45A8-AFC4-9BF64BB8C26C}"/>
-    <dgm:cxn modelId="{8F8CF3B6-E7D3-4A77-BB94-852703AA8A59}" type="presOf" srcId="{A75FB548-7C13-4FB1-9736-E278BFC9539F}" destId="{63AEFDF2-4986-45CE-9C75-BF7468DD6CCB}" srcOrd="1" destOrd="0" presId="urn:microsoft.com/office/officeart/2005/8/layout/process2"/>
-    <dgm:cxn modelId="{F2208DCF-7F0F-4CF7-95C6-F740BE386084}" srcId="{F51919C4-B7BF-4F56-9A39-71D0042F9B06}" destId="{E4F15E26-B3F4-4F19-89F3-74D08A5809AF}" srcOrd="2" destOrd="0" parTransId="{0AA89AE8-1E7A-4B11-8964-045DE905324F}" sibTransId="{A75FB548-7C13-4FB1-9736-E278BFC9539F}"/>
     <dgm:cxn modelId="{63FB80F3-4DC1-4F4A-A3CD-852FDB7BA61E}" srcId="{F51919C4-B7BF-4F56-9A39-71D0042F9B06}" destId="{A0282D86-FB34-4792-B224-F8B41B971A4E}" srcOrd="1" destOrd="0" parTransId="{F268D1DA-1628-4995-AD43-99FD0C3234DF}" sibTransId="{A6D9367C-F141-4CE0-80BC-5C19FA41B5C5}"/>
     <dgm:cxn modelId="{E3ADA5F3-D75E-46C1-886E-8E94EAA6B55A}" type="presOf" srcId="{FB33A9D8-514D-414A-8E55-9D7B25717FEC}" destId="{37E846F7-D61F-4C0E-861C-CC232ACC0708}" srcOrd="0" destOrd="0" presId="urn:microsoft.com/office/officeart/2005/8/layout/process2"/>
     <dgm:cxn modelId="{B0B8FCC0-A747-4447-BAB2-DB2DF9BF43DC}" type="presParOf" srcId="{EF25A9DE-1FE9-4512-8AE6-72BFE9A70871}" destId="{F4FDDF6D-4D83-4565-AFCF-0AB521BE25AF}" srcOrd="0" destOrd="0" presId="urn:microsoft.com/office/officeart/2005/8/layout/process2"/>
@@ -1881,10 +1835,7 @@
     <dgm:cxn modelId="{3DD99C0B-84BD-4426-9A49-19E7CC65DEBF}" type="presParOf" srcId="{EF25A9DE-1FE9-4512-8AE6-72BFE9A70871}" destId="{288DFC49-1C57-4D5F-87F1-2475FE371035}" srcOrd="2" destOrd="0" presId="urn:microsoft.com/office/officeart/2005/8/layout/process2"/>
     <dgm:cxn modelId="{5DFB30D4-70C5-4FAE-90E8-18910160BC27}" type="presParOf" srcId="{EF25A9DE-1FE9-4512-8AE6-72BFE9A70871}" destId="{51C6F3D9-2D1E-47BD-AAE0-0C40CE0E08F9}" srcOrd="3" destOrd="0" presId="urn:microsoft.com/office/officeart/2005/8/layout/process2"/>
     <dgm:cxn modelId="{7CC45B85-69FE-4CAF-BFAB-3BE475689201}" type="presParOf" srcId="{51C6F3D9-2D1E-47BD-AAE0-0C40CE0E08F9}" destId="{7C26B2A9-A83D-4904-B79D-BAF2026E58E0}" srcOrd="0" destOrd="0" presId="urn:microsoft.com/office/officeart/2005/8/layout/process2"/>
-    <dgm:cxn modelId="{911B2C68-06ED-442F-9943-D8E58C920BCF}" type="presParOf" srcId="{EF25A9DE-1FE9-4512-8AE6-72BFE9A70871}" destId="{90F59BFF-318D-47CA-957F-1DB975A2B7AA}" srcOrd="4" destOrd="0" presId="urn:microsoft.com/office/officeart/2005/8/layout/process2"/>
-    <dgm:cxn modelId="{45D0A9BA-E4FA-40EC-B363-99D450A13CEE}" type="presParOf" srcId="{EF25A9DE-1FE9-4512-8AE6-72BFE9A70871}" destId="{31E251AA-C138-4B40-8EE5-7EDA678B3B69}" srcOrd="5" destOrd="0" presId="urn:microsoft.com/office/officeart/2005/8/layout/process2"/>
-    <dgm:cxn modelId="{AF3574F2-2083-4D13-82D9-34EEC31F9D05}" type="presParOf" srcId="{31E251AA-C138-4B40-8EE5-7EDA678B3B69}" destId="{63AEFDF2-4986-45CE-9C75-BF7468DD6CCB}" srcOrd="0" destOrd="0" presId="urn:microsoft.com/office/officeart/2005/8/layout/process2"/>
-    <dgm:cxn modelId="{531C68A7-3EFD-470F-AF01-BE4F08D17709}" type="presParOf" srcId="{EF25A9DE-1FE9-4512-8AE6-72BFE9A70871}" destId="{37E846F7-D61F-4C0E-861C-CC232ACC0708}" srcOrd="6" destOrd="0" presId="urn:microsoft.com/office/officeart/2005/8/layout/process2"/>
+    <dgm:cxn modelId="{531C68A7-3EFD-470F-AF01-BE4F08D17709}" type="presParOf" srcId="{EF25A9DE-1FE9-4512-8AE6-72BFE9A70871}" destId="{37E846F7-D61F-4C0E-861C-CC232ACC0708}" srcOrd="4" destOrd="0" presId="urn:microsoft.com/office/officeart/2005/8/layout/process2"/>
   </dgm:cxnLst>
   <dgm:bg/>
   <dgm:whole/>
@@ -2131,8 +2082,8 @@
       </dsp:nvSpPr>
       <dsp:spPr>
         <a:xfrm>
-          <a:off x="1413819" y="2509"/>
-          <a:ext cx="2711314" cy="933552"/>
+          <a:off x="1613075" y="0"/>
+          <a:ext cx="2312801" cy="1284889"/>
         </a:xfrm>
         <a:prstGeom prst="roundRect">
           <a:avLst>
@@ -2201,8 +2152,8 @@
         </a:p>
       </dsp:txBody>
       <dsp:txXfrm>
-        <a:off x="1441162" y="29852"/>
-        <a:ext cx="2656628" cy="878866"/>
+        <a:off x="1650708" y="37633"/>
+        <a:ext cx="2237535" cy="1209623"/>
       </dsp:txXfrm>
     </dsp:sp>
     <dsp:sp modelId="{C78E7D38-1563-4098-8567-676DB1F562E2}">
@@ -2212,8 +2163,8 @@
       </dsp:nvSpPr>
       <dsp:spPr>
         <a:xfrm rot="5400000">
-          <a:off x="2594435" y="959401"/>
-          <a:ext cx="350082" cy="420098"/>
+          <a:off x="2528559" y="1317011"/>
+          <a:ext cx="481833" cy="578200"/>
         </a:xfrm>
         <a:prstGeom prst="rightArrow">
           <a:avLst>
@@ -2271,8 +2222,8 @@
         </a:p>
       </dsp:txBody>
       <dsp:txXfrm rot="-5400000">
-        <a:off x="2643448" y="994409"/>
-        <a:ext cx="252058" cy="245057"/>
+        <a:off x="2596016" y="1365194"/>
+        <a:ext cx="346920" cy="337283"/>
       </dsp:txXfrm>
     </dsp:sp>
     <dsp:sp modelId="{288DFC49-1C57-4D5F-87F1-2475FE371035}">
@@ -2282,8 +2233,8 @@
       </dsp:nvSpPr>
       <dsp:spPr>
         <a:xfrm>
-          <a:off x="1413819" y="1402838"/>
-          <a:ext cx="2711314" cy="933552"/>
+          <a:off x="1613075" y="1927334"/>
+          <a:ext cx="2312801" cy="1284889"/>
         </a:xfrm>
         <a:prstGeom prst="roundRect">
           <a:avLst>
@@ -2345,15 +2296,23 @@
             <a:buNone/>
           </a:pPr>
           <a:r>
-            <a:rPr kumimoji="1" lang="ja-JP" sz="1800" kern="1200"/>
-            <a:t>文書毎に単語の出現頻度を集計</a:t>
+            <a:rPr kumimoji="1" lang="ja-JP" sz="1800" kern="1200" dirty="0"/>
+            <a:t>うどん、ラーメン別文書</a:t>
           </a:r>
-          <a:endParaRPr lang="ja-JP" sz="1800" kern="1200"/>
+          <a:r>
+            <a:rPr kumimoji="1" lang="ja-JP" altLang="en-US" sz="1800" kern="1200" dirty="0"/>
+            <a:t>での</a:t>
+          </a:r>
+          <a:r>
+            <a:rPr kumimoji="1" lang="ja-JP" sz="1800" kern="1200" dirty="0"/>
+            <a:t>単語の出現頻度を集計</a:t>
+          </a:r>
+          <a:endParaRPr lang="ja-JP" sz="1800" kern="1200" dirty="0"/>
         </a:p>
       </dsp:txBody>
       <dsp:txXfrm>
-        <a:off x="1441162" y="1430181"/>
-        <a:ext cx="2656628" cy="878866"/>
+        <a:off x="1650708" y="1964967"/>
+        <a:ext cx="2237535" cy="1209623"/>
       </dsp:txXfrm>
     </dsp:sp>
     <dsp:sp modelId="{51C6F3D9-2D1E-47BD-AAE0-0C40CE0E08F9}">
@@ -2363,8 +2322,8 @@
       </dsp:nvSpPr>
       <dsp:spPr>
         <a:xfrm rot="5400000">
-          <a:off x="2594435" y="2359730"/>
-          <a:ext cx="350082" cy="420098"/>
+          <a:off x="2528559" y="3244346"/>
+          <a:ext cx="481833" cy="578200"/>
         </a:xfrm>
         <a:prstGeom prst="rightArrow">
           <a:avLst>
@@ -2422,159 +2381,8 @@
         </a:p>
       </dsp:txBody>
       <dsp:txXfrm rot="-5400000">
-        <a:off x="2643448" y="2394738"/>
-        <a:ext cx="252058" cy="245057"/>
-      </dsp:txXfrm>
-    </dsp:sp>
-    <dsp:sp modelId="{90F59BFF-318D-47CA-957F-1DB975A2B7AA}">
-      <dsp:nvSpPr>
-        <dsp:cNvPr id="0" name=""/>
-        <dsp:cNvSpPr/>
-      </dsp:nvSpPr>
-      <dsp:spPr>
-        <a:xfrm>
-          <a:off x="1413819" y="2803167"/>
-          <a:ext cx="2711314" cy="933552"/>
-        </a:xfrm>
-        <a:prstGeom prst="roundRect">
-          <a:avLst>
-            <a:gd name="adj" fmla="val 10000"/>
-          </a:avLst>
-        </a:prstGeom>
-        <a:solidFill>
-          <a:schemeClr val="accent1">
-            <a:hueOff val="0"/>
-            <a:satOff val="0"/>
-            <a:lumOff val="0"/>
-            <a:alphaOff val="0"/>
-          </a:schemeClr>
-        </a:solidFill>
-        <a:ln w="12700" cap="flat" cmpd="sng" algn="ctr">
-          <a:solidFill>
-            <a:schemeClr val="lt1">
-              <a:hueOff val="0"/>
-              <a:satOff val="0"/>
-              <a:lumOff val="0"/>
-              <a:alphaOff val="0"/>
-            </a:schemeClr>
-          </a:solidFill>
-          <a:prstDash val="solid"/>
-          <a:miter lim="800000"/>
-        </a:ln>
-        <a:effectLst/>
-      </dsp:spPr>
-      <dsp:style>
-        <a:lnRef idx="2">
-          <a:scrgbClr r="0" g="0" b="0"/>
-        </a:lnRef>
-        <a:fillRef idx="1">
-          <a:scrgbClr r="0" g="0" b="0"/>
-        </a:fillRef>
-        <a:effectRef idx="0">
-          <a:scrgbClr r="0" g="0" b="0"/>
-        </a:effectRef>
-        <a:fontRef idx="minor">
-          <a:schemeClr val="lt1"/>
-        </a:fontRef>
-      </dsp:style>
-      <dsp:txBody>
-        <a:bodyPr spcFirstLastPara="0" vert="horz" wrap="square" lIns="68580" tIns="68580" rIns="68580" bIns="68580" numCol="1" spcCol="1270" anchor="ctr" anchorCtr="0">
-          <a:noAutofit/>
-        </a:bodyPr>
-        <a:lstStyle/>
-        <a:p>
-          <a:pPr marL="0" lvl="0" indent="0" algn="ctr" defTabSz="800100">
-            <a:lnSpc>
-              <a:spcPct val="90000"/>
-            </a:lnSpc>
-            <a:spcBef>
-              <a:spcPct val="0"/>
-            </a:spcBef>
-            <a:spcAft>
-              <a:spcPct val="35000"/>
-            </a:spcAft>
-            <a:buNone/>
-          </a:pPr>
-          <a:r>
-            <a:rPr kumimoji="1" lang="ja-JP" sz="1800" kern="1200"/>
-            <a:t>うどん、ラーメン別の文書集合の出現頻度を集計</a:t>
-          </a:r>
-          <a:endParaRPr lang="ja-JP" sz="1800" kern="1200"/>
-        </a:p>
-      </dsp:txBody>
-      <dsp:txXfrm>
-        <a:off x="1441162" y="2830510"/>
-        <a:ext cx="2656628" cy="878866"/>
-      </dsp:txXfrm>
-    </dsp:sp>
-    <dsp:sp modelId="{31E251AA-C138-4B40-8EE5-7EDA678B3B69}">
-      <dsp:nvSpPr>
-        <dsp:cNvPr id="0" name=""/>
-        <dsp:cNvSpPr/>
-      </dsp:nvSpPr>
-      <dsp:spPr>
-        <a:xfrm rot="5400000">
-          <a:off x="2594435" y="3760059"/>
-          <a:ext cx="350082" cy="420098"/>
-        </a:xfrm>
-        <a:prstGeom prst="rightArrow">
-          <a:avLst>
-            <a:gd name="adj1" fmla="val 60000"/>
-            <a:gd name="adj2" fmla="val 50000"/>
-          </a:avLst>
-        </a:prstGeom>
-        <a:solidFill>
-          <a:schemeClr val="accent1">
-            <a:tint val="60000"/>
-            <a:hueOff val="0"/>
-            <a:satOff val="0"/>
-            <a:lumOff val="0"/>
-            <a:alphaOff val="0"/>
-          </a:schemeClr>
-        </a:solidFill>
-        <a:ln>
-          <a:noFill/>
-        </a:ln>
-        <a:effectLst/>
-      </dsp:spPr>
-      <dsp:style>
-        <a:lnRef idx="0">
-          <a:scrgbClr r="0" g="0" b="0"/>
-        </a:lnRef>
-        <a:fillRef idx="1">
-          <a:scrgbClr r="0" g="0" b="0"/>
-        </a:fillRef>
-        <a:effectRef idx="0">
-          <a:scrgbClr r="0" g="0" b="0"/>
-        </a:effectRef>
-        <a:fontRef idx="minor">
-          <a:schemeClr val="lt1"/>
-        </a:fontRef>
-      </dsp:style>
-      <dsp:txBody>
-        <a:bodyPr spcFirstLastPara="0" vert="horz" wrap="square" lIns="0" tIns="0" rIns="0" bIns="0" numCol="1" spcCol="1270" anchor="ctr" anchorCtr="0">
-          <a:noAutofit/>
-        </a:bodyPr>
-        <a:lstStyle/>
-        <a:p>
-          <a:pPr marL="0" lvl="0" indent="0" algn="ctr" defTabSz="622300">
-            <a:lnSpc>
-              <a:spcPct val="90000"/>
-            </a:lnSpc>
-            <a:spcBef>
-              <a:spcPct val="0"/>
-            </a:spcBef>
-            <a:spcAft>
-              <a:spcPct val="35000"/>
-            </a:spcAft>
-            <a:buNone/>
-          </a:pPr>
-          <a:endParaRPr kumimoji="1" lang="ja-JP" altLang="en-US" sz="1400" kern="1200"/>
-        </a:p>
-      </dsp:txBody>
-      <dsp:txXfrm rot="-5400000">
-        <a:off x="2643448" y="3795067"/>
-        <a:ext cx="252058" cy="245057"/>
+        <a:off x="2596016" y="3292529"/>
+        <a:ext cx="346920" cy="337283"/>
       </dsp:txXfrm>
     </dsp:sp>
     <dsp:sp modelId="{37E846F7-D61F-4C0E-861C-CC232ACC0708}">
@@ -2584,8 +2392,8 @@
       </dsp:nvSpPr>
       <dsp:spPr>
         <a:xfrm>
-          <a:off x="1413819" y="4203496"/>
-          <a:ext cx="2711314" cy="933552"/>
+          <a:off x="1613075" y="3854669"/>
+          <a:ext cx="2312801" cy="1284889"/>
         </a:xfrm>
         <a:prstGeom prst="roundRect">
           <a:avLst>
@@ -2654,8 +2462,8 @@
         </a:p>
       </dsp:txBody>
       <dsp:txXfrm>
-        <a:off x="1441162" y="4230839"/>
-        <a:ext cx="2656628" cy="878866"/>
+        <a:off x="1650708" y="3892302"/>
+        <a:ext cx="2237535" cy="1209623"/>
       </dsp:txXfrm>
     </dsp:sp>
   </dsp:spTree>
@@ -5521,7 +5329,7 @@
           <a:p>
             <a:fld id="{0135936D-836F-419C-9F68-DEDA5DD6EA2C}" type="datetimeFigureOut">
               <a:rPr kumimoji="1" lang="ja-JP" altLang="en-US" smtClean="0"/>
-              <a:t>2024/3/4</a:t>
+              <a:t>2025/4/23</a:t>
             </a:fld>
             <a:endParaRPr kumimoji="1" lang="ja-JP" altLang="en-US"/>
           </a:p>
@@ -5864,6 +5672,90 @@
           <a:bodyPr/>
           <a:lstStyle/>
           <a:p>
+            <a:endParaRPr kumimoji="1" lang="ja-JP" altLang="en-US" dirty="0"/>
+          </a:p>
+        </p:txBody>
+      </p:sp>
+      <p:sp>
+        <p:nvSpPr>
+          <p:cNvPr id="4" name="スライド番号プレースホルダー 3"/>
+          <p:cNvSpPr>
+            <a:spLocks noGrp="1"/>
+          </p:cNvSpPr>
+          <p:nvPr>
+            <p:ph type="sldNum" sz="quarter" idx="5"/>
+          </p:nvPr>
+        </p:nvSpPr>
+        <p:spPr/>
+        <p:txBody>
+          <a:bodyPr/>
+          <a:lstStyle/>
+          <a:p>
+            <a:fld id="{F88306EB-F4D8-4CD3-A9EA-E1E8C435DBF8}" type="slidenum">
+              <a:rPr kumimoji="1" lang="ja-JP" altLang="en-US" smtClean="0"/>
+              <a:t>1</a:t>
+            </a:fld>
+            <a:endParaRPr kumimoji="1" lang="ja-JP" altLang="en-US"/>
+          </a:p>
+        </p:txBody>
+      </p:sp>
+    </p:spTree>
+    <p:extLst>
+      <p:ext uri="{BB962C8B-B14F-4D97-AF65-F5344CB8AC3E}">
+        <p14:creationId xmlns:p14="http://schemas.microsoft.com/office/powerpoint/2010/main" val="2623971165"/>
+      </p:ext>
+    </p:extLst>
+  </p:cSld>
+  <p:clrMapOvr>
+    <a:masterClrMapping/>
+  </p:clrMapOvr>
+</p:notes>
+</file>
+
+<file path=ppt/notesSlides/notesSlide2.xml><?xml version="1.0" encoding="utf-8"?>
+<p:notes xmlns:a="http://schemas.openxmlformats.org/drawingml/2006/main" xmlns:r="http://schemas.openxmlformats.org/officeDocument/2006/relationships" xmlns:p="http://schemas.openxmlformats.org/presentationml/2006/main">
+  <p:cSld>
+    <p:spTree>
+      <p:nvGrpSpPr>
+        <p:cNvPr id="1" name=""/>
+        <p:cNvGrpSpPr/>
+        <p:nvPr/>
+      </p:nvGrpSpPr>
+      <p:grpSpPr>
+        <a:xfrm>
+          <a:off x="0" y="0"/>
+          <a:ext cx="0" cy="0"/>
+          <a:chOff x="0" y="0"/>
+          <a:chExt cx="0" cy="0"/>
+        </a:xfrm>
+      </p:grpSpPr>
+      <p:sp>
+        <p:nvSpPr>
+          <p:cNvPr id="2" name="スライド イメージ プレースホルダー 1"/>
+          <p:cNvSpPr>
+            <a:spLocks noGrp="1" noRot="1" noChangeAspect="1"/>
+          </p:cNvSpPr>
+          <p:nvPr>
+            <p:ph type="sldImg"/>
+          </p:nvPr>
+        </p:nvSpPr>
+        <p:spPr/>
+      </p:sp>
+      <p:sp>
+        <p:nvSpPr>
+          <p:cNvPr id="3" name="ノート プレースホルダー 2"/>
+          <p:cNvSpPr>
+            <a:spLocks noGrp="1"/>
+          </p:cNvSpPr>
+          <p:nvPr>
+            <p:ph type="body" idx="1"/>
+          </p:nvPr>
+        </p:nvSpPr>
+        <p:spPr/>
+        <p:txBody>
+          <a:bodyPr/>
+          <a:lstStyle/>
+          <a:p>
             <a:r>
               <a:rPr kumimoji="1" lang="ja-JP" altLang="en-US" dirty="0"/>
               <a:t>うどんや、らーめんやの口コミを集める</a:t>
@@ -6049,7 +5941,7 @@
           <a:p>
             <a:fld id="{2ABC02D7-CBD1-4D33-B166-78A898DF0F76}" type="datetimeFigureOut">
               <a:rPr kumimoji="1" lang="ja-JP" altLang="en-US" smtClean="0"/>
-              <a:t>2024/3/4</a:t>
+              <a:t>2025/4/23</a:t>
             </a:fld>
             <a:endParaRPr kumimoji="1" lang="ja-JP" altLang="en-US"/>
           </a:p>
@@ -6251,7 +6143,7 @@
           <a:p>
             <a:fld id="{2ABC02D7-CBD1-4D33-B166-78A898DF0F76}" type="datetimeFigureOut">
               <a:rPr kumimoji="1" lang="ja-JP" altLang="en-US" smtClean="0"/>
-              <a:t>2024/3/4</a:t>
+              <a:t>2025/4/23</a:t>
             </a:fld>
             <a:endParaRPr kumimoji="1" lang="ja-JP" altLang="en-US"/>
           </a:p>
@@ -6463,7 +6355,7 @@
           <a:p>
             <a:fld id="{2ABC02D7-CBD1-4D33-B166-78A898DF0F76}" type="datetimeFigureOut">
               <a:rPr kumimoji="1" lang="ja-JP" altLang="en-US" smtClean="0"/>
-              <a:t>2024/3/4</a:t>
+              <a:t>2025/4/23</a:t>
             </a:fld>
             <a:endParaRPr kumimoji="1" lang="ja-JP" altLang="en-US"/>
           </a:p>
@@ -6665,7 +6557,7 @@
           <a:p>
             <a:fld id="{2ABC02D7-CBD1-4D33-B166-78A898DF0F76}" type="datetimeFigureOut">
               <a:rPr kumimoji="1" lang="ja-JP" altLang="en-US" smtClean="0"/>
-              <a:t>2024/3/4</a:t>
+              <a:t>2025/4/23</a:t>
             </a:fld>
             <a:endParaRPr kumimoji="1" lang="ja-JP" altLang="en-US"/>
           </a:p>
@@ -6911,7 +6803,7 @@
           <a:p>
             <a:fld id="{2ABC02D7-CBD1-4D33-B166-78A898DF0F76}" type="datetimeFigureOut">
               <a:rPr kumimoji="1" lang="ja-JP" altLang="en-US" smtClean="0"/>
-              <a:t>2024/3/4</a:t>
+              <a:t>2025/4/23</a:t>
             </a:fld>
             <a:endParaRPr kumimoji="1" lang="ja-JP" altLang="en-US"/>
           </a:p>
@@ -7207,7 +7099,7 @@
           <a:p>
             <a:fld id="{2ABC02D7-CBD1-4D33-B166-78A898DF0F76}" type="datetimeFigureOut">
               <a:rPr kumimoji="1" lang="ja-JP" altLang="en-US" smtClean="0"/>
-              <a:t>2024/3/4</a:t>
+              <a:t>2025/4/23</a:t>
             </a:fld>
             <a:endParaRPr kumimoji="1" lang="ja-JP" altLang="en-US"/>
           </a:p>
@@ -7638,7 +7530,7 @@
           <a:p>
             <a:fld id="{2ABC02D7-CBD1-4D33-B166-78A898DF0F76}" type="datetimeFigureOut">
               <a:rPr kumimoji="1" lang="ja-JP" altLang="en-US" smtClean="0"/>
-              <a:t>2024/3/4</a:t>
+              <a:t>2025/4/23</a:t>
             </a:fld>
             <a:endParaRPr kumimoji="1" lang="ja-JP" altLang="en-US"/>
           </a:p>
@@ -7756,7 +7648,7 @@
           <a:p>
             <a:fld id="{2ABC02D7-CBD1-4D33-B166-78A898DF0F76}" type="datetimeFigureOut">
               <a:rPr kumimoji="1" lang="ja-JP" altLang="en-US" smtClean="0"/>
-              <a:t>2024/3/4</a:t>
+              <a:t>2025/4/23</a:t>
             </a:fld>
             <a:endParaRPr kumimoji="1" lang="ja-JP" altLang="en-US"/>
           </a:p>
@@ -7851,7 +7743,7 @@
           <a:p>
             <a:fld id="{2ABC02D7-CBD1-4D33-B166-78A898DF0F76}" type="datetimeFigureOut">
               <a:rPr kumimoji="1" lang="ja-JP" altLang="en-US" smtClean="0"/>
-              <a:t>2024/3/4</a:t>
+              <a:t>2025/4/23</a:t>
             </a:fld>
             <a:endParaRPr kumimoji="1" lang="ja-JP" altLang="en-US"/>
           </a:p>
@@ -8160,7 +8052,7 @@
           <a:p>
             <a:fld id="{2ABC02D7-CBD1-4D33-B166-78A898DF0F76}" type="datetimeFigureOut">
               <a:rPr kumimoji="1" lang="ja-JP" altLang="en-US" smtClean="0"/>
-              <a:t>2024/3/4</a:t>
+              <a:t>2025/4/23</a:t>
             </a:fld>
             <a:endParaRPr kumimoji="1" lang="ja-JP" altLang="en-US"/>
           </a:p>
@@ -8417,7 +8309,7 @@
           <a:p>
             <a:fld id="{2ABC02D7-CBD1-4D33-B166-78A898DF0F76}" type="datetimeFigureOut">
               <a:rPr kumimoji="1" lang="ja-JP" altLang="en-US" smtClean="0"/>
-              <a:t>2024/3/4</a:t>
+              <a:t>2025/4/23</a:t>
             </a:fld>
             <a:endParaRPr kumimoji="1" lang="ja-JP" altLang="en-US"/>
           </a:p>
@@ -8662,7 +8554,7 @@
           <a:p>
             <a:fld id="{2ABC02D7-CBD1-4D33-B166-78A898DF0F76}" type="datetimeFigureOut">
               <a:rPr kumimoji="1" lang="ja-JP" altLang="en-US" smtClean="0"/>
-              <a:t>2024/3/4</a:t>
+              <a:t>2025/4/23</a:t>
             </a:fld>
             <a:endParaRPr kumimoji="1" lang="ja-JP" altLang="en-US"/>
           </a:p>
@@ -9378,45 +9270,6 @@
       </p:sp>
       <p:sp>
         <p:nvSpPr>
-          <p:cNvPr id="6" name="テキスト ボックス 5">
-            <a:extLst>
-              <a:ext uri="{FF2B5EF4-FFF2-40B4-BE49-F238E27FC236}">
-                <a16:creationId xmlns:a16="http://schemas.microsoft.com/office/drawing/2014/main" id="{EC25287D-84BF-4DA3-814C-7961CA49AC3E}"/>
-              </a:ext>
-            </a:extLst>
-          </p:cNvPr>
-          <p:cNvSpPr txBox="1"/>
-          <p:nvPr/>
-        </p:nvSpPr>
-        <p:spPr>
-          <a:xfrm>
-            <a:off x="702260" y="2785241"/>
-            <a:ext cx="4801314" cy="461665"/>
-          </a:xfrm>
-          <a:prstGeom prst="rect">
-            <a:avLst/>
-          </a:prstGeom>
-          <a:noFill/>
-        </p:spPr>
-        <p:txBody>
-          <a:bodyPr wrap="none" rtlCol="0">
-            <a:spAutoFit/>
-          </a:bodyPr>
-          <a:lstStyle/>
-          <a:p>
-            <a:pPr algn="l"/>
-            <a:r>
-              <a:rPr kumimoji="1" lang="ja-JP" altLang="en-US" sz="2400" dirty="0">
-                <a:latin typeface="メイリオ" panose="020B0604030504040204" pitchFamily="50" charset="-128"/>
-                <a:ea typeface="メイリオ" panose="020B0604030504040204" pitchFamily="50" charset="-128"/>
-              </a:rPr>
-              <a:t>まず簡単なものから確率計算する</a:t>
-            </a:r>
-          </a:p>
-        </p:txBody>
-      </p:sp>
-      <p:sp>
-        <p:nvSpPr>
           <p:cNvPr id="7" name="テキスト ボックス 6">
             <a:extLst>
               <a:ext uri="{FF2B5EF4-FFF2-40B4-BE49-F238E27FC236}">
@@ -9429,7 +9282,7 @@
         </p:nvSpPr>
         <p:spPr>
           <a:xfrm>
-            <a:off x="987972" y="3439842"/>
+            <a:off x="987972" y="3163245"/>
             <a:ext cx="3570208" cy="461665"/>
           </a:xfrm>
           <a:prstGeom prst="rect">
@@ -9470,7 +9323,7 @@
             </p:nvSpPr>
             <p:spPr>
               <a:xfrm>
-                <a:off x="1375681" y="4094443"/>
+                <a:off x="1375681" y="3817846"/>
                 <a:ext cx="2075889" cy="369332"/>
               </a:xfrm>
               <a:prstGeom prst="rect">
@@ -9587,7 +9440,7 @@
             </p:nvSpPr>
             <p:spPr>
               <a:xfrm>
-                <a:off x="1375681" y="4094443"/>
+                <a:off x="1375681" y="3817846"/>
                 <a:ext cx="2075889" cy="369332"/>
               </a:xfrm>
               <a:prstGeom prst="rect">
@@ -9596,7 +9449,7 @@
               <a:blipFill>
                 <a:blip r:embed="rId2"/>
                 <a:stretch>
-                  <a:fillRect l="-2353" t="-11667" r="-2059" b="-21667"/>
+                  <a:fillRect l="-2353" t="-11475" r="-2059" b="-19672"/>
                 </a:stretch>
               </a:blipFill>
             </p:spPr>
@@ -9629,8 +9482,8 @@
         </p:nvSpPr>
         <p:spPr>
           <a:xfrm>
-            <a:off x="3807187" y="4076652"/>
-            <a:ext cx="8012609" cy="830997"/>
+            <a:off x="3451570" y="3648569"/>
+            <a:ext cx="6756845" cy="707886"/>
           </a:xfrm>
           <a:prstGeom prst="rect">
             <a:avLst/>
@@ -9645,25 +9498,39 @@
           <a:p>
             <a:pPr algn="l"/>
             <a:r>
-              <a:rPr kumimoji="1" lang="ja-JP" altLang="en-US" sz="2400" dirty="0">
+              <a:rPr kumimoji="1" lang="ja-JP" altLang="en-US" sz="2000" dirty="0">
                 <a:latin typeface="メイリオ" panose="020B0604030504040204" pitchFamily="50" charset="-128"/>
                 <a:ea typeface="メイリオ" panose="020B0604030504040204" pitchFamily="50" charset="-128"/>
               </a:rPr>
               <a:t>仮に日本語のボキャブラリーが</a:t>
             </a:r>
             <a:r>
-              <a:rPr kumimoji="1" lang="en-US" altLang="ja-JP" sz="2400" dirty="0">
+              <a:rPr kumimoji="1" lang="en-US" altLang="ja-JP" sz="2000" dirty="0">
                 <a:latin typeface="メイリオ" panose="020B0604030504040204" pitchFamily="50" charset="-128"/>
                 <a:ea typeface="メイリオ" panose="020B0604030504040204" pitchFamily="50" charset="-128"/>
               </a:rPr>
               <a:t>10,000</a:t>
             </a:r>
             <a:r>
-              <a:rPr kumimoji="1" lang="ja-JP" altLang="en-US" sz="2400" dirty="0">
-                <a:latin typeface="メイリオ" panose="020B0604030504040204" pitchFamily="50" charset="-128"/>
-                <a:ea typeface="メイリオ" panose="020B0604030504040204" pitchFamily="50" charset="-128"/>
-              </a:rPr>
-              <a:t>で全ての単語が一様に出現するとしたら？</a:t>
+              <a:rPr kumimoji="1" lang="ja-JP" altLang="en-US" sz="2000" dirty="0">
+                <a:latin typeface="メイリオ" panose="020B0604030504040204" pitchFamily="50" charset="-128"/>
+                <a:ea typeface="メイリオ" panose="020B0604030504040204" pitchFamily="50" charset="-128"/>
+              </a:rPr>
+              <a:t>で</a:t>
+            </a:r>
+            <a:r>
+              <a:rPr kumimoji="1" lang="en-US" altLang="ja-JP" sz="2000" dirty="0">
+                <a:latin typeface="メイリオ" panose="020B0604030504040204" pitchFamily="50" charset="-128"/>
+                <a:ea typeface="メイリオ" panose="020B0604030504040204" pitchFamily="50" charset="-128"/>
+              </a:rPr>
+              <a:t>,</a:t>
+            </a:r>
+            <a:r>
+              <a:rPr kumimoji="1" lang="ja-JP" altLang="en-US" sz="2000" dirty="0">
+                <a:latin typeface="メイリオ" panose="020B0604030504040204" pitchFamily="50" charset="-128"/>
+                <a:ea typeface="メイリオ" panose="020B0604030504040204" pitchFamily="50" charset="-128"/>
+              </a:rPr>
+              <a:t>文書の冒頭では全ての単語が一様に出現するとすると？</a:t>
             </a:r>
           </a:p>
         </p:txBody>
@@ -9682,8 +9549,47 @@
         </p:nvSpPr>
         <p:spPr>
           <a:xfrm>
-            <a:off x="987972" y="4907649"/>
-            <a:ext cx="2031325" cy="461665"/>
+            <a:off x="987972" y="4733377"/>
+            <a:ext cx="10997840" cy="461665"/>
+          </a:xfrm>
+          <a:prstGeom prst="rect">
+            <a:avLst/>
+          </a:prstGeom>
+          <a:noFill/>
+        </p:spPr>
+        <p:txBody>
+          <a:bodyPr wrap="square" rtlCol="0">
+            <a:spAutoFit/>
+          </a:bodyPr>
+          <a:lstStyle/>
+          <a:p>
+            <a:pPr algn="l"/>
+            <a:r>
+              <a:rPr kumimoji="1" lang="ja-JP" altLang="en-US" sz="2400" dirty="0">
+                <a:latin typeface="メイリオ" panose="020B0604030504040204" pitchFamily="50" charset="-128"/>
+                <a:ea typeface="メイリオ" panose="020B0604030504040204" pitchFamily="50" charset="-128"/>
+              </a:rPr>
+              <a:t>③の確率は？</a:t>
+            </a:r>
+          </a:p>
+        </p:txBody>
+      </p:sp>
+      <p:sp>
+        <p:nvSpPr>
+          <p:cNvPr id="12" name="テキスト ボックス 11">
+            <a:extLst>
+              <a:ext uri="{FF2B5EF4-FFF2-40B4-BE49-F238E27FC236}">
+                <a16:creationId xmlns:a16="http://schemas.microsoft.com/office/drawing/2014/main" id="{C5E6775B-7343-98C3-E312-8EBFF5596D7B}"/>
+              </a:ext>
+            </a:extLst>
+          </p:cNvPr>
+          <p:cNvSpPr txBox="1"/>
+          <p:nvPr/>
+        </p:nvSpPr>
+        <p:spPr>
+          <a:xfrm>
+            <a:off x="3694845" y="6237358"/>
+            <a:ext cx="7584127" cy="461665"/>
           </a:xfrm>
           <a:prstGeom prst="rect">
             <a:avLst/>
@@ -9698,11 +9604,60 @@
           <a:p>
             <a:pPr algn="l"/>
             <a:r>
+              <a:rPr kumimoji="1" lang="en-US" altLang="ja-JP" sz="2400" dirty="0">
+                <a:latin typeface="メイリオ" panose="020B0604030504040204" pitchFamily="50" charset="-128"/>
+                <a:ea typeface="メイリオ" panose="020B0604030504040204" pitchFamily="50" charset="-128"/>
+              </a:rPr>
+              <a:t>‘</a:t>
+            </a:r>
+            <a:r>
               <a:rPr kumimoji="1" lang="ja-JP" altLang="en-US" sz="2400" dirty="0">
                 <a:latin typeface="メイリオ" panose="020B0604030504040204" pitchFamily="50" charset="-128"/>
                 <a:ea typeface="メイリオ" panose="020B0604030504040204" pitchFamily="50" charset="-128"/>
               </a:rPr>
-              <a:t>③の確率は？</a:t>
+              <a:t>酢も</a:t>
+            </a:r>
+            <a:r>
+              <a:rPr kumimoji="1" lang="en-US" altLang="ja-JP" sz="2400" dirty="0">
+                <a:latin typeface="メイリオ" panose="020B0604030504040204" pitchFamily="50" charset="-128"/>
+                <a:ea typeface="メイリオ" panose="020B0604030504040204" pitchFamily="50" charset="-128"/>
+              </a:rPr>
+              <a:t>’</a:t>
+            </a:r>
+            <a:r>
+              <a:rPr kumimoji="1" lang="ja-JP" altLang="en-US" sz="2400" dirty="0">
+                <a:latin typeface="メイリオ" panose="020B0604030504040204" pitchFamily="50" charset="-128"/>
+                <a:ea typeface="メイリオ" panose="020B0604030504040204" pitchFamily="50" charset="-128"/>
+              </a:rPr>
+              <a:t>が与えられたときに</a:t>
+            </a:r>
+            <a:r>
+              <a:rPr kumimoji="1" lang="en-US" altLang="ja-JP" sz="2400" dirty="0">
+                <a:latin typeface="メイリオ" panose="020B0604030504040204" pitchFamily="50" charset="-128"/>
+                <a:ea typeface="メイリオ" panose="020B0604030504040204" pitchFamily="50" charset="-128"/>
+              </a:rPr>
+              <a:t>’</a:t>
+            </a:r>
+            <a:r>
+              <a:rPr kumimoji="1" lang="ja-JP" altLang="en-US" sz="2400" dirty="0">
+                <a:latin typeface="メイリオ" panose="020B0604030504040204" pitchFamily="50" charset="-128"/>
+                <a:ea typeface="メイリオ" panose="020B0604030504040204" pitchFamily="50" charset="-128"/>
+              </a:rPr>
+              <a:t>も</a:t>
+            </a:r>
+            <a:r>
+              <a:rPr kumimoji="1" lang="en-US" altLang="ja-JP" sz="2400" dirty="0">
+                <a:latin typeface="メイリオ" panose="020B0604030504040204" pitchFamily="50" charset="-128"/>
+                <a:ea typeface="メイリオ" panose="020B0604030504040204" pitchFamily="50" charset="-128"/>
+              </a:rPr>
+              <a:t>’</a:t>
+            </a:r>
+            <a:r>
+              <a:rPr kumimoji="1" lang="ja-JP" altLang="en-US" sz="2400" dirty="0">
+                <a:latin typeface="メイリオ" panose="020B0604030504040204" pitchFamily="50" charset="-128"/>
+                <a:ea typeface="メイリオ" panose="020B0604030504040204" pitchFamily="50" charset="-128"/>
+              </a:rPr>
+              <a:t>が観測される条件付確率</a:t>
             </a:r>
           </a:p>
         </p:txBody>
@@ -9711,10 +9666,10 @@
         <mc:Choice Requires="a14">
           <p:sp>
             <p:nvSpPr>
-              <p:cNvPr id="11" name="テキスト ボックス 10">
+              <p:cNvPr id="13" name="テキスト ボックス 12">
                 <a:extLst>
                   <a:ext uri="{FF2B5EF4-FFF2-40B4-BE49-F238E27FC236}">
-                    <a16:creationId xmlns:a16="http://schemas.microsoft.com/office/drawing/2014/main" id="{6380F6BD-A784-A4F8-7940-FBC23F2C1740}"/>
+                    <a16:creationId xmlns:a16="http://schemas.microsoft.com/office/drawing/2014/main" id="{6E44C427-2C75-55C0-7E39-7BBE257CA34E}"/>
                   </a:ext>
                 </a:extLst>
               </p:cNvPr>
@@ -9723,8 +9678,230 @@
             </p:nvSpPr>
             <p:spPr>
               <a:xfrm>
-                <a:off x="1375681" y="5562250"/>
-                <a:ext cx="2518638" cy="462563"/>
+                <a:off x="3909839" y="5530391"/>
+                <a:ext cx="4918654" cy="370230"/>
+              </a:xfrm>
+              <a:prstGeom prst="rect">
+                <a:avLst/>
+              </a:prstGeom>
+              <a:noFill/>
+            </p:spPr>
+            <p:txBody>
+              <a:bodyPr wrap="none" lIns="0" tIns="0" rIns="0" bIns="0" rtlCol="0">
+                <a:spAutoFit/>
+              </a:bodyPr>
+              <a:lstStyle/>
+              <a:p>
+                <a:pPr algn="l"/>
+                <a14:m>
+                  <m:oMath xmlns:m="http://schemas.openxmlformats.org/officeDocument/2006/math">
+                    <m:r>
+                      <a:rPr kumimoji="1" lang="en-US" altLang="ja-JP" sz="2400" b="0" i="1" smtClean="0">
+                        <a:latin typeface="Cambria Math" panose="02040503050406030204" pitchFamily="18" charset="0"/>
+                        <a:ea typeface="メイリオ" panose="020B0604030504040204" pitchFamily="50" charset="-128"/>
+                      </a:rPr>
+                      <m:t>𝑝</m:t>
+                    </m:r>
+                    <m:r>
+                      <a:rPr kumimoji="1" lang="en-US" altLang="ja-JP" sz="2400" b="0" i="1" smtClean="0">
+                        <a:latin typeface="Cambria Math" panose="02040503050406030204" pitchFamily="18" charset="0"/>
+                        <a:ea typeface="メイリオ" panose="020B0604030504040204" pitchFamily="50" charset="-128"/>
+                      </a:rPr>
+                      <m:t>(</m:t>
+                    </m:r>
+                    <m:r>
+                      <a:rPr kumimoji="1" lang="ja-JP" altLang="en-US" sz="2400" i="1">
+                        <a:latin typeface="Cambria Math" panose="02040503050406030204" pitchFamily="18" charset="0"/>
+                        <a:ea typeface="メイリオ" panose="020B0604030504040204" pitchFamily="50" charset="-128"/>
+                      </a:rPr>
+                      <m:t>酢も</m:t>
+                    </m:r>
+                  </m:oMath>
+                </a14:m>
+                <a:r>
+                  <a:rPr kumimoji="1" lang="en-US" altLang="ja-JP" sz="2400" dirty="0">
+                    <a:latin typeface="メイリオ" panose="020B0604030504040204" pitchFamily="50" charset="-128"/>
+                    <a:ea typeface="メイリオ" panose="020B0604030504040204" pitchFamily="50" charset="-128"/>
+                  </a:rPr>
+                  <a:t>, </a:t>
+                </a:r>
+                <a:r>
+                  <a:rPr kumimoji="1" lang="ja-JP" altLang="en-US" sz="2400" dirty="0">
+                    <a:latin typeface="メイリオ" panose="020B0604030504040204" pitchFamily="50" charset="-128"/>
+                    <a:ea typeface="メイリオ" panose="020B0604030504040204" pitchFamily="50" charset="-128"/>
+                  </a:rPr>
+                  <a:t>も</a:t>
+                </a:r>
+                <a:r>
+                  <a:rPr kumimoji="1" lang="en-US" altLang="ja-JP" sz="2400" dirty="0">
+                    <a:latin typeface="メイリオ" panose="020B0604030504040204" pitchFamily="50" charset="-128"/>
+                    <a:ea typeface="メイリオ" panose="020B0604030504040204" pitchFamily="50" charset="-128"/>
+                  </a:rPr>
+                  <a:t>)</a:t>
+                </a:r>
+                <a14:m>
+                  <m:oMath xmlns:m="http://schemas.openxmlformats.org/officeDocument/2006/math">
+                    <m:r>
+                      <a:rPr kumimoji="1" lang="en-US" altLang="ja-JP" sz="2400" b="0" i="1" smtClean="0">
+                        <a:latin typeface="Cambria Math" panose="02040503050406030204" pitchFamily="18" charset="0"/>
+                        <a:ea typeface="メイリオ" panose="020B0604030504040204" pitchFamily="50" charset="-128"/>
+                      </a:rPr>
+                      <m:t>=</m:t>
+                    </m:r>
+                    <m:r>
+                      <a:rPr kumimoji="1" lang="en-US" altLang="ja-JP" sz="2400" b="0" i="1" smtClean="0">
+                        <a:latin typeface="Cambria Math" panose="02040503050406030204" pitchFamily="18" charset="0"/>
+                        <a:ea typeface="メイリオ" panose="020B0604030504040204" pitchFamily="50" charset="-128"/>
+                      </a:rPr>
+                      <m:t>𝑝</m:t>
+                    </m:r>
+                    <m:r>
+                      <a:rPr kumimoji="1" lang="en-US" altLang="ja-JP" sz="2400" b="0" i="1" smtClean="0">
+                        <a:latin typeface="Cambria Math" panose="02040503050406030204" pitchFamily="18" charset="0"/>
+                        <a:ea typeface="メイリオ" panose="020B0604030504040204" pitchFamily="50" charset="-128"/>
+                      </a:rPr>
+                      <m:t>(</m:t>
+                    </m:r>
+                    <m:r>
+                      <a:rPr kumimoji="1" lang="en-US" altLang="ja-JP" sz="2400" b="0" i="0" smtClean="0">
+                        <a:latin typeface="Cambria Math" panose="02040503050406030204" pitchFamily="18" charset="0"/>
+                        <a:ea typeface="メイリオ" panose="020B0604030504040204" pitchFamily="50" charset="-128"/>
+                      </a:rPr>
+                      <m:t>′</m:t>
+                    </m:r>
+                    <m:r>
+                      <a:rPr kumimoji="1" lang="ja-JP" altLang="en-US" sz="2400" i="1">
+                        <a:latin typeface="Cambria Math" panose="02040503050406030204" pitchFamily="18" charset="0"/>
+                        <a:ea typeface="メイリオ" panose="020B0604030504040204" pitchFamily="50" charset="-128"/>
+                      </a:rPr>
+                      <m:t>も</m:t>
+                    </m:r>
+                  </m:oMath>
+                </a14:m>
+                <a:r>
+                  <a:rPr kumimoji="1" lang="en-US" altLang="ja-JP" sz="2400" dirty="0">
+                    <a:latin typeface="メイリオ" panose="020B0604030504040204" pitchFamily="50" charset="-128"/>
+                    <a:ea typeface="メイリオ" panose="020B0604030504040204" pitchFamily="50" charset="-128"/>
+                  </a:rPr>
+                  <a:t>’|’</a:t>
+                </a:r>
+                <a:r>
+                  <a:rPr kumimoji="1" lang="ja-JP" altLang="en-US" sz="2400" dirty="0">
+                    <a:latin typeface="メイリオ" panose="020B0604030504040204" pitchFamily="50" charset="-128"/>
+                    <a:ea typeface="メイリオ" panose="020B0604030504040204" pitchFamily="50" charset="-128"/>
+                  </a:rPr>
+                  <a:t>酢も</a:t>
+                </a:r>
+                <a:r>
+                  <a:rPr kumimoji="1" lang="en-US" altLang="ja-JP" sz="2400" dirty="0">
+                    <a:latin typeface="メイリオ" panose="020B0604030504040204" pitchFamily="50" charset="-128"/>
+                    <a:ea typeface="メイリオ" panose="020B0604030504040204" pitchFamily="50" charset="-128"/>
+                  </a:rPr>
+                  <a:t>’)</a:t>
+                </a:r>
+                <a14:m>
+                  <m:oMath xmlns:m="http://schemas.openxmlformats.org/officeDocument/2006/math">
+                    <m:r>
+                      <a:rPr kumimoji="1" lang="en-US" altLang="ja-JP" sz="2400" b="0" i="1" smtClean="0">
+                        <a:latin typeface="Cambria Math" panose="02040503050406030204" pitchFamily="18" charset="0"/>
+                        <a:ea typeface="メイリオ" panose="020B0604030504040204" pitchFamily="50" charset="-128"/>
+                      </a:rPr>
+                      <m:t>𝑝</m:t>
+                    </m:r>
+                    <m:r>
+                      <a:rPr kumimoji="1" lang="en-US" altLang="ja-JP" sz="2400" b="0" i="1" smtClean="0">
+                        <a:latin typeface="Cambria Math" panose="02040503050406030204" pitchFamily="18" charset="0"/>
+                        <a:ea typeface="メイリオ" panose="020B0604030504040204" pitchFamily="50" charset="-128"/>
+                      </a:rPr>
+                      <m:t>(′</m:t>
+                    </m:r>
+                    <m:r>
+                      <a:rPr kumimoji="1" lang="ja-JP" altLang="en-US" sz="2400" i="1">
+                        <a:latin typeface="Cambria Math" panose="02040503050406030204" pitchFamily="18" charset="0"/>
+                        <a:ea typeface="メイリオ" panose="020B0604030504040204" pitchFamily="50" charset="-128"/>
+                      </a:rPr>
+                      <m:t>酢も</m:t>
+                    </m:r>
+                  </m:oMath>
+                </a14:m>
+                <a:r>
+                  <a:rPr kumimoji="1" lang="en-US" altLang="ja-JP" sz="2400" dirty="0">
+                    <a:latin typeface="メイリオ" panose="020B0604030504040204" pitchFamily="50" charset="-128"/>
+                    <a:ea typeface="メイリオ" panose="020B0604030504040204" pitchFamily="50" charset="-128"/>
+                  </a:rPr>
+                  <a:t>’)</a:t>
+                </a:r>
+                <a:endParaRPr kumimoji="1" lang="ja-JP" altLang="en-US" sz="2400" dirty="0">
+                  <a:latin typeface="メイリオ" panose="020B0604030504040204" pitchFamily="50" charset="-128"/>
+                  <a:ea typeface="メイリオ" panose="020B0604030504040204" pitchFamily="50" charset="-128"/>
+                </a:endParaRPr>
+              </a:p>
+            </p:txBody>
+          </p:sp>
+        </mc:Choice>
+        <mc:Fallback xmlns="">
+          <p:sp>
+            <p:nvSpPr>
+              <p:cNvPr id="13" name="テキスト ボックス 12">
+                <a:extLst>
+                  <a:ext uri="{FF2B5EF4-FFF2-40B4-BE49-F238E27FC236}">
+                    <a16:creationId xmlns:a16="http://schemas.microsoft.com/office/drawing/2014/main" id="{6E44C427-2C75-55C0-7E39-7BBE257CA34E}"/>
+                  </a:ext>
+                </a:extLst>
+              </p:cNvPr>
+              <p:cNvSpPr txBox="1">
+                <a:spLocks noRot="1" noChangeAspect="1" noMove="1" noResize="1" noEditPoints="1" noAdjustHandles="1" noChangeArrowheads="1" noChangeShapeType="1" noTextEdit="1"/>
+              </p:cNvSpPr>
+              <p:nvPr/>
+            </p:nvSpPr>
+            <p:spPr>
+              <a:xfrm>
+                <a:off x="3909839" y="5530391"/>
+                <a:ext cx="4918654" cy="370230"/>
+              </a:xfrm>
+              <a:prstGeom prst="rect">
+                <a:avLst/>
+              </a:prstGeom>
+              <a:blipFill>
+                <a:blip r:embed="rId3"/>
+                <a:stretch>
+                  <a:fillRect l="-2230" t="-21311" r="-2726" b="-52459"/>
+                </a:stretch>
+              </a:blipFill>
+            </p:spPr>
+            <p:txBody>
+              <a:bodyPr/>
+              <a:lstStyle/>
+              <a:p>
+                <a:r>
+                  <a:rPr lang="ja-JP" altLang="en-US">
+                    <a:noFill/>
+                  </a:rPr>
+                  <a:t> </a:t>
+                </a:r>
+              </a:p>
+            </p:txBody>
+          </p:sp>
+        </mc:Fallback>
+      </mc:AlternateContent>
+      <mc:AlternateContent xmlns:mc="http://schemas.openxmlformats.org/markup-compatibility/2006" xmlns:a14="http://schemas.microsoft.com/office/drawing/2010/main">
+        <mc:Choice Requires="a14">
+          <p:sp>
+            <p:nvSpPr>
+              <p:cNvPr id="14" name="テキスト ボックス 13">
+                <a:extLst>
+                  <a:ext uri="{FF2B5EF4-FFF2-40B4-BE49-F238E27FC236}">
+                    <a16:creationId xmlns:a16="http://schemas.microsoft.com/office/drawing/2014/main" id="{2F225EDA-F3FC-44B7-7FAF-B27A5E1CA22B}"/>
+                  </a:ext>
+                </a:extLst>
+              </p:cNvPr>
+              <p:cNvSpPr txBox="1"/>
+              <p:nvPr/>
+            </p:nvSpPr>
+            <p:spPr>
+              <a:xfrm>
+                <a:off x="1245794" y="5484224"/>
+                <a:ext cx="1757789" cy="462563"/>
               </a:xfrm>
               <a:prstGeom prst="rect">
                 <a:avLst/>
@@ -9737,98 +9914,53 @@
               </a:bodyPr>
               <a:lstStyle/>
               <a:p>
-                <a:pPr/>
+                <a:pPr algn="l"/>
                 <a14:m>
-                  <m:oMathPara xmlns:m="http://schemas.openxmlformats.org/officeDocument/2006/math">
-                    <m:oMathParaPr>
-                      <m:jc m:val="centerGroup"/>
-                    </m:oMathParaPr>
-                    <m:oMath xmlns:m="http://schemas.openxmlformats.org/officeDocument/2006/math">
-                      <m:r>
-                        <a:rPr kumimoji="1" lang="en-US" altLang="ja-JP" sz="2400" b="0" i="1" smtClean="0">
-                          <a:latin typeface="Cambria Math" panose="02040503050406030204" pitchFamily="18" charset="0"/>
-                          <a:ea typeface="メイリオ" panose="020B0604030504040204" pitchFamily="50" charset="-128"/>
-                        </a:rPr>
-                        <m:t>𝑝</m:t>
-                      </m:r>
-                      <m:d>
-                        <m:dPr>
-                          <m:ctrlPr>
-                            <a:rPr kumimoji="1" lang="en-US" altLang="ja-JP" sz="2400" b="0" i="1" smtClean="0">
-                              <a:latin typeface="Cambria Math" panose="02040503050406030204" pitchFamily="18" charset="0"/>
-                              <a:ea typeface="メイリオ" panose="020B0604030504040204" pitchFamily="50" charset="-128"/>
-                            </a:rPr>
-                          </m:ctrlPr>
-                        </m:dPr>
-                        <m:e>
-                          <m:r>
-                            <a:rPr kumimoji="1" lang="en-US" altLang="ja-JP" sz="2400" b="0" i="1" smtClean="0">
-                              <a:latin typeface="Cambria Math" panose="02040503050406030204" pitchFamily="18" charset="0"/>
-                              <a:ea typeface="メイリオ" panose="020B0604030504040204" pitchFamily="50" charset="-128"/>
-                            </a:rPr>
-                            <m:t>′</m:t>
-                          </m:r>
-                          <m:sSup>
-                            <m:sSupPr>
-                              <m:ctrlPr>
-                                <a:rPr kumimoji="1" lang="en-US" altLang="ja-JP" sz="2400" b="0" i="1" smtClean="0">
-                                  <a:latin typeface="Cambria Math" panose="02040503050406030204" pitchFamily="18" charset="0"/>
-                                  <a:ea typeface="メイリオ" panose="020B0604030504040204" pitchFamily="50" charset="-128"/>
-                                </a:rPr>
-                              </m:ctrlPr>
-                            </m:sSupPr>
-                            <m:e>
-                              <m:r>
-                                <a:rPr kumimoji="1" lang="ja-JP" altLang="en-US" sz="2400" i="1">
-                                  <a:latin typeface="Cambria Math" panose="02040503050406030204" pitchFamily="18" charset="0"/>
-                                  <a:ea typeface="メイリオ" panose="020B0604030504040204" pitchFamily="50" charset="-128"/>
-                                </a:rPr>
-                                <m:t>も</m:t>
-                              </m:r>
-                            </m:e>
-                            <m:sup>
-                              <m:r>
-                                <a:rPr kumimoji="1" lang="en-US" altLang="ja-JP" sz="2400" b="0" i="1" smtClean="0">
-                                  <a:latin typeface="Cambria Math" panose="02040503050406030204" pitchFamily="18" charset="0"/>
-                                  <a:ea typeface="メイリオ" panose="020B0604030504040204" pitchFamily="50" charset="-128"/>
-                                </a:rPr>
-                                <m:t>′</m:t>
-                              </m:r>
-                            </m:sup>
-                          </m:sSup>
-                          <m:r>
-                            <a:rPr kumimoji="1" lang="en-US" altLang="ja-JP" sz="2400" b="0" i="1" smtClean="0">
-                              <a:latin typeface="Cambria Math" panose="02040503050406030204" pitchFamily="18" charset="0"/>
-                              <a:ea typeface="メイリオ" panose="020B0604030504040204" pitchFamily="50" charset="-128"/>
-                            </a:rPr>
-                            <m:t>|′</m:t>
-                          </m:r>
-                          <m:r>
-                            <a:rPr kumimoji="1" lang="ja-JP" altLang="en-US" sz="2400" i="1">
-                              <a:latin typeface="Cambria Math" panose="02040503050406030204" pitchFamily="18" charset="0"/>
-                              <a:ea typeface="メイリオ" panose="020B0604030504040204" pitchFamily="50" charset="-128"/>
-                            </a:rPr>
-                            <m:t>酢も</m:t>
-                          </m:r>
-                          <m:r>
-                            <a:rPr kumimoji="1" lang="en-US" altLang="ja-JP" sz="2400" b="0" i="1" smtClean="0">
-                              <a:latin typeface="Cambria Math" panose="02040503050406030204" pitchFamily="18" charset="0"/>
-                              <a:ea typeface="メイリオ" panose="020B0604030504040204" pitchFamily="50" charset="-128"/>
-                            </a:rPr>
-                            <m:t>′</m:t>
-                          </m:r>
-                        </m:e>
-                      </m:d>
-                      <m:r>
-                        <a:rPr kumimoji="1" lang="en-US" altLang="ja-JP" sz="2400" b="0" i="1" smtClean="0">
-                          <a:latin typeface="Cambria Math" panose="02040503050406030204" pitchFamily="18" charset="0"/>
-                          <a:ea typeface="メイリオ" panose="020B0604030504040204" pitchFamily="50" charset="-128"/>
-                        </a:rPr>
-                        <m:t>=?</m:t>
-                      </m:r>
-                    </m:oMath>
-                  </m:oMathPara>
+                  <m:oMath xmlns:m="http://schemas.openxmlformats.org/officeDocument/2006/math">
+                    <m:r>
+                      <a:rPr kumimoji="1" lang="en-US" altLang="ja-JP" sz="2400" b="0" i="1" smtClean="0">
+                        <a:latin typeface="Cambria Math" panose="02040503050406030204" pitchFamily="18" charset="0"/>
+                        <a:ea typeface="メイリオ" panose="020B0604030504040204" pitchFamily="50" charset="-128"/>
+                      </a:rPr>
+                      <m:t>𝑝</m:t>
+                    </m:r>
+                    <m:r>
+                      <a:rPr kumimoji="1" lang="en-US" altLang="ja-JP" sz="2400" b="0" i="1" smtClean="0">
+                        <a:latin typeface="Cambria Math" panose="02040503050406030204" pitchFamily="18" charset="0"/>
+                        <a:ea typeface="メイリオ" panose="020B0604030504040204" pitchFamily="50" charset="-128"/>
+                      </a:rPr>
+                      <m:t>(</m:t>
+                    </m:r>
+                    <m:r>
+                      <a:rPr kumimoji="1" lang="ja-JP" altLang="en-US" sz="2400" i="1">
+                        <a:latin typeface="Cambria Math" panose="02040503050406030204" pitchFamily="18" charset="0"/>
+                        <a:ea typeface="メイリオ" panose="020B0604030504040204" pitchFamily="50" charset="-128"/>
+                      </a:rPr>
+                      <m:t>酢も</m:t>
+                    </m:r>
+                  </m:oMath>
                 </a14:m>
+                <a:r>
+                  <a:rPr kumimoji="1" lang="en-US" altLang="ja-JP" sz="2400" dirty="0">
+                    <a:latin typeface="メイリオ" panose="020B0604030504040204" pitchFamily="50" charset="-128"/>
+                    <a:ea typeface="メイリオ" panose="020B0604030504040204" pitchFamily="50" charset="-128"/>
+                  </a:rPr>
+                  <a:t>, </a:t>
+                </a:r>
+                <a:r>
+                  <a:rPr kumimoji="1" lang="ja-JP" altLang="en-US" sz="2400" dirty="0">
+                    <a:latin typeface="メイリオ" panose="020B0604030504040204" pitchFamily="50" charset="-128"/>
+                    <a:ea typeface="メイリオ" panose="020B0604030504040204" pitchFamily="50" charset="-128"/>
+                  </a:rPr>
+                  <a:t>も</a:t>
+                </a:r>
+                <a:r>
+                  <a:rPr kumimoji="1" lang="en-US" altLang="ja-JP" sz="2400" dirty="0">
+                    <a:latin typeface="メイリオ" panose="020B0604030504040204" pitchFamily="50" charset="-128"/>
+                    <a:ea typeface="メイリオ" panose="020B0604030504040204" pitchFamily="50" charset="-128"/>
+                  </a:rPr>
+                  <a:t>)</a:t>
+                </a:r>
                 <a:endParaRPr kumimoji="1" lang="ja-JP" altLang="en-US" sz="2400" dirty="0">
                   <a:latin typeface="メイリオ" panose="020B0604030504040204" pitchFamily="50" charset="-128"/>
                   <a:ea typeface="メイリオ" panose="020B0604030504040204" pitchFamily="50" charset="-128"/>
@@ -9840,10 +9972,10 @@
         <mc:Fallback xmlns="">
           <p:sp>
             <p:nvSpPr>
-              <p:cNvPr id="11" name="テキスト ボックス 10">
+              <p:cNvPr id="14" name="テキスト ボックス 13">
                 <a:extLst>
                   <a:ext uri="{FF2B5EF4-FFF2-40B4-BE49-F238E27FC236}">
-                    <a16:creationId xmlns:a16="http://schemas.microsoft.com/office/drawing/2014/main" id="{6380F6BD-A784-A4F8-7940-FBC23F2C1740}"/>
+                    <a16:creationId xmlns:a16="http://schemas.microsoft.com/office/drawing/2014/main" id="{2F225EDA-F3FC-44B7-7FAF-B27A5E1CA22B}"/>
                   </a:ext>
                 </a:extLst>
               </p:cNvPr>
@@ -9854,16 +9986,16 @@
             </p:nvSpPr>
             <p:spPr>
               <a:xfrm>
-                <a:off x="1375681" y="5562250"/>
-                <a:ext cx="2518638" cy="462563"/>
+                <a:off x="1245794" y="5484224"/>
+                <a:ext cx="1757789" cy="462563"/>
               </a:xfrm>
               <a:prstGeom prst="rect">
                 <a:avLst/>
               </a:prstGeom>
               <a:blipFill>
-                <a:blip r:embed="rId3"/>
+                <a:blip r:embed="rId4"/>
                 <a:stretch>
-                  <a:fillRect t="-2632" b="-13158"/>
+                  <a:fillRect l="-1038" t="-7895" r="-4152" b="-31579"/>
                 </a:stretch>
               </a:blipFill>
             </p:spPr>
@@ -9884,92 +10016,244 @@
       </mc:AlternateContent>
       <p:sp>
         <p:nvSpPr>
-          <p:cNvPr id="12" name="テキスト ボックス 11">
+          <p:cNvPr id="15" name="左中かっこ 14">
             <a:extLst>
               <a:ext uri="{FF2B5EF4-FFF2-40B4-BE49-F238E27FC236}">
-                <a16:creationId xmlns:a16="http://schemas.microsoft.com/office/drawing/2014/main" id="{C5E6775B-7343-98C3-E312-8EBFF5596D7B}"/>
+                <a16:creationId xmlns:a16="http://schemas.microsoft.com/office/drawing/2014/main" id="{8AF03745-39D3-8C29-BCAD-C14AADFABA0E}"/>
               </a:ext>
             </a:extLst>
           </p:cNvPr>
-          <p:cNvSpPr txBox="1"/>
+          <p:cNvSpPr/>
           <p:nvPr/>
         </p:nvSpPr>
         <p:spPr>
-          <a:xfrm>
-            <a:off x="4235669" y="5563148"/>
-            <a:ext cx="7584127" cy="461665"/>
+          <a:xfrm rot="16200000">
+            <a:off x="6575722" y="5398405"/>
+            <a:ext cx="422083" cy="1400291"/>
           </a:xfrm>
-          <a:prstGeom prst="rect">
+          <a:prstGeom prst="leftBrace">
             <a:avLst/>
           </a:prstGeom>
-          <a:noFill/>
         </p:spPr>
+        <p:style>
+          <a:lnRef idx="1">
+            <a:schemeClr val="accent1"/>
+          </a:lnRef>
+          <a:fillRef idx="0">
+            <a:schemeClr val="accent1"/>
+          </a:fillRef>
+          <a:effectRef idx="0">
+            <a:schemeClr val="accent1"/>
+          </a:effectRef>
+          <a:fontRef idx="minor">
+            <a:schemeClr val="tx1"/>
+          </a:fontRef>
+        </p:style>
         <p:txBody>
-          <a:bodyPr wrap="none" rtlCol="0">
-            <a:spAutoFit/>
-          </a:bodyPr>
+          <a:bodyPr rtlCol="0" anchor="ctr"/>
           <a:lstStyle/>
           <a:p>
-            <a:pPr algn="l"/>
-            <a:r>
-              <a:rPr kumimoji="1" lang="en-US" altLang="ja-JP" sz="2400" dirty="0">
-                <a:latin typeface="メイリオ" panose="020B0604030504040204" pitchFamily="50" charset="-128"/>
-                <a:ea typeface="メイリオ" panose="020B0604030504040204" pitchFamily="50" charset="-128"/>
-              </a:rPr>
-              <a:t>‘</a:t>
-            </a:r>
-            <a:r>
-              <a:rPr kumimoji="1" lang="ja-JP" altLang="en-US" sz="2400" dirty="0">
-                <a:latin typeface="メイリオ" panose="020B0604030504040204" pitchFamily="50" charset="-128"/>
-                <a:ea typeface="メイリオ" panose="020B0604030504040204" pitchFamily="50" charset="-128"/>
-              </a:rPr>
-              <a:t>酢も</a:t>
-            </a:r>
-            <a:r>
-              <a:rPr kumimoji="1" lang="en-US" altLang="ja-JP" sz="2400" dirty="0">
-                <a:latin typeface="メイリオ" panose="020B0604030504040204" pitchFamily="50" charset="-128"/>
-                <a:ea typeface="メイリオ" panose="020B0604030504040204" pitchFamily="50" charset="-128"/>
-              </a:rPr>
-              <a:t>’</a:t>
-            </a:r>
-            <a:r>
-              <a:rPr kumimoji="1" lang="ja-JP" altLang="en-US" sz="2400" dirty="0">
-                <a:latin typeface="メイリオ" panose="020B0604030504040204" pitchFamily="50" charset="-128"/>
-                <a:ea typeface="メイリオ" panose="020B0604030504040204" pitchFamily="50" charset="-128"/>
-              </a:rPr>
-              <a:t>が与えられたときに</a:t>
-            </a:r>
-            <a:r>
-              <a:rPr kumimoji="1" lang="en-US" altLang="ja-JP" sz="2400" dirty="0">
-                <a:latin typeface="メイリオ" panose="020B0604030504040204" pitchFamily="50" charset="-128"/>
-                <a:ea typeface="メイリオ" panose="020B0604030504040204" pitchFamily="50" charset="-128"/>
-              </a:rPr>
-              <a:t>’</a:t>
-            </a:r>
-            <a:r>
-              <a:rPr kumimoji="1" lang="ja-JP" altLang="en-US" sz="2400" dirty="0">
-                <a:latin typeface="メイリオ" panose="020B0604030504040204" pitchFamily="50" charset="-128"/>
-                <a:ea typeface="メイリオ" panose="020B0604030504040204" pitchFamily="50" charset="-128"/>
-              </a:rPr>
-              <a:t>も</a:t>
-            </a:r>
-            <a:r>
-              <a:rPr kumimoji="1" lang="en-US" altLang="ja-JP" sz="2400" dirty="0">
-                <a:latin typeface="メイリオ" panose="020B0604030504040204" pitchFamily="50" charset="-128"/>
-                <a:ea typeface="メイリオ" panose="020B0604030504040204" pitchFamily="50" charset="-128"/>
-              </a:rPr>
-              <a:t>’</a:t>
-            </a:r>
-            <a:r>
-              <a:rPr kumimoji="1" lang="ja-JP" altLang="en-US" sz="2400" dirty="0">
-                <a:latin typeface="メイリオ" panose="020B0604030504040204" pitchFamily="50" charset="-128"/>
-                <a:ea typeface="メイリオ" panose="020B0604030504040204" pitchFamily="50" charset="-128"/>
-              </a:rPr>
-              <a:t>が観測される条件付確率</a:t>
-            </a:r>
+            <a:pPr algn="ctr"/>
+            <a:endParaRPr kumimoji="1" lang="ja-JP" altLang="en-US"/>
           </a:p>
         </p:txBody>
       </p:sp>
+      <p:sp>
+        <p:nvSpPr>
+          <p:cNvPr id="6" name="左中かっこ 5">
+            <a:extLst>
+              <a:ext uri="{FF2B5EF4-FFF2-40B4-BE49-F238E27FC236}">
+                <a16:creationId xmlns:a16="http://schemas.microsoft.com/office/drawing/2014/main" id="{7F3DDB18-1740-02E8-4F7A-64936B9621DE}"/>
+              </a:ext>
+            </a:extLst>
+          </p:cNvPr>
+          <p:cNvSpPr/>
+          <p:nvPr/>
+        </p:nvSpPr>
+        <p:spPr>
+          <a:xfrm rot="5400000">
+            <a:off x="8160773" y="5041779"/>
+            <a:ext cx="186813" cy="595707"/>
+          </a:xfrm>
+          <a:prstGeom prst="leftBrace">
+            <a:avLst/>
+          </a:prstGeom>
+        </p:spPr>
+        <p:style>
+          <a:lnRef idx="1">
+            <a:schemeClr val="accent1"/>
+          </a:lnRef>
+          <a:fillRef idx="0">
+            <a:schemeClr val="accent1"/>
+          </a:fillRef>
+          <a:effectRef idx="0">
+            <a:schemeClr val="accent1"/>
+          </a:effectRef>
+          <a:fontRef idx="minor">
+            <a:schemeClr val="tx1"/>
+          </a:fontRef>
+        </p:style>
+        <p:txBody>
+          <a:bodyPr rtlCol="0" anchor="ctr"/>
+          <a:lstStyle/>
+          <a:p>
+            <a:pPr algn="ctr"/>
+            <a:endParaRPr kumimoji="1" lang="ja-JP" altLang="en-US"/>
+          </a:p>
+        </p:txBody>
+      </p:sp>
+      <mc:AlternateContent xmlns:mc="http://schemas.openxmlformats.org/markup-compatibility/2006">
+        <mc:Choice xmlns:a14="http://schemas.microsoft.com/office/drawing/2010/main" Requires="a14">
+          <p:sp>
+            <p:nvSpPr>
+              <p:cNvPr id="16" name="テキスト ボックス 15">
+                <a:extLst>
+                  <a:ext uri="{FF2B5EF4-FFF2-40B4-BE49-F238E27FC236}">
+                    <a16:creationId xmlns:a16="http://schemas.microsoft.com/office/drawing/2014/main" id="{D1BAEC90-EB6C-B9D6-1A4F-257E045122C5}"/>
+                  </a:ext>
+                </a:extLst>
+              </p:cNvPr>
+              <p:cNvSpPr txBox="1"/>
+              <p:nvPr/>
+            </p:nvSpPr>
+            <p:spPr>
+              <a:xfrm>
+                <a:off x="7121717" y="4851302"/>
+                <a:ext cx="2482154" cy="369332"/>
+              </a:xfrm>
+              <a:prstGeom prst="rect">
+                <a:avLst/>
+              </a:prstGeom>
+              <a:noFill/>
+            </p:spPr>
+            <p:txBody>
+              <a:bodyPr wrap="none" rtlCol="0">
+                <a:spAutoFit/>
+              </a:bodyPr>
+              <a:lstStyle/>
+              <a:p>
+                <a:pPr algn="l"/>
+                <a14:m>
+                  <m:oMath xmlns:m="http://schemas.openxmlformats.org/officeDocument/2006/math">
+                    <m:r>
+                      <a:rPr kumimoji="1" lang="en-US" altLang="ja-JP" b="0" i="1" smtClean="0">
+                        <a:latin typeface="Cambria Math" panose="02040503050406030204" pitchFamily="18" charset="0"/>
+                        <a:ea typeface="メイリオ" panose="020B0604030504040204" pitchFamily="50" charset="-128"/>
+                      </a:rPr>
+                      <m:t>𝑝</m:t>
+                    </m:r>
+                    <m:d>
+                      <m:dPr>
+                        <m:ctrlPr>
+                          <a:rPr kumimoji="1" lang="en-US" altLang="ja-JP" b="0" i="1" smtClean="0">
+                            <a:latin typeface="Cambria Math" panose="02040503050406030204" pitchFamily="18" charset="0"/>
+                            <a:ea typeface="メイリオ" panose="020B0604030504040204" pitchFamily="50" charset="-128"/>
+                          </a:rPr>
+                        </m:ctrlPr>
+                      </m:dPr>
+                      <m:e>
+                        <m:r>
+                          <a:rPr kumimoji="1" lang="en-US" altLang="ja-JP" b="0" i="1" smtClean="0">
+                            <a:latin typeface="Cambria Math" panose="02040503050406030204" pitchFamily="18" charset="0"/>
+                            <a:ea typeface="メイリオ" panose="020B0604030504040204" pitchFamily="50" charset="-128"/>
+                          </a:rPr>
+                          <m:t>′</m:t>
+                        </m:r>
+                        <m:r>
+                          <a:rPr kumimoji="1" lang="ja-JP" altLang="en-US" i="1">
+                            <a:latin typeface="Cambria Math" panose="02040503050406030204" pitchFamily="18" charset="0"/>
+                            <a:ea typeface="メイリオ" panose="020B0604030504040204" pitchFamily="50" charset="-128"/>
+                          </a:rPr>
+                          <m:t>すも</m:t>
+                        </m:r>
+                        <m:sSup>
+                          <m:sSupPr>
+                            <m:ctrlPr>
+                              <a:rPr kumimoji="1" lang="en-US" altLang="ja-JP" b="0" i="1" smtClean="0">
+                                <a:latin typeface="Cambria Math" panose="02040503050406030204" pitchFamily="18" charset="0"/>
+                                <a:ea typeface="メイリオ" panose="020B0604030504040204" pitchFamily="50" charset="-128"/>
+                              </a:rPr>
+                            </m:ctrlPr>
+                          </m:sSupPr>
+                          <m:e>
+                            <m:r>
+                              <a:rPr kumimoji="1" lang="ja-JP" altLang="en-US" i="1">
+                                <a:latin typeface="Cambria Math" panose="02040503050406030204" pitchFamily="18" charset="0"/>
+                                <a:ea typeface="メイリオ" panose="020B0604030504040204" pitchFamily="50" charset="-128"/>
+                              </a:rPr>
+                              <m:t>も</m:t>
+                            </m:r>
+                          </m:e>
+                          <m:sup>
+                            <m:r>
+                              <a:rPr kumimoji="1" lang="en-US" altLang="ja-JP" b="0" i="1" smtClean="0">
+                                <a:latin typeface="Cambria Math" panose="02040503050406030204" pitchFamily="18" charset="0"/>
+                                <a:ea typeface="メイリオ" panose="020B0604030504040204" pitchFamily="50" charset="-128"/>
+                              </a:rPr>
+                              <m:t>′</m:t>
+                            </m:r>
+                          </m:sup>
+                        </m:sSup>
+                      </m:e>
+                    </m:d>
+                  </m:oMath>
+                </a14:m>
+                <a:r>
+                  <a:rPr kumimoji="1" lang="ja-JP" altLang="en-US" dirty="0">
+                    <a:latin typeface="メイリオ" panose="020B0604030504040204" pitchFamily="50" charset="-128"/>
+                    <a:ea typeface="メイリオ" panose="020B0604030504040204" pitchFamily="50" charset="-128"/>
+                  </a:rPr>
+                  <a:t>と同じ確率</a:t>
+                </a:r>
+              </a:p>
+            </p:txBody>
+          </p:sp>
+        </mc:Choice>
+        <mc:Fallback>
+          <p:sp>
+            <p:nvSpPr>
+              <p:cNvPr id="16" name="テキスト ボックス 15">
+                <a:extLst>
+                  <a:ext uri="{FF2B5EF4-FFF2-40B4-BE49-F238E27FC236}">
+                    <a16:creationId xmlns:a16="http://schemas.microsoft.com/office/drawing/2014/main" id="{D1BAEC90-EB6C-B9D6-1A4F-257E045122C5}"/>
+                  </a:ext>
+                </a:extLst>
+              </p:cNvPr>
+              <p:cNvSpPr txBox="1">
+                <a:spLocks noRot="1" noChangeAspect="1" noMove="1" noResize="1" noEditPoints="1" noAdjustHandles="1" noChangeArrowheads="1" noChangeShapeType="1" noTextEdit="1"/>
+              </p:cNvSpPr>
+              <p:nvPr/>
+            </p:nvSpPr>
+            <p:spPr>
+              <a:xfrm>
+                <a:off x="7121717" y="4851302"/>
+                <a:ext cx="2482154" cy="369332"/>
+              </a:xfrm>
+              <a:prstGeom prst="rect">
+                <a:avLst/>
+              </a:prstGeom>
+              <a:blipFill>
+                <a:blip r:embed="rId5"/>
+                <a:stretch>
+                  <a:fillRect t="-6667" r="-1966" b="-30000"/>
+                </a:stretch>
+              </a:blipFill>
+            </p:spPr>
+            <p:txBody>
+              <a:bodyPr/>
+              <a:lstStyle/>
+              <a:p>
+                <a:r>
+                  <a:rPr lang="ja-JP" altLang="en-US">
+                    <a:noFill/>
+                  </a:rPr>
+                  <a:t> </a:t>
+                </a:r>
+              </a:p>
+            </p:txBody>
+          </p:sp>
+        </mc:Fallback>
+      </mc:AlternateContent>
     </p:spTree>
     <p:extLst>
       <p:ext uri="{BB962C8B-B14F-4D97-AF65-F5344CB8AC3E}">
@@ -10937,8 +11221,8 @@
           </a:p>
         </p:txBody>
       </p:sp>
-      <mc:AlternateContent xmlns:mc="http://schemas.openxmlformats.org/markup-compatibility/2006" xmlns:a14="http://schemas.microsoft.com/office/drawing/2010/main">
-        <mc:Choice Requires="a14">
+      <mc:AlternateContent xmlns:mc="http://schemas.openxmlformats.org/markup-compatibility/2006">
+        <mc:Choice xmlns:a14="http://schemas.microsoft.com/office/drawing/2010/main" Requires="a14">
           <p:sp>
             <p:nvSpPr>
               <p:cNvPr id="29" name="テキスト ボックス 28">
@@ -10953,7 +11237,7 @@
             </p:nvSpPr>
             <p:spPr>
               <a:xfrm>
-                <a:off x="1895248" y="5844982"/>
+                <a:off x="3465338" y="742359"/>
                 <a:ext cx="4867679" cy="369332"/>
               </a:xfrm>
               <a:prstGeom prst="rect">
@@ -11008,7 +11292,7 @@
             </p:txBody>
           </p:sp>
         </mc:Choice>
-        <mc:Fallback xmlns="">
+        <mc:Fallback>
           <p:sp>
             <p:nvSpPr>
               <p:cNvPr id="29" name="テキスト ボックス 28">
@@ -11025,7 +11309,7 @@
             </p:nvSpPr>
             <p:spPr>
               <a:xfrm>
-                <a:off x="1895248" y="5844982"/>
+                <a:off x="3465338" y="742359"/>
                 <a:ext cx="4867679" cy="369332"/>
               </a:xfrm>
               <a:prstGeom prst="rect">
@@ -11034,7 +11318,7 @@
               <a:blipFill>
                 <a:blip r:embed="rId4"/>
                 <a:stretch>
-                  <a:fillRect l="-1629" t="-23333" r="-2882" b="-53333"/>
+                  <a:fillRect l="-1502" t="-23333" r="-2879" b="-53333"/>
                 </a:stretch>
               </a:blipFill>
             </p:spPr>
@@ -11067,8 +11351,8 @@
         </p:nvSpPr>
         <p:spPr>
           <a:xfrm>
-            <a:off x="8691215" y="3198227"/>
-            <a:ext cx="2396358" cy="830997"/>
+            <a:off x="8691214" y="3198227"/>
+            <a:ext cx="3375279" cy="1200329"/>
           </a:xfrm>
           <a:prstGeom prst="rect">
             <a:avLst/>
@@ -11094,7 +11378,7 @@
                 <a:latin typeface="メイリオ" panose="020B0604030504040204" pitchFamily="50" charset="-128"/>
                 <a:ea typeface="メイリオ" panose="020B0604030504040204" pitchFamily="50" charset="-128"/>
               </a:rPr>
-              <a:t>通りの条件付確率</a:t>
+              <a:t>通りの条件付確率（一様分布ではない）</a:t>
             </a:r>
           </a:p>
         </p:txBody>
@@ -11284,8 +11568,8 @@
           </a:p>
         </p:txBody>
       </p:sp>
-      <mc:AlternateContent xmlns:mc="http://schemas.openxmlformats.org/markup-compatibility/2006" xmlns:a14="http://schemas.microsoft.com/office/drawing/2010/main">
-        <mc:Choice Requires="a14">
+      <mc:AlternateContent xmlns:mc="http://schemas.openxmlformats.org/markup-compatibility/2006">
+        <mc:Choice xmlns:a14="http://schemas.microsoft.com/office/drawing/2010/main" Requires="a14">
           <p:sp>
             <p:nvSpPr>
               <p:cNvPr id="35" name="テキスト ボックス 34">
@@ -11301,7 +11585,7 @@
             <p:spPr>
               <a:xfrm>
                 <a:off x="1011606" y="717542"/>
-                <a:ext cx="2518638" cy="462563"/>
+                <a:ext cx="2219390" cy="462563"/>
               </a:xfrm>
               <a:prstGeom prst="rect">
                 <a:avLst/>
@@ -11343,36 +11627,8 @@
                               <a:latin typeface="Cambria Math" panose="02040503050406030204" pitchFamily="18" charset="0"/>
                               <a:ea typeface="メイリオ" panose="020B0604030504040204" pitchFamily="50" charset="-128"/>
                             </a:rPr>
-                            <m:t>′</m:t>
+                            <m:t>𝑛</m:t>
                           </m:r>
-                          <m:sSup>
-                            <m:sSupPr>
-                              <m:ctrlPr>
-                                <a:rPr kumimoji="1" lang="en-US" altLang="ja-JP" sz="2400" b="0" i="1" smtClean="0">
-                                  <a:latin typeface="Cambria Math" panose="02040503050406030204" pitchFamily="18" charset="0"/>
-                                  <a:ea typeface="メイリオ" panose="020B0604030504040204" pitchFamily="50" charset="-128"/>
-                                </a:rPr>
-                              </m:ctrlPr>
-                            </m:sSupPr>
-                            <m:e>
-                              <m:r>
-                                <a:rPr kumimoji="1" lang="ja-JP" altLang="en-US" sz="2400" i="1">
-                                  <a:latin typeface="Cambria Math" panose="02040503050406030204" pitchFamily="18" charset="0"/>
-                                  <a:ea typeface="メイリオ" panose="020B0604030504040204" pitchFamily="50" charset="-128"/>
-                                </a:rPr>
-                                <m:t>も</m:t>
-                              </m:r>
-                            </m:e>
-                            <m:sup>
-                              <m:r>
-                                <a:rPr kumimoji="1" lang="en-US" altLang="ja-JP" sz="2400" b="0" i="1" smtClean="0">
-                                  <a:latin typeface="Cambria Math" panose="02040503050406030204" pitchFamily="18" charset="0"/>
-                                  <a:ea typeface="メイリオ" panose="020B0604030504040204" pitchFamily="50" charset="-128"/>
-                                </a:rPr>
-                                <m:t>′</m:t>
-                              </m:r>
-                            </m:sup>
-                          </m:sSup>
                           <m:r>
                             <a:rPr kumimoji="1" lang="en-US" altLang="ja-JP" sz="2400" b="0" i="1" smtClean="0">
                               <a:latin typeface="Cambria Math" panose="02040503050406030204" pitchFamily="18" charset="0"/>
@@ -11414,7 +11670,7 @@
             </p:txBody>
           </p:sp>
         </mc:Choice>
-        <mc:Fallback xmlns="">
+        <mc:Fallback>
           <p:sp>
             <p:nvSpPr>
               <p:cNvPr id="35" name="テキスト ボックス 34">
@@ -11432,7 +11688,7 @@
             <p:spPr>
               <a:xfrm>
                 <a:off x="1011606" y="717542"/>
-                <a:ext cx="2518638" cy="462563"/>
+                <a:ext cx="2219390" cy="462563"/>
               </a:xfrm>
               <a:prstGeom prst="rect">
                 <a:avLst/>
@@ -11473,8 +11729,8 @@
         </p:nvSpPr>
         <p:spPr>
           <a:xfrm>
-            <a:off x="8691215" y="4120450"/>
-            <a:ext cx="3195985" cy="830997"/>
+            <a:off x="908769" y="6035426"/>
+            <a:ext cx="9980815" cy="461665"/>
           </a:xfrm>
           <a:prstGeom prst="rect">
             <a:avLst/>
@@ -11489,11 +11745,11 @@
           <a:p>
             <a:pPr algn="l"/>
             <a:r>
-              <a:rPr kumimoji="1" lang="ja-JP" altLang="en-US" sz="2400" dirty="0">
-                <a:latin typeface="メイリオ" panose="020B0604030504040204" pitchFamily="50" charset="-128"/>
-                <a:ea typeface="メイリオ" panose="020B0604030504040204" pitchFamily="50" charset="-128"/>
-              </a:rPr>
-              <a:t>形態素解析エンジンに保有されている</a:t>
+              <a:rPr kumimoji="1" lang="ja-JP" altLang="en-US" sz="2400" b="1" dirty="0">
+                <a:latin typeface="メイリオ" panose="020B0604030504040204" pitchFamily="50" charset="-128"/>
+                <a:ea typeface="メイリオ" panose="020B0604030504040204" pitchFamily="50" charset="-128"/>
+              </a:rPr>
+              <a:t>形態素解析エンジンはこのような条件付確率テーブルを保有している</a:t>
             </a:r>
           </a:p>
         </p:txBody>
@@ -11784,7 +12040,7 @@
             <p:spPr>
               <a:xfrm>
                 <a:off x="1004391" y="3682980"/>
-                <a:ext cx="6016519" cy="893193"/>
+                <a:ext cx="3429850" cy="893193"/>
               </a:xfrm>
               <a:prstGeom prst="rect">
                 <a:avLst/>
@@ -11906,110 +12162,7 @@
                         <a:latin typeface="Cambria Math" panose="02040503050406030204" pitchFamily="18" charset="0"/>
                         <a:ea typeface="メイリオ" panose="020B0604030504040204" pitchFamily="50" charset="-128"/>
                       </a:rPr>
-                      <m:t>&gt;</m:t>
-                    </m:r>
-                    <m:r>
-                      <a:rPr kumimoji="1" lang="ja-JP" altLang="en-US" sz="2400" i="1" smtClean="0">
-                        <a:latin typeface="Cambria Math" panose="02040503050406030204" pitchFamily="18" charset="0"/>
-                        <a:ea typeface="メイリオ" panose="020B0604030504040204" pitchFamily="50" charset="-128"/>
-                      </a:rPr>
-                      <m:t>③</m:t>
-                    </m:r>
-                    <m:r>
-                      <a:rPr kumimoji="1" lang="en-US" altLang="ja-JP" sz="2400" b="0" i="1" smtClean="0">
-                        <a:latin typeface="Cambria Math" panose="02040503050406030204" pitchFamily="18" charset="0"/>
-                        <a:ea typeface="メイリオ" panose="020B0604030504040204" pitchFamily="50" charset="-128"/>
-                      </a:rPr>
-                      <m:t> </m:t>
-                    </m:r>
-                    <m:r>
-                      <a:rPr kumimoji="1" lang="en-US" altLang="ja-JP" sz="2400" i="1">
-                        <a:latin typeface="Cambria Math" panose="02040503050406030204" pitchFamily="18" charset="0"/>
-                        <a:ea typeface="メイリオ" panose="020B0604030504040204" pitchFamily="50" charset="-128"/>
-                      </a:rPr>
-                      <m:t>𝑝</m:t>
-                    </m:r>
-                    <m:d>
-                      <m:dPr>
-                        <m:ctrlPr>
-                          <a:rPr kumimoji="1" lang="en-US" altLang="ja-JP" sz="2400" i="1">
-                            <a:latin typeface="Cambria Math" panose="02040503050406030204" pitchFamily="18" charset="0"/>
-                            <a:ea typeface="メイリオ" panose="020B0604030504040204" pitchFamily="50" charset="-128"/>
-                          </a:rPr>
-                        </m:ctrlPr>
-                      </m:dPr>
-                      <m:e>
-                        <m:r>
-                          <a:rPr kumimoji="1" lang="en-US" altLang="ja-JP" sz="2400" i="1">
-                            <a:latin typeface="Cambria Math" panose="02040503050406030204" pitchFamily="18" charset="0"/>
-                            <a:ea typeface="メイリオ" panose="020B0604030504040204" pitchFamily="50" charset="-128"/>
-                          </a:rPr>
-                          <m:t>′</m:t>
-                        </m:r>
-                        <m:sSup>
-                          <m:sSupPr>
-                            <m:ctrlPr>
-                              <a:rPr kumimoji="1" lang="en-US" altLang="ja-JP" sz="2400" i="1">
-                                <a:latin typeface="Cambria Math" panose="02040503050406030204" pitchFamily="18" charset="0"/>
-                                <a:ea typeface="メイリオ" panose="020B0604030504040204" pitchFamily="50" charset="-128"/>
-                              </a:rPr>
-                            </m:ctrlPr>
-                          </m:sSupPr>
-                          <m:e>
-                            <m:r>
-                              <a:rPr kumimoji="1" lang="ja-JP" altLang="en-US" sz="2400" i="1">
-                                <a:latin typeface="Cambria Math" panose="02040503050406030204" pitchFamily="18" charset="0"/>
-                                <a:ea typeface="メイリオ" panose="020B0604030504040204" pitchFamily="50" charset="-128"/>
-                              </a:rPr>
-                              <m:t>も</m:t>
-                            </m:r>
-                          </m:e>
-                          <m:sup>
-                            <m:r>
-                              <a:rPr kumimoji="1" lang="en-US" altLang="ja-JP" sz="2400" i="1">
-                                <a:latin typeface="Cambria Math" panose="02040503050406030204" pitchFamily="18" charset="0"/>
-                                <a:ea typeface="メイリオ" panose="020B0604030504040204" pitchFamily="50" charset="-128"/>
-                              </a:rPr>
-                              <m:t>′</m:t>
-                            </m:r>
-                          </m:sup>
-                        </m:sSup>
-                        <m:r>
-                          <a:rPr kumimoji="1" lang="en-US" altLang="ja-JP" sz="2400" i="1">
-                            <a:latin typeface="Cambria Math" panose="02040503050406030204" pitchFamily="18" charset="0"/>
-                            <a:ea typeface="メイリオ" panose="020B0604030504040204" pitchFamily="50" charset="-128"/>
-                          </a:rPr>
-                          <m:t>|′</m:t>
-                        </m:r>
-                        <m:r>
-                          <a:rPr kumimoji="1" lang="ja-JP" altLang="en-US" sz="2400" i="1">
-                            <a:latin typeface="Cambria Math" panose="02040503050406030204" pitchFamily="18" charset="0"/>
-                            <a:ea typeface="メイリオ" panose="020B0604030504040204" pitchFamily="50" charset="-128"/>
-                          </a:rPr>
-                          <m:t>酢も</m:t>
-                        </m:r>
-                        <m:r>
-                          <a:rPr kumimoji="1" lang="en-US" altLang="ja-JP" sz="2400" i="1">
-                            <a:latin typeface="Cambria Math" panose="02040503050406030204" pitchFamily="18" charset="0"/>
-                            <a:ea typeface="メイリオ" panose="020B0604030504040204" pitchFamily="50" charset="-128"/>
-                          </a:rPr>
-                          <m:t>′</m:t>
-                        </m:r>
-                      </m:e>
-                    </m:d>
-                    <m:r>
-                      <a:rPr kumimoji="1" lang="en-US" altLang="ja-JP" sz="2400" i="1">
-                        <a:latin typeface="Cambria Math" panose="02040503050406030204" pitchFamily="18" charset="0"/>
-                        <a:ea typeface="メイリオ" panose="020B0604030504040204" pitchFamily="50" charset="-128"/>
-                      </a:rPr>
-                      <m:t>=</m:t>
-                    </m:r>
-                    <m:r>
-                      <a:rPr kumimoji="1" lang="en-US" altLang="ja-JP" sz="2400" b="0" i="1" smtClean="0">
-                        <a:latin typeface="Cambria Math" panose="02040503050406030204" pitchFamily="18" charset="0"/>
-                        <a:ea typeface="メイリオ" panose="020B0604030504040204" pitchFamily="50" charset="-128"/>
-                      </a:rPr>
-                      <m:t>0</m:t>
+                      <m:t>&gt;=</m:t>
                     </m:r>
                   </m:oMath>
                 </a14:m>
@@ -12046,7 +12199,7 @@
             <p:spPr>
               <a:xfrm>
                 <a:off x="1004391" y="3682980"/>
-                <a:ext cx="6016519" cy="893193"/>
+                <a:ext cx="3429850" cy="893193"/>
               </a:xfrm>
               <a:prstGeom prst="rect">
                 <a:avLst/>
@@ -12054,7 +12207,7 @@
               <a:blipFill>
                 <a:blip r:embed="rId3"/>
                 <a:stretch>
-                  <a:fillRect l="-3141"/>
+                  <a:fillRect l="-5516"/>
                 </a:stretch>
               </a:blipFill>
             </p:spPr>
@@ -12530,6 +12683,228 @@
           </a:p>
         </p:txBody>
       </p:sp>
+      <mc:AlternateContent xmlns:mc="http://schemas.openxmlformats.org/markup-compatibility/2006" xmlns:a14="http://schemas.microsoft.com/office/drawing/2010/main">
+        <mc:Choice Requires="a14">
+          <p:sp>
+            <p:nvSpPr>
+              <p:cNvPr id="2" name="テキスト ボックス 1">
+                <a:extLst>
+                  <a:ext uri="{FF2B5EF4-FFF2-40B4-BE49-F238E27FC236}">
+                    <a16:creationId xmlns:a16="http://schemas.microsoft.com/office/drawing/2014/main" id="{61678174-7FD5-EAD3-E405-DBA5F6BD7251}"/>
+                  </a:ext>
+                </a:extLst>
+              </p:cNvPr>
+              <p:cNvSpPr txBox="1"/>
+              <p:nvPr/>
+            </p:nvSpPr>
+            <p:spPr>
+              <a:xfrm>
+                <a:off x="4513279" y="3765157"/>
+                <a:ext cx="5356274" cy="370230"/>
+              </a:xfrm>
+              <a:prstGeom prst="rect">
+                <a:avLst/>
+              </a:prstGeom>
+              <a:noFill/>
+            </p:spPr>
+            <p:txBody>
+              <a:bodyPr wrap="none" lIns="0" tIns="0" rIns="0" bIns="0" rtlCol="0">
+                <a:spAutoFit/>
+              </a:bodyPr>
+              <a:lstStyle/>
+              <a:p>
+                <a:pPr algn="l"/>
+                <a14:m>
+                  <m:oMath xmlns:m="http://schemas.openxmlformats.org/officeDocument/2006/math">
+                    <m:r>
+                      <a:rPr kumimoji="1" lang="en-US" altLang="ja-JP" sz="2400" b="0" i="1" smtClean="0">
+                        <a:latin typeface="Cambria Math" panose="02040503050406030204" pitchFamily="18" charset="0"/>
+                        <a:ea typeface="メイリオ" panose="020B0604030504040204" pitchFamily="50" charset="-128"/>
+                      </a:rPr>
+                      <m:t>𝑝</m:t>
+                    </m:r>
+                    <m:r>
+                      <a:rPr kumimoji="1" lang="en-US" altLang="ja-JP" sz="2400" b="0" i="1" smtClean="0">
+                        <a:latin typeface="Cambria Math" panose="02040503050406030204" pitchFamily="18" charset="0"/>
+                        <a:ea typeface="メイリオ" panose="020B0604030504040204" pitchFamily="50" charset="-128"/>
+                      </a:rPr>
+                      <m:t>(</m:t>
+                    </m:r>
+                    <m:r>
+                      <a:rPr kumimoji="1" lang="ja-JP" altLang="en-US" sz="2400" i="1">
+                        <a:latin typeface="Cambria Math" panose="02040503050406030204" pitchFamily="18" charset="0"/>
+                        <a:ea typeface="メイリオ" panose="020B0604030504040204" pitchFamily="50" charset="-128"/>
+                      </a:rPr>
+                      <m:t>酢も</m:t>
+                    </m:r>
+                  </m:oMath>
+                </a14:m>
+                <a:r>
+                  <a:rPr kumimoji="1" lang="en-US" altLang="ja-JP" sz="2400" dirty="0">
+                    <a:latin typeface="メイリオ" panose="020B0604030504040204" pitchFamily="50" charset="-128"/>
+                    <a:ea typeface="メイリオ" panose="020B0604030504040204" pitchFamily="50" charset="-128"/>
+                  </a:rPr>
+                  <a:t>, </a:t>
+                </a:r>
+                <a:r>
+                  <a:rPr kumimoji="1" lang="ja-JP" altLang="en-US" sz="2400" dirty="0">
+                    <a:latin typeface="メイリオ" panose="020B0604030504040204" pitchFamily="50" charset="-128"/>
+                    <a:ea typeface="メイリオ" panose="020B0604030504040204" pitchFamily="50" charset="-128"/>
+                  </a:rPr>
+                  <a:t>も</a:t>
+                </a:r>
+                <a:r>
+                  <a:rPr kumimoji="1" lang="en-US" altLang="ja-JP" sz="2400" dirty="0">
+                    <a:latin typeface="メイリオ" panose="020B0604030504040204" pitchFamily="50" charset="-128"/>
+                    <a:ea typeface="メイリオ" panose="020B0604030504040204" pitchFamily="50" charset="-128"/>
+                  </a:rPr>
+                  <a:t>)</a:t>
+                </a:r>
+                <a14:m>
+                  <m:oMath xmlns:m="http://schemas.openxmlformats.org/officeDocument/2006/math">
+                    <m:r>
+                      <a:rPr kumimoji="1" lang="en-US" altLang="ja-JP" sz="2400" b="0" i="1" smtClean="0">
+                        <a:latin typeface="Cambria Math" panose="02040503050406030204" pitchFamily="18" charset="0"/>
+                        <a:ea typeface="メイリオ" panose="020B0604030504040204" pitchFamily="50" charset="-128"/>
+                      </a:rPr>
+                      <m:t>=</m:t>
+                    </m:r>
+                    <m:r>
+                      <a:rPr kumimoji="1" lang="en-US" altLang="ja-JP" sz="2400" b="0" i="1" smtClean="0">
+                        <a:latin typeface="Cambria Math" panose="02040503050406030204" pitchFamily="18" charset="0"/>
+                        <a:ea typeface="メイリオ" panose="020B0604030504040204" pitchFamily="50" charset="-128"/>
+                      </a:rPr>
+                      <m:t>𝑝</m:t>
+                    </m:r>
+                    <m:r>
+                      <a:rPr kumimoji="1" lang="en-US" altLang="ja-JP" sz="2400" b="0" i="1" smtClean="0">
+                        <a:latin typeface="Cambria Math" panose="02040503050406030204" pitchFamily="18" charset="0"/>
+                        <a:ea typeface="メイリオ" panose="020B0604030504040204" pitchFamily="50" charset="-128"/>
+                      </a:rPr>
+                      <m:t>(</m:t>
+                    </m:r>
+                    <m:r>
+                      <a:rPr kumimoji="1" lang="en-US" altLang="ja-JP" sz="2400" b="0" i="0" smtClean="0">
+                        <a:latin typeface="Cambria Math" panose="02040503050406030204" pitchFamily="18" charset="0"/>
+                        <a:ea typeface="メイリオ" panose="020B0604030504040204" pitchFamily="50" charset="-128"/>
+                      </a:rPr>
+                      <m:t>′</m:t>
+                    </m:r>
+                    <m:r>
+                      <a:rPr kumimoji="1" lang="ja-JP" altLang="en-US" sz="2400" i="1">
+                        <a:latin typeface="Cambria Math" panose="02040503050406030204" pitchFamily="18" charset="0"/>
+                        <a:ea typeface="メイリオ" panose="020B0604030504040204" pitchFamily="50" charset="-128"/>
+                      </a:rPr>
+                      <m:t>も</m:t>
+                    </m:r>
+                  </m:oMath>
+                </a14:m>
+                <a:r>
+                  <a:rPr kumimoji="1" lang="en-US" altLang="ja-JP" sz="2400" dirty="0">
+                    <a:latin typeface="メイリオ" panose="020B0604030504040204" pitchFamily="50" charset="-128"/>
+                    <a:ea typeface="メイリオ" panose="020B0604030504040204" pitchFamily="50" charset="-128"/>
+                  </a:rPr>
+                  <a:t>’|’</a:t>
+                </a:r>
+                <a:r>
+                  <a:rPr kumimoji="1" lang="ja-JP" altLang="en-US" sz="2400" dirty="0">
+                    <a:latin typeface="メイリオ" panose="020B0604030504040204" pitchFamily="50" charset="-128"/>
+                    <a:ea typeface="メイリオ" panose="020B0604030504040204" pitchFamily="50" charset="-128"/>
+                  </a:rPr>
+                  <a:t>酢も</a:t>
+                </a:r>
+                <a:r>
+                  <a:rPr kumimoji="1" lang="en-US" altLang="ja-JP" sz="2400" dirty="0">
+                    <a:latin typeface="メイリオ" panose="020B0604030504040204" pitchFamily="50" charset="-128"/>
+                    <a:ea typeface="メイリオ" panose="020B0604030504040204" pitchFamily="50" charset="-128"/>
+                  </a:rPr>
+                  <a:t>’)</a:t>
+                </a:r>
+                <a14:m>
+                  <m:oMath xmlns:m="http://schemas.openxmlformats.org/officeDocument/2006/math">
+                    <m:r>
+                      <a:rPr kumimoji="1" lang="en-US" altLang="ja-JP" sz="2400" b="0" i="1" smtClean="0">
+                        <a:latin typeface="Cambria Math" panose="02040503050406030204" pitchFamily="18" charset="0"/>
+                        <a:ea typeface="メイリオ" panose="020B0604030504040204" pitchFamily="50" charset="-128"/>
+                      </a:rPr>
+                      <m:t>𝑝</m:t>
+                    </m:r>
+                    <m:r>
+                      <a:rPr kumimoji="1" lang="en-US" altLang="ja-JP" sz="2400" b="0" i="1" smtClean="0">
+                        <a:latin typeface="Cambria Math" panose="02040503050406030204" pitchFamily="18" charset="0"/>
+                        <a:ea typeface="メイリオ" panose="020B0604030504040204" pitchFamily="50" charset="-128"/>
+                      </a:rPr>
+                      <m:t>(′</m:t>
+                    </m:r>
+                    <m:r>
+                      <a:rPr kumimoji="1" lang="ja-JP" altLang="en-US" sz="2400" i="1">
+                        <a:latin typeface="Cambria Math" panose="02040503050406030204" pitchFamily="18" charset="0"/>
+                        <a:ea typeface="メイリオ" panose="020B0604030504040204" pitchFamily="50" charset="-128"/>
+                      </a:rPr>
+                      <m:t>酢も</m:t>
+                    </m:r>
+                  </m:oMath>
+                </a14:m>
+                <a:r>
+                  <a:rPr kumimoji="1" lang="en-US" altLang="ja-JP" sz="2400" dirty="0">
+                    <a:latin typeface="メイリオ" panose="020B0604030504040204" pitchFamily="50" charset="-128"/>
+                    <a:ea typeface="メイリオ" panose="020B0604030504040204" pitchFamily="50" charset="-128"/>
+                  </a:rPr>
+                  <a:t>’)=0</a:t>
+                </a:r>
+                <a:endParaRPr kumimoji="1" lang="ja-JP" altLang="en-US" sz="2400" dirty="0">
+                  <a:latin typeface="メイリオ" panose="020B0604030504040204" pitchFamily="50" charset="-128"/>
+                  <a:ea typeface="メイリオ" panose="020B0604030504040204" pitchFamily="50" charset="-128"/>
+                </a:endParaRPr>
+              </a:p>
+            </p:txBody>
+          </p:sp>
+        </mc:Choice>
+        <mc:Fallback xmlns="">
+          <p:sp>
+            <p:nvSpPr>
+              <p:cNvPr id="2" name="テキスト ボックス 1">
+                <a:extLst>
+                  <a:ext uri="{FF2B5EF4-FFF2-40B4-BE49-F238E27FC236}">
+                    <a16:creationId xmlns:a16="http://schemas.microsoft.com/office/drawing/2014/main" id="{61678174-7FD5-EAD3-E405-DBA5F6BD7251}"/>
+                  </a:ext>
+                </a:extLst>
+              </p:cNvPr>
+              <p:cNvSpPr txBox="1">
+                <a:spLocks noRot="1" noChangeAspect="1" noMove="1" noResize="1" noEditPoints="1" noAdjustHandles="1" noChangeArrowheads="1" noChangeShapeType="1" noTextEdit="1"/>
+              </p:cNvSpPr>
+              <p:nvPr/>
+            </p:nvSpPr>
+            <p:spPr>
+              <a:xfrm>
+                <a:off x="4513279" y="3765157"/>
+                <a:ext cx="5356274" cy="370230"/>
+              </a:xfrm>
+              <a:prstGeom prst="rect">
+                <a:avLst/>
+              </a:prstGeom>
+              <a:blipFill>
+                <a:blip r:embed="rId5"/>
+                <a:stretch>
+                  <a:fillRect l="-2048" t="-23333" r="-2389" b="-53333"/>
+                </a:stretch>
+              </a:blipFill>
+            </p:spPr>
+            <p:txBody>
+              <a:bodyPr/>
+              <a:lstStyle/>
+              <a:p>
+                <a:r>
+                  <a:rPr lang="ja-JP" altLang="en-US">
+                    <a:noFill/>
+                  </a:rPr>
+                  <a:t> </a:t>
+                </a:r>
+              </a:p>
+            </p:txBody>
+          </p:sp>
+        </mc:Fallback>
+      </mc:AlternateContent>
     </p:spTree>
     <p:extLst>
       <p:ext uri="{BB962C8B-B14F-4D97-AF65-F5344CB8AC3E}">
@@ -13094,8 +13469,8 @@
           </p:sp>
         </mc:Fallback>
       </mc:AlternateContent>
-      <mc:AlternateContent xmlns:mc="http://schemas.openxmlformats.org/markup-compatibility/2006" xmlns:a14="http://schemas.microsoft.com/office/drawing/2010/main">
-        <mc:Choice Requires="a14">
+      <mc:AlternateContent xmlns:mc="http://schemas.openxmlformats.org/markup-compatibility/2006">
+        <mc:Choice xmlns:a14="http://schemas.microsoft.com/office/drawing/2010/main" Requires="a14">
           <p:sp>
             <p:nvSpPr>
               <p:cNvPr id="9" name="テキスト ボックス 8">
@@ -13110,8 +13485,8 @@
             </p:nvSpPr>
             <p:spPr>
               <a:xfrm>
-                <a:off x="378374" y="2524970"/>
-                <a:ext cx="2697020" cy="461665"/>
+                <a:off x="446608" y="2523979"/>
+                <a:ext cx="11657230" cy="475387"/>
               </a:xfrm>
               <a:prstGeom prst="rect">
                 <a:avLst/>
@@ -13167,6 +13542,13 @@
                         </m:r>
                       </m:e>
                     </m:d>
+                    <m:r>
+                      <a:rPr kumimoji="1" lang="ja-JP" altLang="en-US" sz="2400" i="1" u="sng">
+                        <a:latin typeface="Cambria Math" panose="02040503050406030204" pitchFamily="18" charset="0"/>
+                        <a:ea typeface="メイリオ" panose="020B0604030504040204" pitchFamily="50" charset="-128"/>
+                      </a:rPr>
+                      <m:t>確率テーブル</m:t>
+                    </m:r>
                   </m:oMath>
                 </a14:m>
                 <a:r>
@@ -13174,19 +13556,79 @@
                     <a:latin typeface="メイリオ" panose="020B0604030504040204" pitchFamily="50" charset="-128"/>
                     <a:ea typeface="メイリオ" panose="020B0604030504040204" pitchFamily="50" charset="-128"/>
                   </a:rPr>
-                  <a:t>の計算例　</a:t>
+                  <a:t>はどのように計算するか？</a:t>
+                </a:r>
+                <a14:m>
+                  <m:oMath xmlns:m="http://schemas.openxmlformats.org/officeDocument/2006/math">
+                    <m:r>
+                      <a:rPr kumimoji="1" lang="en-US" altLang="ja-JP" sz="2400" b="0" i="1" u="sng" smtClean="0">
+                        <a:latin typeface="Cambria Math" panose="02040503050406030204" pitchFamily="18" charset="0"/>
+                        <a:ea typeface="メイリオ" panose="020B0604030504040204" pitchFamily="50" charset="-128"/>
+                      </a:rPr>
+                      <m:t>(</m:t>
+                    </m:r>
+                    <m:r>
+                      <a:rPr kumimoji="1" lang="en-US" altLang="ja-JP" sz="2400" b="0" i="1" u="sng" smtClean="0">
+                        <a:latin typeface="Cambria Math" panose="02040503050406030204" pitchFamily="18" charset="0"/>
+                        <a:ea typeface="メイリオ" panose="020B0604030504040204" pitchFamily="50" charset="-128"/>
+                      </a:rPr>
+                      <m:t>𝑝</m:t>
+                    </m:r>
+                    <m:r>
+                      <a:rPr kumimoji="1" lang="en-US" altLang="ja-JP" sz="2400" b="0" i="1" u="sng" smtClean="0">
+                        <a:latin typeface="Cambria Math" panose="02040503050406030204" pitchFamily="18" charset="0"/>
+                        <a:ea typeface="メイリオ" panose="020B0604030504040204" pitchFamily="50" charset="-128"/>
+                      </a:rPr>
+                      <m:t>(</m:t>
+                    </m:r>
+                    <m:r>
+                      <a:rPr kumimoji="1" lang="en-US" altLang="ja-JP" sz="2400" b="0" i="1" u="sng" smtClean="0">
+                        <a:latin typeface="Cambria Math" panose="02040503050406030204" pitchFamily="18" charset="0"/>
+                        <a:ea typeface="メイリオ" panose="020B0604030504040204" pitchFamily="50" charset="-128"/>
+                      </a:rPr>
+                      <m:t>𝑚</m:t>
+                    </m:r>
+                    <m:r>
+                      <a:rPr kumimoji="1" lang="en-US" altLang="ja-JP" sz="2400" b="0" i="1" u="sng" smtClean="0">
+                        <a:latin typeface="Cambria Math" panose="02040503050406030204" pitchFamily="18" charset="0"/>
+                        <a:ea typeface="メイリオ" panose="020B0604030504040204" pitchFamily="50" charset="-128"/>
+                      </a:rPr>
+                      <m:t>)</m:t>
+                    </m:r>
+                  </m:oMath>
+                </a14:m>
+                <a:r>
+                  <a:rPr kumimoji="1" lang="ja-JP" altLang="en-US" sz="2400" u="sng" dirty="0">
+                    <a:latin typeface="メイリオ" panose="020B0604030504040204" pitchFamily="50" charset="-128"/>
+                    <a:ea typeface="メイリオ" panose="020B0604030504040204" pitchFamily="50" charset="-128"/>
+                  </a:rPr>
+                  <a:t>は考慮しないものとする</a:t>
+                </a:r>
+                <a:r>
+                  <a:rPr kumimoji="1" lang="en-US" altLang="ja-JP" sz="2400" u="sng" dirty="0">
+                    <a:latin typeface="メイリオ" panose="020B0604030504040204" pitchFamily="50" charset="-128"/>
+                    <a:ea typeface="メイリオ" panose="020B0604030504040204" pitchFamily="50" charset="-128"/>
+                  </a:rPr>
+                  <a:t>)</a:t>
+                </a:r>
+                <a:r>
+                  <a:rPr kumimoji="1" lang="ja-JP" altLang="en-US" sz="2400" u="sng" dirty="0">
+                    <a:latin typeface="メイリオ" panose="020B0604030504040204" pitchFamily="50" charset="-128"/>
+                    <a:ea typeface="メイリオ" panose="020B0604030504040204" pitchFamily="50" charset="-128"/>
+                  </a:rPr>
+                  <a:t>　</a:t>
                 </a:r>
               </a:p>
             </p:txBody>
           </p:sp>
         </mc:Choice>
-        <mc:Fallback xmlns="">
+        <mc:Fallback>
           <p:sp>
             <p:nvSpPr>
               <p:cNvPr id="9" name="テキスト ボックス 8">
                 <a:extLst>
                   <a:ext uri="{FF2B5EF4-FFF2-40B4-BE49-F238E27FC236}">
-                    <a16:creationId xmlns:a16="http://schemas.microsoft.com/office/drawing/2014/main" id="{D01E07C7-4595-306A-D53F-2C76D0F53369}"/>
+                    <a16:creationId xmlns:a16="http://schemas.microsoft.com/office/drawing/2014/main" id="{871CA942-F342-2F4B-FA8E-6485C2BDA27E}"/>
                   </a:ext>
                 </a:extLst>
               </p:cNvPr>
@@ -13197,8 +13639,8 @@
             </p:nvSpPr>
             <p:spPr>
               <a:xfrm>
-                <a:off x="378374" y="2524970"/>
-                <a:ext cx="2697020" cy="461665"/>
+                <a:off x="446608" y="2523979"/>
+                <a:ext cx="11657230" cy="475387"/>
               </a:xfrm>
               <a:prstGeom prst="rect">
                 <a:avLst/>
@@ -13206,7 +13648,7 @@
               <a:blipFill>
                 <a:blip r:embed="rId4"/>
                 <a:stretch>
-                  <a:fillRect l="-679" t="-7895" b="-31579"/>
+                  <a:fillRect l="-157" t="-5128" b="-30769"/>
                 </a:stretch>
               </a:blipFill>
             </p:spPr>
@@ -13499,7 +13941,7 @@
             <p:spPr>
               <a:xfrm>
                 <a:off x="987974" y="4752181"/>
-                <a:ext cx="3758529" cy="509178"/>
+                <a:ext cx="3925049" cy="509178"/>
               </a:xfrm>
               <a:prstGeom prst="rect">
                 <a:avLst/>
@@ -13548,29 +13990,99 @@
                               <a:latin typeface="Cambria Math" panose="02040503050406030204" pitchFamily="18" charset="0"/>
                               <a:ea typeface="メイリオ" panose="020B0604030504040204" pitchFamily="50" charset="-128"/>
                             </a:rPr>
-                            <m:t>収集</m:t>
+                            <m:t>収</m:t>
                           </m:r>
-                          <m:r>
-                            <a:rPr kumimoji="1" lang="en-US" altLang="ja-JP" sz="2400" b="0" i="1" smtClean="0">
-                              <a:latin typeface="Cambria Math" panose="02040503050406030204" pitchFamily="18" charset="0"/>
-                              <a:ea typeface="メイリオ" panose="020B0604030504040204" pitchFamily="50" charset="-128"/>
-                            </a:rPr>
-                            <m:t>′|′</m:t>
-                          </m:r>
+                          <m:sSup>
+                            <m:sSupPr>
+                              <m:ctrlPr>
+                                <a:rPr kumimoji="1" lang="en-US" altLang="ja-JP" sz="2400" b="0" i="1" smtClean="0">
+                                  <a:latin typeface="Cambria Math" panose="02040503050406030204" pitchFamily="18" charset="0"/>
+                                  <a:ea typeface="メイリオ" panose="020B0604030504040204" pitchFamily="50" charset="-128"/>
+                                </a:rPr>
+                              </m:ctrlPr>
+                            </m:sSupPr>
+                            <m:e>
+                              <m:r>
+                                <a:rPr kumimoji="1" lang="ja-JP" altLang="en-US" sz="2400" i="1">
+                                  <a:latin typeface="Cambria Math" panose="02040503050406030204" pitchFamily="18" charset="0"/>
+                                  <a:ea typeface="メイリオ" panose="020B0604030504040204" pitchFamily="50" charset="-128"/>
+                                </a:rPr>
+                                <m:t>集</m:t>
+                              </m:r>
+                            </m:e>
+                            <m:sup>
+                              <m:r>
+                                <a:rPr kumimoji="1" lang="en-US" altLang="ja-JP" sz="2400" b="0" i="1" smtClean="0">
+                                  <a:latin typeface="Cambria Math" panose="02040503050406030204" pitchFamily="18" charset="0"/>
+                                  <a:ea typeface="メイリオ" panose="020B0604030504040204" pitchFamily="50" charset="-128"/>
+                                </a:rPr>
+                                <m:t>′</m:t>
+                              </m:r>
+                            </m:sup>
+                          </m:sSup>
+                          <m:sSup>
+                            <m:sSupPr>
+                              <m:ctrlPr>
+                                <a:rPr kumimoji="1" lang="en-US" altLang="ja-JP" sz="2400" b="0" i="1" smtClean="0">
+                                  <a:latin typeface="Cambria Math" panose="02040503050406030204" pitchFamily="18" charset="0"/>
+                                  <a:ea typeface="メイリオ" panose="020B0604030504040204" pitchFamily="50" charset="-128"/>
+                                </a:rPr>
+                              </m:ctrlPr>
+                            </m:sSupPr>
+                            <m:e>
+                              <m:r>
+                                <a:rPr kumimoji="1" lang="en-US" altLang="ja-JP" sz="2400" b="0" i="1" smtClean="0">
+                                  <a:latin typeface="Cambria Math" panose="02040503050406030204" pitchFamily="18" charset="0"/>
+                                  <a:ea typeface="メイリオ" panose="020B0604030504040204" pitchFamily="50" charset="-128"/>
+                                </a:rPr>
+                                <m:t>|</m:t>
+                              </m:r>
+                            </m:e>
+                            <m:sup>
+                              <m:r>
+                                <a:rPr kumimoji="1" lang="en-US" altLang="ja-JP" sz="2400" b="0" i="1" smtClean="0">
+                                  <a:latin typeface="Cambria Math" panose="02040503050406030204" pitchFamily="18" charset="0"/>
+                                  <a:ea typeface="メイリオ" panose="020B0604030504040204" pitchFamily="50" charset="-128"/>
+                                </a:rPr>
+                                <m:t>′</m:t>
+                              </m:r>
+                            </m:sup>
+                          </m:sSup>
                           <m:r>
                             <a:rPr kumimoji="1" lang="ja-JP" altLang="en-US" sz="2400" i="1">
                               <a:latin typeface="Cambria Math" panose="02040503050406030204" pitchFamily="18" charset="0"/>
                               <a:ea typeface="メイリオ" panose="020B0604030504040204" pitchFamily="50" charset="-128"/>
                             </a:rPr>
-                            <m:t>データ</m:t>
+                            <m:t>デー</m:t>
                           </m:r>
-                          <m:r>
-                            <a:rPr kumimoji="1" lang="en-US" altLang="ja-JP" sz="2400" b="0" i="1" smtClean="0">
-                              <a:latin typeface="Cambria Math" panose="02040503050406030204" pitchFamily="18" charset="0"/>
-                              <a:ea typeface="メイリオ" panose="020B0604030504040204" pitchFamily="50" charset="-128"/>
-                            </a:rPr>
-                            <m:t>′</m:t>
-                          </m:r>
+                          <m:sSup>
+                            <m:sSupPr>
+                              <m:ctrlPr>
+                                <a:rPr kumimoji="1" lang="en-US" altLang="ja-JP" sz="2400" b="0" i="1" smtClean="0">
+                                  <a:latin typeface="Cambria Math" panose="02040503050406030204" pitchFamily="18" charset="0"/>
+                                  <a:ea typeface="メイリオ" panose="020B0604030504040204" pitchFamily="50" charset="-128"/>
+                                </a:rPr>
+                              </m:ctrlPr>
+                            </m:sSupPr>
+                            <m:e>
+                              <m:r>
+                                <a:rPr kumimoji="1" lang="ja-JP" altLang="en-US" sz="2400" i="1">
+                                  <a:latin typeface="Cambria Math" panose="02040503050406030204" pitchFamily="18" charset="0"/>
+                                  <a:ea typeface="メイリオ" panose="020B0604030504040204" pitchFamily="50" charset="-128"/>
+                                </a:rPr>
+                                <m:t>タ</m:t>
+                              </m:r>
+                            </m:e>
+                            <m:sup>
+                              <m:r>
+                                <a:rPr kumimoji="1" lang="en-US" altLang="ja-JP" sz="2400" b="0" i="1" smtClean="0">
+                                  <a:latin typeface="Cambria Math" panose="02040503050406030204" pitchFamily="18" charset="0"/>
+                                  <a:ea typeface="メイリオ" panose="020B0604030504040204" pitchFamily="50" charset="-128"/>
+                                </a:rPr>
+                                <m:t>′</m:t>
+                              </m:r>
+                            </m:sup>
+                          </m:sSup>
                         </m:e>
                       </m:d>
                       <m:r>
@@ -13597,7 +14109,7 @@
               <p:cNvPr id="11" name="テキスト ボックス 10">
                 <a:extLst>
                   <a:ext uri="{FF2B5EF4-FFF2-40B4-BE49-F238E27FC236}">
-                    <a16:creationId xmlns:a16="http://schemas.microsoft.com/office/drawing/2014/main" id="{514850B9-F7DF-5994-C05E-FE3B826ACCA5}"/>
+                    <a16:creationId xmlns:a16="http://schemas.microsoft.com/office/drawing/2014/main" id="{9E1F5BB3-3F8A-BD48-CCA0-1C5D16DC42DB}"/>
                   </a:ext>
                 </a:extLst>
               </p:cNvPr>
@@ -13609,7 +14121,7 @@
             <p:spPr>
               <a:xfrm>
                 <a:off x="987974" y="4752181"/>
-                <a:ext cx="3758529" cy="509178"/>
+                <a:ext cx="3925049" cy="509178"/>
               </a:xfrm>
               <a:prstGeom prst="rect">
                 <a:avLst/>
@@ -13652,7 +14164,7 @@
             </p:nvSpPr>
             <p:spPr>
               <a:xfrm>
-                <a:off x="4834760" y="4735963"/>
+                <a:off x="6502195" y="4707944"/>
                 <a:ext cx="4879413" cy="878510"/>
               </a:xfrm>
               <a:prstGeom prst="rect">
@@ -13758,7 +14270,7 @@
               <p:cNvPr id="12" name="テキスト ボックス 11">
                 <a:extLst>
                   <a:ext uri="{FF2B5EF4-FFF2-40B4-BE49-F238E27FC236}">
-                    <a16:creationId xmlns:a16="http://schemas.microsoft.com/office/drawing/2014/main" id="{E42B0084-E089-4413-B115-06548F8899BD}"/>
+                    <a16:creationId xmlns:a16="http://schemas.microsoft.com/office/drawing/2014/main" id="{4281B28F-E42D-3A1C-8F75-CD4C09801E12}"/>
                   </a:ext>
                 </a:extLst>
               </p:cNvPr>
@@ -13769,7 +14281,7 @@
             </p:nvSpPr>
             <p:spPr>
               <a:xfrm>
-                <a:off x="4834760" y="4735963"/>
+                <a:off x="6502195" y="4707944"/>
                 <a:ext cx="4879413" cy="878510"/>
               </a:xfrm>
               <a:prstGeom prst="rect">
@@ -13831,7 +14343,7 @@
                 <a:latin typeface="メイリオ" panose="020B0604030504040204" pitchFamily="50" charset="-128"/>
                 <a:ea typeface="メイリオ" panose="020B0604030504040204" pitchFamily="50" charset="-128"/>
               </a:rPr>
-              <a:t>このように自然言語について何らかの学習（ここでは単語の出現確率）を計算するために収集する文例を</a:t>
+              <a:t>このように自然言語について何らかの学習（ここでは単語の出現確率を計算）するために収集する文例を</a:t>
             </a:r>
             <a:r>
               <a:rPr kumimoji="1" lang="ja-JP" altLang="en-US" sz="2400" dirty="0">
@@ -13913,522 +14425,6 @@
 </file>
 
 <file path=ppt/slides/slide14.xml><?xml version="1.0" encoding="utf-8"?>
-<p:sld xmlns:a="http://schemas.openxmlformats.org/drawingml/2006/main" xmlns:r="http://schemas.openxmlformats.org/officeDocument/2006/relationships" xmlns:p="http://schemas.openxmlformats.org/presentationml/2006/main">
-  <p:cSld>
-    <p:spTree>
-      <p:nvGrpSpPr>
-        <p:cNvPr id="1" name="">
-          <a:extLst>
-            <a:ext uri="{FF2B5EF4-FFF2-40B4-BE49-F238E27FC236}">
-              <a16:creationId xmlns:a16="http://schemas.microsoft.com/office/drawing/2014/main" id="{6BB2A22B-BD80-FF1E-F66D-A05405D58F38}"/>
-            </a:ext>
-          </a:extLst>
-        </p:cNvPr>
-        <p:cNvGrpSpPr/>
-        <p:nvPr/>
-      </p:nvGrpSpPr>
-      <p:grpSpPr>
-        <a:xfrm>
-          <a:off x="0" y="0"/>
-          <a:ext cx="0" cy="0"/>
-          <a:chOff x="0" y="0"/>
-          <a:chExt cx="0" cy="0"/>
-        </a:xfrm>
-      </p:grpSpPr>
-      <mc:AlternateContent xmlns:mc="http://schemas.openxmlformats.org/markup-compatibility/2006" xmlns:a14="http://schemas.microsoft.com/office/drawing/2010/main">
-        <mc:Choice Requires="a14">
-          <p:sp>
-            <p:nvSpPr>
-              <p:cNvPr id="5" name="テキスト ボックス 4">
-                <a:extLst>
-                  <a:ext uri="{FF2B5EF4-FFF2-40B4-BE49-F238E27FC236}">
-                    <a16:creationId xmlns:a16="http://schemas.microsoft.com/office/drawing/2014/main" id="{871585E1-FC7A-979F-9223-BA19704FB2CD}"/>
-                  </a:ext>
-                </a:extLst>
-              </p:cNvPr>
-              <p:cNvSpPr txBox="1"/>
-              <p:nvPr/>
-            </p:nvSpPr>
-            <p:spPr>
-              <a:xfrm>
-                <a:off x="727655" y="657560"/>
-                <a:ext cx="5319148" cy="492443"/>
-              </a:xfrm>
-              <a:prstGeom prst="rect">
-                <a:avLst/>
-              </a:prstGeom>
-              <a:noFill/>
-            </p:spPr>
-            <p:txBody>
-              <a:bodyPr wrap="none" lIns="0" tIns="0" rIns="0" bIns="0" rtlCol="0">
-                <a:spAutoFit/>
-              </a:bodyPr>
-              <a:lstStyle/>
-              <a:p>
-                <a:pPr algn="l"/>
-                <a14:m>
-                  <m:oMath xmlns:m="http://schemas.openxmlformats.org/officeDocument/2006/math">
-                    <m:r>
-                      <a:rPr kumimoji="1" lang="en-US" altLang="ja-JP" sz="3200" b="0" i="1" smtClean="0">
-                        <a:latin typeface="Cambria Math" panose="02040503050406030204" pitchFamily="18" charset="0"/>
-                        <a:ea typeface="メイリオ" panose="020B0604030504040204" pitchFamily="50" charset="-128"/>
-                      </a:rPr>
-                      <m:t>𝑝</m:t>
-                    </m:r>
-                    <m:d>
-                      <m:dPr>
-                        <m:ctrlPr>
-                          <a:rPr kumimoji="1" lang="en-US" altLang="ja-JP" sz="3200" b="0" i="1" smtClean="0">
-                            <a:latin typeface="Cambria Math" panose="02040503050406030204" pitchFamily="18" charset="0"/>
-                            <a:ea typeface="メイリオ" panose="020B0604030504040204" pitchFamily="50" charset="-128"/>
-                          </a:rPr>
-                        </m:ctrlPr>
-                      </m:dPr>
-                      <m:e>
-                        <m:r>
-                          <a:rPr kumimoji="1" lang="en-US" altLang="ja-JP" sz="3200" b="0" i="1" smtClean="0">
-                            <a:latin typeface="Cambria Math" panose="02040503050406030204" pitchFamily="18" charset="0"/>
-                            <a:ea typeface="メイリオ" panose="020B0604030504040204" pitchFamily="50" charset="-128"/>
-                          </a:rPr>
-                          <m:t>′</m:t>
-                        </m:r>
-                        <m:r>
-                          <a:rPr kumimoji="1" lang="ja-JP" altLang="en-US" sz="3200" i="1">
-                            <a:latin typeface="Cambria Math" panose="02040503050406030204" pitchFamily="18" charset="0"/>
-                            <a:ea typeface="メイリオ" panose="020B0604030504040204" pitchFamily="50" charset="-128"/>
-                          </a:rPr>
-                          <m:t>すも</m:t>
-                        </m:r>
-                        <m:sSup>
-                          <m:sSupPr>
-                            <m:ctrlPr>
-                              <a:rPr kumimoji="1" lang="en-US" altLang="ja-JP" sz="3200" b="0" i="1" smtClean="0">
-                                <a:latin typeface="Cambria Math" panose="02040503050406030204" pitchFamily="18" charset="0"/>
-                                <a:ea typeface="メイリオ" panose="020B0604030504040204" pitchFamily="50" charset="-128"/>
-                              </a:rPr>
-                            </m:ctrlPr>
-                          </m:sSupPr>
-                          <m:e>
-                            <m:r>
-                              <a:rPr kumimoji="1" lang="ja-JP" altLang="en-US" sz="3200" i="1">
-                                <a:latin typeface="Cambria Math" panose="02040503050406030204" pitchFamily="18" charset="0"/>
-                                <a:ea typeface="メイリオ" panose="020B0604030504040204" pitchFamily="50" charset="-128"/>
-                              </a:rPr>
-                              <m:t>も</m:t>
-                            </m:r>
-                          </m:e>
-                          <m:sup>
-                            <m:r>
-                              <a:rPr kumimoji="1" lang="en-US" altLang="ja-JP" sz="3200" b="0" i="1" smtClean="0">
-                                <a:latin typeface="Cambria Math" panose="02040503050406030204" pitchFamily="18" charset="0"/>
-                                <a:ea typeface="メイリオ" panose="020B0604030504040204" pitchFamily="50" charset="-128"/>
-                              </a:rPr>
-                              <m:t>′</m:t>
-                            </m:r>
-                          </m:sup>
-                        </m:sSup>
-                      </m:e>
-                    </m:d>
-                  </m:oMath>
-                </a14:m>
-                <a:r>
-                  <a:rPr kumimoji="1" lang="ja-JP" altLang="en-US" sz="3200" dirty="0">
-                    <a:latin typeface="メイリオ" panose="020B0604030504040204" pitchFamily="50" charset="-128"/>
-                    <a:ea typeface="メイリオ" panose="020B0604030504040204" pitchFamily="50" charset="-128"/>
-                  </a:rPr>
-                  <a:t>の確率をもう一度</a:t>
-                </a:r>
-              </a:p>
-            </p:txBody>
-          </p:sp>
-        </mc:Choice>
-        <mc:Fallback xmlns="">
-          <p:sp>
-            <p:nvSpPr>
-              <p:cNvPr id="5" name="テキスト ボックス 4">
-                <a:extLst>
-                  <a:ext uri="{FF2B5EF4-FFF2-40B4-BE49-F238E27FC236}">
-                    <a16:creationId xmlns:a16="http://schemas.microsoft.com/office/drawing/2014/main" id="{AC0DCB40-0F60-EABC-1C38-F6B63CA71E22}"/>
-                  </a:ext>
-                </a:extLst>
-              </p:cNvPr>
-              <p:cNvSpPr txBox="1">
-                <a:spLocks noRot="1" noChangeAspect="1" noMove="1" noResize="1" noEditPoints="1" noAdjustHandles="1" noChangeArrowheads="1" noChangeShapeType="1" noTextEdit="1"/>
-              </p:cNvSpPr>
-              <p:nvPr/>
-            </p:nvSpPr>
-            <p:spPr>
-              <a:xfrm>
-                <a:off x="727655" y="657560"/>
-                <a:ext cx="5319148" cy="492443"/>
-              </a:xfrm>
-              <a:prstGeom prst="rect">
-                <a:avLst/>
-              </a:prstGeom>
-              <a:blipFill>
-                <a:blip r:embed="rId2"/>
-                <a:stretch>
-                  <a:fillRect t="-24691" r="-4009" b="-49383"/>
-                </a:stretch>
-              </a:blipFill>
-            </p:spPr>
-            <p:txBody>
-              <a:bodyPr/>
-              <a:lstStyle/>
-              <a:p>
-                <a:r>
-                  <a:rPr lang="ja-JP" altLang="en-US">
-                    <a:noFill/>
-                  </a:rPr>
-                  <a:t> </a:t>
-                </a:r>
-              </a:p>
-            </p:txBody>
-          </p:sp>
-        </mc:Fallback>
-      </mc:AlternateContent>
-      <p:sp>
-        <p:nvSpPr>
-          <p:cNvPr id="6" name="テキスト ボックス 5">
-            <a:extLst>
-              <a:ext uri="{FF2B5EF4-FFF2-40B4-BE49-F238E27FC236}">
-                <a16:creationId xmlns:a16="http://schemas.microsoft.com/office/drawing/2014/main" id="{499BFB36-B9EE-5482-A16A-354091E2566C}"/>
-              </a:ext>
-            </a:extLst>
-          </p:cNvPr>
-          <p:cNvSpPr txBox="1"/>
-          <p:nvPr/>
-        </p:nvSpPr>
-        <p:spPr>
-          <a:xfrm>
-            <a:off x="727655" y="1291410"/>
-            <a:ext cx="11369752" cy="1200329"/>
-          </a:xfrm>
-          <a:prstGeom prst="rect">
-            <a:avLst/>
-          </a:prstGeom>
-          <a:noFill/>
-        </p:spPr>
-        <p:txBody>
-          <a:bodyPr wrap="square" rtlCol="0">
-            <a:spAutoFit/>
-          </a:bodyPr>
-          <a:lstStyle/>
-          <a:p>
-            <a:pPr marL="457200" indent="-457200" algn="l">
-              <a:buFont typeface="+mj-lt"/>
-              <a:buAutoNum type="arabicPeriod"/>
-            </a:pPr>
-            <a:r>
-              <a:rPr kumimoji="1" lang="ja-JP" altLang="en-US" sz="2400" dirty="0">
-                <a:latin typeface="メイリオ" panose="020B0604030504040204" pitchFamily="50" charset="-128"/>
-                <a:ea typeface="メイリオ" panose="020B0604030504040204" pitchFamily="50" charset="-128"/>
-              </a:rPr>
-              <a:t>条件付でないのは、冒頭に出現する単語の確率だから</a:t>
-            </a:r>
-            <a:endParaRPr kumimoji="1" lang="en-US" altLang="ja-JP" sz="2400" dirty="0">
-              <a:latin typeface="メイリオ" panose="020B0604030504040204" pitchFamily="50" charset="-128"/>
-              <a:ea typeface="メイリオ" panose="020B0604030504040204" pitchFamily="50" charset="-128"/>
-            </a:endParaRPr>
-          </a:p>
-          <a:p>
-            <a:pPr marL="457200" indent="-457200" algn="l">
-              <a:buFont typeface="+mj-lt"/>
-              <a:buAutoNum type="arabicPeriod"/>
-            </a:pPr>
-            <a:r>
-              <a:rPr kumimoji="1" lang="ja-JP" altLang="en-US" sz="2400" dirty="0">
-                <a:latin typeface="メイリオ" panose="020B0604030504040204" pitchFamily="50" charset="-128"/>
-                <a:ea typeface="メイリオ" panose="020B0604030504040204" pitchFamily="50" charset="-128"/>
-              </a:rPr>
-              <a:t>日本語のボキャブラリーが</a:t>
-            </a:r>
-            <a:r>
-              <a:rPr kumimoji="1" lang="en-US" altLang="ja-JP" sz="2400" dirty="0">
-                <a:latin typeface="メイリオ" panose="020B0604030504040204" pitchFamily="50" charset="-128"/>
-                <a:ea typeface="メイリオ" panose="020B0604030504040204" pitchFamily="50" charset="-128"/>
-              </a:rPr>
-              <a:t>10,000</a:t>
-            </a:r>
-            <a:r>
-              <a:rPr kumimoji="1" lang="ja-JP" altLang="en-US" sz="2400" dirty="0">
-                <a:latin typeface="メイリオ" panose="020B0604030504040204" pitchFamily="50" charset="-128"/>
-                <a:ea typeface="メイリオ" panose="020B0604030504040204" pitchFamily="50" charset="-128"/>
-              </a:rPr>
-              <a:t>で全ての単語が一様に出現するとしていた。</a:t>
-            </a:r>
-            <a:endParaRPr kumimoji="1" lang="en-US" altLang="ja-JP" sz="2400" dirty="0">
-              <a:latin typeface="メイリオ" panose="020B0604030504040204" pitchFamily="50" charset="-128"/>
-              <a:ea typeface="メイリオ" panose="020B0604030504040204" pitchFamily="50" charset="-128"/>
-            </a:endParaRPr>
-          </a:p>
-          <a:p>
-            <a:pPr marL="457200" indent="-457200" algn="l">
-              <a:buFont typeface="+mj-lt"/>
-              <a:buAutoNum type="arabicPeriod"/>
-            </a:pPr>
-            <a:r>
-              <a:rPr kumimoji="1" lang="ja-JP" altLang="en-US" sz="2400" dirty="0">
-                <a:latin typeface="メイリオ" panose="020B0604030504040204" pitchFamily="50" charset="-128"/>
-                <a:ea typeface="メイリオ" panose="020B0604030504040204" pitchFamily="50" charset="-128"/>
-              </a:rPr>
-              <a:t>実際はこれもコーパスから計算する</a:t>
-            </a:r>
-          </a:p>
-        </p:txBody>
-      </p:sp>
-      <mc:AlternateContent xmlns:mc="http://schemas.openxmlformats.org/markup-compatibility/2006" xmlns:a14="http://schemas.microsoft.com/office/drawing/2010/main">
-        <mc:Choice Requires="a14">
-          <p:sp>
-            <p:nvSpPr>
-              <p:cNvPr id="7" name="テキスト ボックス 6">
-                <a:extLst>
-                  <a:ext uri="{FF2B5EF4-FFF2-40B4-BE49-F238E27FC236}">
-                    <a16:creationId xmlns:a16="http://schemas.microsoft.com/office/drawing/2014/main" id="{1FC16ACC-5481-38D7-B012-82C149A37564}"/>
-                  </a:ext>
-                </a:extLst>
-              </p:cNvPr>
-              <p:cNvSpPr txBox="1"/>
-              <p:nvPr/>
-            </p:nvSpPr>
-            <p:spPr>
-              <a:xfrm>
-                <a:off x="1116538" y="3413760"/>
-                <a:ext cx="9667076" cy="838115"/>
-              </a:xfrm>
-              <a:prstGeom prst="rect">
-                <a:avLst/>
-              </a:prstGeom>
-              <a:noFill/>
-            </p:spPr>
-            <p:txBody>
-              <a:bodyPr wrap="square" rtlCol="0">
-                <a:spAutoFit/>
-              </a:bodyPr>
-              <a:lstStyle/>
-              <a:p>
-                <a:pPr algn="l"/>
-                <a:r>
-                  <a:rPr kumimoji="1" lang="en-US" altLang="ja-JP" sz="2400" b="0" dirty="0">
-                    <a:ea typeface="メイリオ" panose="020B0604030504040204" pitchFamily="50" charset="-128"/>
-                  </a:rPr>
-                  <a:t>1,000,000</a:t>
-                </a:r>
-                <a:r>
-                  <a:rPr kumimoji="1" lang="ja-JP" altLang="en-US" sz="2400" b="0" dirty="0">
-                    <a:ea typeface="メイリオ" panose="020B0604030504040204" pitchFamily="50" charset="-128"/>
-                  </a:rPr>
-                  <a:t>件</a:t>
-                </a:r>
-                <a14:m>
-                  <m:oMath xmlns:m="http://schemas.openxmlformats.org/officeDocument/2006/math">
-                    <m:r>
-                      <a:rPr kumimoji="1" lang="ja-JP" altLang="en-US" sz="2400" i="1">
-                        <a:latin typeface="Cambria Math" panose="02040503050406030204" pitchFamily="18" charset="0"/>
-                        <a:ea typeface="メイリオ" panose="020B0604030504040204" pitchFamily="50" charset="-128"/>
-                      </a:rPr>
-                      <m:t>の</m:t>
-                    </m:r>
-                    <m:r>
-                      <a:rPr kumimoji="1" lang="ja-JP" altLang="en-US" sz="2400" i="1" smtClean="0">
-                        <a:latin typeface="Cambria Math" panose="02040503050406030204" pitchFamily="18" charset="0"/>
-                        <a:ea typeface="メイリオ" panose="020B0604030504040204" pitchFamily="50" charset="-128"/>
-                      </a:rPr>
-                      <m:t>コーパス</m:t>
-                    </m:r>
-                    <m:r>
-                      <a:rPr kumimoji="1" lang="ja-JP" altLang="en-US" sz="2400" i="1">
-                        <a:latin typeface="Cambria Math" panose="02040503050406030204" pitchFamily="18" charset="0"/>
-                        <a:ea typeface="メイリオ" panose="020B0604030504040204" pitchFamily="50" charset="-128"/>
-                      </a:rPr>
-                      <m:t>が</m:t>
-                    </m:r>
-                    <m:r>
-                      <a:rPr kumimoji="1" lang="ja-JP" altLang="en-US" sz="2400" i="1" smtClean="0">
-                        <a:latin typeface="Cambria Math" panose="02040503050406030204" pitchFamily="18" charset="0"/>
-                        <a:ea typeface="メイリオ" panose="020B0604030504040204" pitchFamily="50" charset="-128"/>
-                      </a:rPr>
-                      <m:t>与えられたとして</m:t>
-                    </m:r>
-                    <m:r>
-                      <a:rPr kumimoji="1" lang="ja-JP" altLang="en-US" sz="2400" i="1">
-                        <a:latin typeface="Cambria Math" panose="02040503050406030204" pitchFamily="18" charset="0"/>
-                        <a:ea typeface="メイリオ" panose="020B0604030504040204" pitchFamily="50" charset="-128"/>
-                      </a:rPr>
-                      <m:t>，</m:t>
-                    </m:r>
-                    <m:r>
-                      <a:rPr kumimoji="1" lang="en-US" altLang="ja-JP" sz="2400" b="0" i="1" smtClean="0">
-                        <a:latin typeface="Cambria Math" panose="02040503050406030204" pitchFamily="18" charset="0"/>
-                        <a:ea typeface="メイリオ" panose="020B0604030504040204" pitchFamily="50" charset="-128"/>
-                      </a:rPr>
-                      <m:t>𝑝</m:t>
-                    </m:r>
-                    <m:d>
-                      <m:dPr>
-                        <m:ctrlPr>
-                          <a:rPr kumimoji="1" lang="en-US" altLang="ja-JP" sz="2400" b="0" i="1" smtClean="0">
-                            <a:latin typeface="Cambria Math" panose="02040503050406030204" pitchFamily="18" charset="0"/>
-                            <a:ea typeface="メイリオ" panose="020B0604030504040204" pitchFamily="50" charset="-128"/>
-                          </a:rPr>
-                        </m:ctrlPr>
-                      </m:dPr>
-                      <m:e>
-                        <m:r>
-                          <a:rPr kumimoji="1" lang="en-US" altLang="ja-JP" sz="2400" b="0" i="1" smtClean="0">
-                            <a:latin typeface="Cambria Math" panose="02040503050406030204" pitchFamily="18" charset="0"/>
-                            <a:ea typeface="メイリオ" panose="020B0604030504040204" pitchFamily="50" charset="-128"/>
-                          </a:rPr>
-                          <m:t>′</m:t>
-                        </m:r>
-                        <m:r>
-                          <a:rPr kumimoji="1" lang="ja-JP" altLang="en-US" sz="2400" i="1">
-                            <a:latin typeface="Cambria Math" panose="02040503050406030204" pitchFamily="18" charset="0"/>
-                            <a:ea typeface="メイリオ" panose="020B0604030504040204" pitchFamily="50" charset="-128"/>
-                          </a:rPr>
-                          <m:t>すも</m:t>
-                        </m:r>
-                        <m:sSup>
-                          <m:sSupPr>
-                            <m:ctrlPr>
-                              <a:rPr kumimoji="1" lang="en-US" altLang="ja-JP" sz="2400" b="0" i="1" smtClean="0">
-                                <a:latin typeface="Cambria Math" panose="02040503050406030204" pitchFamily="18" charset="0"/>
-                                <a:ea typeface="メイリオ" panose="020B0604030504040204" pitchFamily="50" charset="-128"/>
-                              </a:rPr>
-                            </m:ctrlPr>
-                          </m:sSupPr>
-                          <m:e>
-                            <m:r>
-                              <a:rPr kumimoji="1" lang="ja-JP" altLang="en-US" sz="2400" i="1">
-                                <a:latin typeface="Cambria Math" panose="02040503050406030204" pitchFamily="18" charset="0"/>
-                                <a:ea typeface="メイリオ" panose="020B0604030504040204" pitchFamily="50" charset="-128"/>
-                              </a:rPr>
-                              <m:t>も</m:t>
-                            </m:r>
-                          </m:e>
-                          <m:sup>
-                            <m:r>
-                              <a:rPr kumimoji="1" lang="en-US" altLang="ja-JP" sz="2400" b="0" i="1" smtClean="0">
-                                <a:latin typeface="Cambria Math" panose="02040503050406030204" pitchFamily="18" charset="0"/>
-                                <a:ea typeface="メイリオ" panose="020B0604030504040204" pitchFamily="50" charset="-128"/>
-                              </a:rPr>
-                              <m:t>′</m:t>
-                            </m:r>
-                          </m:sup>
-                        </m:sSup>
-                      </m:e>
-                    </m:d>
-                  </m:oMath>
-                </a14:m>
-                <a:r>
-                  <a:rPr kumimoji="1" lang="ja-JP" altLang="en-US" sz="2400" dirty="0">
-                    <a:latin typeface="メイリオ" panose="020B0604030504040204" pitchFamily="50" charset="-128"/>
-                    <a:ea typeface="メイリオ" panose="020B0604030504040204" pitchFamily="50" charset="-128"/>
-                  </a:rPr>
-                  <a:t>はどのように計算するか？　自由な前提で考えてみてください。</a:t>
-                </a:r>
-              </a:p>
-            </p:txBody>
-          </p:sp>
-        </mc:Choice>
-        <mc:Fallback xmlns="">
-          <p:sp>
-            <p:nvSpPr>
-              <p:cNvPr id="7" name="テキスト ボックス 6">
-                <a:extLst>
-                  <a:ext uri="{FF2B5EF4-FFF2-40B4-BE49-F238E27FC236}">
-                    <a16:creationId xmlns:a16="http://schemas.microsoft.com/office/drawing/2014/main" id="{1FC16ACC-5481-38D7-B012-82C149A37564}"/>
-                  </a:ext>
-                </a:extLst>
-              </p:cNvPr>
-              <p:cNvSpPr txBox="1">
-                <a:spLocks noRot="1" noChangeAspect="1" noMove="1" noResize="1" noEditPoints="1" noAdjustHandles="1" noChangeArrowheads="1" noChangeShapeType="1" noTextEdit="1"/>
-              </p:cNvSpPr>
-              <p:nvPr/>
-            </p:nvSpPr>
-            <p:spPr>
-              <a:xfrm>
-                <a:off x="1116538" y="3413760"/>
-                <a:ext cx="9667076" cy="838115"/>
-              </a:xfrm>
-              <a:prstGeom prst="rect">
-                <a:avLst/>
-              </a:prstGeom>
-              <a:blipFill>
-                <a:blip r:embed="rId3"/>
-                <a:stretch>
-                  <a:fillRect l="-946" t="-7299" r="-441" b="-16788"/>
-                </a:stretch>
-              </a:blipFill>
-            </p:spPr>
-            <p:txBody>
-              <a:bodyPr/>
-              <a:lstStyle/>
-              <a:p>
-                <a:r>
-                  <a:rPr lang="ja-JP" altLang="en-US">
-                    <a:noFill/>
-                  </a:rPr>
-                  <a:t> </a:t>
-                </a:r>
-              </a:p>
-            </p:txBody>
-          </p:sp>
-        </mc:Fallback>
-      </mc:AlternateContent>
-      <p:sp>
-        <p:nvSpPr>
-          <p:cNvPr id="8" name="テキスト ボックス 7">
-            <a:extLst>
-              <a:ext uri="{FF2B5EF4-FFF2-40B4-BE49-F238E27FC236}">
-                <a16:creationId xmlns:a16="http://schemas.microsoft.com/office/drawing/2014/main" id="{1AEF8D06-8527-850C-7827-5C35B196AEC2}"/>
-              </a:ext>
-            </a:extLst>
-          </p:cNvPr>
-          <p:cNvSpPr txBox="1"/>
-          <p:nvPr/>
-        </p:nvSpPr>
-        <p:spPr>
-          <a:xfrm>
-            <a:off x="1116538" y="2967335"/>
-            <a:ext cx="800219" cy="461665"/>
-          </a:xfrm>
-          <a:prstGeom prst="rect">
-            <a:avLst/>
-          </a:prstGeom>
-          <a:noFill/>
-        </p:spPr>
-        <p:txBody>
-          <a:bodyPr wrap="none" rtlCol="0">
-            <a:spAutoFit/>
-          </a:bodyPr>
-          <a:lstStyle/>
-          <a:p>
-            <a:pPr algn="l"/>
-            <a:r>
-              <a:rPr kumimoji="1" lang="ja-JP" altLang="en-US" sz="2400" u="sng" dirty="0">
-                <a:latin typeface="メイリオ" panose="020B0604030504040204" pitchFamily="50" charset="-128"/>
-                <a:ea typeface="メイリオ" panose="020B0604030504040204" pitchFamily="50" charset="-128"/>
-              </a:rPr>
-              <a:t>問題</a:t>
-            </a:r>
-          </a:p>
-        </p:txBody>
-      </p:sp>
-    </p:spTree>
-    <p:extLst>
-      <p:ext uri="{BB962C8B-B14F-4D97-AF65-F5344CB8AC3E}">
-        <p14:creationId xmlns:p14="http://schemas.microsoft.com/office/powerpoint/2010/main" val="534529376"/>
-      </p:ext>
-    </p:extLst>
-  </p:cSld>
-  <p:clrMapOvr>
-    <a:masterClrMapping/>
-  </p:clrMapOvr>
-</p:sld>
-</file>
-
-<file path=ppt/slides/slide15.xml><?xml version="1.0" encoding="utf-8"?>
 <p:sld xmlns:a="http://schemas.openxmlformats.org/drawingml/2006/main" xmlns:r="http://schemas.openxmlformats.org/officeDocument/2006/relationships" xmlns:p="http://schemas.openxmlformats.org/presentationml/2006/main">
   <p:cSld>
     <p:spTree>
@@ -14768,7 +14764,7 @@
             <p:spPr>
               <a:xfrm>
                 <a:off x="2154622" y="2960776"/>
-                <a:ext cx="2335896" cy="506742"/>
+                <a:ext cx="2417650" cy="506742"/>
               </a:xfrm>
               <a:prstGeom prst="rect">
                 <a:avLst/>
@@ -14802,11 +14798,11 @@
                       </m:dPr>
                       <m:e>
                         <m:r>
-                          <a:rPr kumimoji="1" lang="en-US" altLang="ja-JP" sz="2400" i="1">
+                          <a:rPr kumimoji="1" lang="en-US" altLang="ja-JP" sz="2400" b="0" i="1" smtClean="0">
                             <a:latin typeface="Cambria Math" panose="02040503050406030204" pitchFamily="18" charset="0"/>
                             <a:ea typeface="メイリオ" panose="020B0604030504040204" pitchFamily="50" charset="-128"/>
                           </a:rPr>
-                          <m:t>𝑛</m:t>
+                          <m:t>𝑚</m:t>
                         </m:r>
                       </m:e>
                     </m:d>
@@ -14836,7 +14832,7 @@
               <p:cNvPr id="5" name="テキスト ボックス 4">
                 <a:extLst>
                   <a:ext uri="{FF2B5EF4-FFF2-40B4-BE49-F238E27FC236}">
-                    <a16:creationId xmlns:a16="http://schemas.microsoft.com/office/drawing/2014/main" id="{5AD688A1-C084-4919-6E4B-90E1E251C3EC}"/>
+                    <a16:creationId xmlns:a16="http://schemas.microsoft.com/office/drawing/2014/main" id="{26CB6015-8C59-673F-924E-BD5E33D75D08}"/>
                   </a:ext>
                 </a:extLst>
               </p:cNvPr>
@@ -14848,7 +14844,7 @@
             <p:spPr>
               <a:xfrm>
                 <a:off x="2154622" y="2960776"/>
-                <a:ext cx="2335896" cy="506742"/>
+                <a:ext cx="2417650" cy="506742"/>
               </a:xfrm>
               <a:prstGeom prst="rect">
                 <a:avLst/>
@@ -14856,7 +14852,7 @@
               <a:blipFill>
                 <a:blip r:embed="rId4"/>
                 <a:stretch>
-                  <a:fillRect l="-781" r="-2865" b="-27711"/>
+                  <a:fillRect l="-756" r="-3023" b="-27711"/>
                 </a:stretch>
               </a:blipFill>
             </p:spPr>
@@ -15846,7 +15842,2437 @@
 </p:sld>
 </file>
 
+<file path=ppt/slides/slide15.xml><?xml version="1.0" encoding="utf-8"?>
+<p:sld xmlns:a="http://schemas.openxmlformats.org/drawingml/2006/main" xmlns:r="http://schemas.openxmlformats.org/officeDocument/2006/relationships" xmlns:p="http://schemas.openxmlformats.org/presentationml/2006/main">
+  <p:cSld>
+    <p:spTree>
+      <p:nvGrpSpPr>
+        <p:cNvPr id="1" name="">
+          <a:extLst>
+            <a:ext uri="{FF2B5EF4-FFF2-40B4-BE49-F238E27FC236}">
+              <a16:creationId xmlns:a16="http://schemas.microsoft.com/office/drawing/2014/main" id="{6BB2A22B-BD80-FF1E-F66D-A05405D58F38}"/>
+            </a:ext>
+          </a:extLst>
+        </p:cNvPr>
+        <p:cNvGrpSpPr/>
+        <p:nvPr/>
+      </p:nvGrpSpPr>
+      <p:grpSpPr>
+        <a:xfrm>
+          <a:off x="0" y="0"/>
+          <a:ext cx="0" cy="0"/>
+          <a:chOff x="0" y="0"/>
+          <a:chExt cx="0" cy="0"/>
+        </a:xfrm>
+      </p:grpSpPr>
+      <p:sp>
+        <p:nvSpPr>
+          <p:cNvPr id="2" name="テキスト ボックス 1">
+            <a:extLst>
+              <a:ext uri="{FF2B5EF4-FFF2-40B4-BE49-F238E27FC236}">
+                <a16:creationId xmlns:a16="http://schemas.microsoft.com/office/drawing/2014/main" id="{02EF15D3-4941-33BC-1F9B-A2726214C950}"/>
+              </a:ext>
+            </a:extLst>
+          </p:cNvPr>
+          <p:cNvSpPr txBox="1"/>
+          <p:nvPr/>
+        </p:nvSpPr>
+        <p:spPr>
+          <a:xfrm>
+            <a:off x="731520" y="1432700"/>
+            <a:ext cx="1005403" cy="584775"/>
+          </a:xfrm>
+          <a:prstGeom prst="rect">
+            <a:avLst/>
+          </a:prstGeom>
+          <a:noFill/>
+        </p:spPr>
+        <p:txBody>
+          <a:bodyPr wrap="none" rtlCol="0">
+            <a:spAutoFit/>
+          </a:bodyPr>
+          <a:lstStyle/>
+          <a:p>
+            <a:pPr algn="l"/>
+            <a:r>
+              <a:rPr kumimoji="1" lang="ja-JP" altLang="en-US" sz="3200" dirty="0">
+                <a:latin typeface="メイリオ" panose="020B0604030504040204" pitchFamily="50" charset="-128"/>
+                <a:ea typeface="メイリオ" panose="020B0604030504040204" pitchFamily="50" charset="-128"/>
+              </a:rPr>
+              <a:t>問題</a:t>
+            </a:r>
+          </a:p>
+        </p:txBody>
+      </p:sp>
+      <mc:AlternateContent xmlns:mc="http://schemas.openxmlformats.org/markup-compatibility/2006" xmlns:a14="http://schemas.microsoft.com/office/drawing/2010/main">
+        <mc:Choice Requires="a14">
+          <p:sp>
+            <p:nvSpPr>
+              <p:cNvPr id="3" name="テキスト ボックス 2">
+                <a:extLst>
+                  <a:ext uri="{FF2B5EF4-FFF2-40B4-BE49-F238E27FC236}">
+                    <a16:creationId xmlns:a16="http://schemas.microsoft.com/office/drawing/2014/main" id="{734C0361-FE1E-D1DE-4D57-2C4F0906ED73}"/>
+                  </a:ext>
+                </a:extLst>
+              </p:cNvPr>
+              <p:cNvSpPr txBox="1"/>
+              <p:nvPr/>
+            </p:nvSpPr>
+            <p:spPr>
+              <a:xfrm>
+                <a:off x="649224" y="2066544"/>
+                <a:ext cx="11082528" cy="3189527"/>
+              </a:xfrm>
+              <a:prstGeom prst="rect">
+                <a:avLst/>
+              </a:prstGeom>
+              <a:noFill/>
+            </p:spPr>
+            <p:txBody>
+              <a:bodyPr wrap="square" rtlCol="0">
+                <a:spAutoFit/>
+              </a:bodyPr>
+              <a:lstStyle/>
+              <a:p>
+                <a:pPr marL="457200" indent="-457200">
+                  <a:buFontTx/>
+                  <a:buAutoNum type="arabicPeriod"/>
+                </a:pPr>
+                <a14:m>
+                  <m:oMath xmlns:m="http://schemas.openxmlformats.org/officeDocument/2006/math">
+                    <m:r>
+                      <a:rPr kumimoji="1" lang="en-US" altLang="ja-JP" sz="2400" b="0" i="1" smtClean="0">
+                        <a:latin typeface="Cambria Math" panose="02040503050406030204" pitchFamily="18" charset="0"/>
+                        <a:ea typeface="メイリオ" panose="020B0604030504040204" pitchFamily="50" charset="-128"/>
+                      </a:rPr>
+                      <m:t>𝑝</m:t>
+                    </m:r>
+                    <m:d>
+                      <m:dPr>
+                        <m:ctrlPr>
+                          <a:rPr kumimoji="1" lang="en-US" altLang="ja-JP" sz="2400" b="0" i="1" smtClean="0">
+                            <a:latin typeface="Cambria Math" panose="02040503050406030204" pitchFamily="18" charset="0"/>
+                            <a:ea typeface="メイリオ" panose="020B0604030504040204" pitchFamily="50" charset="-128"/>
+                          </a:rPr>
+                        </m:ctrlPr>
+                      </m:dPr>
+                      <m:e>
+                        <m:r>
+                          <a:rPr kumimoji="1" lang="en-US" altLang="ja-JP" sz="2400" b="0" i="1" smtClean="0">
+                            <a:latin typeface="Cambria Math" panose="02040503050406030204" pitchFamily="18" charset="0"/>
+                            <a:ea typeface="メイリオ" panose="020B0604030504040204" pitchFamily="50" charset="-128"/>
+                          </a:rPr>
+                          <m:t>′</m:t>
+                        </m:r>
+                        <m:r>
+                          <a:rPr kumimoji="1" lang="ja-JP" altLang="en-US" sz="2400" i="1">
+                            <a:latin typeface="Cambria Math" panose="02040503050406030204" pitchFamily="18" charset="0"/>
+                            <a:ea typeface="メイリオ" panose="020B0604030504040204" pitchFamily="50" charset="-128"/>
+                          </a:rPr>
+                          <m:t>データ</m:t>
+                        </m:r>
+                        <m:r>
+                          <a:rPr kumimoji="1" lang="en-US" altLang="ja-JP" sz="2400" b="0" i="1" smtClean="0">
+                            <a:latin typeface="Cambria Math" panose="02040503050406030204" pitchFamily="18" charset="0"/>
+                            <a:ea typeface="メイリオ" panose="020B0604030504040204" pitchFamily="50" charset="-128"/>
+                          </a:rPr>
+                          <m:t>′</m:t>
+                        </m:r>
+                      </m:e>
+                    </m:d>
+                  </m:oMath>
+                </a14:m>
+                <a:r>
+                  <a:rPr kumimoji="1" lang="ja-JP" altLang="en-US" sz="2400" dirty="0">
+                    <a:latin typeface="メイリオ" panose="020B0604030504040204" pitchFamily="50" charset="-128"/>
+                    <a:ea typeface="メイリオ" panose="020B0604030504040204" pitchFamily="50" charset="-128"/>
+                  </a:rPr>
+                  <a:t>の確率を前頁の前提で計算せよ（条件付でないのは、冒頭に出現する単語の確率だから）</a:t>
+                </a:r>
+                <a:endParaRPr kumimoji="1" lang="en-US" altLang="ja-JP" sz="2400" dirty="0">
+                  <a:latin typeface="メイリオ" panose="020B0604030504040204" pitchFamily="50" charset="-128"/>
+                  <a:ea typeface="メイリオ" panose="020B0604030504040204" pitchFamily="50" charset="-128"/>
+                </a:endParaRPr>
+              </a:p>
+              <a:p>
+                <a:pPr marL="457200" indent="-457200">
+                  <a:buFontTx/>
+                  <a:buAutoNum type="arabicPeriod"/>
+                </a:pPr>
+                <a14:m>
+                  <m:oMath xmlns:m="http://schemas.openxmlformats.org/officeDocument/2006/math">
+                    <m:r>
+                      <a:rPr kumimoji="1" lang="en-US" altLang="ja-JP" sz="2400" b="0" i="1" smtClean="0">
+                        <a:latin typeface="Cambria Math" panose="02040503050406030204" pitchFamily="18" charset="0"/>
+                        <a:ea typeface="メイリオ" panose="020B0604030504040204" pitchFamily="50" charset="-128"/>
+                      </a:rPr>
+                      <m:t>𝑝</m:t>
+                    </m:r>
+                    <m:r>
+                      <a:rPr kumimoji="1" lang="en-US" altLang="ja-JP" sz="2400" b="0" i="1" smtClean="0">
+                        <a:latin typeface="Cambria Math" panose="02040503050406030204" pitchFamily="18" charset="0"/>
+                        <a:ea typeface="メイリオ" panose="020B0604030504040204" pitchFamily="50" charset="-128"/>
+                      </a:rPr>
+                      <m:t>(′</m:t>
+                    </m:r>
+                  </m:oMath>
+                </a14:m>
+                <a:r>
+                  <a:rPr kumimoji="1" lang="ja-JP" altLang="en-US" sz="2400" dirty="0">
+                    <a:latin typeface="メイリオ" panose="020B0604030504040204" pitchFamily="50" charset="-128"/>
+                    <a:ea typeface="メイリオ" panose="020B0604030504040204" pitchFamily="50" charset="-128"/>
+                  </a:rPr>
+                  <a:t>データ</a:t>
+                </a:r>
+                <a:r>
+                  <a:rPr kumimoji="1" lang="en-US" altLang="ja-JP" sz="2400" dirty="0">
+                    <a:latin typeface="メイリオ" panose="020B0604030504040204" pitchFamily="50" charset="-128"/>
+                    <a:ea typeface="メイリオ" panose="020B0604030504040204" pitchFamily="50" charset="-128"/>
+                  </a:rPr>
+                  <a:t>’, ‘</a:t>
+                </a:r>
+                <a:r>
+                  <a:rPr kumimoji="1" lang="ja-JP" altLang="en-US" sz="2400" dirty="0">
+                    <a:latin typeface="メイリオ" panose="020B0604030504040204" pitchFamily="50" charset="-128"/>
+                    <a:ea typeface="メイリオ" panose="020B0604030504040204" pitchFamily="50" charset="-128"/>
+                  </a:rPr>
+                  <a:t>サイエンス</a:t>
+                </a:r>
+                <a:r>
+                  <a:rPr kumimoji="1" lang="en-US" altLang="ja-JP" sz="2400" dirty="0">
+                    <a:latin typeface="メイリオ" panose="020B0604030504040204" pitchFamily="50" charset="-128"/>
+                    <a:ea typeface="メイリオ" panose="020B0604030504040204" pitchFamily="50" charset="-128"/>
+                  </a:rPr>
+                  <a:t>’)</a:t>
+                </a:r>
+                <a:r>
+                  <a:rPr kumimoji="1" lang="ja-JP" altLang="en-US" sz="2400" dirty="0">
+                    <a:latin typeface="メイリオ" panose="020B0604030504040204" pitchFamily="50" charset="-128"/>
+                    <a:ea typeface="メイリオ" panose="020B0604030504040204" pitchFamily="50" charset="-128"/>
+                  </a:rPr>
+                  <a:t>の確率を計算せよ（同時確率を連鎖律で展開する）</a:t>
+                </a:r>
+                <a:endParaRPr kumimoji="1" lang="en-US" altLang="ja-JP" sz="2400" dirty="0">
+                  <a:latin typeface="メイリオ" panose="020B0604030504040204" pitchFamily="50" charset="-128"/>
+                  <a:ea typeface="メイリオ" panose="020B0604030504040204" pitchFamily="50" charset="-128"/>
+                </a:endParaRPr>
+              </a:p>
+              <a:p>
+                <a:pPr marL="457200" indent="-457200">
+                  <a:buFontTx/>
+                  <a:buAutoNum type="arabicPeriod"/>
+                </a:pPr>
+                <a14:m>
+                  <m:oMath xmlns:m="http://schemas.openxmlformats.org/officeDocument/2006/math">
+                    <m:r>
+                      <a:rPr kumimoji="1" lang="ja-JP" altLang="en-US" sz="2400" i="1" dirty="0">
+                        <a:latin typeface="Cambria Math" panose="02040503050406030204" pitchFamily="18" charset="0"/>
+                        <a:ea typeface="メイリオ" panose="020B0604030504040204" pitchFamily="50" charset="-128"/>
+                      </a:rPr>
+                      <m:t>コーパス</m:t>
+                    </m:r>
+                  </m:oMath>
+                </a14:m>
+                <a:r>
+                  <a:rPr kumimoji="1" lang="ja-JP" altLang="en-US" sz="2400" dirty="0">
+                    <a:latin typeface="メイリオ" panose="020B0604030504040204" pitchFamily="50" charset="-128"/>
+                    <a:ea typeface="メイリオ" panose="020B0604030504040204" pitchFamily="50" charset="-128"/>
+                  </a:rPr>
+                  <a:t>数が</a:t>
+                </a:r>
+                <a:r>
+                  <a:rPr kumimoji="1" lang="en-US" altLang="ja-JP" sz="2400" dirty="0">
+                    <a:latin typeface="メイリオ" panose="020B0604030504040204" pitchFamily="50" charset="-128"/>
+                    <a:ea typeface="メイリオ" panose="020B0604030504040204" pitchFamily="50" charset="-128"/>
+                  </a:rPr>
+                  <a:t>1,500,000</a:t>
+                </a:r>
+                <a:r>
+                  <a:rPr kumimoji="1" lang="ja-JP" altLang="en-US" sz="2400" dirty="0">
+                    <a:latin typeface="メイリオ" panose="020B0604030504040204" pitchFamily="50" charset="-128"/>
+                    <a:ea typeface="メイリオ" panose="020B0604030504040204" pitchFamily="50" charset="-128"/>
+                  </a:rPr>
+                  <a:t>で他の前提は変わらない場合は</a:t>
+                </a:r>
+                <a14:m>
+                  <m:oMath xmlns:m="http://schemas.openxmlformats.org/officeDocument/2006/math">
+                    <m:r>
+                      <a:rPr kumimoji="1" lang="en-US" altLang="ja-JP" sz="2400" i="1">
+                        <a:latin typeface="Cambria Math" panose="02040503050406030204" pitchFamily="18" charset="0"/>
+                        <a:ea typeface="メイリオ" panose="020B0604030504040204" pitchFamily="50" charset="-128"/>
+                      </a:rPr>
+                      <m:t>𝑝</m:t>
+                    </m:r>
+                    <m:d>
+                      <m:dPr>
+                        <m:ctrlPr>
+                          <a:rPr kumimoji="1" lang="en-US" altLang="ja-JP" sz="2400" i="1">
+                            <a:latin typeface="Cambria Math" panose="02040503050406030204" pitchFamily="18" charset="0"/>
+                            <a:ea typeface="メイリオ" panose="020B0604030504040204" pitchFamily="50" charset="-128"/>
+                          </a:rPr>
+                        </m:ctrlPr>
+                      </m:dPr>
+                      <m:e>
+                        <m:r>
+                          <a:rPr kumimoji="1" lang="en-US" altLang="ja-JP" sz="2400" i="1">
+                            <a:latin typeface="Cambria Math" panose="02040503050406030204" pitchFamily="18" charset="0"/>
+                            <a:ea typeface="メイリオ" panose="020B0604030504040204" pitchFamily="50" charset="-128"/>
+                          </a:rPr>
+                          <m:t>′</m:t>
+                        </m:r>
+                        <m:r>
+                          <a:rPr kumimoji="1" lang="ja-JP" altLang="en-US" sz="2400" i="1">
+                            <a:latin typeface="Cambria Math" panose="02040503050406030204" pitchFamily="18" charset="0"/>
+                            <a:ea typeface="メイリオ" panose="020B0604030504040204" pitchFamily="50" charset="-128"/>
+                          </a:rPr>
+                          <m:t>データ</m:t>
+                        </m:r>
+                        <m:r>
+                          <a:rPr kumimoji="1" lang="en-US" altLang="ja-JP" sz="2400" i="1">
+                            <a:latin typeface="Cambria Math" panose="02040503050406030204" pitchFamily="18" charset="0"/>
+                            <a:ea typeface="メイリオ" panose="020B0604030504040204" pitchFamily="50" charset="-128"/>
+                          </a:rPr>
+                          <m:t>′</m:t>
+                        </m:r>
+                      </m:e>
+                    </m:d>
+                  </m:oMath>
+                </a14:m>
+                <a:r>
+                  <a:rPr kumimoji="1" lang="ja-JP" altLang="en-US" sz="2400" dirty="0">
+                    <a:latin typeface="メイリオ" panose="020B0604030504040204" pitchFamily="50" charset="-128"/>
+                    <a:ea typeface="メイリオ" panose="020B0604030504040204" pitchFamily="50" charset="-128"/>
+                  </a:rPr>
+                  <a:t>はいくつになるか</a:t>
+                </a:r>
+                <a:endParaRPr kumimoji="1" lang="en-US" altLang="ja-JP" sz="2400" dirty="0">
+                  <a:latin typeface="メイリオ" panose="020B0604030504040204" pitchFamily="50" charset="-128"/>
+                  <a:ea typeface="メイリオ" panose="020B0604030504040204" pitchFamily="50" charset="-128"/>
+                </a:endParaRPr>
+              </a:p>
+              <a:p>
+                <a:pPr marL="457200" indent="-457200">
+                  <a:buAutoNum type="arabicPeriod"/>
+                </a:pPr>
+                <a:r>
+                  <a:rPr kumimoji="1" lang="ja-JP" altLang="en-US" sz="2400" dirty="0">
+                    <a:latin typeface="メイリオ" panose="020B0604030504040204" pitchFamily="50" charset="-128"/>
+                    <a:ea typeface="メイリオ" panose="020B0604030504040204" pitchFamily="50" charset="-128"/>
+                  </a:rPr>
+                  <a:t>もし、形態素解析エンジンが</a:t>
+                </a:r>
+                <a:r>
+                  <a:rPr kumimoji="1" lang="en-US" altLang="ja-JP" sz="2400" dirty="0">
+                    <a:latin typeface="メイリオ" panose="020B0604030504040204" pitchFamily="50" charset="-128"/>
+                    <a:ea typeface="メイリオ" panose="020B0604030504040204" pitchFamily="50" charset="-128"/>
+                  </a:rPr>
+                  <a:t>1980</a:t>
+                </a:r>
+                <a:r>
+                  <a:rPr kumimoji="1" lang="ja-JP" altLang="en-US" sz="2400" dirty="0">
+                    <a:latin typeface="メイリオ" panose="020B0604030504040204" pitchFamily="50" charset="-128"/>
+                    <a:ea typeface="メイリオ" panose="020B0604030504040204" pitchFamily="50" charset="-128"/>
+                  </a:rPr>
+                  <a:t>年代までのコーパス</a:t>
+                </a:r>
+                <a:r>
+                  <a:rPr kumimoji="1" lang="en-US" altLang="ja-JP" sz="2400" dirty="0">
+                    <a:latin typeface="メイリオ" panose="020B0604030504040204" pitchFamily="50" charset="-128"/>
+                    <a:ea typeface="メイリオ" panose="020B0604030504040204" pitchFamily="50" charset="-128"/>
+                  </a:rPr>
+                  <a:t>1,000,000</a:t>
+                </a:r>
+                <a:r>
+                  <a:rPr kumimoji="1" lang="ja-JP" altLang="en-US" sz="2400" dirty="0">
+                    <a:latin typeface="メイリオ" panose="020B0604030504040204" pitchFamily="50" charset="-128"/>
+                    <a:ea typeface="メイリオ" panose="020B0604030504040204" pitchFamily="50" charset="-128"/>
+                  </a:rPr>
+                  <a:t>件を保有しているとすると、</a:t>
+                </a:r>
+                <a:r>
+                  <a:rPr kumimoji="1" lang="en-US" altLang="ja-JP" sz="2400" b="0" dirty="0">
+                    <a:ea typeface="メイリオ" panose="020B0604030504040204" pitchFamily="50" charset="-128"/>
+                  </a:rPr>
+                  <a:t> </a:t>
+                </a:r>
+                <a14:m>
+                  <m:oMath xmlns:m="http://schemas.openxmlformats.org/officeDocument/2006/math">
+                    <m:r>
+                      <a:rPr kumimoji="1" lang="en-US" altLang="ja-JP" sz="2400" b="0" i="1" smtClean="0">
+                        <a:latin typeface="Cambria Math" panose="02040503050406030204" pitchFamily="18" charset="0"/>
+                        <a:ea typeface="メイリオ" panose="020B0604030504040204" pitchFamily="50" charset="-128"/>
+                      </a:rPr>
+                      <m:t>𝑝</m:t>
+                    </m:r>
+                    <m:d>
+                      <m:dPr>
+                        <m:ctrlPr>
+                          <a:rPr kumimoji="1" lang="en-US" altLang="ja-JP" sz="2400" b="0" i="1" smtClean="0">
+                            <a:latin typeface="Cambria Math" panose="02040503050406030204" pitchFamily="18" charset="0"/>
+                            <a:ea typeface="メイリオ" panose="020B0604030504040204" pitchFamily="50" charset="-128"/>
+                          </a:rPr>
+                        </m:ctrlPr>
+                      </m:dPr>
+                      <m:e>
+                        <m:r>
+                          <a:rPr kumimoji="1" lang="en-US" altLang="ja-JP" sz="2400" b="0" i="1" smtClean="0">
+                            <a:latin typeface="Cambria Math" panose="02040503050406030204" pitchFamily="18" charset="0"/>
+                            <a:ea typeface="メイリオ" panose="020B0604030504040204" pitchFamily="50" charset="-128"/>
+                          </a:rPr>
+                          <m:t>′</m:t>
+                        </m:r>
+                        <m:r>
+                          <a:rPr kumimoji="1" lang="ja-JP" altLang="en-US" sz="2400" i="1">
+                            <a:latin typeface="Cambria Math" panose="02040503050406030204" pitchFamily="18" charset="0"/>
+                            <a:ea typeface="メイリオ" panose="020B0604030504040204" pitchFamily="50" charset="-128"/>
+                          </a:rPr>
+                          <m:t>収</m:t>
+                        </m:r>
+                        <m:sSup>
+                          <m:sSupPr>
+                            <m:ctrlPr>
+                              <a:rPr kumimoji="1" lang="en-US" altLang="ja-JP" sz="2400" b="0" i="1" smtClean="0">
+                                <a:latin typeface="Cambria Math" panose="02040503050406030204" pitchFamily="18" charset="0"/>
+                                <a:ea typeface="メイリオ" panose="020B0604030504040204" pitchFamily="50" charset="-128"/>
+                              </a:rPr>
+                            </m:ctrlPr>
+                          </m:sSupPr>
+                          <m:e>
+                            <m:r>
+                              <a:rPr kumimoji="1" lang="ja-JP" altLang="en-US" sz="2400" i="1">
+                                <a:latin typeface="Cambria Math" panose="02040503050406030204" pitchFamily="18" charset="0"/>
+                                <a:ea typeface="メイリオ" panose="020B0604030504040204" pitchFamily="50" charset="-128"/>
+                              </a:rPr>
+                              <m:t>集</m:t>
+                            </m:r>
+                          </m:e>
+                          <m:sup>
+                            <m:r>
+                              <a:rPr kumimoji="1" lang="en-US" altLang="ja-JP" sz="2400" b="0" i="1" smtClean="0">
+                                <a:latin typeface="Cambria Math" panose="02040503050406030204" pitchFamily="18" charset="0"/>
+                                <a:ea typeface="メイリオ" panose="020B0604030504040204" pitchFamily="50" charset="-128"/>
+                              </a:rPr>
+                              <m:t>′</m:t>
+                            </m:r>
+                          </m:sup>
+                        </m:sSup>
+                        <m:sSup>
+                          <m:sSupPr>
+                            <m:ctrlPr>
+                              <a:rPr kumimoji="1" lang="en-US" altLang="ja-JP" sz="2400" b="0" i="1" smtClean="0">
+                                <a:latin typeface="Cambria Math" panose="02040503050406030204" pitchFamily="18" charset="0"/>
+                                <a:ea typeface="メイリオ" panose="020B0604030504040204" pitchFamily="50" charset="-128"/>
+                              </a:rPr>
+                            </m:ctrlPr>
+                          </m:sSupPr>
+                          <m:e>
+                            <m:r>
+                              <a:rPr kumimoji="1" lang="en-US" altLang="ja-JP" sz="2400" b="0" i="1" smtClean="0">
+                                <a:latin typeface="Cambria Math" panose="02040503050406030204" pitchFamily="18" charset="0"/>
+                                <a:ea typeface="メイリオ" panose="020B0604030504040204" pitchFamily="50" charset="-128"/>
+                              </a:rPr>
+                              <m:t>|</m:t>
+                            </m:r>
+                          </m:e>
+                          <m:sup>
+                            <m:r>
+                              <a:rPr kumimoji="1" lang="en-US" altLang="ja-JP" sz="2400" b="0" i="1" smtClean="0">
+                                <a:latin typeface="Cambria Math" panose="02040503050406030204" pitchFamily="18" charset="0"/>
+                                <a:ea typeface="メイリオ" panose="020B0604030504040204" pitchFamily="50" charset="-128"/>
+                              </a:rPr>
+                              <m:t>′</m:t>
+                            </m:r>
+                          </m:sup>
+                        </m:sSup>
+                        <m:r>
+                          <a:rPr kumimoji="1" lang="ja-JP" altLang="en-US" sz="2400" i="1">
+                            <a:latin typeface="Cambria Math" panose="02040503050406030204" pitchFamily="18" charset="0"/>
+                            <a:ea typeface="メイリオ" panose="020B0604030504040204" pitchFamily="50" charset="-128"/>
+                          </a:rPr>
+                          <m:t>デー</m:t>
+                        </m:r>
+                        <m:sSup>
+                          <m:sSupPr>
+                            <m:ctrlPr>
+                              <a:rPr kumimoji="1" lang="en-US" altLang="ja-JP" sz="2400" b="0" i="1" smtClean="0">
+                                <a:latin typeface="Cambria Math" panose="02040503050406030204" pitchFamily="18" charset="0"/>
+                                <a:ea typeface="メイリオ" panose="020B0604030504040204" pitchFamily="50" charset="-128"/>
+                              </a:rPr>
+                            </m:ctrlPr>
+                          </m:sSupPr>
+                          <m:e>
+                            <m:r>
+                              <a:rPr kumimoji="1" lang="ja-JP" altLang="en-US" sz="2400" i="1">
+                                <a:latin typeface="Cambria Math" panose="02040503050406030204" pitchFamily="18" charset="0"/>
+                                <a:ea typeface="メイリオ" panose="020B0604030504040204" pitchFamily="50" charset="-128"/>
+                              </a:rPr>
+                              <m:t>タ</m:t>
+                            </m:r>
+                          </m:e>
+                          <m:sup>
+                            <m:r>
+                              <a:rPr kumimoji="1" lang="en-US" altLang="ja-JP" sz="2400" b="0" i="1" smtClean="0">
+                                <a:latin typeface="Cambria Math" panose="02040503050406030204" pitchFamily="18" charset="0"/>
+                                <a:ea typeface="メイリオ" panose="020B0604030504040204" pitchFamily="50" charset="-128"/>
+                              </a:rPr>
+                              <m:t>′</m:t>
+                            </m:r>
+                          </m:sup>
+                        </m:sSup>
+                      </m:e>
+                    </m:d>
+                  </m:oMath>
+                </a14:m>
+                <a:r>
+                  <a:rPr kumimoji="1" lang="en-US" altLang="ja-JP" sz="2400" dirty="0">
+                    <a:ea typeface="メイリオ" panose="020B0604030504040204" pitchFamily="50" charset="-128"/>
+                  </a:rPr>
+                  <a:t> </a:t>
+                </a:r>
+                <a14:m>
+                  <m:oMath xmlns:m="http://schemas.openxmlformats.org/officeDocument/2006/math">
+                    <m:r>
+                      <a:rPr kumimoji="1" lang="en-US" altLang="ja-JP" sz="2400" i="1">
+                        <a:latin typeface="Cambria Math" panose="02040503050406030204" pitchFamily="18" charset="0"/>
+                        <a:ea typeface="メイリオ" panose="020B0604030504040204" pitchFamily="50" charset="-128"/>
+                      </a:rPr>
+                      <m:t>𝑝</m:t>
+                    </m:r>
+                    <m:d>
+                      <m:dPr>
+                        <m:ctrlPr>
+                          <a:rPr kumimoji="1" lang="en-US" altLang="ja-JP" sz="2400" i="1">
+                            <a:latin typeface="Cambria Math" panose="02040503050406030204" pitchFamily="18" charset="0"/>
+                            <a:ea typeface="メイリオ" panose="020B0604030504040204" pitchFamily="50" charset="-128"/>
+                          </a:rPr>
+                        </m:ctrlPr>
+                      </m:dPr>
+                      <m:e>
+                        <m:r>
+                          <a:rPr kumimoji="1" lang="en-US" altLang="ja-JP" sz="2400" i="1">
+                            <a:latin typeface="Cambria Math" panose="02040503050406030204" pitchFamily="18" charset="0"/>
+                            <a:ea typeface="メイリオ" panose="020B0604030504040204" pitchFamily="50" charset="-128"/>
+                          </a:rPr>
+                          <m:t>′</m:t>
+                        </m:r>
+                        <m:r>
+                          <a:rPr kumimoji="1" lang="ja-JP" altLang="en-US" sz="2400" i="1">
+                            <a:latin typeface="Cambria Math" panose="02040503050406030204" pitchFamily="18" charset="0"/>
+                            <a:ea typeface="メイリオ" panose="020B0604030504040204" pitchFamily="50" charset="-128"/>
+                          </a:rPr>
+                          <m:t>サイエンス</m:t>
+                        </m:r>
+                        <m:r>
+                          <a:rPr kumimoji="1" lang="en-US" altLang="ja-JP" sz="2400" i="1">
+                            <a:latin typeface="Cambria Math" panose="02040503050406030204" pitchFamily="18" charset="0"/>
+                            <a:ea typeface="メイリオ" panose="020B0604030504040204" pitchFamily="50" charset="-128"/>
+                          </a:rPr>
+                          <m:t>′|′</m:t>
+                        </m:r>
+                        <m:r>
+                          <a:rPr kumimoji="1" lang="ja-JP" altLang="en-US" sz="2400" i="1">
+                            <a:latin typeface="Cambria Math" panose="02040503050406030204" pitchFamily="18" charset="0"/>
+                            <a:ea typeface="メイリオ" panose="020B0604030504040204" pitchFamily="50" charset="-128"/>
+                          </a:rPr>
+                          <m:t>データ</m:t>
+                        </m:r>
+                        <m:r>
+                          <a:rPr kumimoji="1" lang="en-US" altLang="ja-JP" sz="2400" i="1">
+                            <a:latin typeface="Cambria Math" panose="02040503050406030204" pitchFamily="18" charset="0"/>
+                            <a:ea typeface="メイリオ" panose="020B0604030504040204" pitchFamily="50" charset="-128"/>
+                          </a:rPr>
+                          <m:t>′</m:t>
+                        </m:r>
+                      </m:e>
+                    </m:d>
+                  </m:oMath>
+                </a14:m>
+                <a:r>
+                  <a:rPr kumimoji="1" lang="ja-JP" altLang="en-US" sz="2400" dirty="0">
+                    <a:latin typeface="メイリオ" panose="020B0604030504040204" pitchFamily="50" charset="-128"/>
+                    <a:ea typeface="メイリオ" panose="020B0604030504040204" pitchFamily="50" charset="-128"/>
+                  </a:rPr>
+                  <a:t>ではどちらの確率が大きいだろうか？</a:t>
+                </a:r>
+              </a:p>
+            </p:txBody>
+          </p:sp>
+        </mc:Choice>
+        <mc:Fallback xmlns="">
+          <p:sp>
+            <p:nvSpPr>
+              <p:cNvPr id="3" name="テキスト ボックス 2">
+                <a:extLst>
+                  <a:ext uri="{FF2B5EF4-FFF2-40B4-BE49-F238E27FC236}">
+                    <a16:creationId xmlns:a16="http://schemas.microsoft.com/office/drawing/2014/main" id="{734C0361-FE1E-D1DE-4D57-2C4F0906ED73}"/>
+                  </a:ext>
+                </a:extLst>
+              </p:cNvPr>
+              <p:cNvSpPr txBox="1">
+                <a:spLocks noRot="1" noChangeAspect="1" noMove="1" noResize="1" noEditPoints="1" noAdjustHandles="1" noChangeArrowheads="1" noChangeShapeType="1" noTextEdit="1"/>
+              </p:cNvSpPr>
+              <p:nvPr/>
+            </p:nvSpPr>
+            <p:spPr>
+              <a:xfrm>
+                <a:off x="649224" y="2066544"/>
+                <a:ext cx="11082528" cy="3189527"/>
+              </a:xfrm>
+              <a:prstGeom prst="rect">
+                <a:avLst/>
+              </a:prstGeom>
+              <a:blipFill>
+                <a:blip r:embed="rId2"/>
+                <a:stretch>
+                  <a:fillRect l="-1265" t="-956" r="-715" b="-3633"/>
+                </a:stretch>
+              </a:blipFill>
+            </p:spPr>
+            <p:txBody>
+              <a:bodyPr/>
+              <a:lstStyle/>
+              <a:p>
+                <a:r>
+                  <a:rPr lang="ja-JP" altLang="en-US">
+                    <a:noFill/>
+                  </a:rPr>
+                  <a:t> </a:t>
+                </a:r>
+              </a:p>
+            </p:txBody>
+          </p:sp>
+        </mc:Fallback>
+      </mc:AlternateContent>
+      <p:sp>
+        <p:nvSpPr>
+          <p:cNvPr id="4" name="テキスト ボックス 3">
+            <a:extLst>
+              <a:ext uri="{FF2B5EF4-FFF2-40B4-BE49-F238E27FC236}">
+                <a16:creationId xmlns:a16="http://schemas.microsoft.com/office/drawing/2014/main" id="{766BBC8A-927A-3D26-DA74-BF0645D90E4F}"/>
+              </a:ext>
+            </a:extLst>
+          </p:cNvPr>
+          <p:cNvSpPr txBox="1"/>
+          <p:nvPr/>
+        </p:nvSpPr>
+        <p:spPr>
+          <a:xfrm>
+            <a:off x="804672" y="560230"/>
+            <a:ext cx="8802410" cy="584775"/>
+          </a:xfrm>
+          <a:prstGeom prst="rect">
+            <a:avLst/>
+          </a:prstGeom>
+          <a:noFill/>
+        </p:spPr>
+        <p:txBody>
+          <a:bodyPr wrap="none" rtlCol="0">
+            <a:spAutoFit/>
+          </a:bodyPr>
+          <a:lstStyle/>
+          <a:p>
+            <a:pPr algn="l"/>
+            <a:r>
+              <a:rPr kumimoji="1" lang="ja-JP" altLang="en-US" sz="3200" dirty="0">
+                <a:latin typeface="メイリオ" panose="020B0604030504040204" pitchFamily="50" charset="-128"/>
+                <a:ea typeface="メイリオ" panose="020B0604030504040204" pitchFamily="50" charset="-128"/>
+              </a:rPr>
+              <a:t>形態素の認識はコーパスに依存して変化する！</a:t>
+            </a:r>
+          </a:p>
+        </p:txBody>
+      </p:sp>
+      <p:sp>
+        <p:nvSpPr>
+          <p:cNvPr id="5" name="テキスト ボックス 4">
+            <a:extLst>
+              <a:ext uri="{FF2B5EF4-FFF2-40B4-BE49-F238E27FC236}">
+                <a16:creationId xmlns:a16="http://schemas.microsoft.com/office/drawing/2014/main" id="{C6B4A21E-887B-8AC1-20B8-848FF34BE485}"/>
+              </a:ext>
+            </a:extLst>
+          </p:cNvPr>
+          <p:cNvSpPr txBox="1"/>
+          <p:nvPr/>
+        </p:nvSpPr>
+        <p:spPr>
+          <a:xfrm>
+            <a:off x="548640" y="5551353"/>
+            <a:ext cx="9417963" cy="830997"/>
+          </a:xfrm>
+          <a:prstGeom prst="rect">
+            <a:avLst/>
+          </a:prstGeom>
+          <a:noFill/>
+        </p:spPr>
+        <p:txBody>
+          <a:bodyPr wrap="none" rtlCol="0">
+            <a:spAutoFit/>
+          </a:bodyPr>
+          <a:lstStyle/>
+          <a:p>
+            <a:pPr algn="l"/>
+            <a:r>
+              <a:rPr kumimoji="1" lang="ja-JP" altLang="en-US" sz="2400" dirty="0">
+                <a:latin typeface="メイリオ" panose="020B0604030504040204" pitchFamily="50" charset="-128"/>
+                <a:ea typeface="メイリオ" panose="020B0604030504040204" pitchFamily="50" charset="-128"/>
+              </a:rPr>
+              <a:t>問題の意図：</a:t>
+            </a:r>
+            <a:endParaRPr kumimoji="1" lang="en-US" altLang="ja-JP" sz="2400" dirty="0">
+              <a:latin typeface="メイリオ" panose="020B0604030504040204" pitchFamily="50" charset="-128"/>
+              <a:ea typeface="メイリオ" panose="020B0604030504040204" pitchFamily="50" charset="-128"/>
+            </a:endParaRPr>
+          </a:p>
+          <a:p>
+            <a:pPr algn="l"/>
+            <a:r>
+              <a:rPr kumimoji="1" lang="ja-JP" altLang="en-US" sz="2400" dirty="0">
+                <a:latin typeface="メイリオ" panose="020B0604030504040204" pitchFamily="50" charset="-128"/>
+                <a:ea typeface="メイリオ" panose="020B0604030504040204" pitchFamily="50" charset="-128"/>
+              </a:rPr>
+              <a:t>単語の認識はコーパス依存であるということを理解してください。</a:t>
+            </a:r>
+          </a:p>
+        </p:txBody>
+      </p:sp>
+    </p:spTree>
+    <p:extLst>
+      <p:ext uri="{BB962C8B-B14F-4D97-AF65-F5344CB8AC3E}">
+        <p14:creationId xmlns:p14="http://schemas.microsoft.com/office/powerpoint/2010/main" val="534529376"/>
+      </p:ext>
+    </p:extLst>
+  </p:cSld>
+  <p:clrMapOvr>
+    <a:masterClrMapping/>
+  </p:clrMapOvr>
+</p:sld>
+</file>
+
 <file path=ppt/slides/slide16.xml><?xml version="1.0" encoding="utf-8"?>
+<p:sld xmlns:a="http://schemas.openxmlformats.org/drawingml/2006/main" xmlns:r="http://schemas.openxmlformats.org/officeDocument/2006/relationships" xmlns:p="http://schemas.openxmlformats.org/presentationml/2006/main">
+  <p:cSld>
+    <p:spTree>
+      <p:nvGrpSpPr>
+        <p:cNvPr id="1" name=""/>
+        <p:cNvGrpSpPr/>
+        <p:nvPr/>
+      </p:nvGrpSpPr>
+      <p:grpSpPr>
+        <a:xfrm>
+          <a:off x="0" y="0"/>
+          <a:ext cx="0" cy="0"/>
+          <a:chOff x="0" y="0"/>
+          <a:chExt cx="0" cy="0"/>
+        </a:xfrm>
+      </p:grpSpPr>
+      <p:sp>
+        <p:nvSpPr>
+          <p:cNvPr id="3" name="テキスト ボックス 2">
+            <a:extLst>
+              <a:ext uri="{FF2B5EF4-FFF2-40B4-BE49-F238E27FC236}">
+                <a16:creationId xmlns:a16="http://schemas.microsoft.com/office/drawing/2014/main" id="{CEA3F440-05F3-28DD-D09C-677162D35DC6}"/>
+              </a:ext>
+            </a:extLst>
+          </p:cNvPr>
+          <p:cNvSpPr txBox="1"/>
+          <p:nvPr/>
+        </p:nvSpPr>
+        <p:spPr>
+          <a:xfrm>
+            <a:off x="844731" y="478971"/>
+            <a:ext cx="4698722" cy="584775"/>
+          </a:xfrm>
+          <a:prstGeom prst="rect">
+            <a:avLst/>
+          </a:prstGeom>
+          <a:noFill/>
+        </p:spPr>
+        <p:txBody>
+          <a:bodyPr wrap="none" rtlCol="0">
+            <a:spAutoFit/>
+          </a:bodyPr>
+          <a:lstStyle/>
+          <a:p>
+            <a:pPr algn="l"/>
+            <a:r>
+              <a:rPr kumimoji="1" lang="ja-JP" altLang="en-US" sz="3200" dirty="0">
+                <a:latin typeface="メイリオ" panose="020B0604030504040204" pitchFamily="50" charset="-128"/>
+                <a:ea typeface="メイリオ" panose="020B0604030504040204" pitchFamily="50" charset="-128"/>
+              </a:rPr>
+              <a:t>単語確率計算上の問題点</a:t>
+            </a:r>
+          </a:p>
+        </p:txBody>
+      </p:sp>
+      <mc:AlternateContent xmlns:mc="http://schemas.openxmlformats.org/markup-compatibility/2006" xmlns:a14="http://schemas.microsoft.com/office/drawing/2010/main">
+        <mc:Choice Requires="a14">
+          <p:sp>
+            <p:nvSpPr>
+              <p:cNvPr id="4" name="テキスト ボックス 3">
+                <a:extLst>
+                  <a:ext uri="{FF2B5EF4-FFF2-40B4-BE49-F238E27FC236}">
+                    <a16:creationId xmlns:a16="http://schemas.microsoft.com/office/drawing/2014/main" id="{4A90DE3E-406F-69AC-AABA-07416565E3EB}"/>
+                  </a:ext>
+                </a:extLst>
+              </p:cNvPr>
+              <p:cNvSpPr txBox="1"/>
+              <p:nvPr/>
+            </p:nvSpPr>
+            <p:spPr>
+              <a:xfrm>
+                <a:off x="1013356" y="1796211"/>
+                <a:ext cx="5846152" cy="430887"/>
+              </a:xfrm>
+              <a:prstGeom prst="rect">
+                <a:avLst/>
+              </a:prstGeom>
+              <a:noFill/>
+            </p:spPr>
+            <p:txBody>
+              <a:bodyPr wrap="none" lIns="0" tIns="0" rIns="0" bIns="0" rtlCol="0">
+                <a:spAutoFit/>
+              </a:bodyPr>
+              <a:lstStyle/>
+              <a:p>
+                <a:pPr algn="l"/>
+                <a14:m>
+                  <m:oMath xmlns:m="http://schemas.openxmlformats.org/officeDocument/2006/math">
+                    <m:r>
+                      <a:rPr kumimoji="1" lang="en-US" altLang="ja-JP" sz="2800" b="1" i="1" smtClean="0">
+                        <a:latin typeface="Cambria Math" panose="02040503050406030204" pitchFamily="18" charset="0"/>
+                        <a:ea typeface="メイリオ" panose="020B0604030504040204" pitchFamily="50" charset="-128"/>
+                      </a:rPr>
+                      <m:t>𝒑</m:t>
+                    </m:r>
+                  </m:oMath>
+                </a14:m>
+                <a:r>
+                  <a:rPr kumimoji="1" lang="en-US" altLang="ja-JP" sz="2800" b="1" dirty="0">
+                    <a:latin typeface="メイリオ" panose="020B0604030504040204" pitchFamily="50" charset="-128"/>
+                    <a:ea typeface="メイリオ" panose="020B0604030504040204" pitchFamily="50" charset="-128"/>
+                  </a:rPr>
+                  <a:t>(</a:t>
+                </a:r>
+                <a:r>
+                  <a:rPr kumimoji="1" lang="ja-JP" altLang="en-US" sz="2800" b="1" dirty="0">
+                    <a:latin typeface="メイリオ" panose="020B0604030504040204" pitchFamily="50" charset="-128"/>
+                    <a:ea typeface="メイリオ" panose="020B0604030504040204" pitchFamily="50" charset="-128"/>
+                  </a:rPr>
+                  <a:t>データ</a:t>
+                </a:r>
+                <a:r>
+                  <a:rPr kumimoji="1" lang="en-US" altLang="ja-JP" sz="2800" b="1" dirty="0">
+                    <a:latin typeface="メイリオ" panose="020B0604030504040204" pitchFamily="50" charset="-128"/>
+                    <a:ea typeface="メイリオ" panose="020B0604030504040204" pitchFamily="50" charset="-128"/>
+                  </a:rPr>
+                  <a:t>, </a:t>
+                </a:r>
+                <a:r>
+                  <a:rPr kumimoji="1" lang="ja-JP" altLang="en-US" sz="2800" b="1" dirty="0">
+                    <a:latin typeface="メイリオ" panose="020B0604030504040204" pitchFamily="50" charset="-128"/>
+                    <a:ea typeface="メイリオ" panose="020B0604030504040204" pitchFamily="50" charset="-128"/>
+                  </a:rPr>
+                  <a:t>サイエンス，研究</a:t>
+                </a:r>
+                <a:r>
+                  <a:rPr kumimoji="1" lang="en-US" altLang="ja-JP" sz="2800" b="1" dirty="0">
+                    <a:latin typeface="メイリオ" panose="020B0604030504040204" pitchFamily="50" charset="-128"/>
+                    <a:ea typeface="メイリオ" panose="020B0604030504040204" pitchFamily="50" charset="-128"/>
+                  </a:rPr>
+                  <a:t>)</a:t>
+                </a:r>
+                <a:r>
+                  <a:rPr kumimoji="1" lang="ja-JP" altLang="en-US" sz="2800" b="1" dirty="0">
+                    <a:latin typeface="メイリオ" panose="020B0604030504040204" pitchFamily="50" charset="-128"/>
+                    <a:ea typeface="メイリオ" panose="020B0604030504040204" pitchFamily="50" charset="-128"/>
+                  </a:rPr>
+                  <a:t>の確率</a:t>
+                </a:r>
+              </a:p>
+            </p:txBody>
+          </p:sp>
+        </mc:Choice>
+        <mc:Fallback xmlns="">
+          <p:sp>
+            <p:nvSpPr>
+              <p:cNvPr id="4" name="テキスト ボックス 3">
+                <a:extLst>
+                  <a:ext uri="{FF2B5EF4-FFF2-40B4-BE49-F238E27FC236}">
+                    <a16:creationId xmlns:a16="http://schemas.microsoft.com/office/drawing/2014/main" id="{4A90DE3E-406F-69AC-AABA-07416565E3EB}"/>
+                  </a:ext>
+                </a:extLst>
+              </p:cNvPr>
+              <p:cNvSpPr txBox="1">
+                <a:spLocks noRot="1" noChangeAspect="1" noMove="1" noResize="1" noEditPoints="1" noAdjustHandles="1" noChangeArrowheads="1" noChangeShapeType="1" noTextEdit="1"/>
+              </p:cNvSpPr>
+              <p:nvPr/>
+            </p:nvSpPr>
+            <p:spPr>
+              <a:xfrm>
+                <a:off x="1013356" y="1796211"/>
+                <a:ext cx="5846152" cy="430887"/>
+              </a:xfrm>
+              <a:prstGeom prst="rect">
+                <a:avLst/>
+              </a:prstGeom>
+              <a:blipFill>
+                <a:blip r:embed="rId2"/>
+                <a:stretch>
+                  <a:fillRect l="-2190" t="-22857" r="-2398" b="-52857"/>
+                </a:stretch>
+              </a:blipFill>
+            </p:spPr>
+            <p:txBody>
+              <a:bodyPr/>
+              <a:lstStyle/>
+              <a:p>
+                <a:r>
+                  <a:rPr lang="ja-JP" altLang="en-US">
+                    <a:noFill/>
+                  </a:rPr>
+                  <a:t> </a:t>
+                </a:r>
+              </a:p>
+            </p:txBody>
+          </p:sp>
+        </mc:Fallback>
+      </mc:AlternateContent>
+      <mc:AlternateContent xmlns:mc="http://schemas.openxmlformats.org/markup-compatibility/2006" xmlns:a14="http://schemas.microsoft.com/office/drawing/2010/main">
+        <mc:Choice Requires="a14">
+          <p:sp>
+            <p:nvSpPr>
+              <p:cNvPr id="5" name="テキスト ボックス 4">
+                <a:extLst>
+                  <a:ext uri="{FF2B5EF4-FFF2-40B4-BE49-F238E27FC236}">
+                    <a16:creationId xmlns:a16="http://schemas.microsoft.com/office/drawing/2014/main" id="{12F5C59C-7444-AA36-54B5-B173066DBA6F}"/>
+                  </a:ext>
+                </a:extLst>
+              </p:cNvPr>
+              <p:cNvSpPr txBox="1"/>
+              <p:nvPr/>
+            </p:nvSpPr>
+            <p:spPr>
+              <a:xfrm>
+                <a:off x="2119855" y="2574509"/>
+                <a:ext cx="4226413" cy="461665"/>
+              </a:xfrm>
+              <a:prstGeom prst="rect">
+                <a:avLst/>
+              </a:prstGeom>
+              <a:noFill/>
+            </p:spPr>
+            <p:txBody>
+              <a:bodyPr wrap="none" rtlCol="0">
+                <a:spAutoFit/>
+              </a:bodyPr>
+              <a:lstStyle/>
+              <a:p>
+                <a:pPr algn="l"/>
+                <a14:m>
+                  <m:oMath xmlns:m="http://schemas.openxmlformats.org/officeDocument/2006/math">
+                    <m:r>
+                      <a:rPr kumimoji="1" lang="en-US" altLang="ja-JP" sz="2400" b="0" i="1" smtClean="0">
+                        <a:latin typeface="Cambria Math" panose="02040503050406030204" pitchFamily="18" charset="0"/>
+                        <a:ea typeface="メイリオ" panose="020B0604030504040204" pitchFamily="50" charset="-128"/>
+                      </a:rPr>
+                      <m:t>𝑝</m:t>
+                    </m:r>
+                  </m:oMath>
+                </a14:m>
+                <a:r>
+                  <a:rPr kumimoji="1" lang="en-US" altLang="ja-JP" sz="2400" dirty="0">
+                    <a:latin typeface="メイリオ" panose="020B0604030504040204" pitchFamily="50" charset="-128"/>
+                    <a:ea typeface="メイリオ" panose="020B0604030504040204" pitchFamily="50" charset="-128"/>
+                  </a:rPr>
+                  <a:t>(</a:t>
+                </a:r>
+                <a:r>
+                  <a:rPr kumimoji="1" lang="ja-JP" altLang="en-US" sz="2400" dirty="0">
+                    <a:latin typeface="メイリオ" panose="020B0604030504040204" pitchFamily="50" charset="-128"/>
+                    <a:ea typeface="メイリオ" panose="020B0604030504040204" pitchFamily="50" charset="-128"/>
+                  </a:rPr>
+                  <a:t>データ</a:t>
+                </a:r>
+                <a:r>
+                  <a:rPr kumimoji="1" lang="en-US" altLang="ja-JP" sz="2400" dirty="0">
+                    <a:latin typeface="メイリオ" panose="020B0604030504040204" pitchFamily="50" charset="-128"/>
+                    <a:ea typeface="メイリオ" panose="020B0604030504040204" pitchFamily="50" charset="-128"/>
+                  </a:rPr>
+                  <a:t>, </a:t>
+                </a:r>
+                <a:r>
+                  <a:rPr kumimoji="1" lang="ja-JP" altLang="en-US" sz="2400" dirty="0">
+                    <a:latin typeface="メイリオ" panose="020B0604030504040204" pitchFamily="50" charset="-128"/>
+                    <a:ea typeface="メイリオ" panose="020B0604030504040204" pitchFamily="50" charset="-128"/>
+                  </a:rPr>
+                  <a:t>サイエンス，研究</a:t>
+                </a:r>
+                <a:r>
+                  <a:rPr kumimoji="1" lang="en-US" altLang="ja-JP" sz="2400" dirty="0">
+                    <a:latin typeface="メイリオ" panose="020B0604030504040204" pitchFamily="50" charset="-128"/>
+                    <a:ea typeface="メイリオ" panose="020B0604030504040204" pitchFamily="50" charset="-128"/>
+                  </a:rPr>
+                  <a:t>)</a:t>
+                </a:r>
+                <a:endParaRPr kumimoji="1" lang="ja-JP" altLang="en-US" sz="2400" dirty="0">
+                  <a:latin typeface="メイリオ" panose="020B0604030504040204" pitchFamily="50" charset="-128"/>
+                  <a:ea typeface="メイリオ" panose="020B0604030504040204" pitchFamily="50" charset="-128"/>
+                </a:endParaRPr>
+              </a:p>
+            </p:txBody>
+          </p:sp>
+        </mc:Choice>
+        <mc:Fallback xmlns="">
+          <p:sp>
+            <p:nvSpPr>
+              <p:cNvPr id="5" name="テキスト ボックス 4">
+                <a:extLst>
+                  <a:ext uri="{FF2B5EF4-FFF2-40B4-BE49-F238E27FC236}">
+                    <a16:creationId xmlns:a16="http://schemas.microsoft.com/office/drawing/2014/main" id="{12F5C59C-7444-AA36-54B5-B173066DBA6F}"/>
+                  </a:ext>
+                </a:extLst>
+              </p:cNvPr>
+              <p:cNvSpPr txBox="1">
+                <a:spLocks noRot="1" noChangeAspect="1" noMove="1" noResize="1" noEditPoints="1" noAdjustHandles="1" noChangeArrowheads="1" noChangeShapeType="1" noTextEdit="1"/>
+              </p:cNvSpPr>
+              <p:nvPr/>
+            </p:nvSpPr>
+            <p:spPr>
+              <a:xfrm>
+                <a:off x="2119855" y="2574509"/>
+                <a:ext cx="4226413" cy="461665"/>
+              </a:xfrm>
+              <a:prstGeom prst="rect">
+                <a:avLst/>
+              </a:prstGeom>
+              <a:blipFill>
+                <a:blip r:embed="rId3"/>
+                <a:stretch>
+                  <a:fillRect l="-433" t="-7895" r="-1154" b="-31579"/>
+                </a:stretch>
+              </a:blipFill>
+            </p:spPr>
+            <p:txBody>
+              <a:bodyPr/>
+              <a:lstStyle/>
+              <a:p>
+                <a:r>
+                  <a:rPr lang="ja-JP" altLang="en-US">
+                    <a:noFill/>
+                  </a:rPr>
+                  <a:t> </a:t>
+                </a:r>
+              </a:p>
+            </p:txBody>
+          </p:sp>
+        </mc:Fallback>
+      </mc:AlternateContent>
+      <mc:AlternateContent xmlns:mc="http://schemas.openxmlformats.org/markup-compatibility/2006" xmlns:a14="http://schemas.microsoft.com/office/drawing/2010/main">
+        <mc:Choice Requires="a14">
+          <p:sp>
+            <p:nvSpPr>
+              <p:cNvPr id="7" name="テキスト ボックス 6">
+                <a:extLst>
+                  <a:ext uri="{FF2B5EF4-FFF2-40B4-BE49-F238E27FC236}">
+                    <a16:creationId xmlns:a16="http://schemas.microsoft.com/office/drawing/2014/main" id="{131C0024-99C2-0B3F-29B1-5C9D383E807D}"/>
+                  </a:ext>
+                </a:extLst>
+              </p:cNvPr>
+              <p:cNvSpPr txBox="1"/>
+              <p:nvPr/>
+            </p:nvSpPr>
+            <p:spPr>
+              <a:xfrm>
+                <a:off x="2649221" y="3205413"/>
+                <a:ext cx="5944320" cy="461665"/>
+              </a:xfrm>
+              <a:prstGeom prst="rect">
+                <a:avLst/>
+              </a:prstGeom>
+              <a:noFill/>
+            </p:spPr>
+            <p:txBody>
+              <a:bodyPr wrap="none" rtlCol="0">
+                <a:spAutoFit/>
+              </a:bodyPr>
+              <a:lstStyle/>
+              <a:p>
+                <a14:m>
+                  <m:oMath xmlns:m="http://schemas.openxmlformats.org/officeDocument/2006/math">
+                    <m:r>
+                      <a:rPr kumimoji="1" lang="en-US" altLang="ja-JP" sz="2400" b="0" i="1" smtClean="0">
+                        <a:latin typeface="Cambria Math" panose="02040503050406030204" pitchFamily="18" charset="0"/>
+                        <a:ea typeface="メイリオ" panose="020B0604030504040204" pitchFamily="50" charset="-128"/>
+                      </a:rPr>
+                      <m:t>=</m:t>
+                    </m:r>
+                    <m:r>
+                      <a:rPr kumimoji="1" lang="en-US" altLang="ja-JP" sz="2400" b="0" i="1" smtClean="0">
+                        <a:latin typeface="Cambria Math" panose="02040503050406030204" pitchFamily="18" charset="0"/>
+                        <a:ea typeface="メイリオ" panose="020B0604030504040204" pitchFamily="50" charset="-128"/>
+                      </a:rPr>
+                      <m:t>𝑝</m:t>
+                    </m:r>
+                  </m:oMath>
+                </a14:m>
+                <a:r>
+                  <a:rPr kumimoji="1" lang="en-US" altLang="ja-JP" sz="2400" dirty="0">
+                    <a:latin typeface="メイリオ" panose="020B0604030504040204" pitchFamily="50" charset="-128"/>
+                    <a:ea typeface="メイリオ" panose="020B0604030504040204" pitchFamily="50" charset="-128"/>
+                  </a:rPr>
+                  <a:t>(</a:t>
+                </a:r>
+                <a:r>
+                  <a:rPr kumimoji="1" lang="ja-JP" altLang="en-US" sz="2400" dirty="0">
+                    <a:latin typeface="メイリオ" panose="020B0604030504040204" pitchFamily="50" charset="-128"/>
+                    <a:ea typeface="メイリオ" panose="020B0604030504040204" pitchFamily="50" charset="-128"/>
+                  </a:rPr>
+                  <a:t>サイエンス</a:t>
+                </a:r>
+                <a:r>
+                  <a:rPr kumimoji="1" lang="en-US" altLang="ja-JP" sz="2400" dirty="0">
+                    <a:latin typeface="メイリオ" panose="020B0604030504040204" pitchFamily="50" charset="-128"/>
+                    <a:ea typeface="メイリオ" panose="020B0604030504040204" pitchFamily="50" charset="-128"/>
+                  </a:rPr>
+                  <a:t>, </a:t>
+                </a:r>
+                <a:r>
+                  <a:rPr kumimoji="1" lang="ja-JP" altLang="en-US" sz="2400" dirty="0">
+                    <a:latin typeface="メイリオ" panose="020B0604030504040204" pitchFamily="50" charset="-128"/>
+                    <a:ea typeface="メイリオ" panose="020B0604030504040204" pitchFamily="50" charset="-128"/>
+                  </a:rPr>
+                  <a:t>研究 </a:t>
+                </a:r>
+                <a:r>
+                  <a:rPr kumimoji="1" lang="en-US" altLang="ja-JP" sz="2400" dirty="0">
+                    <a:latin typeface="メイリオ" panose="020B0604030504040204" pitchFamily="50" charset="-128"/>
+                    <a:ea typeface="メイリオ" panose="020B0604030504040204" pitchFamily="50" charset="-128"/>
+                  </a:rPr>
+                  <a:t>| </a:t>
+                </a:r>
+                <a:r>
+                  <a:rPr kumimoji="1" lang="ja-JP" altLang="en-US" sz="2400" dirty="0">
+                    <a:latin typeface="メイリオ" panose="020B0604030504040204" pitchFamily="50" charset="-128"/>
+                    <a:ea typeface="メイリオ" panose="020B0604030504040204" pitchFamily="50" charset="-128"/>
+                  </a:rPr>
+                  <a:t>データ</a:t>
+                </a:r>
+                <a:r>
+                  <a:rPr kumimoji="1" lang="en-US" altLang="ja-JP" sz="2400" dirty="0">
+                    <a:latin typeface="メイリオ" panose="020B0604030504040204" pitchFamily="50" charset="-128"/>
+                    <a:ea typeface="メイリオ" panose="020B0604030504040204" pitchFamily="50" charset="-128"/>
+                  </a:rPr>
+                  <a:t>)</a:t>
+                </a:r>
+                <a14:m>
+                  <m:oMath xmlns:m="http://schemas.openxmlformats.org/officeDocument/2006/math">
+                    <m:r>
+                      <a:rPr kumimoji="1" lang="en-US" altLang="ja-JP" sz="2400" b="0" i="1" smtClean="0">
+                        <a:latin typeface="Cambria Math" panose="02040503050406030204" pitchFamily="18" charset="0"/>
+                        <a:ea typeface="メイリオ" panose="020B0604030504040204" pitchFamily="50" charset="-128"/>
+                      </a:rPr>
+                      <m:t>𝑝</m:t>
+                    </m:r>
+                  </m:oMath>
+                </a14:m>
+                <a:r>
+                  <a:rPr kumimoji="1" lang="en-US" altLang="ja-JP" sz="2400" dirty="0">
+                    <a:latin typeface="メイリオ" panose="020B0604030504040204" pitchFamily="50" charset="-128"/>
+                    <a:ea typeface="メイリオ" panose="020B0604030504040204" pitchFamily="50" charset="-128"/>
+                  </a:rPr>
+                  <a:t>(</a:t>
+                </a:r>
+                <a:r>
+                  <a:rPr kumimoji="1" lang="ja-JP" altLang="en-US" sz="2400" dirty="0">
+                    <a:latin typeface="メイリオ" panose="020B0604030504040204" pitchFamily="50" charset="-128"/>
+                    <a:ea typeface="メイリオ" panose="020B0604030504040204" pitchFamily="50" charset="-128"/>
+                  </a:rPr>
+                  <a:t>データ</a:t>
+                </a:r>
+                <a:r>
+                  <a:rPr kumimoji="1" lang="en-US" altLang="ja-JP" sz="2400" dirty="0">
+                    <a:latin typeface="メイリオ" panose="020B0604030504040204" pitchFamily="50" charset="-128"/>
+                    <a:ea typeface="メイリオ" panose="020B0604030504040204" pitchFamily="50" charset="-128"/>
+                  </a:rPr>
+                  <a:t>)</a:t>
+                </a:r>
+                <a:endParaRPr kumimoji="1" lang="ja-JP" altLang="en-US" sz="2400" dirty="0">
+                  <a:latin typeface="メイリオ" panose="020B0604030504040204" pitchFamily="50" charset="-128"/>
+                  <a:ea typeface="メイリオ" panose="020B0604030504040204" pitchFamily="50" charset="-128"/>
+                </a:endParaRPr>
+              </a:p>
+            </p:txBody>
+          </p:sp>
+        </mc:Choice>
+        <mc:Fallback xmlns="">
+          <p:sp>
+            <p:nvSpPr>
+              <p:cNvPr id="7" name="テキスト ボックス 6">
+                <a:extLst>
+                  <a:ext uri="{FF2B5EF4-FFF2-40B4-BE49-F238E27FC236}">
+                    <a16:creationId xmlns:a16="http://schemas.microsoft.com/office/drawing/2014/main" id="{131C0024-99C2-0B3F-29B1-5C9D383E807D}"/>
+                  </a:ext>
+                </a:extLst>
+              </p:cNvPr>
+              <p:cNvSpPr txBox="1">
+                <a:spLocks noRot="1" noChangeAspect="1" noMove="1" noResize="1" noEditPoints="1" noAdjustHandles="1" noChangeArrowheads="1" noChangeShapeType="1" noTextEdit="1"/>
+              </p:cNvSpPr>
+              <p:nvPr/>
+            </p:nvSpPr>
+            <p:spPr>
+              <a:xfrm>
+                <a:off x="2649221" y="3205413"/>
+                <a:ext cx="5944320" cy="461665"/>
+              </a:xfrm>
+              <a:prstGeom prst="rect">
+                <a:avLst/>
+              </a:prstGeom>
+              <a:blipFill>
+                <a:blip r:embed="rId4"/>
+                <a:stretch>
+                  <a:fillRect t="-7895" r="-615" b="-31579"/>
+                </a:stretch>
+              </a:blipFill>
+            </p:spPr>
+            <p:txBody>
+              <a:bodyPr/>
+              <a:lstStyle/>
+              <a:p>
+                <a:r>
+                  <a:rPr lang="ja-JP" altLang="en-US">
+                    <a:noFill/>
+                  </a:rPr>
+                  <a:t> </a:t>
+                </a:r>
+              </a:p>
+            </p:txBody>
+          </p:sp>
+        </mc:Fallback>
+      </mc:AlternateContent>
+      <mc:AlternateContent xmlns:mc="http://schemas.openxmlformats.org/markup-compatibility/2006" xmlns:a14="http://schemas.microsoft.com/office/drawing/2010/main">
+        <mc:Choice Requires="a14">
+          <p:sp>
+            <p:nvSpPr>
+              <p:cNvPr id="8" name="テキスト ボックス 7">
+                <a:extLst>
+                  <a:ext uri="{FF2B5EF4-FFF2-40B4-BE49-F238E27FC236}">
+                    <a16:creationId xmlns:a16="http://schemas.microsoft.com/office/drawing/2014/main" id="{F253C05A-7B45-FFF1-A4D5-3203A3954CCD}"/>
+                  </a:ext>
+                </a:extLst>
+              </p:cNvPr>
+              <p:cNvSpPr txBox="1"/>
+              <p:nvPr/>
+            </p:nvSpPr>
+            <p:spPr>
+              <a:xfrm>
+                <a:off x="2649221" y="3836317"/>
+                <a:ext cx="9158918" cy="461665"/>
+              </a:xfrm>
+              <a:prstGeom prst="rect">
+                <a:avLst/>
+              </a:prstGeom>
+              <a:noFill/>
+            </p:spPr>
+            <p:txBody>
+              <a:bodyPr wrap="none" rtlCol="0">
+                <a:spAutoFit/>
+              </a:bodyPr>
+              <a:lstStyle/>
+              <a:p>
+                <a:pPr algn="l"/>
+                <a14:m>
+                  <m:oMath xmlns:m="http://schemas.openxmlformats.org/officeDocument/2006/math">
+                    <m:r>
+                      <a:rPr kumimoji="1" lang="en-US" altLang="ja-JP" sz="2400" b="0" i="1" smtClean="0">
+                        <a:latin typeface="Cambria Math" panose="02040503050406030204" pitchFamily="18" charset="0"/>
+                        <a:ea typeface="メイリオ" panose="020B0604030504040204" pitchFamily="50" charset="-128"/>
+                      </a:rPr>
+                      <m:t>=</m:t>
+                    </m:r>
+                    <m:r>
+                      <a:rPr kumimoji="1" lang="en-US" altLang="ja-JP" sz="2400" b="0" i="1" smtClean="0">
+                        <a:latin typeface="Cambria Math" panose="02040503050406030204" pitchFamily="18" charset="0"/>
+                        <a:ea typeface="メイリオ" panose="020B0604030504040204" pitchFamily="50" charset="-128"/>
+                      </a:rPr>
+                      <m:t>𝑝</m:t>
+                    </m:r>
+                  </m:oMath>
+                </a14:m>
+                <a:r>
+                  <a:rPr kumimoji="1" lang="en-US" altLang="ja-JP" sz="2400" dirty="0">
+                    <a:latin typeface="メイリオ" panose="020B0604030504040204" pitchFamily="50" charset="-128"/>
+                    <a:ea typeface="メイリオ" panose="020B0604030504040204" pitchFamily="50" charset="-128"/>
+                  </a:rPr>
+                  <a:t>(</a:t>
+                </a:r>
+                <a:r>
+                  <a:rPr kumimoji="1" lang="ja-JP" altLang="en-US" sz="2400" dirty="0">
+                    <a:latin typeface="メイリオ" panose="020B0604030504040204" pitchFamily="50" charset="-128"/>
+                    <a:ea typeface="メイリオ" panose="020B0604030504040204" pitchFamily="50" charset="-128"/>
+                  </a:rPr>
+                  <a:t>研究</a:t>
+                </a:r>
+                <a:r>
+                  <a:rPr kumimoji="1" lang="en-US" altLang="ja-JP" sz="2400" dirty="0">
+                    <a:latin typeface="メイリオ" panose="020B0604030504040204" pitchFamily="50" charset="-128"/>
+                    <a:ea typeface="メイリオ" panose="020B0604030504040204" pitchFamily="50" charset="-128"/>
+                  </a:rPr>
+                  <a:t>| </a:t>
+                </a:r>
+                <a:r>
+                  <a:rPr kumimoji="1" lang="ja-JP" altLang="en-US" sz="2400" dirty="0">
+                    <a:latin typeface="メイリオ" panose="020B0604030504040204" pitchFamily="50" charset="-128"/>
+                    <a:ea typeface="メイリオ" panose="020B0604030504040204" pitchFamily="50" charset="-128"/>
+                  </a:rPr>
+                  <a:t>データ</a:t>
+                </a:r>
+                <a:r>
+                  <a:rPr kumimoji="1" lang="en-US" altLang="ja-JP" sz="2400" dirty="0">
+                    <a:latin typeface="メイリオ" panose="020B0604030504040204" pitchFamily="50" charset="-128"/>
+                    <a:ea typeface="メイリオ" panose="020B0604030504040204" pitchFamily="50" charset="-128"/>
+                  </a:rPr>
+                  <a:t>, </a:t>
+                </a:r>
+                <a:r>
+                  <a:rPr kumimoji="1" lang="ja-JP" altLang="en-US" sz="2400" dirty="0">
+                    <a:latin typeface="メイリオ" panose="020B0604030504040204" pitchFamily="50" charset="-128"/>
+                    <a:ea typeface="メイリオ" panose="020B0604030504040204" pitchFamily="50" charset="-128"/>
+                  </a:rPr>
+                  <a:t>サイエンス</a:t>
+                </a:r>
+                <a:r>
+                  <a:rPr kumimoji="1" lang="en-US" altLang="ja-JP" sz="2400" dirty="0">
+                    <a:latin typeface="メイリオ" panose="020B0604030504040204" pitchFamily="50" charset="-128"/>
+                    <a:ea typeface="メイリオ" panose="020B0604030504040204" pitchFamily="50" charset="-128"/>
+                  </a:rPr>
+                  <a:t>)</a:t>
+                </a:r>
+                <a14:m>
+                  <m:oMath xmlns:m="http://schemas.openxmlformats.org/officeDocument/2006/math">
+                    <m:r>
+                      <a:rPr kumimoji="1" lang="en-US" altLang="ja-JP" sz="2400" b="0" i="1" smtClean="0">
+                        <a:latin typeface="Cambria Math" panose="02040503050406030204" pitchFamily="18" charset="0"/>
+                        <a:ea typeface="メイリオ" panose="020B0604030504040204" pitchFamily="50" charset="-128"/>
+                      </a:rPr>
+                      <m:t>𝑝</m:t>
+                    </m:r>
+                  </m:oMath>
+                </a14:m>
+                <a:r>
+                  <a:rPr kumimoji="1" lang="en-US" altLang="ja-JP" sz="2400" dirty="0">
+                    <a:latin typeface="メイリオ" panose="020B0604030504040204" pitchFamily="50" charset="-128"/>
+                    <a:ea typeface="メイリオ" panose="020B0604030504040204" pitchFamily="50" charset="-128"/>
+                  </a:rPr>
+                  <a:t>(</a:t>
+                </a:r>
+                <a:r>
+                  <a:rPr kumimoji="1" lang="ja-JP" altLang="en-US" sz="2400" dirty="0">
+                    <a:latin typeface="メイリオ" panose="020B0604030504040204" pitchFamily="50" charset="-128"/>
+                    <a:ea typeface="メイリオ" panose="020B0604030504040204" pitchFamily="50" charset="-128"/>
+                  </a:rPr>
+                  <a:t>サイエンス </a:t>
+                </a:r>
+                <a:r>
+                  <a:rPr kumimoji="1" lang="en-US" altLang="ja-JP" sz="2400" dirty="0">
+                    <a:latin typeface="メイリオ" panose="020B0604030504040204" pitchFamily="50" charset="-128"/>
+                    <a:ea typeface="メイリオ" panose="020B0604030504040204" pitchFamily="50" charset="-128"/>
+                  </a:rPr>
+                  <a:t>| </a:t>
+                </a:r>
+                <a:r>
+                  <a:rPr kumimoji="1" lang="ja-JP" altLang="en-US" sz="2400" dirty="0">
+                    <a:latin typeface="メイリオ" panose="020B0604030504040204" pitchFamily="50" charset="-128"/>
+                    <a:ea typeface="メイリオ" panose="020B0604030504040204" pitchFamily="50" charset="-128"/>
+                  </a:rPr>
+                  <a:t>データ</a:t>
+                </a:r>
+                <a:r>
+                  <a:rPr kumimoji="1" lang="en-US" altLang="ja-JP" sz="2400" dirty="0">
+                    <a:latin typeface="メイリオ" panose="020B0604030504040204" pitchFamily="50" charset="-128"/>
+                    <a:ea typeface="メイリオ" panose="020B0604030504040204" pitchFamily="50" charset="-128"/>
+                  </a:rPr>
+                  <a:t>)</a:t>
+                </a:r>
+                <a:r>
+                  <a:rPr kumimoji="1" lang="en-US" altLang="ja-JP" sz="2400" dirty="0">
+                    <a:ea typeface="メイリオ" panose="020B0604030504040204" pitchFamily="50" charset="-128"/>
+                  </a:rPr>
+                  <a:t> </a:t>
+                </a:r>
+                <a14:m>
+                  <m:oMath xmlns:m="http://schemas.openxmlformats.org/officeDocument/2006/math">
+                    <m:r>
+                      <a:rPr kumimoji="1" lang="en-US" altLang="ja-JP" sz="2400" i="1">
+                        <a:latin typeface="Cambria Math" panose="02040503050406030204" pitchFamily="18" charset="0"/>
+                        <a:ea typeface="メイリオ" panose="020B0604030504040204" pitchFamily="50" charset="-128"/>
+                      </a:rPr>
+                      <m:t>𝑝</m:t>
+                    </m:r>
+                  </m:oMath>
+                </a14:m>
+                <a:r>
+                  <a:rPr kumimoji="1" lang="en-US" altLang="ja-JP" sz="2400" dirty="0">
+                    <a:latin typeface="メイリオ" panose="020B0604030504040204" pitchFamily="50" charset="-128"/>
+                    <a:ea typeface="メイリオ" panose="020B0604030504040204" pitchFamily="50" charset="-128"/>
+                  </a:rPr>
+                  <a:t>(</a:t>
+                </a:r>
+                <a:r>
+                  <a:rPr kumimoji="1" lang="ja-JP" altLang="en-US" sz="2400" dirty="0">
+                    <a:latin typeface="メイリオ" panose="020B0604030504040204" pitchFamily="50" charset="-128"/>
+                    <a:ea typeface="メイリオ" panose="020B0604030504040204" pitchFamily="50" charset="-128"/>
+                  </a:rPr>
+                  <a:t>データ</a:t>
+                </a:r>
+                <a:r>
+                  <a:rPr kumimoji="1" lang="en-US" altLang="ja-JP" sz="2400" dirty="0">
+                    <a:latin typeface="メイリオ" panose="020B0604030504040204" pitchFamily="50" charset="-128"/>
+                    <a:ea typeface="メイリオ" panose="020B0604030504040204" pitchFamily="50" charset="-128"/>
+                  </a:rPr>
+                  <a:t>)</a:t>
+                </a:r>
+                <a:endParaRPr kumimoji="1" lang="ja-JP" altLang="en-US" sz="2400" dirty="0">
+                  <a:latin typeface="メイリオ" panose="020B0604030504040204" pitchFamily="50" charset="-128"/>
+                  <a:ea typeface="メイリオ" panose="020B0604030504040204" pitchFamily="50" charset="-128"/>
+                </a:endParaRPr>
+              </a:p>
+            </p:txBody>
+          </p:sp>
+        </mc:Choice>
+        <mc:Fallback xmlns="">
+          <p:sp>
+            <p:nvSpPr>
+              <p:cNvPr id="8" name="テキスト ボックス 7">
+                <a:extLst>
+                  <a:ext uri="{FF2B5EF4-FFF2-40B4-BE49-F238E27FC236}">
+                    <a16:creationId xmlns:a16="http://schemas.microsoft.com/office/drawing/2014/main" id="{F253C05A-7B45-FFF1-A4D5-3203A3954CCD}"/>
+                  </a:ext>
+                </a:extLst>
+              </p:cNvPr>
+              <p:cNvSpPr txBox="1">
+                <a:spLocks noRot="1" noChangeAspect="1" noMove="1" noResize="1" noEditPoints="1" noAdjustHandles="1" noChangeArrowheads="1" noChangeShapeType="1" noTextEdit="1"/>
+              </p:cNvSpPr>
+              <p:nvPr/>
+            </p:nvSpPr>
+            <p:spPr>
+              <a:xfrm>
+                <a:off x="2649221" y="3836317"/>
+                <a:ext cx="9158918" cy="461665"/>
+              </a:xfrm>
+              <a:prstGeom prst="rect">
+                <a:avLst/>
+              </a:prstGeom>
+              <a:blipFill>
+                <a:blip r:embed="rId5"/>
+                <a:stretch>
+                  <a:fillRect t="-7895" r="-67" b="-31579"/>
+                </a:stretch>
+              </a:blipFill>
+            </p:spPr>
+            <p:txBody>
+              <a:bodyPr/>
+              <a:lstStyle/>
+              <a:p>
+                <a:r>
+                  <a:rPr lang="ja-JP" altLang="en-US">
+                    <a:noFill/>
+                  </a:rPr>
+                  <a:t> </a:t>
+                </a:r>
+              </a:p>
+            </p:txBody>
+          </p:sp>
+        </mc:Fallback>
+      </mc:AlternateContent>
+      <mc:AlternateContent xmlns:mc="http://schemas.openxmlformats.org/markup-compatibility/2006" xmlns:a14="http://schemas.microsoft.com/office/drawing/2010/main">
+        <mc:Choice Requires="a14">
+          <p:sp>
+            <p:nvSpPr>
+              <p:cNvPr id="11" name="テキスト ボックス 10">
+                <a:extLst>
+                  <a:ext uri="{FF2B5EF4-FFF2-40B4-BE49-F238E27FC236}">
+                    <a16:creationId xmlns:a16="http://schemas.microsoft.com/office/drawing/2014/main" id="{AC15C049-3365-C647-B581-8D258B242832}"/>
+                  </a:ext>
+                </a:extLst>
+              </p:cNvPr>
+              <p:cNvSpPr txBox="1"/>
+              <p:nvPr/>
+            </p:nvSpPr>
+            <p:spPr>
+              <a:xfrm>
+                <a:off x="10291931" y="4528404"/>
+                <a:ext cx="1289135" cy="461665"/>
+              </a:xfrm>
+              <a:prstGeom prst="rect">
+                <a:avLst/>
+              </a:prstGeom>
+              <a:noFill/>
+            </p:spPr>
+            <p:txBody>
+              <a:bodyPr wrap="none" rtlCol="0">
+                <a:spAutoFit/>
+              </a:bodyPr>
+              <a:lstStyle/>
+              <a:p>
+                <a:pPr algn="l"/>
+                <a14:m>
+                  <m:oMathPara xmlns:m="http://schemas.openxmlformats.org/officeDocument/2006/math">
+                    <m:oMathParaPr>
+                      <m:jc m:val="centerGroup"/>
+                    </m:oMathParaPr>
+                    <m:oMath xmlns:m="http://schemas.openxmlformats.org/officeDocument/2006/math">
+                      <m:r>
+                        <a:rPr kumimoji="1" lang="en-US" altLang="ja-JP" sz="2400" b="0" i="1" smtClean="0">
+                          <a:latin typeface="Cambria Math" panose="02040503050406030204" pitchFamily="18" charset="0"/>
+                          <a:ea typeface="メイリオ" panose="020B0604030504040204" pitchFamily="50" charset="-128"/>
+                        </a:rPr>
+                        <m:t>5/1000</m:t>
+                      </m:r>
+                    </m:oMath>
+                  </m:oMathPara>
+                </a14:m>
+                <a:endParaRPr kumimoji="1" lang="ja-JP" altLang="en-US" sz="2400" dirty="0">
+                  <a:latin typeface="メイリオ" panose="020B0604030504040204" pitchFamily="50" charset="-128"/>
+                  <a:ea typeface="メイリオ" panose="020B0604030504040204" pitchFamily="50" charset="-128"/>
+                </a:endParaRPr>
+              </a:p>
+            </p:txBody>
+          </p:sp>
+        </mc:Choice>
+        <mc:Fallback xmlns="">
+          <p:sp>
+            <p:nvSpPr>
+              <p:cNvPr id="11" name="テキスト ボックス 10">
+                <a:extLst>
+                  <a:ext uri="{FF2B5EF4-FFF2-40B4-BE49-F238E27FC236}">
+                    <a16:creationId xmlns:a16="http://schemas.microsoft.com/office/drawing/2014/main" id="{AC15C049-3365-C647-B581-8D258B242832}"/>
+                  </a:ext>
+                </a:extLst>
+              </p:cNvPr>
+              <p:cNvSpPr txBox="1">
+                <a:spLocks noRot="1" noChangeAspect="1" noMove="1" noResize="1" noEditPoints="1" noAdjustHandles="1" noChangeArrowheads="1" noChangeShapeType="1" noTextEdit="1"/>
+              </p:cNvSpPr>
+              <p:nvPr/>
+            </p:nvSpPr>
+            <p:spPr>
+              <a:xfrm>
+                <a:off x="10291931" y="4528404"/>
+                <a:ext cx="1289135" cy="461665"/>
+              </a:xfrm>
+              <a:prstGeom prst="rect">
+                <a:avLst/>
+              </a:prstGeom>
+              <a:blipFill>
+                <a:blip r:embed="rId6"/>
+                <a:stretch>
+                  <a:fillRect b="-13158"/>
+                </a:stretch>
+              </a:blipFill>
+            </p:spPr>
+            <p:txBody>
+              <a:bodyPr/>
+              <a:lstStyle/>
+              <a:p>
+                <a:r>
+                  <a:rPr lang="ja-JP" altLang="en-US">
+                    <a:noFill/>
+                  </a:rPr>
+                  <a:t> </a:t>
+                </a:r>
+              </a:p>
+            </p:txBody>
+          </p:sp>
+        </mc:Fallback>
+      </mc:AlternateContent>
+      <mc:AlternateContent xmlns:mc="http://schemas.openxmlformats.org/markup-compatibility/2006" xmlns:a14="http://schemas.microsoft.com/office/drawing/2010/main">
+        <mc:Choice Requires="a14">
+          <p:sp>
+            <p:nvSpPr>
+              <p:cNvPr id="12" name="テキスト ボックス 11">
+                <a:extLst>
+                  <a:ext uri="{FF2B5EF4-FFF2-40B4-BE49-F238E27FC236}">
+                    <a16:creationId xmlns:a16="http://schemas.microsoft.com/office/drawing/2014/main" id="{D8105D32-369C-71AC-D67E-0430AA4C2097}"/>
+                  </a:ext>
+                </a:extLst>
+              </p:cNvPr>
+              <p:cNvSpPr txBox="1"/>
+              <p:nvPr/>
+            </p:nvSpPr>
+            <p:spPr>
+              <a:xfrm>
+                <a:off x="8137328" y="4610005"/>
+                <a:ext cx="949299" cy="461665"/>
+              </a:xfrm>
+              <a:prstGeom prst="rect">
+                <a:avLst/>
+              </a:prstGeom>
+              <a:noFill/>
+            </p:spPr>
+            <p:txBody>
+              <a:bodyPr wrap="none" rtlCol="0">
+                <a:spAutoFit/>
+              </a:bodyPr>
+              <a:lstStyle/>
+              <a:p>
+                <a:pPr algn="l"/>
+                <a14:m>
+                  <m:oMathPara xmlns:m="http://schemas.openxmlformats.org/officeDocument/2006/math">
+                    <m:oMathParaPr>
+                      <m:jc m:val="centerGroup"/>
+                    </m:oMathParaPr>
+                    <m:oMath xmlns:m="http://schemas.openxmlformats.org/officeDocument/2006/math">
+                      <m:r>
+                        <a:rPr kumimoji="1" lang="en-US" altLang="ja-JP" sz="2400" b="0" i="1" smtClean="0">
+                          <a:latin typeface="Cambria Math" panose="02040503050406030204" pitchFamily="18" charset="0"/>
+                          <a:ea typeface="メイリオ" panose="020B0604030504040204" pitchFamily="50" charset="-128"/>
+                        </a:rPr>
+                        <m:t>3/50</m:t>
+                      </m:r>
+                    </m:oMath>
+                  </m:oMathPara>
+                </a14:m>
+                <a:endParaRPr kumimoji="1" lang="ja-JP" altLang="en-US" sz="2400" dirty="0">
+                  <a:latin typeface="メイリオ" panose="020B0604030504040204" pitchFamily="50" charset="-128"/>
+                  <a:ea typeface="メイリオ" panose="020B0604030504040204" pitchFamily="50" charset="-128"/>
+                </a:endParaRPr>
+              </a:p>
+            </p:txBody>
+          </p:sp>
+        </mc:Choice>
+        <mc:Fallback xmlns="">
+          <p:sp>
+            <p:nvSpPr>
+              <p:cNvPr id="12" name="テキスト ボックス 11">
+                <a:extLst>
+                  <a:ext uri="{FF2B5EF4-FFF2-40B4-BE49-F238E27FC236}">
+                    <a16:creationId xmlns:a16="http://schemas.microsoft.com/office/drawing/2014/main" id="{D8105D32-369C-71AC-D67E-0430AA4C2097}"/>
+                  </a:ext>
+                </a:extLst>
+              </p:cNvPr>
+              <p:cNvSpPr txBox="1">
+                <a:spLocks noRot="1" noChangeAspect="1" noMove="1" noResize="1" noEditPoints="1" noAdjustHandles="1" noChangeArrowheads="1" noChangeShapeType="1" noTextEdit="1"/>
+              </p:cNvSpPr>
+              <p:nvPr/>
+            </p:nvSpPr>
+            <p:spPr>
+              <a:xfrm>
+                <a:off x="8137328" y="4610005"/>
+                <a:ext cx="949299" cy="461665"/>
+              </a:xfrm>
+              <a:prstGeom prst="rect">
+                <a:avLst/>
+              </a:prstGeom>
+              <a:blipFill>
+                <a:blip r:embed="rId7"/>
+                <a:stretch>
+                  <a:fillRect b="-13158"/>
+                </a:stretch>
+              </a:blipFill>
+            </p:spPr>
+            <p:txBody>
+              <a:bodyPr/>
+              <a:lstStyle/>
+              <a:p>
+                <a:r>
+                  <a:rPr lang="ja-JP" altLang="en-US">
+                    <a:noFill/>
+                  </a:rPr>
+                  <a:t> </a:t>
+                </a:r>
+              </a:p>
+            </p:txBody>
+          </p:sp>
+        </mc:Fallback>
+      </mc:AlternateContent>
+      <p:sp>
+        <p:nvSpPr>
+          <p:cNvPr id="13" name="テキスト ボックス 12">
+            <a:extLst>
+              <a:ext uri="{FF2B5EF4-FFF2-40B4-BE49-F238E27FC236}">
+                <a16:creationId xmlns:a16="http://schemas.microsoft.com/office/drawing/2014/main" id="{EFE4E5F4-38F0-F8A7-6034-B240CDCF2E64}"/>
+              </a:ext>
+            </a:extLst>
+          </p:cNvPr>
+          <p:cNvSpPr txBox="1"/>
+          <p:nvPr/>
+        </p:nvSpPr>
+        <p:spPr>
+          <a:xfrm>
+            <a:off x="907023" y="1152731"/>
+            <a:ext cx="11030584" cy="461665"/>
+          </a:xfrm>
+          <a:prstGeom prst="rect">
+            <a:avLst/>
+          </a:prstGeom>
+          <a:noFill/>
+        </p:spPr>
+        <p:txBody>
+          <a:bodyPr wrap="none" rtlCol="0">
+            <a:spAutoFit/>
+          </a:bodyPr>
+          <a:lstStyle/>
+          <a:p>
+            <a:r>
+              <a:rPr kumimoji="1" lang="ja-JP" altLang="en-US" sz="2400" dirty="0">
+                <a:latin typeface="メイリオ" panose="020B0604030504040204" pitchFamily="50" charset="-128"/>
+                <a:ea typeface="メイリオ" panose="020B0604030504040204" pitchFamily="50" charset="-128"/>
+              </a:rPr>
+              <a:t>前々ページの前提に加えてサイエンスの次に研究が出現した頻度は、</a:t>
+            </a:r>
+            <a:r>
+              <a:rPr kumimoji="1" lang="en-US" altLang="ja-JP" sz="2400" dirty="0">
+                <a:latin typeface="メイリオ" panose="020B0604030504040204" pitchFamily="50" charset="-128"/>
+                <a:ea typeface="メイリオ" panose="020B0604030504040204" pitchFamily="50" charset="-128"/>
+              </a:rPr>
+              <a:t>50</a:t>
+            </a:r>
+            <a:r>
+              <a:rPr kumimoji="1" lang="ja-JP" altLang="en-US" sz="2400" dirty="0">
+                <a:latin typeface="メイリオ" panose="020B0604030504040204" pitchFamily="50" charset="-128"/>
+                <a:ea typeface="メイリオ" panose="020B0604030504040204" pitchFamily="50" charset="-128"/>
+              </a:rPr>
+              <a:t>とする</a:t>
+            </a:r>
+          </a:p>
+        </p:txBody>
+      </p:sp>
+      <mc:AlternateContent xmlns:mc="http://schemas.openxmlformats.org/markup-compatibility/2006" xmlns:a14="http://schemas.microsoft.com/office/drawing/2010/main">
+        <mc:Choice Requires="a14">
+          <p:sp>
+            <p:nvSpPr>
+              <p:cNvPr id="15" name="テキスト ボックス 14">
+                <a:extLst>
+                  <a:ext uri="{FF2B5EF4-FFF2-40B4-BE49-F238E27FC236}">
+                    <a16:creationId xmlns:a16="http://schemas.microsoft.com/office/drawing/2014/main" id="{CDA1B068-D397-EFBD-6B6C-C0C59DD0F221}"/>
+                  </a:ext>
+                </a:extLst>
+              </p:cNvPr>
+              <p:cNvSpPr txBox="1"/>
+              <p:nvPr/>
+            </p:nvSpPr>
+            <p:spPr>
+              <a:xfrm>
+                <a:off x="4607896" y="4636460"/>
+                <a:ext cx="949299" cy="461665"/>
+              </a:xfrm>
+              <a:prstGeom prst="rect">
+                <a:avLst/>
+              </a:prstGeom>
+              <a:noFill/>
+            </p:spPr>
+            <p:txBody>
+              <a:bodyPr wrap="none" rtlCol="0">
+                <a:spAutoFit/>
+              </a:bodyPr>
+              <a:lstStyle/>
+              <a:p>
+                <a:pPr algn="l"/>
+                <a14:m>
+                  <m:oMathPara xmlns:m="http://schemas.openxmlformats.org/officeDocument/2006/math">
+                    <m:oMathParaPr>
+                      <m:jc m:val="centerGroup"/>
+                    </m:oMathParaPr>
+                    <m:oMath xmlns:m="http://schemas.openxmlformats.org/officeDocument/2006/math">
+                      <m:r>
+                        <a:rPr kumimoji="1" lang="en-US" altLang="ja-JP" sz="2400" b="0" i="1" smtClean="0">
+                          <a:latin typeface="Cambria Math" panose="02040503050406030204" pitchFamily="18" charset="0"/>
+                          <a:ea typeface="メイリオ" panose="020B0604030504040204" pitchFamily="50" charset="-128"/>
+                        </a:rPr>
+                        <m:t>5/30</m:t>
+                      </m:r>
+                    </m:oMath>
+                  </m:oMathPara>
+                </a14:m>
+                <a:endParaRPr kumimoji="1" lang="ja-JP" altLang="en-US" sz="2400" dirty="0">
+                  <a:latin typeface="メイリオ" panose="020B0604030504040204" pitchFamily="50" charset="-128"/>
+                  <a:ea typeface="メイリオ" panose="020B0604030504040204" pitchFamily="50" charset="-128"/>
+                </a:endParaRPr>
+              </a:p>
+            </p:txBody>
+          </p:sp>
+        </mc:Choice>
+        <mc:Fallback xmlns="">
+          <p:sp>
+            <p:nvSpPr>
+              <p:cNvPr id="15" name="テキスト ボックス 14">
+                <a:extLst>
+                  <a:ext uri="{FF2B5EF4-FFF2-40B4-BE49-F238E27FC236}">
+                    <a16:creationId xmlns:a16="http://schemas.microsoft.com/office/drawing/2014/main" id="{CDA1B068-D397-EFBD-6B6C-C0C59DD0F221}"/>
+                  </a:ext>
+                </a:extLst>
+              </p:cNvPr>
+              <p:cNvSpPr txBox="1">
+                <a:spLocks noRot="1" noChangeAspect="1" noMove="1" noResize="1" noEditPoints="1" noAdjustHandles="1" noChangeArrowheads="1" noChangeShapeType="1" noTextEdit="1"/>
+              </p:cNvSpPr>
+              <p:nvPr/>
+            </p:nvSpPr>
+            <p:spPr>
+              <a:xfrm>
+                <a:off x="4607896" y="4636460"/>
+                <a:ext cx="949299" cy="461665"/>
+              </a:xfrm>
+              <a:prstGeom prst="rect">
+                <a:avLst/>
+              </a:prstGeom>
+              <a:blipFill>
+                <a:blip r:embed="rId8"/>
+                <a:stretch>
+                  <a:fillRect b="-14667"/>
+                </a:stretch>
+              </a:blipFill>
+            </p:spPr>
+            <p:txBody>
+              <a:bodyPr/>
+              <a:lstStyle/>
+              <a:p>
+                <a:r>
+                  <a:rPr lang="ja-JP" altLang="en-US">
+                    <a:noFill/>
+                  </a:rPr>
+                  <a:t> </a:t>
+                </a:r>
+              </a:p>
+            </p:txBody>
+          </p:sp>
+        </mc:Fallback>
+      </mc:AlternateContent>
+      <p:sp>
+        <p:nvSpPr>
+          <p:cNvPr id="16" name="左中かっこ 15">
+            <a:extLst>
+              <a:ext uri="{FF2B5EF4-FFF2-40B4-BE49-F238E27FC236}">
+                <a16:creationId xmlns:a16="http://schemas.microsoft.com/office/drawing/2014/main" id="{B3298979-2BEF-AD16-7CD6-28193FFAE6F8}"/>
+              </a:ext>
+            </a:extLst>
+          </p:cNvPr>
+          <p:cNvSpPr/>
+          <p:nvPr/>
+        </p:nvSpPr>
+        <p:spPr>
+          <a:xfrm rot="16200000">
+            <a:off x="4939763" y="2617743"/>
+            <a:ext cx="285567" cy="3698956"/>
+          </a:xfrm>
+          <a:prstGeom prst="leftBrace">
+            <a:avLst/>
+          </a:prstGeom>
+        </p:spPr>
+        <p:style>
+          <a:lnRef idx="1">
+            <a:schemeClr val="accent1"/>
+          </a:lnRef>
+          <a:fillRef idx="0">
+            <a:schemeClr val="accent1"/>
+          </a:fillRef>
+          <a:effectRef idx="0">
+            <a:schemeClr val="accent1"/>
+          </a:effectRef>
+          <a:fontRef idx="minor">
+            <a:schemeClr val="tx1"/>
+          </a:fontRef>
+        </p:style>
+        <p:txBody>
+          <a:bodyPr rtlCol="0" anchor="ctr"/>
+          <a:lstStyle/>
+          <a:p>
+            <a:pPr algn="ctr"/>
+            <a:endParaRPr kumimoji="1" lang="ja-JP" altLang="en-US"/>
+          </a:p>
+        </p:txBody>
+      </p:sp>
+      <p:sp>
+        <p:nvSpPr>
+          <p:cNvPr id="17" name="左中かっこ 16">
+            <a:extLst>
+              <a:ext uri="{FF2B5EF4-FFF2-40B4-BE49-F238E27FC236}">
+                <a16:creationId xmlns:a16="http://schemas.microsoft.com/office/drawing/2014/main" id="{FA1C549E-03FE-C903-6A47-22FD0788C512}"/>
+              </a:ext>
+            </a:extLst>
+          </p:cNvPr>
+          <p:cNvSpPr/>
+          <p:nvPr/>
+        </p:nvSpPr>
+        <p:spPr>
+          <a:xfrm rot="16200000">
+            <a:off x="8416661" y="2941807"/>
+            <a:ext cx="285567" cy="2997915"/>
+          </a:xfrm>
+          <a:prstGeom prst="leftBrace">
+            <a:avLst/>
+          </a:prstGeom>
+        </p:spPr>
+        <p:style>
+          <a:lnRef idx="1">
+            <a:schemeClr val="accent1"/>
+          </a:lnRef>
+          <a:fillRef idx="0">
+            <a:schemeClr val="accent1"/>
+          </a:fillRef>
+          <a:effectRef idx="0">
+            <a:schemeClr val="accent1"/>
+          </a:effectRef>
+          <a:fontRef idx="minor">
+            <a:schemeClr val="tx1"/>
+          </a:fontRef>
+        </p:style>
+        <p:txBody>
+          <a:bodyPr rtlCol="0" anchor="ctr"/>
+          <a:lstStyle/>
+          <a:p>
+            <a:pPr algn="ctr"/>
+            <a:endParaRPr kumimoji="1" lang="ja-JP" altLang="en-US"/>
+          </a:p>
+        </p:txBody>
+      </p:sp>
+      <p:sp>
+        <p:nvSpPr>
+          <p:cNvPr id="19" name="左中かっこ 18">
+            <a:extLst>
+              <a:ext uri="{FF2B5EF4-FFF2-40B4-BE49-F238E27FC236}">
+                <a16:creationId xmlns:a16="http://schemas.microsoft.com/office/drawing/2014/main" id="{D56362C9-C21B-7309-C3EC-52788B2FBC7B}"/>
+              </a:ext>
+            </a:extLst>
+          </p:cNvPr>
+          <p:cNvSpPr/>
+          <p:nvPr/>
+        </p:nvSpPr>
+        <p:spPr>
+          <a:xfrm rot="16200000">
+            <a:off x="10790487" y="3796196"/>
+            <a:ext cx="285567" cy="1289135"/>
+          </a:xfrm>
+          <a:prstGeom prst="leftBrace">
+            <a:avLst/>
+          </a:prstGeom>
+        </p:spPr>
+        <p:style>
+          <a:lnRef idx="1">
+            <a:schemeClr val="accent1"/>
+          </a:lnRef>
+          <a:fillRef idx="0">
+            <a:schemeClr val="accent1"/>
+          </a:fillRef>
+          <a:effectRef idx="0">
+            <a:schemeClr val="accent1"/>
+          </a:effectRef>
+          <a:fontRef idx="minor">
+            <a:schemeClr val="tx1"/>
+          </a:fontRef>
+        </p:style>
+        <p:txBody>
+          <a:bodyPr rtlCol="0" anchor="ctr"/>
+          <a:lstStyle/>
+          <a:p>
+            <a:pPr algn="ctr"/>
+            <a:endParaRPr kumimoji="1" lang="ja-JP" altLang="en-US"/>
+          </a:p>
+        </p:txBody>
+      </p:sp>
+      <p:sp>
+        <p:nvSpPr>
+          <p:cNvPr id="20" name="テキスト ボックス 19">
+            <a:extLst>
+              <a:ext uri="{FF2B5EF4-FFF2-40B4-BE49-F238E27FC236}">
+                <a16:creationId xmlns:a16="http://schemas.microsoft.com/office/drawing/2014/main" id="{01A77A7D-FA4A-5204-74CF-8935CB3998B1}"/>
+              </a:ext>
+            </a:extLst>
+          </p:cNvPr>
+          <p:cNvSpPr txBox="1"/>
+          <p:nvPr/>
+        </p:nvSpPr>
+        <p:spPr>
+          <a:xfrm>
+            <a:off x="4233062" y="5220491"/>
+            <a:ext cx="7109639" cy="830997"/>
+          </a:xfrm>
+          <a:prstGeom prst="rect">
+            <a:avLst/>
+          </a:prstGeom>
+          <a:noFill/>
+        </p:spPr>
+        <p:txBody>
+          <a:bodyPr wrap="none" rtlCol="0">
+            <a:spAutoFit/>
+          </a:bodyPr>
+          <a:lstStyle/>
+          <a:p>
+            <a:pPr marL="457200" indent="-457200" algn="l">
+              <a:buFont typeface="+mj-lt"/>
+              <a:buAutoNum type="arabicPeriod"/>
+            </a:pPr>
+            <a:r>
+              <a:rPr kumimoji="1" lang="ja-JP" altLang="en-US" sz="2400" dirty="0">
+                <a:latin typeface="メイリオ" panose="020B0604030504040204" pitchFamily="50" charset="-128"/>
+                <a:ea typeface="メイリオ" panose="020B0604030504040204" pitchFamily="50" charset="-128"/>
+              </a:rPr>
+              <a:t>単語が連続する限り連鎖律が続く</a:t>
+            </a:r>
+            <a:endParaRPr kumimoji="1" lang="en-US" altLang="ja-JP" sz="2400" dirty="0">
+              <a:latin typeface="メイリオ" panose="020B0604030504040204" pitchFamily="50" charset="-128"/>
+              <a:ea typeface="メイリオ" panose="020B0604030504040204" pitchFamily="50" charset="-128"/>
+            </a:endParaRPr>
+          </a:p>
+          <a:p>
+            <a:pPr marL="457200" indent="-457200" algn="l">
+              <a:buFont typeface="+mj-lt"/>
+              <a:buAutoNum type="arabicPeriod"/>
+            </a:pPr>
+            <a:r>
+              <a:rPr kumimoji="1" lang="ja-JP" altLang="en-US" sz="2400" dirty="0">
+                <a:latin typeface="メイリオ" panose="020B0604030504040204" pitchFamily="50" charset="-128"/>
+                <a:ea typeface="メイリオ" panose="020B0604030504040204" pitchFamily="50" charset="-128"/>
+              </a:rPr>
+              <a:t>小数点の掛け算が続く→どんどん小さくなる！</a:t>
+            </a:r>
+          </a:p>
+        </p:txBody>
+      </p:sp>
+      <p:sp>
+        <p:nvSpPr>
+          <p:cNvPr id="21" name="テキスト ボックス 20">
+            <a:extLst>
+              <a:ext uri="{FF2B5EF4-FFF2-40B4-BE49-F238E27FC236}">
+                <a16:creationId xmlns:a16="http://schemas.microsoft.com/office/drawing/2014/main" id="{8D6B8AE4-EC69-7383-B7A8-2B26C3D0FDF9}"/>
+              </a:ext>
+            </a:extLst>
+          </p:cNvPr>
+          <p:cNvSpPr txBox="1"/>
+          <p:nvPr/>
+        </p:nvSpPr>
+        <p:spPr>
+          <a:xfrm>
+            <a:off x="2466807" y="6248537"/>
+            <a:ext cx="5416868" cy="461665"/>
+          </a:xfrm>
+          <a:prstGeom prst="rect">
+            <a:avLst/>
+          </a:prstGeom>
+          <a:noFill/>
+        </p:spPr>
+        <p:txBody>
+          <a:bodyPr wrap="none" rtlCol="0">
+            <a:spAutoFit/>
+          </a:bodyPr>
+          <a:lstStyle/>
+          <a:p>
+            <a:pPr algn="l"/>
+            <a:r>
+              <a:rPr kumimoji="1" lang="ja-JP" altLang="en-US" sz="2400" dirty="0">
+                <a:latin typeface="メイリオ" panose="020B0604030504040204" pitchFamily="50" charset="-128"/>
+                <a:ea typeface="メイリオ" panose="020B0604030504040204" pitchFamily="50" charset="-128"/>
+              </a:rPr>
+              <a:t>どのように計算したらよいと思うか？</a:t>
+            </a:r>
+          </a:p>
+        </p:txBody>
+      </p:sp>
+    </p:spTree>
+    <p:extLst>
+      <p:ext uri="{BB962C8B-B14F-4D97-AF65-F5344CB8AC3E}">
+        <p14:creationId xmlns:p14="http://schemas.microsoft.com/office/powerpoint/2010/main" val="1273101976"/>
+      </p:ext>
+    </p:extLst>
+  </p:cSld>
+  <p:clrMapOvr>
+    <a:masterClrMapping/>
+  </p:clrMapOvr>
+</p:sld>
+</file>
+
+<file path=ppt/slides/slide17.xml><?xml version="1.0" encoding="utf-8"?>
+<p:sld xmlns:a="http://schemas.openxmlformats.org/drawingml/2006/main" xmlns:r="http://schemas.openxmlformats.org/officeDocument/2006/relationships" xmlns:p="http://schemas.openxmlformats.org/presentationml/2006/main">
+  <p:cSld>
+    <p:spTree>
+      <p:nvGrpSpPr>
+        <p:cNvPr id="1" name=""/>
+        <p:cNvGrpSpPr/>
+        <p:nvPr/>
+      </p:nvGrpSpPr>
+      <p:grpSpPr>
+        <a:xfrm>
+          <a:off x="0" y="0"/>
+          <a:ext cx="0" cy="0"/>
+          <a:chOff x="0" y="0"/>
+          <a:chExt cx="0" cy="0"/>
+        </a:xfrm>
+      </p:grpSpPr>
+      <p:sp>
+        <p:nvSpPr>
+          <p:cNvPr id="2" name="テキスト ボックス 1">
+            <a:extLst>
+              <a:ext uri="{FF2B5EF4-FFF2-40B4-BE49-F238E27FC236}">
+                <a16:creationId xmlns:a16="http://schemas.microsoft.com/office/drawing/2014/main" id="{BA3F5A8C-8D02-E8A5-8206-29EDD1C02ED2}"/>
+              </a:ext>
+            </a:extLst>
+          </p:cNvPr>
+          <p:cNvSpPr txBox="1"/>
+          <p:nvPr/>
+        </p:nvSpPr>
+        <p:spPr>
+          <a:xfrm>
+            <a:off x="950976" y="539496"/>
+            <a:ext cx="3964547" cy="584775"/>
+          </a:xfrm>
+          <a:prstGeom prst="rect">
+            <a:avLst/>
+          </a:prstGeom>
+          <a:noFill/>
+        </p:spPr>
+        <p:txBody>
+          <a:bodyPr wrap="none" rtlCol="0">
+            <a:spAutoFit/>
+          </a:bodyPr>
+          <a:lstStyle/>
+          <a:p>
+            <a:pPr algn="l"/>
+            <a:r>
+              <a:rPr kumimoji="1" lang="en-US" altLang="ja-JP" sz="3200" dirty="0">
+                <a:latin typeface="メイリオ" panose="020B0604030504040204" pitchFamily="50" charset="-128"/>
+                <a:ea typeface="メイリオ" panose="020B0604030504040204" pitchFamily="50" charset="-128"/>
+              </a:rPr>
+              <a:t>ChatGPT</a:t>
+            </a:r>
+            <a:r>
+              <a:rPr kumimoji="1" lang="ja-JP" altLang="en-US" sz="3200" dirty="0">
+                <a:latin typeface="メイリオ" panose="020B0604030504040204" pitchFamily="50" charset="-128"/>
+                <a:ea typeface="メイリオ" panose="020B0604030504040204" pitchFamily="50" charset="-128"/>
+              </a:rPr>
+              <a:t>のバイアス</a:t>
+            </a:r>
+          </a:p>
+        </p:txBody>
+      </p:sp>
+      <p:sp>
+        <p:nvSpPr>
+          <p:cNvPr id="3" name="テキスト ボックス 2">
+            <a:extLst>
+              <a:ext uri="{FF2B5EF4-FFF2-40B4-BE49-F238E27FC236}">
+                <a16:creationId xmlns:a16="http://schemas.microsoft.com/office/drawing/2014/main" id="{1A3F40D9-92DA-5D03-3E35-65519A81B0F4}"/>
+              </a:ext>
+            </a:extLst>
+          </p:cNvPr>
+          <p:cNvSpPr txBox="1"/>
+          <p:nvPr/>
+        </p:nvSpPr>
+        <p:spPr>
+          <a:xfrm>
+            <a:off x="893126" y="3716693"/>
+            <a:ext cx="4264052" cy="307777"/>
+          </a:xfrm>
+          <a:prstGeom prst="rect">
+            <a:avLst/>
+          </a:prstGeom>
+          <a:noFill/>
+        </p:spPr>
+        <p:txBody>
+          <a:bodyPr wrap="none" rtlCol="0">
+            <a:spAutoFit/>
+          </a:bodyPr>
+          <a:lstStyle/>
+          <a:p>
+            <a:pPr algn="l"/>
+            <a:r>
+              <a:rPr kumimoji="1" lang="en-US" altLang="ja-JP" sz="1400" dirty="0">
+                <a:latin typeface="メイリオ" panose="020B0604030504040204" pitchFamily="50" charset="-128"/>
+                <a:ea typeface="メイリオ" panose="020B0604030504040204" pitchFamily="50" charset="-128"/>
+                <a:hlinkClick r:id="rId2"/>
+              </a:rPr>
+              <a:t>https://forbesjapan.com/articles/detail/60672</a:t>
+            </a:r>
+            <a:endParaRPr kumimoji="1" lang="ja-JP" altLang="en-US" sz="1400" dirty="0">
+              <a:latin typeface="メイリオ" panose="020B0604030504040204" pitchFamily="50" charset="-128"/>
+              <a:ea typeface="メイリオ" panose="020B0604030504040204" pitchFamily="50" charset="-128"/>
+            </a:endParaRPr>
+          </a:p>
+        </p:txBody>
+      </p:sp>
+      <p:sp>
+        <p:nvSpPr>
+          <p:cNvPr id="4" name="テキスト ボックス 3">
+            <a:extLst>
+              <a:ext uri="{FF2B5EF4-FFF2-40B4-BE49-F238E27FC236}">
+                <a16:creationId xmlns:a16="http://schemas.microsoft.com/office/drawing/2014/main" id="{53AF6B11-F4AE-E23F-4E7A-6BF94052EC81}"/>
+              </a:ext>
+            </a:extLst>
+          </p:cNvPr>
+          <p:cNvSpPr txBox="1"/>
+          <p:nvPr/>
+        </p:nvSpPr>
+        <p:spPr>
+          <a:xfrm>
+            <a:off x="893126" y="4086025"/>
+            <a:ext cx="4870949" cy="307777"/>
+          </a:xfrm>
+          <a:prstGeom prst="rect">
+            <a:avLst/>
+          </a:prstGeom>
+          <a:noFill/>
+        </p:spPr>
+        <p:txBody>
+          <a:bodyPr wrap="none" rtlCol="0">
+            <a:spAutoFit/>
+          </a:bodyPr>
+          <a:lstStyle/>
+          <a:p>
+            <a:pPr algn="l"/>
+            <a:r>
+              <a:rPr kumimoji="1" lang="en-US" altLang="ja-JP" sz="1400" dirty="0">
+                <a:latin typeface="メイリオ" panose="020B0604030504040204" pitchFamily="50" charset="-128"/>
+                <a:ea typeface="メイリオ" panose="020B0604030504040204" pitchFamily="50" charset="-128"/>
+                <a:hlinkClick r:id="rId3"/>
+              </a:rPr>
+              <a:t>https://www.asahi.com/withplanet/article/15695266</a:t>
+            </a:r>
+            <a:endParaRPr kumimoji="1" lang="ja-JP" altLang="en-US" sz="1400" dirty="0">
+              <a:latin typeface="メイリオ" panose="020B0604030504040204" pitchFamily="50" charset="-128"/>
+              <a:ea typeface="メイリオ" panose="020B0604030504040204" pitchFamily="50" charset="-128"/>
+            </a:endParaRPr>
+          </a:p>
+        </p:txBody>
+      </p:sp>
+      <p:sp>
+        <p:nvSpPr>
+          <p:cNvPr id="5" name="テキスト ボックス 4">
+            <a:extLst>
+              <a:ext uri="{FF2B5EF4-FFF2-40B4-BE49-F238E27FC236}">
+                <a16:creationId xmlns:a16="http://schemas.microsoft.com/office/drawing/2014/main" id="{E796DB1B-C928-B5C3-26E1-A389B60F0FC3}"/>
+              </a:ext>
+            </a:extLst>
+          </p:cNvPr>
+          <p:cNvSpPr txBox="1"/>
+          <p:nvPr/>
+        </p:nvSpPr>
+        <p:spPr>
+          <a:xfrm>
+            <a:off x="859463" y="4806611"/>
+            <a:ext cx="7009804" cy="307777"/>
+          </a:xfrm>
+          <a:prstGeom prst="rect">
+            <a:avLst/>
+          </a:prstGeom>
+          <a:noFill/>
+        </p:spPr>
+        <p:txBody>
+          <a:bodyPr wrap="none" rtlCol="0">
+            <a:spAutoFit/>
+          </a:bodyPr>
+          <a:lstStyle/>
+          <a:p>
+            <a:pPr algn="l"/>
+            <a:r>
+              <a:rPr kumimoji="1" lang="en-US" altLang="ja-JP" sz="1400" dirty="0">
+                <a:latin typeface="メイリオ" panose="020B0604030504040204" pitchFamily="50" charset="-128"/>
+                <a:ea typeface="メイリオ" panose="020B0604030504040204" pitchFamily="50" charset="-128"/>
+                <a:hlinkClick r:id="rId4"/>
+              </a:rPr>
+              <a:t>https://ai-scholar.tech/articles/large-language-models/chatgpt-vs-media-bias</a:t>
+            </a:r>
+            <a:endParaRPr kumimoji="1" lang="ja-JP" altLang="en-US" sz="1400" dirty="0">
+              <a:latin typeface="メイリオ" panose="020B0604030504040204" pitchFamily="50" charset="-128"/>
+              <a:ea typeface="メイリオ" panose="020B0604030504040204" pitchFamily="50" charset="-128"/>
+            </a:endParaRPr>
+          </a:p>
+        </p:txBody>
+      </p:sp>
+      <p:sp>
+        <p:nvSpPr>
+          <p:cNvPr id="6" name="テキスト ボックス 5">
+            <a:extLst>
+              <a:ext uri="{FF2B5EF4-FFF2-40B4-BE49-F238E27FC236}">
+                <a16:creationId xmlns:a16="http://schemas.microsoft.com/office/drawing/2014/main" id="{F266A7BD-F6A6-4D25-65AE-E3462EF43876}"/>
+              </a:ext>
+            </a:extLst>
+          </p:cNvPr>
+          <p:cNvSpPr txBox="1"/>
+          <p:nvPr/>
+        </p:nvSpPr>
+        <p:spPr>
+          <a:xfrm>
+            <a:off x="859463" y="4450663"/>
+            <a:ext cx="5275162" cy="523220"/>
+          </a:xfrm>
+          <a:prstGeom prst="rect">
+            <a:avLst/>
+          </a:prstGeom>
+          <a:noFill/>
+        </p:spPr>
+        <p:txBody>
+          <a:bodyPr wrap="none" rtlCol="0">
+            <a:spAutoFit/>
+          </a:bodyPr>
+          <a:lstStyle/>
+          <a:p>
+            <a:pPr algn="l"/>
+            <a:r>
+              <a:rPr kumimoji="1" lang="en-US" altLang="ja-JP" sz="1400" dirty="0">
+                <a:latin typeface="メイリオ" panose="020B0604030504040204" pitchFamily="50" charset="-128"/>
+                <a:ea typeface="メイリオ" panose="020B0604030504040204" pitchFamily="50" charset="-128"/>
+                <a:hlinkClick r:id="rId5"/>
+              </a:rPr>
+              <a:t>https://ai-scholar.tech/articles/chatgpt/toxicity-in-chatgpt</a:t>
+            </a:r>
+            <a:endParaRPr kumimoji="1" lang="en-US" altLang="ja-JP" sz="1400" dirty="0">
+              <a:latin typeface="メイリオ" panose="020B0604030504040204" pitchFamily="50" charset="-128"/>
+              <a:ea typeface="メイリオ" panose="020B0604030504040204" pitchFamily="50" charset="-128"/>
+            </a:endParaRPr>
+          </a:p>
+          <a:p>
+            <a:pPr algn="l"/>
+            <a:endParaRPr kumimoji="1" lang="ja-JP" altLang="en-US" sz="1400" dirty="0">
+              <a:latin typeface="メイリオ" panose="020B0604030504040204" pitchFamily="50" charset="-128"/>
+              <a:ea typeface="メイリオ" panose="020B0604030504040204" pitchFamily="50" charset="-128"/>
+            </a:endParaRPr>
+          </a:p>
+        </p:txBody>
+      </p:sp>
+      <p:sp>
+        <p:nvSpPr>
+          <p:cNvPr id="7" name="テキスト ボックス 6">
+            <a:extLst>
+              <a:ext uri="{FF2B5EF4-FFF2-40B4-BE49-F238E27FC236}">
+                <a16:creationId xmlns:a16="http://schemas.microsoft.com/office/drawing/2014/main" id="{B7DF8A22-9036-9132-E296-A4C0D03E98E9}"/>
+              </a:ext>
+            </a:extLst>
+          </p:cNvPr>
+          <p:cNvSpPr txBox="1"/>
+          <p:nvPr/>
+        </p:nvSpPr>
+        <p:spPr>
+          <a:xfrm>
+            <a:off x="950976" y="1097280"/>
+            <a:ext cx="4908331" cy="646331"/>
+          </a:xfrm>
+          <a:prstGeom prst="rect">
+            <a:avLst/>
+          </a:prstGeom>
+          <a:noFill/>
+        </p:spPr>
+        <p:txBody>
+          <a:bodyPr wrap="none" rtlCol="0">
+            <a:spAutoFit/>
+          </a:bodyPr>
+          <a:lstStyle/>
+          <a:p>
+            <a:pPr algn="l"/>
+            <a:r>
+              <a:rPr kumimoji="1" lang="en-US" altLang="ja-JP" dirty="0">
+                <a:latin typeface="メイリオ" panose="020B0604030504040204" pitchFamily="50" charset="-128"/>
+                <a:ea typeface="メイリオ" panose="020B0604030504040204" pitchFamily="50" charset="-128"/>
+                <a:hlinkClick r:id="rId6"/>
+              </a:rPr>
+              <a:t>https://innovatopia.jp/ai/ai-news/47568/</a:t>
+            </a:r>
+            <a:endParaRPr kumimoji="1" lang="en-US" altLang="ja-JP" dirty="0">
+              <a:latin typeface="メイリオ" panose="020B0604030504040204" pitchFamily="50" charset="-128"/>
+              <a:ea typeface="メイリオ" panose="020B0604030504040204" pitchFamily="50" charset="-128"/>
+            </a:endParaRPr>
+          </a:p>
+          <a:p>
+            <a:pPr algn="l"/>
+            <a:endParaRPr kumimoji="1" lang="ja-JP" altLang="en-US" dirty="0">
+              <a:latin typeface="メイリオ" panose="020B0604030504040204" pitchFamily="50" charset="-128"/>
+              <a:ea typeface="メイリオ" panose="020B0604030504040204" pitchFamily="50" charset="-128"/>
+            </a:endParaRPr>
+          </a:p>
+        </p:txBody>
+      </p:sp>
+      <p:sp>
+        <p:nvSpPr>
+          <p:cNvPr id="8" name="テキスト ボックス 7">
+            <a:extLst>
+              <a:ext uri="{FF2B5EF4-FFF2-40B4-BE49-F238E27FC236}">
+                <a16:creationId xmlns:a16="http://schemas.microsoft.com/office/drawing/2014/main" id="{8EDEACDD-9B37-7C33-5386-A989EFA2153E}"/>
+              </a:ext>
+            </a:extLst>
+          </p:cNvPr>
+          <p:cNvSpPr txBox="1"/>
+          <p:nvPr/>
+        </p:nvSpPr>
+        <p:spPr>
+          <a:xfrm>
+            <a:off x="792725" y="3198167"/>
+            <a:ext cx="4557658" cy="461665"/>
+          </a:xfrm>
+          <a:prstGeom prst="rect">
+            <a:avLst/>
+          </a:prstGeom>
+          <a:noFill/>
+        </p:spPr>
+        <p:txBody>
+          <a:bodyPr wrap="none" rtlCol="0">
+            <a:spAutoFit/>
+          </a:bodyPr>
+          <a:lstStyle/>
+          <a:p>
+            <a:pPr algn="l"/>
+            <a:r>
+              <a:rPr kumimoji="1" lang="ja-JP" altLang="en-US" sz="2400" dirty="0">
+                <a:latin typeface="メイリオ" panose="020B0604030504040204" pitchFamily="50" charset="-128"/>
+                <a:ea typeface="メイリオ" panose="020B0604030504040204" pitchFamily="50" charset="-128"/>
+              </a:rPr>
+              <a:t>その他　</a:t>
+            </a:r>
+            <a:r>
+              <a:rPr kumimoji="1" lang="en-US" altLang="ja-JP" sz="2400" dirty="0">
+                <a:latin typeface="メイリオ" panose="020B0604030504040204" pitchFamily="50" charset="-128"/>
+                <a:ea typeface="メイリオ" panose="020B0604030504040204" pitchFamily="50" charset="-128"/>
+              </a:rPr>
+              <a:t>ChatGPT</a:t>
+            </a:r>
+            <a:r>
+              <a:rPr kumimoji="1" lang="ja-JP" altLang="en-US" sz="2400" dirty="0">
+                <a:latin typeface="メイリオ" panose="020B0604030504040204" pitchFamily="50" charset="-128"/>
+                <a:ea typeface="メイリオ" panose="020B0604030504040204" pitchFamily="50" charset="-128"/>
+              </a:rPr>
+              <a:t>バイアス記事</a:t>
+            </a:r>
+          </a:p>
+        </p:txBody>
+      </p:sp>
+      <p:pic>
+        <p:nvPicPr>
+          <p:cNvPr id="10" name="図 9">
+            <a:extLst>
+              <a:ext uri="{FF2B5EF4-FFF2-40B4-BE49-F238E27FC236}">
+                <a16:creationId xmlns:a16="http://schemas.microsoft.com/office/drawing/2014/main" id="{09A9B691-53BE-217E-455D-EC95ABBF44B7}"/>
+              </a:ext>
+            </a:extLst>
+          </p:cNvPr>
+          <p:cNvPicPr>
+            <a:picLocks noChangeAspect="1"/>
+          </p:cNvPicPr>
+          <p:nvPr/>
+        </p:nvPicPr>
+        <p:blipFill>
+          <a:blip r:embed="rId7"/>
+          <a:stretch>
+            <a:fillRect/>
+          </a:stretch>
+        </p:blipFill>
+        <p:spPr>
+          <a:xfrm>
+            <a:off x="6409943" y="927010"/>
+            <a:ext cx="5544927" cy="5504794"/>
+          </a:xfrm>
+          <a:prstGeom prst="rect">
+            <a:avLst/>
+          </a:prstGeom>
+        </p:spPr>
+      </p:pic>
+    </p:spTree>
+    <p:extLst>
+      <p:ext uri="{BB962C8B-B14F-4D97-AF65-F5344CB8AC3E}">
+        <p14:creationId xmlns:p14="http://schemas.microsoft.com/office/powerpoint/2010/main" val="3622955263"/>
+      </p:ext>
+    </p:extLst>
+  </p:cSld>
+  <p:clrMapOvr>
+    <a:masterClrMapping/>
+  </p:clrMapOvr>
+</p:sld>
+</file>
+
+<file path=ppt/slides/slide18.xml><?xml version="1.0" encoding="utf-8"?>
 <p:sld xmlns:a="http://schemas.openxmlformats.org/drawingml/2006/main" xmlns:r="http://schemas.openxmlformats.org/officeDocument/2006/relationships" xmlns:p="http://schemas.openxmlformats.org/presentationml/2006/main">
   <p:cSld>
     <p:spTree>
@@ -16316,7 +18742,7 @@
 </p:sld>
 </file>
 
-<file path=ppt/slides/slide17.xml><?xml version="1.0" encoding="utf-8"?>
+<file path=ppt/slides/slide19.xml><?xml version="1.0" encoding="utf-8"?>
 <p:sld xmlns:a="http://schemas.openxmlformats.org/drawingml/2006/main" xmlns:r="http://schemas.openxmlformats.org/officeDocument/2006/relationships" xmlns:p="http://schemas.openxmlformats.org/presentationml/2006/main">
   <p:cSld>
     <p:spTree>
@@ -16676,6 +19102,81 @@
           </a:p>
         </p:txBody>
       </p:sp>
+      <p:sp>
+        <p:nvSpPr>
+          <p:cNvPr id="6" name="テキスト ボックス 5">
+            <a:extLst>
+              <a:ext uri="{FF2B5EF4-FFF2-40B4-BE49-F238E27FC236}">
+                <a16:creationId xmlns:a16="http://schemas.microsoft.com/office/drawing/2014/main" id="{4F3BD520-B26C-651D-0B7B-DA428C7B752B}"/>
+              </a:ext>
+            </a:extLst>
+          </p:cNvPr>
+          <p:cNvSpPr txBox="1"/>
+          <p:nvPr/>
+        </p:nvSpPr>
+        <p:spPr>
+          <a:xfrm>
+            <a:off x="6932189" y="4929499"/>
+            <a:ext cx="5112666" cy="2062103"/>
+          </a:xfrm>
+          <a:prstGeom prst="rect">
+            <a:avLst/>
+          </a:prstGeom>
+          <a:noFill/>
+        </p:spPr>
+        <p:txBody>
+          <a:bodyPr wrap="square" rtlCol="0">
+            <a:spAutoFit/>
+          </a:bodyPr>
+          <a:lstStyle/>
+          <a:p>
+            <a:pPr algn="l"/>
+            <a:r>
+              <a:rPr kumimoji="1" lang="en-US" altLang="ja-JP" sz="1600" dirty="0" err="1">
+                <a:latin typeface="メイリオ" panose="020B0604030504040204" pitchFamily="50" charset="-128"/>
+                <a:ea typeface="メイリオ" panose="020B0604030504040204" pitchFamily="50" charset="-128"/>
+                <a:hlinkClick r:id="rId8"/>
+              </a:rPr>
+              <a:t>MeCab</a:t>
+            </a:r>
+            <a:r>
+              <a:rPr kumimoji="1" lang="ja-JP" altLang="en-US" sz="1600" dirty="0">
+                <a:latin typeface="メイリオ" panose="020B0604030504040204" pitchFamily="50" charset="-128"/>
+                <a:ea typeface="メイリオ" panose="020B0604030504040204" pitchFamily="50" charset="-128"/>
+                <a:hlinkClick r:id="rId8"/>
+              </a:rPr>
+              <a:t>実行エラー時の対策</a:t>
+            </a:r>
+            <a:endParaRPr kumimoji="1" lang="en-US" altLang="ja-JP" sz="1600" dirty="0">
+              <a:latin typeface="メイリオ" panose="020B0604030504040204" pitchFamily="50" charset="-128"/>
+              <a:ea typeface="メイリオ" panose="020B0604030504040204" pitchFamily="50" charset="-128"/>
+              <a:hlinkClick r:id="rId8"/>
+            </a:endParaRPr>
+          </a:p>
+          <a:p>
+            <a:pPr algn="l"/>
+            <a:r>
+              <a:rPr kumimoji="1" lang="en-US" altLang="ja-JP" sz="1600" dirty="0">
+                <a:latin typeface="メイリオ" panose="020B0604030504040204" pitchFamily="50" charset="-128"/>
+                <a:ea typeface="メイリオ" panose="020B0604030504040204" pitchFamily="50" charset="-128"/>
+                <a:hlinkClick r:id="rId8"/>
+              </a:rPr>
+              <a:t>https://medium.com/@jiraffestaff/mecabrc-%E3%81%8C%E8%A6%8B%E3%81%A4%E3%81%8B%E3%82%89%E3%81%AA%E3%81%84%E3%81%A8%E3%81%84%E3%81%86%E3%82%A8%E3%83%A9%E3%83%BC-b3e278e9ed07</a:t>
+            </a:r>
+            <a:endParaRPr kumimoji="1" lang="en-US" altLang="ja-JP" sz="1600" dirty="0">
+              <a:latin typeface="メイリオ" panose="020B0604030504040204" pitchFamily="50" charset="-128"/>
+              <a:ea typeface="メイリオ" panose="020B0604030504040204" pitchFamily="50" charset="-128"/>
+            </a:endParaRPr>
+          </a:p>
+          <a:p>
+            <a:pPr algn="l"/>
+            <a:endParaRPr kumimoji="1" lang="ja-JP" altLang="en-US" sz="1600" dirty="0">
+              <a:latin typeface="メイリオ" panose="020B0604030504040204" pitchFamily="50" charset="-128"/>
+              <a:ea typeface="メイリオ" panose="020B0604030504040204" pitchFamily="50" charset="-128"/>
+            </a:endParaRPr>
+          </a:p>
+        </p:txBody>
+      </p:sp>
     </p:spTree>
     <p:extLst>
       <p:ext uri="{BB962C8B-B14F-4D97-AF65-F5344CB8AC3E}">
@@ -16689,7 +19190,237 @@
 </p:sld>
 </file>
 
-<file path=ppt/slides/slide18.xml><?xml version="1.0" encoding="utf-8"?>
+<file path=ppt/slides/slide2.xml><?xml version="1.0" encoding="utf-8"?>
+<p:sld xmlns:a="http://schemas.openxmlformats.org/drawingml/2006/main" xmlns:r="http://schemas.openxmlformats.org/officeDocument/2006/relationships" xmlns:p="http://schemas.openxmlformats.org/presentationml/2006/main">
+  <p:cSld>
+    <p:spTree>
+      <p:nvGrpSpPr>
+        <p:cNvPr id="1" name=""/>
+        <p:cNvGrpSpPr/>
+        <p:nvPr/>
+      </p:nvGrpSpPr>
+      <p:grpSpPr>
+        <a:xfrm>
+          <a:off x="0" y="0"/>
+          <a:ext cx="0" cy="0"/>
+          <a:chOff x="0" y="0"/>
+          <a:chExt cx="0" cy="0"/>
+        </a:xfrm>
+      </p:grpSpPr>
+      <p:sp>
+        <p:nvSpPr>
+          <p:cNvPr id="3" name="正方形/長方形 2">
+            <a:extLst>
+              <a:ext uri="{FF2B5EF4-FFF2-40B4-BE49-F238E27FC236}">
+                <a16:creationId xmlns:a16="http://schemas.microsoft.com/office/drawing/2014/main" id="{6A5DC294-0890-4F3D-ABAE-4949D3B01A91}"/>
+              </a:ext>
+            </a:extLst>
+          </p:cNvPr>
+          <p:cNvSpPr/>
+          <p:nvPr/>
+        </p:nvSpPr>
+        <p:spPr>
+          <a:xfrm>
+            <a:off x="987832" y="2190089"/>
+            <a:ext cx="10149416" cy="1384995"/>
+          </a:xfrm>
+          <a:prstGeom prst="rect">
+            <a:avLst/>
+          </a:prstGeom>
+        </p:spPr>
+        <p:txBody>
+          <a:bodyPr wrap="square">
+            <a:spAutoFit/>
+          </a:bodyPr>
+          <a:lstStyle/>
+          <a:p>
+            <a:r>
+              <a:rPr lang="ja-JP" altLang="en-US" sz="2800" dirty="0"/>
+              <a:t>１．スープは無化調の魚介ベース醤油味。麺は平打ちの太ストレート麺。具はバラ肉と肩ロース肉のチャーシュー</a:t>
+            </a:r>
+            <a:r>
+              <a:rPr lang="en-US" altLang="ja-JP" sz="2800" dirty="0"/>
+              <a:t>,</a:t>
+            </a:r>
+            <a:r>
+              <a:rPr lang="ja-JP" altLang="en-US" sz="2800" dirty="0"/>
+              <a:t>白ネギ</a:t>
+            </a:r>
+            <a:r>
+              <a:rPr lang="en-US" altLang="ja-JP" sz="2800" dirty="0"/>
+              <a:t>,</a:t>
+            </a:r>
+            <a:r>
+              <a:rPr lang="ja-JP" altLang="en-US" sz="2800" dirty="0"/>
+              <a:t>穂先メンマを使用。</a:t>
+            </a:r>
+          </a:p>
+        </p:txBody>
+      </p:sp>
+      <p:sp>
+        <p:nvSpPr>
+          <p:cNvPr id="4" name="正方形/長方形 3">
+            <a:extLst>
+              <a:ext uri="{FF2B5EF4-FFF2-40B4-BE49-F238E27FC236}">
+                <a16:creationId xmlns:a16="http://schemas.microsoft.com/office/drawing/2014/main" id="{4F5C20EC-21D1-4D89-9857-73C4645105CE}"/>
+              </a:ext>
+            </a:extLst>
+          </p:cNvPr>
+          <p:cNvSpPr/>
+          <p:nvPr/>
+        </p:nvSpPr>
+        <p:spPr>
+          <a:xfrm>
+            <a:off x="987832" y="4079641"/>
+            <a:ext cx="10845681" cy="1384995"/>
+          </a:xfrm>
+          <a:prstGeom prst="rect">
+            <a:avLst/>
+          </a:prstGeom>
+        </p:spPr>
+        <p:txBody>
+          <a:bodyPr wrap="square">
+            <a:spAutoFit/>
+          </a:bodyPr>
+          <a:lstStyle/>
+          <a:p>
+            <a:r>
+              <a:rPr lang="ja-JP" altLang="en-US" sz="2800" dirty="0"/>
+              <a:t>２．揚げ物も、何か一つくらい取りたかったが・・・明らかに、作る早さが、（客の流れに）間に合ってない。</a:t>
+            </a:r>
+            <a:r>
+              <a:rPr lang="en-US" altLang="ja-JP" sz="2800" dirty="0"/>
+              <a:t>※</a:t>
+            </a:r>
+            <a:r>
+              <a:rPr lang="ja-JP" altLang="en-US" sz="2800" dirty="0"/>
+              <a:t>今回は諦めだ</a:t>
+            </a:r>
+          </a:p>
+          <a:p>
+            <a:r>
+              <a:rPr lang="ja-JP" altLang="en-US" sz="2800" dirty="0"/>
+              <a:t>何度も食べている釜揚げですけど今日も美味しくいただきました。</a:t>
+            </a:r>
+          </a:p>
+        </p:txBody>
+      </p:sp>
+      <p:sp>
+        <p:nvSpPr>
+          <p:cNvPr id="5" name="テキスト ボックス 4">
+            <a:extLst>
+              <a:ext uri="{FF2B5EF4-FFF2-40B4-BE49-F238E27FC236}">
+                <a16:creationId xmlns:a16="http://schemas.microsoft.com/office/drawing/2014/main" id="{83183CF3-AF75-4109-B832-C8E7613954A3}"/>
+              </a:ext>
+            </a:extLst>
+          </p:cNvPr>
+          <p:cNvSpPr txBox="1"/>
+          <p:nvPr/>
+        </p:nvSpPr>
+        <p:spPr>
+          <a:xfrm>
+            <a:off x="650407" y="485204"/>
+            <a:ext cx="8392041" cy="584775"/>
+          </a:xfrm>
+          <a:prstGeom prst="rect">
+            <a:avLst/>
+          </a:prstGeom>
+          <a:noFill/>
+        </p:spPr>
+        <p:txBody>
+          <a:bodyPr wrap="none" rtlCol="0">
+            <a:spAutoFit/>
+          </a:bodyPr>
+          <a:lstStyle/>
+          <a:p>
+            <a:pPr algn="l"/>
+            <a:r>
+              <a:rPr kumimoji="1" lang="ja-JP" altLang="en-US" sz="3200" b="1" dirty="0">
+                <a:latin typeface="メイリオ" panose="020B0604030504040204" pitchFamily="50" charset="-128"/>
+                <a:ea typeface="メイリオ" panose="020B0604030504040204" pitchFamily="50" charset="-128"/>
+              </a:rPr>
+              <a:t>この２つの文書は何を語っているでしょう？</a:t>
+            </a:r>
+          </a:p>
+        </p:txBody>
+      </p:sp>
+      <p:sp>
+        <p:nvSpPr>
+          <p:cNvPr id="6" name="テキスト ボックス 5">
+            <a:extLst>
+              <a:ext uri="{FF2B5EF4-FFF2-40B4-BE49-F238E27FC236}">
+                <a16:creationId xmlns:a16="http://schemas.microsoft.com/office/drawing/2014/main" id="{E0272F4F-4FFB-4D2F-947C-7254423456A1}"/>
+              </a:ext>
+            </a:extLst>
+          </p:cNvPr>
+          <p:cNvSpPr txBox="1"/>
+          <p:nvPr/>
+        </p:nvSpPr>
+        <p:spPr>
+          <a:xfrm>
+            <a:off x="987832" y="1112871"/>
+            <a:ext cx="8160739" cy="1077218"/>
+          </a:xfrm>
+          <a:prstGeom prst="rect">
+            <a:avLst/>
+          </a:prstGeom>
+          <a:noFill/>
+        </p:spPr>
+        <p:txBody>
+          <a:bodyPr wrap="square" rtlCol="0">
+            <a:spAutoFit/>
+          </a:bodyPr>
+          <a:lstStyle/>
+          <a:p>
+            <a:pPr algn="l"/>
+            <a:r>
+              <a:rPr kumimoji="1" lang="ja-JP" altLang="en-US" sz="2800" dirty="0">
+                <a:latin typeface="メイリオ" panose="020B0604030504040204" pitchFamily="50" charset="-128"/>
+                <a:ea typeface="メイリオ" panose="020B0604030504040204" pitchFamily="50" charset="-128"/>
+              </a:rPr>
+              <a:t>食べログの口コミ</a:t>
+            </a:r>
+            <a:endParaRPr kumimoji="1" lang="en-US" altLang="ja-JP" sz="2800" dirty="0">
+              <a:latin typeface="メイリオ" panose="020B0604030504040204" pitchFamily="50" charset="-128"/>
+              <a:ea typeface="メイリオ" panose="020B0604030504040204" pitchFamily="50" charset="-128"/>
+            </a:endParaRPr>
+          </a:p>
+          <a:p>
+            <a:r>
+              <a:rPr kumimoji="1" lang="en-US" altLang="ja-JP" dirty="0">
+                <a:latin typeface="メイリオ" panose="020B0604030504040204" pitchFamily="50" charset="-128"/>
+                <a:ea typeface="メイリオ" panose="020B0604030504040204" pitchFamily="50" charset="-128"/>
+                <a:hlinkClick r:id="rId2"/>
+              </a:rPr>
+              <a:t>https://tabelog.com/tokyo/A1310/A131003/13000629/dtlrvwlst/</a:t>
+            </a:r>
+            <a:endParaRPr kumimoji="1" lang="en-US" altLang="ja-JP" dirty="0">
+              <a:latin typeface="メイリオ" panose="020B0604030504040204" pitchFamily="50" charset="-128"/>
+              <a:ea typeface="メイリオ" panose="020B0604030504040204" pitchFamily="50" charset="-128"/>
+            </a:endParaRPr>
+          </a:p>
+          <a:p>
+            <a:endParaRPr kumimoji="1" lang="ja-JP" altLang="en-US" dirty="0">
+              <a:latin typeface="メイリオ" panose="020B0604030504040204" pitchFamily="50" charset="-128"/>
+              <a:ea typeface="メイリオ" panose="020B0604030504040204" pitchFamily="50" charset="-128"/>
+            </a:endParaRPr>
+          </a:p>
+        </p:txBody>
+      </p:sp>
+    </p:spTree>
+    <p:extLst>
+      <p:ext uri="{BB962C8B-B14F-4D97-AF65-F5344CB8AC3E}">
+        <p14:creationId xmlns:p14="http://schemas.microsoft.com/office/powerpoint/2010/main" val="3516883330"/>
+      </p:ext>
+    </p:extLst>
+  </p:cSld>
+  <p:clrMapOvr>
+    <a:masterClrMapping/>
+  </p:clrMapOvr>
+</p:sld>
+</file>
+
+<file path=ppt/slides/slide20.xml><?xml version="1.0" encoding="utf-8"?>
 <p:sld xmlns:a="http://schemas.openxmlformats.org/drawingml/2006/main" xmlns:r="http://schemas.openxmlformats.org/officeDocument/2006/relationships" xmlns:p="http://schemas.openxmlformats.org/presentationml/2006/main">
   <p:cSld>
     <p:spTree>
@@ -16878,7 +19609,7 @@
 </p:sld>
 </file>
 
-<file path=ppt/slides/slide19.xml><?xml version="1.0" encoding="utf-8"?>
+<file path=ppt/slides/slide21.xml><?xml version="1.0" encoding="utf-8"?>
 <p:sld xmlns:a="http://schemas.openxmlformats.org/drawingml/2006/main" xmlns:r="http://schemas.openxmlformats.org/officeDocument/2006/relationships" xmlns:p="http://schemas.openxmlformats.org/presentationml/2006/main">
   <p:cSld>
     <p:spTree>
@@ -17248,237 +19979,7 @@
 </p:sld>
 </file>
 
-<file path=ppt/slides/slide2.xml><?xml version="1.0" encoding="utf-8"?>
-<p:sld xmlns:a="http://schemas.openxmlformats.org/drawingml/2006/main" xmlns:r="http://schemas.openxmlformats.org/officeDocument/2006/relationships" xmlns:p="http://schemas.openxmlformats.org/presentationml/2006/main">
-  <p:cSld>
-    <p:spTree>
-      <p:nvGrpSpPr>
-        <p:cNvPr id="1" name=""/>
-        <p:cNvGrpSpPr/>
-        <p:nvPr/>
-      </p:nvGrpSpPr>
-      <p:grpSpPr>
-        <a:xfrm>
-          <a:off x="0" y="0"/>
-          <a:ext cx="0" cy="0"/>
-          <a:chOff x="0" y="0"/>
-          <a:chExt cx="0" cy="0"/>
-        </a:xfrm>
-      </p:grpSpPr>
-      <p:sp>
-        <p:nvSpPr>
-          <p:cNvPr id="3" name="正方形/長方形 2">
-            <a:extLst>
-              <a:ext uri="{FF2B5EF4-FFF2-40B4-BE49-F238E27FC236}">
-                <a16:creationId xmlns:a16="http://schemas.microsoft.com/office/drawing/2014/main" id="{6A5DC294-0890-4F3D-ABAE-4949D3B01A91}"/>
-              </a:ext>
-            </a:extLst>
-          </p:cNvPr>
-          <p:cNvSpPr/>
-          <p:nvPr/>
-        </p:nvSpPr>
-        <p:spPr>
-          <a:xfrm>
-            <a:off x="987832" y="2190089"/>
-            <a:ext cx="10149416" cy="1384995"/>
-          </a:xfrm>
-          <a:prstGeom prst="rect">
-            <a:avLst/>
-          </a:prstGeom>
-        </p:spPr>
-        <p:txBody>
-          <a:bodyPr wrap="square">
-            <a:spAutoFit/>
-          </a:bodyPr>
-          <a:lstStyle/>
-          <a:p>
-            <a:r>
-              <a:rPr lang="ja-JP" altLang="en-US" sz="2800" dirty="0"/>
-              <a:t>１．スープは無化調の魚介ベース醤油味。麺は平打ちの太ストレート麺。具はバラ肉と肩ロース肉のチャーシュー</a:t>
-            </a:r>
-            <a:r>
-              <a:rPr lang="en-US" altLang="ja-JP" sz="2800" dirty="0"/>
-              <a:t>,</a:t>
-            </a:r>
-            <a:r>
-              <a:rPr lang="ja-JP" altLang="en-US" sz="2800" dirty="0"/>
-              <a:t>白ネギ</a:t>
-            </a:r>
-            <a:r>
-              <a:rPr lang="en-US" altLang="ja-JP" sz="2800" dirty="0"/>
-              <a:t>,</a:t>
-            </a:r>
-            <a:r>
-              <a:rPr lang="ja-JP" altLang="en-US" sz="2800" dirty="0"/>
-              <a:t>穂先メンマを使用。</a:t>
-            </a:r>
-          </a:p>
-        </p:txBody>
-      </p:sp>
-      <p:sp>
-        <p:nvSpPr>
-          <p:cNvPr id="4" name="正方形/長方形 3">
-            <a:extLst>
-              <a:ext uri="{FF2B5EF4-FFF2-40B4-BE49-F238E27FC236}">
-                <a16:creationId xmlns:a16="http://schemas.microsoft.com/office/drawing/2014/main" id="{4F5C20EC-21D1-4D89-9857-73C4645105CE}"/>
-              </a:ext>
-            </a:extLst>
-          </p:cNvPr>
-          <p:cNvSpPr/>
-          <p:nvPr/>
-        </p:nvSpPr>
-        <p:spPr>
-          <a:xfrm>
-            <a:off x="987832" y="4079641"/>
-            <a:ext cx="10845681" cy="1384995"/>
-          </a:xfrm>
-          <a:prstGeom prst="rect">
-            <a:avLst/>
-          </a:prstGeom>
-        </p:spPr>
-        <p:txBody>
-          <a:bodyPr wrap="square">
-            <a:spAutoFit/>
-          </a:bodyPr>
-          <a:lstStyle/>
-          <a:p>
-            <a:r>
-              <a:rPr lang="ja-JP" altLang="en-US" sz="2800" dirty="0"/>
-              <a:t>２．揚げ物も、何か一つくらい取りたかったが・・・明らかに、作る早さが、（客の流れに）間に合ってない。</a:t>
-            </a:r>
-            <a:r>
-              <a:rPr lang="en-US" altLang="ja-JP" sz="2800" dirty="0"/>
-              <a:t>※</a:t>
-            </a:r>
-            <a:r>
-              <a:rPr lang="ja-JP" altLang="en-US" sz="2800" dirty="0"/>
-              <a:t>今回は諦めだ</a:t>
-            </a:r>
-          </a:p>
-          <a:p>
-            <a:r>
-              <a:rPr lang="ja-JP" altLang="en-US" sz="2800" dirty="0"/>
-              <a:t>何度も食べている釜揚げですけど今日も美味しくいただきました。</a:t>
-            </a:r>
-          </a:p>
-        </p:txBody>
-      </p:sp>
-      <p:sp>
-        <p:nvSpPr>
-          <p:cNvPr id="5" name="テキスト ボックス 4">
-            <a:extLst>
-              <a:ext uri="{FF2B5EF4-FFF2-40B4-BE49-F238E27FC236}">
-                <a16:creationId xmlns:a16="http://schemas.microsoft.com/office/drawing/2014/main" id="{83183CF3-AF75-4109-B832-C8E7613954A3}"/>
-              </a:ext>
-            </a:extLst>
-          </p:cNvPr>
-          <p:cNvSpPr txBox="1"/>
-          <p:nvPr/>
-        </p:nvSpPr>
-        <p:spPr>
-          <a:xfrm>
-            <a:off x="650407" y="485204"/>
-            <a:ext cx="8392041" cy="584775"/>
-          </a:xfrm>
-          <a:prstGeom prst="rect">
-            <a:avLst/>
-          </a:prstGeom>
-          <a:noFill/>
-        </p:spPr>
-        <p:txBody>
-          <a:bodyPr wrap="none" rtlCol="0">
-            <a:spAutoFit/>
-          </a:bodyPr>
-          <a:lstStyle/>
-          <a:p>
-            <a:pPr algn="l"/>
-            <a:r>
-              <a:rPr kumimoji="1" lang="ja-JP" altLang="en-US" sz="3200" b="1" dirty="0">
-                <a:latin typeface="メイリオ" panose="020B0604030504040204" pitchFamily="50" charset="-128"/>
-                <a:ea typeface="メイリオ" panose="020B0604030504040204" pitchFamily="50" charset="-128"/>
-              </a:rPr>
-              <a:t>この２つの文書は何を語っているでしょう？</a:t>
-            </a:r>
-          </a:p>
-        </p:txBody>
-      </p:sp>
-      <p:sp>
-        <p:nvSpPr>
-          <p:cNvPr id="6" name="テキスト ボックス 5">
-            <a:extLst>
-              <a:ext uri="{FF2B5EF4-FFF2-40B4-BE49-F238E27FC236}">
-                <a16:creationId xmlns:a16="http://schemas.microsoft.com/office/drawing/2014/main" id="{E0272F4F-4FFB-4D2F-947C-7254423456A1}"/>
-              </a:ext>
-            </a:extLst>
-          </p:cNvPr>
-          <p:cNvSpPr txBox="1"/>
-          <p:nvPr/>
-        </p:nvSpPr>
-        <p:spPr>
-          <a:xfrm>
-            <a:off x="987832" y="1112871"/>
-            <a:ext cx="8160739" cy="1077218"/>
-          </a:xfrm>
-          <a:prstGeom prst="rect">
-            <a:avLst/>
-          </a:prstGeom>
-          <a:noFill/>
-        </p:spPr>
-        <p:txBody>
-          <a:bodyPr wrap="square" rtlCol="0">
-            <a:spAutoFit/>
-          </a:bodyPr>
-          <a:lstStyle/>
-          <a:p>
-            <a:pPr algn="l"/>
-            <a:r>
-              <a:rPr kumimoji="1" lang="ja-JP" altLang="en-US" sz="2800" dirty="0">
-                <a:latin typeface="メイリオ" panose="020B0604030504040204" pitchFamily="50" charset="-128"/>
-                <a:ea typeface="メイリオ" panose="020B0604030504040204" pitchFamily="50" charset="-128"/>
-              </a:rPr>
-              <a:t>食べログの口コミ</a:t>
-            </a:r>
-            <a:endParaRPr kumimoji="1" lang="en-US" altLang="ja-JP" sz="2800" dirty="0">
-              <a:latin typeface="メイリオ" panose="020B0604030504040204" pitchFamily="50" charset="-128"/>
-              <a:ea typeface="メイリオ" panose="020B0604030504040204" pitchFamily="50" charset="-128"/>
-            </a:endParaRPr>
-          </a:p>
-          <a:p>
-            <a:r>
-              <a:rPr kumimoji="1" lang="en-US" altLang="ja-JP" dirty="0">
-                <a:latin typeface="メイリオ" panose="020B0604030504040204" pitchFamily="50" charset="-128"/>
-                <a:ea typeface="メイリオ" panose="020B0604030504040204" pitchFamily="50" charset="-128"/>
-                <a:hlinkClick r:id="rId2"/>
-              </a:rPr>
-              <a:t>https://tabelog.com/tokyo/A1310/A131003/13000629/dtlrvwlst/</a:t>
-            </a:r>
-            <a:endParaRPr kumimoji="1" lang="en-US" altLang="ja-JP" dirty="0">
-              <a:latin typeface="メイリオ" panose="020B0604030504040204" pitchFamily="50" charset="-128"/>
-              <a:ea typeface="メイリオ" panose="020B0604030504040204" pitchFamily="50" charset="-128"/>
-            </a:endParaRPr>
-          </a:p>
-          <a:p>
-            <a:endParaRPr kumimoji="1" lang="ja-JP" altLang="en-US" dirty="0">
-              <a:latin typeface="メイリオ" panose="020B0604030504040204" pitchFamily="50" charset="-128"/>
-              <a:ea typeface="メイリオ" panose="020B0604030504040204" pitchFamily="50" charset="-128"/>
-            </a:endParaRPr>
-          </a:p>
-        </p:txBody>
-      </p:sp>
-    </p:spTree>
-    <p:extLst>
-      <p:ext uri="{BB962C8B-B14F-4D97-AF65-F5344CB8AC3E}">
-        <p14:creationId xmlns:p14="http://schemas.microsoft.com/office/powerpoint/2010/main" val="3516883330"/>
-      </p:ext>
-    </p:extLst>
-  </p:cSld>
-  <p:clrMapOvr>
-    <a:masterClrMapping/>
-  </p:clrMapOvr>
-</p:sld>
-</file>
-
-<file path=ppt/slides/slide20.xml><?xml version="1.0" encoding="utf-8"?>
+<file path=ppt/slides/slide22.xml><?xml version="1.0" encoding="utf-8"?>
 <p:sld xmlns:a="http://schemas.openxmlformats.org/drawingml/2006/main" xmlns:r="http://schemas.openxmlformats.org/officeDocument/2006/relationships" xmlns:p="http://schemas.openxmlformats.org/presentationml/2006/main">
   <p:cSld>
     <p:spTree>
@@ -17623,7 +20124,7 @@
 </p:sld>
 </file>
 
-<file path=ppt/slides/slide21.xml><?xml version="1.0" encoding="utf-8"?>
+<file path=ppt/slides/slide23.xml><?xml version="1.0" encoding="utf-8"?>
 <p:sld xmlns:a="http://schemas.openxmlformats.org/drawingml/2006/main" xmlns:r="http://schemas.openxmlformats.org/officeDocument/2006/relationships" xmlns:p="http://schemas.openxmlformats.org/presentationml/2006/main">
   <p:cSld>
     <p:spTree>
@@ -17962,7 +20463,7 @@
 </p:sld>
 </file>
 
-<file path=ppt/slides/slide22.xml><?xml version="1.0" encoding="utf-8"?>
+<file path=ppt/slides/slide24.xml><?xml version="1.0" encoding="utf-8"?>
 <p:sld xmlns:a="http://schemas.openxmlformats.org/drawingml/2006/main" xmlns:r="http://schemas.openxmlformats.org/officeDocument/2006/relationships" xmlns:p="http://schemas.openxmlformats.org/presentationml/2006/main">
   <p:cSld>
     <p:spTree>
@@ -18846,7 +21347,224 @@
 </p:sld>
 </file>
 
-<file path=ppt/slides/slide23.xml><?xml version="1.0" encoding="utf-8"?>
+<file path=ppt/slides/slide25.xml><?xml version="1.0" encoding="utf-8"?>
+<p:sld xmlns:a="http://schemas.openxmlformats.org/drawingml/2006/main" xmlns:r="http://schemas.openxmlformats.org/officeDocument/2006/relationships" xmlns:p="http://schemas.openxmlformats.org/presentationml/2006/main">
+  <p:cSld>
+    <p:spTree>
+      <p:nvGrpSpPr>
+        <p:cNvPr id="1" name=""/>
+        <p:cNvGrpSpPr/>
+        <p:nvPr/>
+      </p:nvGrpSpPr>
+      <p:grpSpPr>
+        <a:xfrm>
+          <a:off x="0" y="0"/>
+          <a:ext cx="0" cy="0"/>
+          <a:chOff x="0" y="0"/>
+          <a:chExt cx="0" cy="0"/>
+        </a:xfrm>
+      </p:grpSpPr>
+      <p:pic>
+        <p:nvPicPr>
+          <p:cNvPr id="3" name="図 2">
+            <a:extLst>
+              <a:ext uri="{FF2B5EF4-FFF2-40B4-BE49-F238E27FC236}">
+                <a16:creationId xmlns:a16="http://schemas.microsoft.com/office/drawing/2014/main" id="{AF99E66A-629C-5424-5D36-AF1351C4FF2E}"/>
+              </a:ext>
+            </a:extLst>
+          </p:cNvPr>
+          <p:cNvPicPr>
+            <a:picLocks noChangeAspect="1"/>
+          </p:cNvPicPr>
+          <p:nvPr/>
+        </p:nvPicPr>
+        <p:blipFill>
+          <a:blip r:embed="rId2"/>
+          <a:stretch>
+            <a:fillRect/>
+          </a:stretch>
+        </p:blipFill>
+        <p:spPr>
+          <a:xfrm>
+            <a:off x="868679" y="825652"/>
+            <a:ext cx="10078435" cy="6032348"/>
+          </a:xfrm>
+          <a:prstGeom prst="rect">
+            <a:avLst/>
+          </a:prstGeom>
+        </p:spPr>
+      </p:pic>
+      <p:sp>
+        <p:nvSpPr>
+          <p:cNvPr id="4" name="テキスト ボックス 3">
+            <a:extLst>
+              <a:ext uri="{FF2B5EF4-FFF2-40B4-BE49-F238E27FC236}">
+                <a16:creationId xmlns:a16="http://schemas.microsoft.com/office/drawing/2014/main" id="{2209B74B-5893-9EDC-45AF-416166171ABF}"/>
+              </a:ext>
+            </a:extLst>
+          </p:cNvPr>
+          <p:cNvSpPr txBox="1"/>
+          <p:nvPr/>
+        </p:nvSpPr>
+        <p:spPr>
+          <a:xfrm>
+            <a:off x="1152144" y="320040"/>
+            <a:ext cx="9203160" cy="584775"/>
+          </a:xfrm>
+          <a:prstGeom prst="rect">
+            <a:avLst/>
+          </a:prstGeom>
+          <a:noFill/>
+        </p:spPr>
+        <p:txBody>
+          <a:bodyPr wrap="none" rtlCol="0">
+            <a:spAutoFit/>
+          </a:bodyPr>
+          <a:lstStyle/>
+          <a:p>
+            <a:pPr algn="l"/>
+            <a:r>
+              <a:rPr kumimoji="1" lang="ja-JP" altLang="en-US" sz="3200" dirty="0">
+                <a:latin typeface="メイリオ" panose="020B0604030504040204" pitchFamily="50" charset="-128"/>
+                <a:ea typeface="メイリオ" panose="020B0604030504040204" pitchFamily="50" charset="-128"/>
+              </a:rPr>
+              <a:t>ここで、</a:t>
+            </a:r>
+            <a:r>
+              <a:rPr kumimoji="1" lang="en-US" altLang="ja-JP" sz="3200" dirty="0" err="1">
+                <a:latin typeface="メイリオ" panose="020B0604030504040204" pitchFamily="50" charset="-128"/>
+                <a:ea typeface="メイリオ" panose="020B0604030504040204" pitchFamily="50" charset="-128"/>
+              </a:rPr>
+              <a:t>Neologd</a:t>
+            </a:r>
+            <a:r>
+              <a:rPr kumimoji="1" lang="ja-JP" altLang="en-US" sz="3200" dirty="0">
+                <a:latin typeface="メイリオ" panose="020B0604030504040204" pitchFamily="50" charset="-128"/>
+                <a:ea typeface="メイリオ" panose="020B0604030504040204" pitchFamily="50" charset="-128"/>
+              </a:rPr>
+              <a:t>をダウンロードしてください。</a:t>
+            </a:r>
+          </a:p>
+        </p:txBody>
+      </p:sp>
+      <p:sp>
+        <p:nvSpPr>
+          <p:cNvPr id="5" name="楕円 4">
+            <a:extLst>
+              <a:ext uri="{FF2B5EF4-FFF2-40B4-BE49-F238E27FC236}">
+                <a16:creationId xmlns:a16="http://schemas.microsoft.com/office/drawing/2014/main" id="{C6ABA5C1-261B-1988-D5CA-371FF0963501}"/>
+              </a:ext>
+            </a:extLst>
+          </p:cNvPr>
+          <p:cNvSpPr/>
+          <p:nvPr/>
+        </p:nvSpPr>
+        <p:spPr>
+          <a:xfrm>
+            <a:off x="5248656" y="5952744"/>
+            <a:ext cx="1371600" cy="584775"/>
+          </a:xfrm>
+          <a:prstGeom prst="ellipse">
+            <a:avLst/>
+          </a:prstGeom>
+          <a:noFill/>
+          <a:ln>
+            <a:solidFill>
+              <a:srgbClr val="FF0000"/>
+            </a:solidFill>
+          </a:ln>
+        </p:spPr>
+        <p:style>
+          <a:lnRef idx="2">
+            <a:schemeClr val="accent1">
+              <a:shade val="15000"/>
+            </a:schemeClr>
+          </a:lnRef>
+          <a:fillRef idx="1">
+            <a:schemeClr val="accent1"/>
+          </a:fillRef>
+          <a:effectRef idx="0">
+            <a:schemeClr val="accent1"/>
+          </a:effectRef>
+          <a:fontRef idx="minor">
+            <a:schemeClr val="lt1"/>
+          </a:fontRef>
+        </p:style>
+        <p:txBody>
+          <a:bodyPr rtlCol="0" anchor="ctr"/>
+          <a:lstStyle/>
+          <a:p>
+            <a:pPr algn="ctr"/>
+            <a:endParaRPr kumimoji="1" lang="ja-JP" altLang="en-US"/>
+          </a:p>
+        </p:txBody>
+      </p:sp>
+      <p:sp>
+        <p:nvSpPr>
+          <p:cNvPr id="6" name="楕円 5">
+            <a:extLst>
+              <a:ext uri="{FF2B5EF4-FFF2-40B4-BE49-F238E27FC236}">
+                <a16:creationId xmlns:a16="http://schemas.microsoft.com/office/drawing/2014/main" id="{3F7291F2-E0D7-B2A0-FBDE-EEEF8A4AED2D}"/>
+              </a:ext>
+            </a:extLst>
+          </p:cNvPr>
+          <p:cNvSpPr/>
+          <p:nvPr/>
+        </p:nvSpPr>
+        <p:spPr>
+          <a:xfrm>
+            <a:off x="1133856" y="2346960"/>
+            <a:ext cx="2926080" cy="584775"/>
+          </a:xfrm>
+          <a:prstGeom prst="ellipse">
+            <a:avLst/>
+          </a:prstGeom>
+          <a:noFill/>
+          <a:ln>
+            <a:solidFill>
+              <a:srgbClr val="FF0000"/>
+            </a:solidFill>
+          </a:ln>
+        </p:spPr>
+        <p:style>
+          <a:lnRef idx="2">
+            <a:schemeClr val="accent1">
+              <a:shade val="15000"/>
+            </a:schemeClr>
+          </a:lnRef>
+          <a:fillRef idx="1">
+            <a:schemeClr val="accent1"/>
+          </a:fillRef>
+          <a:effectRef idx="0">
+            <a:schemeClr val="accent1"/>
+          </a:effectRef>
+          <a:fontRef idx="minor">
+            <a:schemeClr val="lt1"/>
+          </a:fontRef>
+        </p:style>
+        <p:txBody>
+          <a:bodyPr rtlCol="0" anchor="ctr"/>
+          <a:lstStyle/>
+          <a:p>
+            <a:pPr algn="ctr"/>
+            <a:endParaRPr kumimoji="1" lang="ja-JP" altLang="en-US"/>
+          </a:p>
+        </p:txBody>
+      </p:sp>
+    </p:spTree>
+    <p:extLst>
+      <p:ext uri="{BB962C8B-B14F-4D97-AF65-F5344CB8AC3E}">
+        <p14:creationId xmlns:p14="http://schemas.microsoft.com/office/powerpoint/2010/main" val="817229733"/>
+      </p:ext>
+    </p:extLst>
+  </p:cSld>
+  <p:clrMapOvr>
+    <a:masterClrMapping/>
+  </p:clrMapOvr>
+</p:sld>
+</file>
+
+<file path=ppt/slides/slide26.xml><?xml version="1.0" encoding="utf-8"?>
 <p:sld xmlns:a="http://schemas.openxmlformats.org/drawingml/2006/main" xmlns:r="http://schemas.openxmlformats.org/officeDocument/2006/relationships" xmlns:p="http://schemas.openxmlformats.org/presentationml/2006/main">
   <p:cSld>
     <p:spTree>
@@ -19236,7 +21954,7 @@
 </p:sld>
 </file>
 
-<file path=ppt/slides/slide24.xml><?xml version="1.0" encoding="utf-8"?>
+<file path=ppt/slides/slide27.xml><?xml version="1.0" encoding="utf-8"?>
 <p:sld xmlns:a="http://schemas.openxmlformats.org/drawingml/2006/main" xmlns:r="http://schemas.openxmlformats.org/officeDocument/2006/relationships" xmlns:p="http://schemas.openxmlformats.org/presentationml/2006/main">
   <p:cSld>
     <p:spTree>
@@ -22781,7 +25499,7 @@
           <p:nvPr>
             <p:extLst>
               <p:ext uri="{D42A27DB-BD31-4B8C-83A1-F6EECF244321}">
-                <p14:modId xmlns:p14="http://schemas.microsoft.com/office/powerpoint/2010/main" val="1180386141"/>
+                <p14:modId xmlns:p14="http://schemas.microsoft.com/office/powerpoint/2010/main" val="1347997376"/>
               </p:ext>
             </p:extLst>
           </p:nvPr>
@@ -22863,8 +25581,8 @@
         </p:nvSpPr>
         <p:spPr>
           <a:xfrm>
-            <a:off x="5234225" y="2810395"/>
-            <a:ext cx="2954655" cy="830997"/>
+            <a:off x="5096573" y="3311841"/>
+            <a:ext cx="6157135" cy="830997"/>
           </a:xfrm>
           <a:prstGeom prst="rect">
             <a:avLst/>
@@ -22897,7 +25615,21 @@
                 <a:latin typeface="メイリオ" panose="020B0604030504040204" pitchFamily="50" charset="-128"/>
                 <a:ea typeface="メイリオ" panose="020B0604030504040204" pitchFamily="50" charset="-128"/>
               </a:rPr>
-              <a:t>(Bag of Words)</a:t>
+              <a:t>(Bag of Words</a:t>
+            </a:r>
+            <a:r>
+              <a:rPr kumimoji="1" lang="ja-JP" altLang="en-US" sz="2400" dirty="0">
+                <a:latin typeface="メイリオ" panose="020B0604030504040204" pitchFamily="50" charset="-128"/>
+                <a:ea typeface="メイリオ" panose="020B0604030504040204" pitchFamily="50" charset="-128"/>
+              </a:rPr>
+              <a:t>：今のところ正確ではない</a:t>
+            </a:r>
+            <a:r>
+              <a:rPr kumimoji="1" lang="en-US" altLang="ja-JP" sz="2400" dirty="0">
+                <a:latin typeface="メイリオ" panose="020B0604030504040204" pitchFamily="50" charset="-128"/>
+                <a:ea typeface="メイリオ" panose="020B0604030504040204" pitchFamily="50" charset="-128"/>
+              </a:rPr>
+              <a:t>)</a:t>
             </a:r>
             <a:endParaRPr kumimoji="1" lang="ja-JP" altLang="en-US" sz="2400" dirty="0">
               <a:latin typeface="メイリオ" panose="020B0604030504040204" pitchFamily="50" charset="-128"/>

--- a/textmining2 tokenizer.pptx
+++ b/textmining2 tokenizer.pptx
@@ -5,7 +5,7 @@
     <p:sldMasterId id="2147483672" r:id="rId1"/>
   </p:sldMasterIdLst>
   <p:notesMasterIdLst>
-    <p:notesMasterId r:id="rId29"/>
+    <p:notesMasterId r:id="rId30"/>
   </p:notesMasterIdLst>
   <p:sldIdLst>
     <p:sldId id="256" r:id="rId2"/>
@@ -16,25 +16,26 @@
     <p:sldId id="1193" r:id="rId7"/>
     <p:sldId id="1194" r:id="rId8"/>
     <p:sldId id="1189" r:id="rId9"/>
-    <p:sldId id="1195" r:id="rId10"/>
-    <p:sldId id="1196" r:id="rId11"/>
-    <p:sldId id="1197" r:id="rId12"/>
-    <p:sldId id="1199" r:id="rId13"/>
-    <p:sldId id="1198" r:id="rId14"/>
-    <p:sldId id="1201" r:id="rId15"/>
-    <p:sldId id="1200" r:id="rId16"/>
-    <p:sldId id="1212" r:id="rId17"/>
-    <p:sldId id="1211" r:id="rId18"/>
-    <p:sldId id="1203" r:id="rId19"/>
-    <p:sldId id="1204" r:id="rId20"/>
-    <p:sldId id="1205" r:id="rId21"/>
-    <p:sldId id="1151" r:id="rId22"/>
-    <p:sldId id="1152" r:id="rId23"/>
-    <p:sldId id="1206" r:id="rId24"/>
-    <p:sldId id="1207" r:id="rId25"/>
-    <p:sldId id="1210" r:id="rId26"/>
-    <p:sldId id="1208" r:id="rId27"/>
-    <p:sldId id="1209" r:id="rId28"/>
+    <p:sldId id="1213" r:id="rId10"/>
+    <p:sldId id="1195" r:id="rId11"/>
+    <p:sldId id="1196" r:id="rId12"/>
+    <p:sldId id="1197" r:id="rId13"/>
+    <p:sldId id="1199" r:id="rId14"/>
+    <p:sldId id="1198" r:id="rId15"/>
+    <p:sldId id="1201" r:id="rId16"/>
+    <p:sldId id="1200" r:id="rId17"/>
+    <p:sldId id="1212" r:id="rId18"/>
+    <p:sldId id="1211" r:id="rId19"/>
+    <p:sldId id="1203" r:id="rId20"/>
+    <p:sldId id="1204" r:id="rId21"/>
+    <p:sldId id="1205" r:id="rId22"/>
+    <p:sldId id="1151" r:id="rId23"/>
+    <p:sldId id="1152" r:id="rId24"/>
+    <p:sldId id="1206" r:id="rId25"/>
+    <p:sldId id="1207" r:id="rId26"/>
+    <p:sldId id="1210" r:id="rId27"/>
+    <p:sldId id="1208" r:id="rId28"/>
+    <p:sldId id="1209" r:id="rId29"/>
   </p:sldIdLst>
   <p:sldSz cx="12192000" cy="6858000"/>
   <p:notesSz cx="6858000" cy="9144000"/>
@@ -5329,7 +5330,7 @@
           <a:p>
             <a:fld id="{0135936D-836F-419C-9F68-DEDA5DD6EA2C}" type="datetimeFigureOut">
               <a:rPr kumimoji="1" lang="ja-JP" altLang="en-US" smtClean="0"/>
-              <a:t>2025/4/23</a:t>
+              <a:t>2025/5/1</a:t>
             </a:fld>
             <a:endParaRPr kumimoji="1" lang="ja-JP" altLang="en-US"/>
           </a:p>
@@ -5941,7 +5942,7 @@
           <a:p>
             <a:fld id="{2ABC02D7-CBD1-4D33-B166-78A898DF0F76}" type="datetimeFigureOut">
               <a:rPr kumimoji="1" lang="ja-JP" altLang="en-US" smtClean="0"/>
-              <a:t>2025/4/23</a:t>
+              <a:t>2025/5/1</a:t>
             </a:fld>
             <a:endParaRPr kumimoji="1" lang="ja-JP" altLang="en-US"/>
           </a:p>
@@ -6143,7 +6144,7 @@
           <a:p>
             <a:fld id="{2ABC02D7-CBD1-4D33-B166-78A898DF0F76}" type="datetimeFigureOut">
               <a:rPr kumimoji="1" lang="ja-JP" altLang="en-US" smtClean="0"/>
-              <a:t>2025/4/23</a:t>
+              <a:t>2025/5/1</a:t>
             </a:fld>
             <a:endParaRPr kumimoji="1" lang="ja-JP" altLang="en-US"/>
           </a:p>
@@ -6355,7 +6356,7 @@
           <a:p>
             <a:fld id="{2ABC02D7-CBD1-4D33-B166-78A898DF0F76}" type="datetimeFigureOut">
               <a:rPr kumimoji="1" lang="ja-JP" altLang="en-US" smtClean="0"/>
-              <a:t>2025/4/23</a:t>
+              <a:t>2025/5/1</a:t>
             </a:fld>
             <a:endParaRPr kumimoji="1" lang="ja-JP" altLang="en-US"/>
           </a:p>
@@ -6557,7 +6558,7 @@
           <a:p>
             <a:fld id="{2ABC02D7-CBD1-4D33-B166-78A898DF0F76}" type="datetimeFigureOut">
               <a:rPr kumimoji="1" lang="ja-JP" altLang="en-US" smtClean="0"/>
-              <a:t>2025/4/23</a:t>
+              <a:t>2025/5/1</a:t>
             </a:fld>
             <a:endParaRPr kumimoji="1" lang="ja-JP" altLang="en-US"/>
           </a:p>
@@ -6803,7 +6804,7 @@
           <a:p>
             <a:fld id="{2ABC02D7-CBD1-4D33-B166-78A898DF0F76}" type="datetimeFigureOut">
               <a:rPr kumimoji="1" lang="ja-JP" altLang="en-US" smtClean="0"/>
-              <a:t>2025/4/23</a:t>
+              <a:t>2025/5/1</a:t>
             </a:fld>
             <a:endParaRPr kumimoji="1" lang="ja-JP" altLang="en-US"/>
           </a:p>
@@ -7099,7 +7100,7 @@
           <a:p>
             <a:fld id="{2ABC02D7-CBD1-4D33-B166-78A898DF0F76}" type="datetimeFigureOut">
               <a:rPr kumimoji="1" lang="ja-JP" altLang="en-US" smtClean="0"/>
-              <a:t>2025/4/23</a:t>
+              <a:t>2025/5/1</a:t>
             </a:fld>
             <a:endParaRPr kumimoji="1" lang="ja-JP" altLang="en-US"/>
           </a:p>
@@ -7530,7 +7531,7 @@
           <a:p>
             <a:fld id="{2ABC02D7-CBD1-4D33-B166-78A898DF0F76}" type="datetimeFigureOut">
               <a:rPr kumimoji="1" lang="ja-JP" altLang="en-US" smtClean="0"/>
-              <a:t>2025/4/23</a:t>
+              <a:t>2025/5/1</a:t>
             </a:fld>
             <a:endParaRPr kumimoji="1" lang="ja-JP" altLang="en-US"/>
           </a:p>
@@ -7648,7 +7649,7 @@
           <a:p>
             <a:fld id="{2ABC02D7-CBD1-4D33-B166-78A898DF0F76}" type="datetimeFigureOut">
               <a:rPr kumimoji="1" lang="ja-JP" altLang="en-US" smtClean="0"/>
-              <a:t>2025/4/23</a:t>
+              <a:t>2025/5/1</a:t>
             </a:fld>
             <a:endParaRPr kumimoji="1" lang="ja-JP" altLang="en-US"/>
           </a:p>
@@ -7743,7 +7744,7 @@
           <a:p>
             <a:fld id="{2ABC02D7-CBD1-4D33-B166-78A898DF0F76}" type="datetimeFigureOut">
               <a:rPr kumimoji="1" lang="ja-JP" altLang="en-US" smtClean="0"/>
-              <a:t>2025/4/23</a:t>
+              <a:t>2025/5/1</a:t>
             </a:fld>
             <a:endParaRPr kumimoji="1" lang="ja-JP" altLang="en-US"/>
           </a:p>
@@ -8052,7 +8053,7 @@
           <a:p>
             <a:fld id="{2ABC02D7-CBD1-4D33-B166-78A898DF0F76}" type="datetimeFigureOut">
               <a:rPr kumimoji="1" lang="ja-JP" altLang="en-US" smtClean="0"/>
-              <a:t>2025/4/23</a:t>
+              <a:t>2025/5/1</a:t>
             </a:fld>
             <a:endParaRPr kumimoji="1" lang="ja-JP" altLang="en-US"/>
           </a:p>
@@ -8309,7 +8310,7 @@
           <a:p>
             <a:fld id="{2ABC02D7-CBD1-4D33-B166-78A898DF0F76}" type="datetimeFigureOut">
               <a:rPr kumimoji="1" lang="ja-JP" altLang="en-US" smtClean="0"/>
-              <a:t>2025/4/23</a:t>
+              <a:t>2025/5/1</a:t>
             </a:fld>
             <a:endParaRPr kumimoji="1" lang="ja-JP" altLang="en-US"/>
           </a:p>
@@ -8554,7 +8555,7 @@
           <a:p>
             <a:fld id="{2ABC02D7-CBD1-4D33-B166-78A898DF0F76}" type="datetimeFigureOut">
               <a:rPr kumimoji="1" lang="ja-JP" altLang="en-US" smtClean="0"/>
-              <a:t>2025/4/23</a:t>
+              <a:t>2025/5/1</a:t>
             </a:fld>
             <a:endParaRPr kumimoji="1" lang="ja-JP" altLang="en-US"/>
           </a:p>
@@ -9042,6 +9043,761 @@
           <p:cNvPr id="2" name="テキスト ボックス 1">
             <a:extLst>
               <a:ext uri="{FF2B5EF4-FFF2-40B4-BE49-F238E27FC236}">
+                <a16:creationId xmlns:a16="http://schemas.microsoft.com/office/drawing/2014/main" id="{C46328DE-FACD-F211-A122-17A980440FBA}"/>
+              </a:ext>
+            </a:extLst>
+          </p:cNvPr>
+          <p:cNvSpPr txBox="1"/>
+          <p:nvPr/>
+        </p:nvSpPr>
+        <p:spPr>
+          <a:xfrm>
+            <a:off x="735724" y="495421"/>
+            <a:ext cx="7160935" cy="584775"/>
+          </a:xfrm>
+          <a:prstGeom prst="rect">
+            <a:avLst/>
+          </a:prstGeom>
+          <a:noFill/>
+        </p:spPr>
+        <p:txBody>
+          <a:bodyPr wrap="none" rtlCol="0">
+            <a:spAutoFit/>
+          </a:bodyPr>
+          <a:lstStyle/>
+          <a:p>
+            <a:pPr algn="l"/>
+            <a:r>
+              <a:rPr kumimoji="1" lang="ja-JP" altLang="en-US" sz="3200" dirty="0">
+                <a:latin typeface="メイリオ" panose="020B0604030504040204" pitchFamily="50" charset="-128"/>
+                <a:ea typeface="メイリオ" panose="020B0604030504040204" pitchFamily="50" charset="-128"/>
+              </a:rPr>
+              <a:t>形態素解析は確率モデルになっている</a:t>
+            </a:r>
+          </a:p>
+        </p:txBody>
+      </p:sp>
+      <p:sp>
+        <p:nvSpPr>
+          <p:cNvPr id="3" name="テキスト ボックス 2">
+            <a:extLst>
+              <a:ext uri="{FF2B5EF4-FFF2-40B4-BE49-F238E27FC236}">
+                <a16:creationId xmlns:a16="http://schemas.microsoft.com/office/drawing/2014/main" id="{529C2257-5D5E-FA0D-E1B7-07C557EC2DFE}"/>
+              </a:ext>
+            </a:extLst>
+          </p:cNvPr>
+          <p:cNvSpPr txBox="1"/>
+          <p:nvPr/>
+        </p:nvSpPr>
+        <p:spPr>
+          <a:xfrm>
+            <a:off x="830317" y="1745015"/>
+            <a:ext cx="3877985" cy="461665"/>
+          </a:xfrm>
+          <a:prstGeom prst="rect">
+            <a:avLst/>
+          </a:prstGeom>
+          <a:noFill/>
+        </p:spPr>
+        <p:txBody>
+          <a:bodyPr wrap="none" rtlCol="0">
+            <a:spAutoFit/>
+          </a:bodyPr>
+          <a:lstStyle/>
+          <a:p>
+            <a:pPr algn="l"/>
+            <a:r>
+              <a:rPr kumimoji="1" lang="ja-JP" altLang="en-US" sz="2400" dirty="0">
+                <a:latin typeface="メイリオ" panose="020B0604030504040204" pitchFamily="50" charset="-128"/>
+                <a:ea typeface="メイリオ" panose="020B0604030504040204" pitchFamily="50" charset="-128"/>
+              </a:rPr>
+              <a:t>すもももももももものうち</a:t>
+            </a:r>
+          </a:p>
+        </p:txBody>
+      </p:sp>
+      <p:sp>
+        <p:nvSpPr>
+          <p:cNvPr id="4" name="テキスト ボックス 3">
+            <a:extLst>
+              <a:ext uri="{FF2B5EF4-FFF2-40B4-BE49-F238E27FC236}">
+                <a16:creationId xmlns:a16="http://schemas.microsoft.com/office/drawing/2014/main" id="{20E5E2DE-686C-B9C7-E0E1-4313E825D22A}"/>
+              </a:ext>
+            </a:extLst>
+          </p:cNvPr>
+          <p:cNvSpPr txBox="1"/>
+          <p:nvPr/>
+        </p:nvSpPr>
+        <p:spPr>
+          <a:xfrm>
+            <a:off x="924910" y="2564524"/>
+            <a:ext cx="5832046" cy="461665"/>
+          </a:xfrm>
+          <a:prstGeom prst="rect">
+            <a:avLst/>
+          </a:prstGeom>
+          <a:noFill/>
+        </p:spPr>
+        <p:txBody>
+          <a:bodyPr wrap="none" rtlCol="0">
+            <a:spAutoFit/>
+          </a:bodyPr>
+          <a:lstStyle/>
+          <a:p>
+            <a:pPr algn="l"/>
+            <a:r>
+              <a:rPr kumimoji="1" lang="en-US" altLang="ja-JP" sz="2400" dirty="0">
+                <a:latin typeface="メイリオ" panose="020B0604030504040204" pitchFamily="50" charset="-128"/>
+                <a:ea typeface="メイリオ" panose="020B0604030504040204" pitchFamily="50" charset="-128"/>
+              </a:rPr>
+              <a:t>1.</a:t>
+            </a:r>
+            <a:r>
+              <a:rPr kumimoji="1" lang="ja-JP" altLang="en-US" sz="2400" dirty="0">
+                <a:latin typeface="メイリオ" panose="020B0604030504040204" pitchFamily="50" charset="-128"/>
+                <a:ea typeface="メイリオ" panose="020B0604030504040204" pitchFamily="50" charset="-128"/>
+              </a:rPr>
+              <a:t> 最初の文字</a:t>
+            </a:r>
+            <a:r>
+              <a:rPr kumimoji="1" lang="en-US" altLang="ja-JP" sz="2400" dirty="0">
+                <a:latin typeface="メイリオ" panose="020B0604030504040204" pitchFamily="50" charset="-128"/>
+                <a:ea typeface="メイリオ" panose="020B0604030504040204" pitchFamily="50" charset="-128"/>
+              </a:rPr>
+              <a:t>’</a:t>
+            </a:r>
+            <a:r>
+              <a:rPr kumimoji="1" lang="ja-JP" altLang="en-US" sz="2400" dirty="0">
+                <a:latin typeface="メイリオ" panose="020B0604030504040204" pitchFamily="50" charset="-128"/>
+                <a:ea typeface="メイリオ" panose="020B0604030504040204" pitchFamily="50" charset="-128"/>
+              </a:rPr>
+              <a:t>す</a:t>
+            </a:r>
+            <a:r>
+              <a:rPr kumimoji="1" lang="en-US" altLang="ja-JP" sz="2400" dirty="0">
+                <a:latin typeface="メイリオ" panose="020B0604030504040204" pitchFamily="50" charset="-128"/>
+                <a:ea typeface="メイリオ" panose="020B0604030504040204" pitchFamily="50" charset="-128"/>
+              </a:rPr>
+              <a:t>’</a:t>
+            </a:r>
+            <a:r>
+              <a:rPr kumimoji="1" lang="ja-JP" altLang="en-US" sz="2400" dirty="0">
+                <a:latin typeface="メイリオ" panose="020B0604030504040204" pitchFamily="50" charset="-128"/>
+                <a:ea typeface="メイリオ" panose="020B0604030504040204" pitchFamily="50" charset="-128"/>
+              </a:rPr>
+              <a:t>の次に文字、</a:t>
+            </a:r>
+            <a:r>
+              <a:rPr kumimoji="1" lang="en-US" altLang="ja-JP" sz="2400" dirty="0">
+                <a:latin typeface="メイリオ" panose="020B0604030504040204" pitchFamily="50" charset="-128"/>
+                <a:ea typeface="メイリオ" panose="020B0604030504040204" pitchFamily="50" charset="-128"/>
+              </a:rPr>
+              <a:t>’</a:t>
+            </a:r>
+            <a:r>
+              <a:rPr kumimoji="1" lang="ja-JP" altLang="en-US" sz="2400" dirty="0">
+                <a:latin typeface="メイリオ" panose="020B0604030504040204" pitchFamily="50" charset="-128"/>
+                <a:ea typeface="メイリオ" panose="020B0604030504040204" pitchFamily="50" charset="-128"/>
+              </a:rPr>
+              <a:t>も</a:t>
+            </a:r>
+            <a:r>
+              <a:rPr kumimoji="1" lang="en-US" altLang="ja-JP" sz="2400" dirty="0">
+                <a:latin typeface="メイリオ" panose="020B0604030504040204" pitchFamily="50" charset="-128"/>
+                <a:ea typeface="メイリオ" panose="020B0604030504040204" pitchFamily="50" charset="-128"/>
+              </a:rPr>
+              <a:t>’</a:t>
+            </a:r>
+            <a:r>
+              <a:rPr kumimoji="1" lang="ja-JP" altLang="en-US" sz="2400" dirty="0">
+                <a:latin typeface="メイリオ" panose="020B0604030504040204" pitchFamily="50" charset="-128"/>
+                <a:ea typeface="メイリオ" panose="020B0604030504040204" pitchFamily="50" charset="-128"/>
+              </a:rPr>
+              <a:t>が続く</a:t>
+            </a:r>
+          </a:p>
+        </p:txBody>
+      </p:sp>
+      <p:sp>
+        <p:nvSpPr>
+          <p:cNvPr id="5" name="テキスト ボックス 4">
+            <a:extLst>
+              <a:ext uri="{FF2B5EF4-FFF2-40B4-BE49-F238E27FC236}">
+                <a16:creationId xmlns:a16="http://schemas.microsoft.com/office/drawing/2014/main" id="{E4F66114-CE91-9043-8DFA-A3F1288799AA}"/>
+              </a:ext>
+            </a:extLst>
+          </p:cNvPr>
+          <p:cNvSpPr txBox="1"/>
+          <p:nvPr/>
+        </p:nvSpPr>
+        <p:spPr>
+          <a:xfrm>
+            <a:off x="1355834" y="3146002"/>
+            <a:ext cx="1914307" cy="461665"/>
+          </a:xfrm>
+          <a:prstGeom prst="rect">
+            <a:avLst/>
+          </a:prstGeom>
+          <a:noFill/>
+        </p:spPr>
+        <p:txBody>
+          <a:bodyPr wrap="none" rtlCol="0">
+            <a:spAutoFit/>
+          </a:bodyPr>
+          <a:lstStyle/>
+          <a:p>
+            <a:pPr algn="l"/>
+            <a:r>
+              <a:rPr kumimoji="1" lang="ja-JP" altLang="en-US" sz="2400" dirty="0">
+                <a:latin typeface="メイリオ" panose="020B0604030504040204" pitchFamily="50" charset="-128"/>
+                <a:ea typeface="メイリオ" panose="020B0604030504040204" pitchFamily="50" charset="-128"/>
+              </a:rPr>
+              <a:t>可能性は</a:t>
+            </a:r>
+            <a:r>
+              <a:rPr kumimoji="1" lang="en-US" altLang="ja-JP" sz="2400" dirty="0">
+                <a:latin typeface="メイリオ" panose="020B0604030504040204" pitchFamily="50" charset="-128"/>
+                <a:ea typeface="メイリオ" panose="020B0604030504040204" pitchFamily="50" charset="-128"/>
+              </a:rPr>
+              <a:t>2</a:t>
+            </a:r>
+            <a:r>
+              <a:rPr kumimoji="1" lang="ja-JP" altLang="en-US" sz="2400" dirty="0">
+                <a:latin typeface="メイリオ" panose="020B0604030504040204" pitchFamily="50" charset="-128"/>
+                <a:ea typeface="メイリオ" panose="020B0604030504040204" pitchFamily="50" charset="-128"/>
+              </a:rPr>
+              <a:t>つ</a:t>
+            </a:r>
+          </a:p>
+        </p:txBody>
+      </p:sp>
+      <p:sp>
+        <p:nvSpPr>
+          <p:cNvPr id="6" name="テキスト ボックス 5">
+            <a:extLst>
+              <a:ext uri="{FF2B5EF4-FFF2-40B4-BE49-F238E27FC236}">
+                <a16:creationId xmlns:a16="http://schemas.microsoft.com/office/drawing/2014/main" id="{DD9CE5F1-20B6-1DD8-1136-246D3F23AB13}"/>
+              </a:ext>
+            </a:extLst>
+          </p:cNvPr>
+          <p:cNvSpPr txBox="1"/>
+          <p:nvPr/>
+        </p:nvSpPr>
+        <p:spPr>
+          <a:xfrm>
+            <a:off x="3476991" y="3216805"/>
+            <a:ext cx="2031325" cy="461665"/>
+          </a:xfrm>
+          <a:prstGeom prst="rect">
+            <a:avLst/>
+          </a:prstGeom>
+          <a:noFill/>
+        </p:spPr>
+        <p:txBody>
+          <a:bodyPr wrap="none" rtlCol="0">
+            <a:spAutoFit/>
+          </a:bodyPr>
+          <a:lstStyle/>
+          <a:p>
+            <a:pPr algn="l"/>
+            <a:r>
+              <a:rPr kumimoji="1" lang="ja-JP" altLang="en-US" sz="2400" dirty="0">
+                <a:latin typeface="メイリオ" panose="020B0604030504040204" pitchFamily="50" charset="-128"/>
+                <a:ea typeface="メイリオ" panose="020B0604030504040204" pitchFamily="50" charset="-128"/>
+              </a:rPr>
+              <a:t>①酢も、巣も</a:t>
+            </a:r>
+          </a:p>
+        </p:txBody>
+      </p:sp>
+      <p:sp>
+        <p:nvSpPr>
+          <p:cNvPr id="7" name="テキスト ボックス 6">
+            <a:extLst>
+              <a:ext uri="{FF2B5EF4-FFF2-40B4-BE49-F238E27FC236}">
+                <a16:creationId xmlns:a16="http://schemas.microsoft.com/office/drawing/2014/main" id="{45C487A9-1EF6-94D6-0146-E98106BEEA0C}"/>
+              </a:ext>
+            </a:extLst>
+          </p:cNvPr>
+          <p:cNvSpPr txBox="1"/>
+          <p:nvPr/>
+        </p:nvSpPr>
+        <p:spPr>
+          <a:xfrm>
+            <a:off x="3476991" y="3577761"/>
+            <a:ext cx="4038285" cy="461665"/>
+          </a:xfrm>
+          <a:prstGeom prst="rect">
+            <a:avLst/>
+          </a:prstGeom>
+          <a:noFill/>
+        </p:spPr>
+        <p:txBody>
+          <a:bodyPr wrap="none" rtlCol="0">
+            <a:spAutoFit/>
+          </a:bodyPr>
+          <a:lstStyle/>
+          <a:p>
+            <a:pPr algn="l"/>
+            <a:r>
+              <a:rPr kumimoji="1" lang="ja-JP" altLang="en-US" sz="2400" dirty="0">
+                <a:latin typeface="メイリオ" panose="020B0604030504040204" pitchFamily="50" charset="-128"/>
+                <a:ea typeface="メイリオ" panose="020B0604030504040204" pitchFamily="50" charset="-128"/>
+              </a:rPr>
+              <a:t>②</a:t>
+            </a:r>
+            <a:r>
+              <a:rPr kumimoji="1" lang="en-US" altLang="ja-JP" sz="2400" dirty="0">
+                <a:latin typeface="メイリオ" panose="020B0604030504040204" pitchFamily="50" charset="-128"/>
+                <a:ea typeface="メイリオ" panose="020B0604030504040204" pitchFamily="50" charset="-128"/>
+              </a:rPr>
+              <a:t>‘</a:t>
+            </a:r>
+            <a:r>
+              <a:rPr kumimoji="1" lang="ja-JP" altLang="en-US" sz="2400" dirty="0">
+                <a:latin typeface="メイリオ" panose="020B0604030504040204" pitchFamily="50" charset="-128"/>
+                <a:ea typeface="メイリオ" panose="020B0604030504040204" pitchFamily="50" charset="-128"/>
+              </a:rPr>
+              <a:t>すも</a:t>
+            </a:r>
+            <a:r>
+              <a:rPr kumimoji="1" lang="en-US" altLang="ja-JP" sz="2400" dirty="0">
+                <a:latin typeface="メイリオ" panose="020B0604030504040204" pitchFamily="50" charset="-128"/>
+                <a:ea typeface="メイリオ" panose="020B0604030504040204" pitchFamily="50" charset="-128"/>
+              </a:rPr>
+              <a:t>’</a:t>
+            </a:r>
+            <a:r>
+              <a:rPr kumimoji="1" lang="ja-JP" altLang="en-US" sz="2400" dirty="0">
+                <a:latin typeface="メイリオ" panose="020B0604030504040204" pitchFamily="50" charset="-128"/>
+                <a:ea typeface="メイリオ" panose="020B0604030504040204" pitchFamily="50" charset="-128"/>
+              </a:rPr>
+              <a:t>は単語の一部の文字</a:t>
+            </a:r>
+          </a:p>
+        </p:txBody>
+      </p:sp>
+      <p:sp>
+        <p:nvSpPr>
+          <p:cNvPr id="8" name="テキスト ボックス 7">
+            <a:extLst>
+              <a:ext uri="{FF2B5EF4-FFF2-40B4-BE49-F238E27FC236}">
+                <a16:creationId xmlns:a16="http://schemas.microsoft.com/office/drawing/2014/main" id="{3BCB7CA0-B36C-B1F4-86E3-26FDCB863B7A}"/>
+              </a:ext>
+            </a:extLst>
+          </p:cNvPr>
+          <p:cNvSpPr txBox="1"/>
+          <p:nvPr/>
+        </p:nvSpPr>
+        <p:spPr>
+          <a:xfrm>
+            <a:off x="924910" y="4587669"/>
+            <a:ext cx="4908716" cy="461665"/>
+          </a:xfrm>
+          <a:prstGeom prst="rect">
+            <a:avLst/>
+          </a:prstGeom>
+          <a:noFill/>
+        </p:spPr>
+        <p:txBody>
+          <a:bodyPr wrap="none" rtlCol="0">
+            <a:spAutoFit/>
+          </a:bodyPr>
+          <a:lstStyle/>
+          <a:p>
+            <a:pPr algn="l"/>
+            <a:r>
+              <a:rPr kumimoji="1" lang="en-US" altLang="ja-JP" sz="2400" dirty="0">
+                <a:latin typeface="メイリオ" panose="020B0604030504040204" pitchFamily="50" charset="-128"/>
+                <a:ea typeface="メイリオ" panose="020B0604030504040204" pitchFamily="50" charset="-128"/>
+              </a:rPr>
+              <a:t>2.</a:t>
+            </a:r>
+            <a:r>
+              <a:rPr kumimoji="1" lang="ja-JP" altLang="en-US" sz="2400" dirty="0">
+                <a:latin typeface="メイリオ" panose="020B0604030504040204" pitchFamily="50" charset="-128"/>
+                <a:ea typeface="メイリオ" panose="020B0604030504040204" pitchFamily="50" charset="-128"/>
+              </a:rPr>
+              <a:t> 文字</a:t>
+            </a:r>
+            <a:r>
+              <a:rPr kumimoji="1" lang="en-US" altLang="ja-JP" sz="2400" dirty="0">
+                <a:latin typeface="メイリオ" panose="020B0604030504040204" pitchFamily="50" charset="-128"/>
+                <a:ea typeface="メイリオ" panose="020B0604030504040204" pitchFamily="50" charset="-128"/>
+              </a:rPr>
+              <a:t>’</a:t>
+            </a:r>
+            <a:r>
+              <a:rPr kumimoji="1" lang="ja-JP" altLang="en-US" sz="2400" dirty="0">
+                <a:latin typeface="メイリオ" panose="020B0604030504040204" pitchFamily="50" charset="-128"/>
+                <a:ea typeface="メイリオ" panose="020B0604030504040204" pitchFamily="50" charset="-128"/>
+              </a:rPr>
+              <a:t>も</a:t>
+            </a:r>
+            <a:r>
+              <a:rPr kumimoji="1" lang="en-US" altLang="ja-JP" sz="2400" dirty="0">
+                <a:latin typeface="メイリオ" panose="020B0604030504040204" pitchFamily="50" charset="-128"/>
+                <a:ea typeface="メイリオ" panose="020B0604030504040204" pitchFamily="50" charset="-128"/>
+              </a:rPr>
+              <a:t>’</a:t>
+            </a:r>
+            <a:r>
+              <a:rPr kumimoji="1" lang="ja-JP" altLang="en-US" sz="2400" dirty="0">
+                <a:latin typeface="メイリオ" panose="020B0604030504040204" pitchFamily="50" charset="-128"/>
+                <a:ea typeface="メイリオ" panose="020B0604030504040204" pitchFamily="50" charset="-128"/>
+              </a:rPr>
+              <a:t>の次に文字、</a:t>
+            </a:r>
+            <a:r>
+              <a:rPr kumimoji="1" lang="en-US" altLang="ja-JP" sz="2400" dirty="0">
+                <a:latin typeface="メイリオ" panose="020B0604030504040204" pitchFamily="50" charset="-128"/>
+                <a:ea typeface="メイリオ" panose="020B0604030504040204" pitchFamily="50" charset="-128"/>
+              </a:rPr>
+              <a:t>’</a:t>
+            </a:r>
+            <a:r>
+              <a:rPr kumimoji="1" lang="ja-JP" altLang="en-US" sz="2400" dirty="0">
+                <a:latin typeface="メイリオ" panose="020B0604030504040204" pitchFamily="50" charset="-128"/>
+                <a:ea typeface="メイリオ" panose="020B0604030504040204" pitchFamily="50" charset="-128"/>
+              </a:rPr>
+              <a:t>も</a:t>
+            </a:r>
+            <a:r>
+              <a:rPr kumimoji="1" lang="en-US" altLang="ja-JP" sz="2400" dirty="0">
+                <a:latin typeface="メイリオ" panose="020B0604030504040204" pitchFamily="50" charset="-128"/>
+                <a:ea typeface="メイリオ" panose="020B0604030504040204" pitchFamily="50" charset="-128"/>
+              </a:rPr>
+              <a:t>’</a:t>
+            </a:r>
+            <a:r>
+              <a:rPr kumimoji="1" lang="ja-JP" altLang="en-US" sz="2400" dirty="0">
+                <a:latin typeface="メイリオ" panose="020B0604030504040204" pitchFamily="50" charset="-128"/>
+                <a:ea typeface="メイリオ" panose="020B0604030504040204" pitchFamily="50" charset="-128"/>
+              </a:rPr>
+              <a:t>が続く</a:t>
+            </a:r>
+          </a:p>
+        </p:txBody>
+      </p:sp>
+      <p:sp>
+        <p:nvSpPr>
+          <p:cNvPr id="9" name="テキスト ボックス 8">
+            <a:extLst>
+              <a:ext uri="{FF2B5EF4-FFF2-40B4-BE49-F238E27FC236}">
+                <a16:creationId xmlns:a16="http://schemas.microsoft.com/office/drawing/2014/main" id="{BE6BC2CB-20D0-D856-9525-F91ECABE56A0}"/>
+              </a:ext>
+            </a:extLst>
+          </p:cNvPr>
+          <p:cNvSpPr txBox="1"/>
+          <p:nvPr/>
+        </p:nvSpPr>
+        <p:spPr>
+          <a:xfrm>
+            <a:off x="1355834" y="5249917"/>
+            <a:ext cx="1914307" cy="461665"/>
+          </a:xfrm>
+          <a:prstGeom prst="rect">
+            <a:avLst/>
+          </a:prstGeom>
+          <a:noFill/>
+        </p:spPr>
+        <p:txBody>
+          <a:bodyPr wrap="none" rtlCol="0">
+            <a:spAutoFit/>
+          </a:bodyPr>
+          <a:lstStyle/>
+          <a:p>
+            <a:pPr algn="l"/>
+            <a:r>
+              <a:rPr kumimoji="1" lang="ja-JP" altLang="en-US" sz="2400" dirty="0">
+                <a:latin typeface="メイリオ" panose="020B0604030504040204" pitchFamily="50" charset="-128"/>
+                <a:ea typeface="メイリオ" panose="020B0604030504040204" pitchFamily="50" charset="-128"/>
+              </a:rPr>
+              <a:t>可能性は</a:t>
+            </a:r>
+            <a:r>
+              <a:rPr kumimoji="1" lang="en-US" altLang="ja-JP" sz="2400" dirty="0">
+                <a:latin typeface="メイリオ" panose="020B0604030504040204" pitchFamily="50" charset="-128"/>
+                <a:ea typeface="メイリオ" panose="020B0604030504040204" pitchFamily="50" charset="-128"/>
+              </a:rPr>
+              <a:t>3</a:t>
+            </a:r>
+            <a:r>
+              <a:rPr kumimoji="1" lang="ja-JP" altLang="en-US" sz="2400" dirty="0">
+                <a:latin typeface="メイリオ" panose="020B0604030504040204" pitchFamily="50" charset="-128"/>
+                <a:ea typeface="メイリオ" panose="020B0604030504040204" pitchFamily="50" charset="-128"/>
+              </a:rPr>
+              <a:t>つ</a:t>
+            </a:r>
+          </a:p>
+        </p:txBody>
+      </p:sp>
+      <p:sp>
+        <p:nvSpPr>
+          <p:cNvPr id="10" name="テキスト ボックス 9">
+            <a:extLst>
+              <a:ext uri="{FF2B5EF4-FFF2-40B4-BE49-F238E27FC236}">
+                <a16:creationId xmlns:a16="http://schemas.microsoft.com/office/drawing/2014/main" id="{AD630E72-8634-6EDE-9E65-DC5FD8C559F8}"/>
+              </a:ext>
+            </a:extLst>
+          </p:cNvPr>
+          <p:cNvSpPr txBox="1"/>
+          <p:nvPr/>
+        </p:nvSpPr>
+        <p:spPr>
+          <a:xfrm>
+            <a:off x="3476991" y="5514329"/>
+            <a:ext cx="3422732" cy="1200329"/>
+          </a:xfrm>
+          <a:prstGeom prst="rect">
+            <a:avLst/>
+          </a:prstGeom>
+          <a:noFill/>
+        </p:spPr>
+        <p:txBody>
+          <a:bodyPr wrap="none" rtlCol="0">
+            <a:spAutoFit/>
+          </a:bodyPr>
+          <a:lstStyle/>
+          <a:p>
+            <a:pPr algn="l"/>
+            <a:r>
+              <a:rPr kumimoji="1" lang="ja-JP" altLang="en-US" sz="2400" dirty="0">
+                <a:latin typeface="メイリオ" panose="020B0604030504040204" pitchFamily="50" charset="-128"/>
+                <a:ea typeface="メイリオ" panose="020B0604030504040204" pitchFamily="50" charset="-128"/>
+              </a:rPr>
+              <a:t>③酢も（巣も）</a:t>
+            </a:r>
+            <a:r>
+              <a:rPr kumimoji="1" lang="en-US" altLang="ja-JP" sz="2400" dirty="0">
+                <a:latin typeface="メイリオ" panose="020B0604030504040204" pitchFamily="50" charset="-128"/>
+                <a:ea typeface="メイリオ" panose="020B0604030504040204" pitchFamily="50" charset="-128"/>
+              </a:rPr>
+              <a:t>+</a:t>
+            </a:r>
+            <a:r>
+              <a:rPr kumimoji="1" lang="ja-JP" altLang="en-US" sz="2400" dirty="0">
+                <a:latin typeface="メイリオ" panose="020B0604030504040204" pitchFamily="50" charset="-128"/>
+                <a:ea typeface="メイリオ" panose="020B0604030504040204" pitchFamily="50" charset="-128"/>
+              </a:rPr>
+              <a:t>も</a:t>
+            </a:r>
+            <a:endParaRPr kumimoji="1" lang="en-US" altLang="ja-JP" sz="2400" dirty="0">
+              <a:latin typeface="メイリオ" panose="020B0604030504040204" pitchFamily="50" charset="-128"/>
+              <a:ea typeface="メイリオ" panose="020B0604030504040204" pitchFamily="50" charset="-128"/>
+            </a:endParaRPr>
+          </a:p>
+          <a:p>
+            <a:pPr algn="l"/>
+            <a:r>
+              <a:rPr kumimoji="1" lang="ja-JP" altLang="en-US" sz="2400" dirty="0">
+                <a:latin typeface="メイリオ" panose="020B0604030504040204" pitchFamily="50" charset="-128"/>
+                <a:ea typeface="メイリオ" panose="020B0604030504040204" pitchFamily="50" charset="-128"/>
+              </a:rPr>
+              <a:t>④すもも　という名詞</a:t>
+            </a:r>
+            <a:endParaRPr kumimoji="1" lang="en-US" altLang="ja-JP" sz="2400" dirty="0">
+              <a:latin typeface="メイリオ" panose="020B0604030504040204" pitchFamily="50" charset="-128"/>
+              <a:ea typeface="メイリオ" panose="020B0604030504040204" pitchFamily="50" charset="-128"/>
+            </a:endParaRPr>
+          </a:p>
+          <a:p>
+            <a:pPr algn="l"/>
+            <a:r>
+              <a:rPr kumimoji="1" lang="ja-JP" altLang="en-US" sz="2400" dirty="0">
+                <a:latin typeface="メイリオ" panose="020B0604030504040204" pitchFamily="50" charset="-128"/>
+                <a:ea typeface="メイリオ" panose="020B0604030504040204" pitchFamily="50" charset="-128"/>
+              </a:rPr>
+              <a:t>⑤</a:t>
+            </a:r>
+            <a:r>
+              <a:rPr kumimoji="1" lang="en-US" altLang="ja-JP" sz="2400" dirty="0">
+                <a:latin typeface="メイリオ" panose="020B0604030504040204" pitchFamily="50" charset="-128"/>
+                <a:ea typeface="メイリオ" panose="020B0604030504040204" pitchFamily="50" charset="-128"/>
+              </a:rPr>
+              <a:t>’</a:t>
+            </a:r>
+            <a:r>
+              <a:rPr kumimoji="1" lang="ja-JP" altLang="en-US" sz="2400" dirty="0">
+                <a:latin typeface="メイリオ" panose="020B0604030504040204" pitchFamily="50" charset="-128"/>
+                <a:ea typeface="メイリオ" panose="020B0604030504040204" pitchFamily="50" charset="-128"/>
+              </a:rPr>
+              <a:t>すもも</a:t>
+            </a:r>
+            <a:r>
+              <a:rPr kumimoji="1" lang="en-US" altLang="ja-JP" sz="2400" dirty="0">
+                <a:latin typeface="メイリオ" panose="020B0604030504040204" pitchFamily="50" charset="-128"/>
+                <a:ea typeface="メイリオ" panose="020B0604030504040204" pitchFamily="50" charset="-128"/>
+              </a:rPr>
+              <a:t>’</a:t>
+            </a:r>
+            <a:r>
+              <a:rPr kumimoji="1" lang="ja-JP" altLang="en-US" sz="2400" dirty="0">
+                <a:latin typeface="メイリオ" panose="020B0604030504040204" pitchFamily="50" charset="-128"/>
+                <a:ea typeface="メイリオ" panose="020B0604030504040204" pitchFamily="50" charset="-128"/>
+              </a:rPr>
+              <a:t>は単語の一部</a:t>
+            </a:r>
+          </a:p>
+        </p:txBody>
+      </p:sp>
+      <p:sp>
+        <p:nvSpPr>
+          <p:cNvPr id="12" name="右中かっこ 11">
+            <a:extLst>
+              <a:ext uri="{FF2B5EF4-FFF2-40B4-BE49-F238E27FC236}">
+                <a16:creationId xmlns:a16="http://schemas.microsoft.com/office/drawing/2014/main" id="{27266800-4D92-73E1-9243-BEA9CDE1BCD9}"/>
+              </a:ext>
+            </a:extLst>
+          </p:cNvPr>
+          <p:cNvSpPr/>
+          <p:nvPr/>
+        </p:nvSpPr>
+        <p:spPr>
+          <a:xfrm>
+            <a:off x="7273159" y="5328745"/>
+            <a:ext cx="242117" cy="1385913"/>
+          </a:xfrm>
+          <a:prstGeom prst="rightBrace">
+            <a:avLst/>
+          </a:prstGeom>
+        </p:spPr>
+        <p:style>
+          <a:lnRef idx="1">
+            <a:schemeClr val="accent1"/>
+          </a:lnRef>
+          <a:fillRef idx="0">
+            <a:schemeClr val="accent1"/>
+          </a:fillRef>
+          <a:effectRef idx="0">
+            <a:schemeClr val="accent1"/>
+          </a:effectRef>
+          <a:fontRef idx="minor">
+            <a:schemeClr val="tx1"/>
+          </a:fontRef>
+        </p:style>
+        <p:txBody>
+          <a:bodyPr rtlCol="0" anchor="ctr"/>
+          <a:lstStyle/>
+          <a:p>
+            <a:pPr algn="ctr"/>
+            <a:endParaRPr kumimoji="1" lang="ja-JP" altLang="en-US"/>
+          </a:p>
+        </p:txBody>
+      </p:sp>
+      <p:sp>
+        <p:nvSpPr>
+          <p:cNvPr id="13" name="テキスト ボックス 12">
+            <a:extLst>
+              <a:ext uri="{FF2B5EF4-FFF2-40B4-BE49-F238E27FC236}">
+                <a16:creationId xmlns:a16="http://schemas.microsoft.com/office/drawing/2014/main" id="{0AF35F4F-B030-AE32-B6E9-DA24C00F5625}"/>
+              </a:ext>
+            </a:extLst>
+          </p:cNvPr>
+          <p:cNvSpPr txBox="1"/>
+          <p:nvPr/>
+        </p:nvSpPr>
+        <p:spPr>
+          <a:xfrm>
+            <a:off x="7649679" y="5790868"/>
+            <a:ext cx="4493538" cy="461665"/>
+          </a:xfrm>
+          <a:prstGeom prst="rect">
+            <a:avLst/>
+          </a:prstGeom>
+          <a:noFill/>
+        </p:spPr>
+        <p:txBody>
+          <a:bodyPr wrap="none" rtlCol="0">
+            <a:spAutoFit/>
+          </a:bodyPr>
+          <a:lstStyle/>
+          <a:p>
+            <a:pPr algn="l"/>
+            <a:r>
+              <a:rPr kumimoji="1" lang="ja-JP" altLang="en-US" sz="2400" dirty="0">
+                <a:latin typeface="メイリオ" panose="020B0604030504040204" pitchFamily="50" charset="-128"/>
+                <a:ea typeface="メイリオ" panose="020B0604030504040204" pitchFamily="50" charset="-128"/>
+              </a:rPr>
+              <a:t>もっとも確率が高いものを選ぶ</a:t>
+            </a:r>
+          </a:p>
+        </p:txBody>
+      </p:sp>
+      <p:sp>
+        <p:nvSpPr>
+          <p:cNvPr id="14" name="テキスト ボックス 13">
+            <a:extLst>
+              <a:ext uri="{FF2B5EF4-FFF2-40B4-BE49-F238E27FC236}">
+                <a16:creationId xmlns:a16="http://schemas.microsoft.com/office/drawing/2014/main" id="{E0D51343-77D3-1246-0C22-A1222B75FF46}"/>
+              </a:ext>
+            </a:extLst>
+          </p:cNvPr>
+          <p:cNvSpPr txBox="1"/>
+          <p:nvPr/>
+        </p:nvSpPr>
+        <p:spPr>
+          <a:xfrm>
+            <a:off x="816868" y="1039979"/>
+            <a:ext cx="10033516" cy="461665"/>
+          </a:xfrm>
+          <a:prstGeom prst="rect">
+            <a:avLst/>
+          </a:prstGeom>
+          <a:noFill/>
+        </p:spPr>
+        <p:txBody>
+          <a:bodyPr wrap="none" rtlCol="0">
+            <a:spAutoFit/>
+          </a:bodyPr>
+          <a:lstStyle/>
+          <a:p>
+            <a:pPr algn="l"/>
+            <a:r>
+              <a:rPr kumimoji="1" lang="ja-JP" altLang="en-US" sz="2400" dirty="0">
+                <a:latin typeface="メイリオ" panose="020B0604030504040204" pitchFamily="50" charset="-128"/>
+                <a:ea typeface="メイリオ" panose="020B0604030504040204" pitchFamily="50" charset="-128"/>
+              </a:rPr>
+              <a:t>以下、大量の日本語文書から単語の確率が計算されているものと仮定</a:t>
+            </a:r>
+          </a:p>
+        </p:txBody>
+      </p:sp>
+    </p:spTree>
+    <p:extLst>
+      <p:ext uri="{BB962C8B-B14F-4D97-AF65-F5344CB8AC3E}">
+        <p14:creationId xmlns:p14="http://schemas.microsoft.com/office/powerpoint/2010/main" val="2745977706"/>
+      </p:ext>
+    </p:extLst>
+  </p:cSld>
+  <p:clrMapOvr>
+    <a:masterClrMapping/>
+  </p:clrMapOvr>
+</p:sld>
+</file>
+
+<file path=ppt/slides/slide11.xml><?xml version="1.0" encoding="utf-8"?>
+<p:sld xmlns:a="http://schemas.openxmlformats.org/drawingml/2006/main" xmlns:r="http://schemas.openxmlformats.org/officeDocument/2006/relationships" xmlns:p="http://schemas.openxmlformats.org/presentationml/2006/main">
+  <p:cSld>
+    <p:spTree>
+      <p:nvGrpSpPr>
+        <p:cNvPr id="1" name=""/>
+        <p:cNvGrpSpPr/>
+        <p:nvPr/>
+      </p:nvGrpSpPr>
+      <p:grpSpPr>
+        <a:xfrm>
+          <a:off x="0" y="0"/>
+          <a:ext cx="0" cy="0"/>
+          <a:chOff x="0" y="0"/>
+          <a:chExt cx="0" cy="0"/>
+        </a:xfrm>
+      </p:grpSpPr>
+      <p:sp>
+        <p:nvSpPr>
+          <p:cNvPr id="2" name="テキスト ボックス 1">
+            <a:extLst>
+              <a:ext uri="{FF2B5EF4-FFF2-40B4-BE49-F238E27FC236}">
                 <a16:creationId xmlns:a16="http://schemas.microsoft.com/office/drawing/2014/main" id="{4BA4B635-A748-6C3E-28CE-01ECD0A5D3A4}"/>
               </a:ext>
             </a:extLst>
@@ -9482,8 +10238,8 @@
         </p:nvSpPr>
         <p:spPr>
           <a:xfrm>
-            <a:off x="3451570" y="3648569"/>
-            <a:ext cx="6756845" cy="707886"/>
+            <a:off x="3593725" y="3824905"/>
+            <a:ext cx="8392087" cy="400110"/>
           </a:xfrm>
           <a:prstGeom prst="rect">
             <a:avLst/>
@@ -9502,21 +10258,21 @@
                 <a:latin typeface="メイリオ" panose="020B0604030504040204" pitchFamily="50" charset="-128"/>
                 <a:ea typeface="メイリオ" panose="020B0604030504040204" pitchFamily="50" charset="-128"/>
               </a:rPr>
-              <a:t>仮に日本語のボキャブラリーが</a:t>
+              <a:t>仮に日本語の文書</a:t>
             </a:r>
             <a:r>
               <a:rPr kumimoji="1" lang="en-US" altLang="ja-JP" sz="2000" dirty="0">
                 <a:latin typeface="メイリオ" panose="020B0604030504040204" pitchFamily="50" charset="-128"/>
                 <a:ea typeface="メイリオ" panose="020B0604030504040204" pitchFamily="50" charset="-128"/>
               </a:rPr>
-              <a:t>10,000</a:t>
+              <a:t>1,000,000</a:t>
             </a:r>
             <a:r>
               <a:rPr kumimoji="1" lang="ja-JP" altLang="en-US" sz="2000" dirty="0">
                 <a:latin typeface="メイリオ" panose="020B0604030504040204" pitchFamily="50" charset="-128"/>
                 <a:ea typeface="メイリオ" panose="020B0604030504040204" pitchFamily="50" charset="-128"/>
               </a:rPr>
-              <a:t>で</a:t>
+              <a:t>中で</a:t>
             </a:r>
             <a:r>
               <a:rPr kumimoji="1" lang="en-US" altLang="ja-JP" sz="2000" dirty="0">
@@ -9530,7 +10286,21 @@
                 <a:latin typeface="メイリオ" panose="020B0604030504040204" pitchFamily="50" charset="-128"/>
                 <a:ea typeface="メイリオ" panose="020B0604030504040204" pitchFamily="50" charset="-128"/>
               </a:rPr>
-              <a:t>文書の冒頭では全ての単語が一様に出現するとすると？</a:t>
+              <a:t>すももの出現頻度が</a:t>
+            </a:r>
+            <a:r>
+              <a:rPr kumimoji="1" lang="en-US" altLang="ja-JP" sz="2000" dirty="0">
+                <a:latin typeface="メイリオ" panose="020B0604030504040204" pitchFamily="50" charset="-128"/>
+                <a:ea typeface="メイリオ" panose="020B0604030504040204" pitchFamily="50" charset="-128"/>
+              </a:rPr>
+              <a:t>100</a:t>
+            </a:r>
+            <a:r>
+              <a:rPr kumimoji="1" lang="ja-JP" altLang="en-US" sz="2000" dirty="0">
+                <a:latin typeface="メイリオ" panose="020B0604030504040204" pitchFamily="50" charset="-128"/>
+                <a:ea typeface="メイリオ" panose="020B0604030504040204" pitchFamily="50" charset="-128"/>
+              </a:rPr>
+              <a:t>とすると？</a:t>
             </a:r>
           </a:p>
         </p:txBody>
@@ -10102,8 +10872,8 @@
           </a:p>
         </p:txBody>
       </p:sp>
-      <mc:AlternateContent xmlns:mc="http://schemas.openxmlformats.org/markup-compatibility/2006">
-        <mc:Choice xmlns:a14="http://schemas.microsoft.com/office/drawing/2010/main" Requires="a14">
+      <mc:AlternateContent xmlns:mc="http://schemas.openxmlformats.org/markup-compatibility/2006" xmlns:a14="http://schemas.microsoft.com/office/drawing/2010/main">
+        <mc:Choice Requires="a14">
           <p:sp>
             <p:nvSpPr>
               <p:cNvPr id="16" name="テキスト ボックス 15">
@@ -10209,7 +10979,7 @@
             </p:txBody>
           </p:sp>
         </mc:Choice>
-        <mc:Fallback>
+        <mc:Fallback xmlns="">
           <p:sp>
             <p:nvSpPr>
               <p:cNvPr id="16" name="テキスト ボックス 15">
@@ -10267,7 +11037,7 @@
 </p:sld>
 </file>
 
-<file path=ppt/slides/slide11.xml><?xml version="1.0" encoding="utf-8"?>
+<file path=ppt/slides/slide12.xml><?xml version="1.0" encoding="utf-8"?>
 <p:sld xmlns:a="http://schemas.openxmlformats.org/drawingml/2006/main" xmlns:r="http://schemas.openxmlformats.org/officeDocument/2006/relationships" xmlns:p="http://schemas.openxmlformats.org/presentationml/2006/main">
   <p:cSld>
     <p:spTree>
@@ -11221,8 +11991,8 @@
           </a:p>
         </p:txBody>
       </p:sp>
-      <mc:AlternateContent xmlns:mc="http://schemas.openxmlformats.org/markup-compatibility/2006">
-        <mc:Choice xmlns:a14="http://schemas.microsoft.com/office/drawing/2010/main" Requires="a14">
+      <mc:AlternateContent xmlns:mc="http://schemas.openxmlformats.org/markup-compatibility/2006" xmlns:a14="http://schemas.microsoft.com/office/drawing/2010/main">
+        <mc:Choice Requires="a14">
           <p:sp>
             <p:nvSpPr>
               <p:cNvPr id="29" name="テキスト ボックス 28">
@@ -11292,7 +12062,7 @@
             </p:txBody>
           </p:sp>
         </mc:Choice>
-        <mc:Fallback>
+        <mc:Fallback xmlns="">
           <p:sp>
             <p:nvSpPr>
               <p:cNvPr id="29" name="テキスト ボックス 28">
@@ -11351,8 +12121,8 @@
         </p:nvSpPr>
         <p:spPr>
           <a:xfrm>
-            <a:off x="8691214" y="3198227"/>
-            <a:ext cx="3375279" cy="1200329"/>
+            <a:off x="8529603" y="3255353"/>
+            <a:ext cx="2358314" cy="830997"/>
           </a:xfrm>
           <a:prstGeom prst="rect">
             <a:avLst/>
@@ -11378,7 +12148,7 @@
                 <a:latin typeface="メイリオ" panose="020B0604030504040204" pitchFamily="50" charset="-128"/>
                 <a:ea typeface="メイリオ" panose="020B0604030504040204" pitchFamily="50" charset="-128"/>
               </a:rPr>
-              <a:t>通りの条件付確率（一様分布ではない）</a:t>
+              <a:t>通りの条件付確率</a:t>
             </a:r>
           </a:p>
         </p:txBody>
@@ -11568,8 +12338,8 @@
           </a:p>
         </p:txBody>
       </p:sp>
-      <mc:AlternateContent xmlns:mc="http://schemas.openxmlformats.org/markup-compatibility/2006">
-        <mc:Choice xmlns:a14="http://schemas.microsoft.com/office/drawing/2010/main" Requires="a14">
+      <mc:AlternateContent xmlns:mc="http://schemas.openxmlformats.org/markup-compatibility/2006" xmlns:a14="http://schemas.microsoft.com/office/drawing/2010/main">
+        <mc:Choice Requires="a14">
           <p:sp>
             <p:nvSpPr>
               <p:cNvPr id="35" name="テキスト ボックス 34">
@@ -11670,7 +12440,7 @@
             </p:txBody>
           </p:sp>
         </mc:Choice>
-        <mc:Fallback>
+        <mc:Fallback xmlns="">
           <p:sp>
             <p:nvSpPr>
               <p:cNvPr id="35" name="テキスト ボックス 34">
@@ -11767,7 +12537,7 @@
 </p:sld>
 </file>
 
-<file path=ppt/slides/slide12.xml><?xml version="1.0" encoding="utf-8"?>
+<file path=ppt/slides/slide13.xml><?xml version="1.0" encoding="utf-8"?>
 <p:sld xmlns:a="http://schemas.openxmlformats.org/drawingml/2006/main" xmlns:r="http://schemas.openxmlformats.org/officeDocument/2006/relationships" xmlns:p="http://schemas.openxmlformats.org/presentationml/2006/main">
   <p:cSld>
     <p:spTree>
@@ -12040,7 +12810,7 @@
             <p:spPr>
               <a:xfrm>
                 <a:off x="1004391" y="3682980"/>
-                <a:ext cx="3429850" cy="893193"/>
+                <a:ext cx="3476336" cy="921150"/>
               </a:xfrm>
               <a:prstGeom prst="rect">
                 <a:avLst/>
@@ -12153,7 +12923,7 @@
                             <a:latin typeface="Cambria Math" panose="02040503050406030204" pitchFamily="18" charset="0"/>
                             <a:ea typeface="メイリオ" panose="020B0604030504040204" pitchFamily="50" charset="-128"/>
                           </a:rPr>
-                          <m:t>10000</m:t>
+                          <m:t>10,000</m:t>
                         </m:r>
                       </m:den>
                     </m:f>
@@ -12199,7 +12969,7 @@
             <p:spPr>
               <a:xfrm>
                 <a:off x="1004391" y="3682980"/>
-                <a:ext cx="3429850" cy="893193"/>
+                <a:ext cx="3476336" cy="921150"/>
               </a:xfrm>
               <a:prstGeom prst="rect">
                 <a:avLst/>
@@ -12207,7 +12977,7 @@
               <a:blipFill>
                 <a:blip r:embed="rId3"/>
                 <a:stretch>
-                  <a:fillRect l="-5516"/>
+                  <a:fillRect l="-5439"/>
                 </a:stretch>
               </a:blipFill>
             </p:spPr>
@@ -12243,7 +13013,7 @@
             <p:spPr>
               <a:xfrm>
                 <a:off x="925353" y="4402275"/>
-                <a:ext cx="6010492" cy="1354858"/>
+                <a:ext cx="6056979" cy="1382814"/>
               </a:xfrm>
               <a:prstGeom prst="rect">
                 <a:avLst/>
@@ -12356,7 +13126,7 @@
                             <a:latin typeface="Cambria Math" panose="02040503050406030204" pitchFamily="18" charset="0"/>
                             <a:ea typeface="メイリオ" panose="020B0604030504040204" pitchFamily="50" charset="-128"/>
                           </a:rPr>
-                          <m:t>10000</m:t>
+                          <m:t>10,000</m:t>
                         </m:r>
                       </m:den>
                     </m:f>
@@ -12448,7 +13218,7 @@
             <p:spPr>
               <a:xfrm>
                 <a:off x="925353" y="4402275"/>
-                <a:ext cx="6010492" cy="1354858"/>
+                <a:ext cx="6056979" cy="1382814"/>
               </a:xfrm>
               <a:prstGeom prst="rect">
                 <a:avLst/>
@@ -12456,7 +13226,7 @@
               <a:blipFill>
                 <a:blip r:embed="rId4"/>
                 <a:stretch>
-                  <a:fillRect l="-1623"/>
+                  <a:fillRect l="-1611"/>
                 </a:stretch>
               </a:blipFill>
             </p:spPr>
@@ -12918,7 +13688,7 @@
 </p:sld>
 </file>
 
-<file path=ppt/slides/slide13.xml><?xml version="1.0" encoding="utf-8"?>
+<file path=ppt/slides/slide14.xml><?xml version="1.0" encoding="utf-8"?>
 <p:sld xmlns:a="http://schemas.openxmlformats.org/drawingml/2006/main" xmlns:r="http://schemas.openxmlformats.org/officeDocument/2006/relationships" xmlns:p="http://schemas.openxmlformats.org/presentationml/2006/main">
   <p:cSld>
     <p:spTree>
@@ -13469,8 +14239,8 @@
           </p:sp>
         </mc:Fallback>
       </mc:AlternateContent>
-      <mc:AlternateContent xmlns:mc="http://schemas.openxmlformats.org/markup-compatibility/2006">
-        <mc:Choice xmlns:a14="http://schemas.microsoft.com/office/drawing/2010/main" Requires="a14">
+      <mc:AlternateContent xmlns:mc="http://schemas.openxmlformats.org/markup-compatibility/2006" xmlns:a14="http://schemas.microsoft.com/office/drawing/2010/main">
+        <mc:Choice Requires="a14">
           <p:sp>
             <p:nvSpPr>
               <p:cNvPr id="9" name="テキスト ボックス 8">
@@ -13622,7 +14392,7 @@
             </p:txBody>
           </p:sp>
         </mc:Choice>
-        <mc:Fallback>
+        <mc:Fallback xmlns="">
           <p:sp>
             <p:nvSpPr>
               <p:cNvPr id="9" name="テキスト ボックス 8">
@@ -14424,7 +15194,7 @@
 </p:sld>
 </file>
 
-<file path=ppt/slides/slide14.xml><?xml version="1.0" encoding="utf-8"?>
+<file path=ppt/slides/slide15.xml><?xml version="1.0" encoding="utf-8"?>
 <p:sld xmlns:a="http://schemas.openxmlformats.org/drawingml/2006/main" xmlns:r="http://schemas.openxmlformats.org/officeDocument/2006/relationships" xmlns:p="http://schemas.openxmlformats.org/presentationml/2006/main">
   <p:cSld>
     <p:spTree>
@@ -15842,7 +16612,7 @@
 </p:sld>
 </file>
 
-<file path=ppt/slides/slide15.xml><?xml version="1.0" encoding="utf-8"?>
+<file path=ppt/slides/slide16.xml><?xml version="1.0" encoding="utf-8"?>
 <p:sld xmlns:a="http://schemas.openxmlformats.org/drawingml/2006/main" xmlns:r="http://schemas.openxmlformats.org/officeDocument/2006/relationships" xmlns:p="http://schemas.openxmlformats.org/presentationml/2006/main">
   <p:cSld>
     <p:spTree>
@@ -16548,7 +17318,7 @@
 </p:sld>
 </file>
 
-<file path=ppt/slides/slide16.xml><?xml version="1.0" encoding="utf-8"?>
+<file path=ppt/slides/slide17.xml><?xml version="1.0" encoding="utf-8"?>
 <p:sld xmlns:a="http://schemas.openxmlformats.org/drawingml/2006/main" xmlns:r="http://schemas.openxmlformats.org/officeDocument/2006/relationships" xmlns:p="http://schemas.openxmlformats.org/presentationml/2006/main">
   <p:cSld>
     <p:spTree>
@@ -17879,7 +18649,7 @@
 </p:sld>
 </file>
 
-<file path=ppt/slides/slide17.xml><?xml version="1.0" encoding="utf-8"?>
+<file path=ppt/slides/slide18.xml><?xml version="1.0" encoding="utf-8"?>
 <p:sld xmlns:a="http://schemas.openxmlformats.org/drawingml/2006/main" xmlns:r="http://schemas.openxmlformats.org/officeDocument/2006/relationships" xmlns:p="http://schemas.openxmlformats.org/presentationml/2006/main">
   <p:cSld>
     <p:spTree>
@@ -18272,7 +19042,7 @@
 </p:sld>
 </file>
 
-<file path=ppt/slides/slide18.xml><?xml version="1.0" encoding="utf-8"?>
+<file path=ppt/slides/slide19.xml><?xml version="1.0" encoding="utf-8"?>
 <p:sld xmlns:a="http://schemas.openxmlformats.org/drawingml/2006/main" xmlns:r="http://schemas.openxmlformats.org/officeDocument/2006/relationships" xmlns:p="http://schemas.openxmlformats.org/presentationml/2006/main">
   <p:cSld>
     <p:spTree>
@@ -18742,7 +19512,237 @@
 </p:sld>
 </file>
 
-<file path=ppt/slides/slide19.xml><?xml version="1.0" encoding="utf-8"?>
+<file path=ppt/slides/slide2.xml><?xml version="1.0" encoding="utf-8"?>
+<p:sld xmlns:a="http://schemas.openxmlformats.org/drawingml/2006/main" xmlns:r="http://schemas.openxmlformats.org/officeDocument/2006/relationships" xmlns:p="http://schemas.openxmlformats.org/presentationml/2006/main">
+  <p:cSld>
+    <p:spTree>
+      <p:nvGrpSpPr>
+        <p:cNvPr id="1" name=""/>
+        <p:cNvGrpSpPr/>
+        <p:nvPr/>
+      </p:nvGrpSpPr>
+      <p:grpSpPr>
+        <a:xfrm>
+          <a:off x="0" y="0"/>
+          <a:ext cx="0" cy="0"/>
+          <a:chOff x="0" y="0"/>
+          <a:chExt cx="0" cy="0"/>
+        </a:xfrm>
+      </p:grpSpPr>
+      <p:sp>
+        <p:nvSpPr>
+          <p:cNvPr id="3" name="正方形/長方形 2">
+            <a:extLst>
+              <a:ext uri="{FF2B5EF4-FFF2-40B4-BE49-F238E27FC236}">
+                <a16:creationId xmlns:a16="http://schemas.microsoft.com/office/drawing/2014/main" id="{6A5DC294-0890-4F3D-ABAE-4949D3B01A91}"/>
+              </a:ext>
+            </a:extLst>
+          </p:cNvPr>
+          <p:cNvSpPr/>
+          <p:nvPr/>
+        </p:nvSpPr>
+        <p:spPr>
+          <a:xfrm>
+            <a:off x="987832" y="2190089"/>
+            <a:ext cx="10149416" cy="1384995"/>
+          </a:xfrm>
+          <a:prstGeom prst="rect">
+            <a:avLst/>
+          </a:prstGeom>
+        </p:spPr>
+        <p:txBody>
+          <a:bodyPr wrap="square">
+            <a:spAutoFit/>
+          </a:bodyPr>
+          <a:lstStyle/>
+          <a:p>
+            <a:r>
+              <a:rPr lang="ja-JP" altLang="en-US" sz="2800" dirty="0"/>
+              <a:t>１．スープは無化調の魚介ベース醤油味。麺は平打ちの太ストレート麺。具はバラ肉と肩ロース肉のチャーシュー</a:t>
+            </a:r>
+            <a:r>
+              <a:rPr lang="en-US" altLang="ja-JP" sz="2800" dirty="0"/>
+              <a:t>,</a:t>
+            </a:r>
+            <a:r>
+              <a:rPr lang="ja-JP" altLang="en-US" sz="2800" dirty="0"/>
+              <a:t>白ネギ</a:t>
+            </a:r>
+            <a:r>
+              <a:rPr lang="en-US" altLang="ja-JP" sz="2800" dirty="0"/>
+              <a:t>,</a:t>
+            </a:r>
+            <a:r>
+              <a:rPr lang="ja-JP" altLang="en-US" sz="2800" dirty="0"/>
+              <a:t>穂先メンマを使用。</a:t>
+            </a:r>
+          </a:p>
+        </p:txBody>
+      </p:sp>
+      <p:sp>
+        <p:nvSpPr>
+          <p:cNvPr id="4" name="正方形/長方形 3">
+            <a:extLst>
+              <a:ext uri="{FF2B5EF4-FFF2-40B4-BE49-F238E27FC236}">
+                <a16:creationId xmlns:a16="http://schemas.microsoft.com/office/drawing/2014/main" id="{4F5C20EC-21D1-4D89-9857-73C4645105CE}"/>
+              </a:ext>
+            </a:extLst>
+          </p:cNvPr>
+          <p:cNvSpPr/>
+          <p:nvPr/>
+        </p:nvSpPr>
+        <p:spPr>
+          <a:xfrm>
+            <a:off x="987832" y="4079641"/>
+            <a:ext cx="10845681" cy="1384995"/>
+          </a:xfrm>
+          <a:prstGeom prst="rect">
+            <a:avLst/>
+          </a:prstGeom>
+        </p:spPr>
+        <p:txBody>
+          <a:bodyPr wrap="square">
+            <a:spAutoFit/>
+          </a:bodyPr>
+          <a:lstStyle/>
+          <a:p>
+            <a:r>
+              <a:rPr lang="ja-JP" altLang="en-US" sz="2800" dirty="0"/>
+              <a:t>２．揚げ物も、何か一つくらい取りたかったが・・・明らかに、作る早さが、（客の流れに）間に合ってない。</a:t>
+            </a:r>
+            <a:r>
+              <a:rPr lang="en-US" altLang="ja-JP" sz="2800" dirty="0"/>
+              <a:t>※</a:t>
+            </a:r>
+            <a:r>
+              <a:rPr lang="ja-JP" altLang="en-US" sz="2800" dirty="0"/>
+              <a:t>今回は諦めだ</a:t>
+            </a:r>
+          </a:p>
+          <a:p>
+            <a:r>
+              <a:rPr lang="ja-JP" altLang="en-US" sz="2800" dirty="0"/>
+              <a:t>何度も食べている釜揚げですけど今日も美味しくいただきました。</a:t>
+            </a:r>
+          </a:p>
+        </p:txBody>
+      </p:sp>
+      <p:sp>
+        <p:nvSpPr>
+          <p:cNvPr id="5" name="テキスト ボックス 4">
+            <a:extLst>
+              <a:ext uri="{FF2B5EF4-FFF2-40B4-BE49-F238E27FC236}">
+                <a16:creationId xmlns:a16="http://schemas.microsoft.com/office/drawing/2014/main" id="{83183CF3-AF75-4109-B832-C8E7613954A3}"/>
+              </a:ext>
+            </a:extLst>
+          </p:cNvPr>
+          <p:cNvSpPr txBox="1"/>
+          <p:nvPr/>
+        </p:nvSpPr>
+        <p:spPr>
+          <a:xfrm>
+            <a:off x="650407" y="485204"/>
+            <a:ext cx="8392041" cy="584775"/>
+          </a:xfrm>
+          <a:prstGeom prst="rect">
+            <a:avLst/>
+          </a:prstGeom>
+          <a:noFill/>
+        </p:spPr>
+        <p:txBody>
+          <a:bodyPr wrap="none" rtlCol="0">
+            <a:spAutoFit/>
+          </a:bodyPr>
+          <a:lstStyle/>
+          <a:p>
+            <a:pPr algn="l"/>
+            <a:r>
+              <a:rPr kumimoji="1" lang="ja-JP" altLang="en-US" sz="3200" b="1" dirty="0">
+                <a:latin typeface="メイリオ" panose="020B0604030504040204" pitchFamily="50" charset="-128"/>
+                <a:ea typeface="メイリオ" panose="020B0604030504040204" pitchFamily="50" charset="-128"/>
+              </a:rPr>
+              <a:t>この２つの文書は何を語っているでしょう？</a:t>
+            </a:r>
+          </a:p>
+        </p:txBody>
+      </p:sp>
+      <p:sp>
+        <p:nvSpPr>
+          <p:cNvPr id="6" name="テキスト ボックス 5">
+            <a:extLst>
+              <a:ext uri="{FF2B5EF4-FFF2-40B4-BE49-F238E27FC236}">
+                <a16:creationId xmlns:a16="http://schemas.microsoft.com/office/drawing/2014/main" id="{E0272F4F-4FFB-4D2F-947C-7254423456A1}"/>
+              </a:ext>
+            </a:extLst>
+          </p:cNvPr>
+          <p:cNvSpPr txBox="1"/>
+          <p:nvPr/>
+        </p:nvSpPr>
+        <p:spPr>
+          <a:xfrm>
+            <a:off x="987832" y="1112871"/>
+            <a:ext cx="8160739" cy="1077218"/>
+          </a:xfrm>
+          <a:prstGeom prst="rect">
+            <a:avLst/>
+          </a:prstGeom>
+          <a:noFill/>
+        </p:spPr>
+        <p:txBody>
+          <a:bodyPr wrap="square" rtlCol="0">
+            <a:spAutoFit/>
+          </a:bodyPr>
+          <a:lstStyle/>
+          <a:p>
+            <a:pPr algn="l"/>
+            <a:r>
+              <a:rPr kumimoji="1" lang="ja-JP" altLang="en-US" sz="2800" dirty="0">
+                <a:latin typeface="メイリオ" panose="020B0604030504040204" pitchFamily="50" charset="-128"/>
+                <a:ea typeface="メイリオ" panose="020B0604030504040204" pitchFamily="50" charset="-128"/>
+              </a:rPr>
+              <a:t>食べログの口コミ</a:t>
+            </a:r>
+            <a:endParaRPr kumimoji="1" lang="en-US" altLang="ja-JP" sz="2800" dirty="0">
+              <a:latin typeface="メイリオ" panose="020B0604030504040204" pitchFamily="50" charset="-128"/>
+              <a:ea typeface="メイリオ" panose="020B0604030504040204" pitchFamily="50" charset="-128"/>
+            </a:endParaRPr>
+          </a:p>
+          <a:p>
+            <a:r>
+              <a:rPr kumimoji="1" lang="en-US" altLang="ja-JP" dirty="0">
+                <a:latin typeface="メイリオ" panose="020B0604030504040204" pitchFamily="50" charset="-128"/>
+                <a:ea typeface="メイリオ" panose="020B0604030504040204" pitchFamily="50" charset="-128"/>
+                <a:hlinkClick r:id="rId2"/>
+              </a:rPr>
+              <a:t>https://tabelog.com/tokyo/A1310/A131003/13000629/dtlrvwlst/</a:t>
+            </a:r>
+            <a:endParaRPr kumimoji="1" lang="en-US" altLang="ja-JP" dirty="0">
+              <a:latin typeface="メイリオ" panose="020B0604030504040204" pitchFamily="50" charset="-128"/>
+              <a:ea typeface="メイリオ" panose="020B0604030504040204" pitchFamily="50" charset="-128"/>
+            </a:endParaRPr>
+          </a:p>
+          <a:p>
+            <a:endParaRPr kumimoji="1" lang="ja-JP" altLang="en-US" dirty="0">
+              <a:latin typeface="メイリオ" panose="020B0604030504040204" pitchFamily="50" charset="-128"/>
+              <a:ea typeface="メイリオ" panose="020B0604030504040204" pitchFamily="50" charset="-128"/>
+            </a:endParaRPr>
+          </a:p>
+        </p:txBody>
+      </p:sp>
+    </p:spTree>
+    <p:extLst>
+      <p:ext uri="{BB962C8B-B14F-4D97-AF65-F5344CB8AC3E}">
+        <p14:creationId xmlns:p14="http://schemas.microsoft.com/office/powerpoint/2010/main" val="3516883330"/>
+      </p:ext>
+    </p:extLst>
+  </p:cSld>
+  <p:clrMapOvr>
+    <a:masterClrMapping/>
+  </p:clrMapOvr>
+</p:sld>
+</file>
+
+<file path=ppt/slides/slide20.xml><?xml version="1.0" encoding="utf-8"?>
 <p:sld xmlns:a="http://schemas.openxmlformats.org/drawingml/2006/main" xmlns:r="http://schemas.openxmlformats.org/officeDocument/2006/relationships" xmlns:p="http://schemas.openxmlformats.org/presentationml/2006/main">
   <p:cSld>
     <p:spTree>
@@ -19190,237 +20190,7 @@
 </p:sld>
 </file>
 
-<file path=ppt/slides/slide2.xml><?xml version="1.0" encoding="utf-8"?>
-<p:sld xmlns:a="http://schemas.openxmlformats.org/drawingml/2006/main" xmlns:r="http://schemas.openxmlformats.org/officeDocument/2006/relationships" xmlns:p="http://schemas.openxmlformats.org/presentationml/2006/main">
-  <p:cSld>
-    <p:spTree>
-      <p:nvGrpSpPr>
-        <p:cNvPr id="1" name=""/>
-        <p:cNvGrpSpPr/>
-        <p:nvPr/>
-      </p:nvGrpSpPr>
-      <p:grpSpPr>
-        <a:xfrm>
-          <a:off x="0" y="0"/>
-          <a:ext cx="0" cy="0"/>
-          <a:chOff x="0" y="0"/>
-          <a:chExt cx="0" cy="0"/>
-        </a:xfrm>
-      </p:grpSpPr>
-      <p:sp>
-        <p:nvSpPr>
-          <p:cNvPr id="3" name="正方形/長方形 2">
-            <a:extLst>
-              <a:ext uri="{FF2B5EF4-FFF2-40B4-BE49-F238E27FC236}">
-                <a16:creationId xmlns:a16="http://schemas.microsoft.com/office/drawing/2014/main" id="{6A5DC294-0890-4F3D-ABAE-4949D3B01A91}"/>
-              </a:ext>
-            </a:extLst>
-          </p:cNvPr>
-          <p:cNvSpPr/>
-          <p:nvPr/>
-        </p:nvSpPr>
-        <p:spPr>
-          <a:xfrm>
-            <a:off x="987832" y="2190089"/>
-            <a:ext cx="10149416" cy="1384995"/>
-          </a:xfrm>
-          <a:prstGeom prst="rect">
-            <a:avLst/>
-          </a:prstGeom>
-        </p:spPr>
-        <p:txBody>
-          <a:bodyPr wrap="square">
-            <a:spAutoFit/>
-          </a:bodyPr>
-          <a:lstStyle/>
-          <a:p>
-            <a:r>
-              <a:rPr lang="ja-JP" altLang="en-US" sz="2800" dirty="0"/>
-              <a:t>１．スープは無化調の魚介ベース醤油味。麺は平打ちの太ストレート麺。具はバラ肉と肩ロース肉のチャーシュー</a:t>
-            </a:r>
-            <a:r>
-              <a:rPr lang="en-US" altLang="ja-JP" sz="2800" dirty="0"/>
-              <a:t>,</a:t>
-            </a:r>
-            <a:r>
-              <a:rPr lang="ja-JP" altLang="en-US" sz="2800" dirty="0"/>
-              <a:t>白ネギ</a:t>
-            </a:r>
-            <a:r>
-              <a:rPr lang="en-US" altLang="ja-JP" sz="2800" dirty="0"/>
-              <a:t>,</a:t>
-            </a:r>
-            <a:r>
-              <a:rPr lang="ja-JP" altLang="en-US" sz="2800" dirty="0"/>
-              <a:t>穂先メンマを使用。</a:t>
-            </a:r>
-          </a:p>
-        </p:txBody>
-      </p:sp>
-      <p:sp>
-        <p:nvSpPr>
-          <p:cNvPr id="4" name="正方形/長方形 3">
-            <a:extLst>
-              <a:ext uri="{FF2B5EF4-FFF2-40B4-BE49-F238E27FC236}">
-                <a16:creationId xmlns:a16="http://schemas.microsoft.com/office/drawing/2014/main" id="{4F5C20EC-21D1-4D89-9857-73C4645105CE}"/>
-              </a:ext>
-            </a:extLst>
-          </p:cNvPr>
-          <p:cNvSpPr/>
-          <p:nvPr/>
-        </p:nvSpPr>
-        <p:spPr>
-          <a:xfrm>
-            <a:off x="987832" y="4079641"/>
-            <a:ext cx="10845681" cy="1384995"/>
-          </a:xfrm>
-          <a:prstGeom prst="rect">
-            <a:avLst/>
-          </a:prstGeom>
-        </p:spPr>
-        <p:txBody>
-          <a:bodyPr wrap="square">
-            <a:spAutoFit/>
-          </a:bodyPr>
-          <a:lstStyle/>
-          <a:p>
-            <a:r>
-              <a:rPr lang="ja-JP" altLang="en-US" sz="2800" dirty="0"/>
-              <a:t>２．揚げ物も、何か一つくらい取りたかったが・・・明らかに、作る早さが、（客の流れに）間に合ってない。</a:t>
-            </a:r>
-            <a:r>
-              <a:rPr lang="en-US" altLang="ja-JP" sz="2800" dirty="0"/>
-              <a:t>※</a:t>
-            </a:r>
-            <a:r>
-              <a:rPr lang="ja-JP" altLang="en-US" sz="2800" dirty="0"/>
-              <a:t>今回は諦めだ</a:t>
-            </a:r>
-          </a:p>
-          <a:p>
-            <a:r>
-              <a:rPr lang="ja-JP" altLang="en-US" sz="2800" dirty="0"/>
-              <a:t>何度も食べている釜揚げですけど今日も美味しくいただきました。</a:t>
-            </a:r>
-          </a:p>
-        </p:txBody>
-      </p:sp>
-      <p:sp>
-        <p:nvSpPr>
-          <p:cNvPr id="5" name="テキスト ボックス 4">
-            <a:extLst>
-              <a:ext uri="{FF2B5EF4-FFF2-40B4-BE49-F238E27FC236}">
-                <a16:creationId xmlns:a16="http://schemas.microsoft.com/office/drawing/2014/main" id="{83183CF3-AF75-4109-B832-C8E7613954A3}"/>
-              </a:ext>
-            </a:extLst>
-          </p:cNvPr>
-          <p:cNvSpPr txBox="1"/>
-          <p:nvPr/>
-        </p:nvSpPr>
-        <p:spPr>
-          <a:xfrm>
-            <a:off x="650407" y="485204"/>
-            <a:ext cx="8392041" cy="584775"/>
-          </a:xfrm>
-          <a:prstGeom prst="rect">
-            <a:avLst/>
-          </a:prstGeom>
-          <a:noFill/>
-        </p:spPr>
-        <p:txBody>
-          <a:bodyPr wrap="none" rtlCol="0">
-            <a:spAutoFit/>
-          </a:bodyPr>
-          <a:lstStyle/>
-          <a:p>
-            <a:pPr algn="l"/>
-            <a:r>
-              <a:rPr kumimoji="1" lang="ja-JP" altLang="en-US" sz="3200" b="1" dirty="0">
-                <a:latin typeface="メイリオ" panose="020B0604030504040204" pitchFamily="50" charset="-128"/>
-                <a:ea typeface="メイリオ" panose="020B0604030504040204" pitchFamily="50" charset="-128"/>
-              </a:rPr>
-              <a:t>この２つの文書は何を語っているでしょう？</a:t>
-            </a:r>
-          </a:p>
-        </p:txBody>
-      </p:sp>
-      <p:sp>
-        <p:nvSpPr>
-          <p:cNvPr id="6" name="テキスト ボックス 5">
-            <a:extLst>
-              <a:ext uri="{FF2B5EF4-FFF2-40B4-BE49-F238E27FC236}">
-                <a16:creationId xmlns:a16="http://schemas.microsoft.com/office/drawing/2014/main" id="{E0272F4F-4FFB-4D2F-947C-7254423456A1}"/>
-              </a:ext>
-            </a:extLst>
-          </p:cNvPr>
-          <p:cNvSpPr txBox="1"/>
-          <p:nvPr/>
-        </p:nvSpPr>
-        <p:spPr>
-          <a:xfrm>
-            <a:off x="987832" y="1112871"/>
-            <a:ext cx="8160739" cy="1077218"/>
-          </a:xfrm>
-          <a:prstGeom prst="rect">
-            <a:avLst/>
-          </a:prstGeom>
-          <a:noFill/>
-        </p:spPr>
-        <p:txBody>
-          <a:bodyPr wrap="square" rtlCol="0">
-            <a:spAutoFit/>
-          </a:bodyPr>
-          <a:lstStyle/>
-          <a:p>
-            <a:pPr algn="l"/>
-            <a:r>
-              <a:rPr kumimoji="1" lang="ja-JP" altLang="en-US" sz="2800" dirty="0">
-                <a:latin typeface="メイリオ" panose="020B0604030504040204" pitchFamily="50" charset="-128"/>
-                <a:ea typeface="メイリオ" panose="020B0604030504040204" pitchFamily="50" charset="-128"/>
-              </a:rPr>
-              <a:t>食べログの口コミ</a:t>
-            </a:r>
-            <a:endParaRPr kumimoji="1" lang="en-US" altLang="ja-JP" sz="2800" dirty="0">
-              <a:latin typeface="メイリオ" panose="020B0604030504040204" pitchFamily="50" charset="-128"/>
-              <a:ea typeface="メイリオ" panose="020B0604030504040204" pitchFamily="50" charset="-128"/>
-            </a:endParaRPr>
-          </a:p>
-          <a:p>
-            <a:r>
-              <a:rPr kumimoji="1" lang="en-US" altLang="ja-JP" dirty="0">
-                <a:latin typeface="メイリオ" panose="020B0604030504040204" pitchFamily="50" charset="-128"/>
-                <a:ea typeface="メイリオ" panose="020B0604030504040204" pitchFamily="50" charset="-128"/>
-                <a:hlinkClick r:id="rId2"/>
-              </a:rPr>
-              <a:t>https://tabelog.com/tokyo/A1310/A131003/13000629/dtlrvwlst/</a:t>
-            </a:r>
-            <a:endParaRPr kumimoji="1" lang="en-US" altLang="ja-JP" dirty="0">
-              <a:latin typeface="メイリオ" panose="020B0604030504040204" pitchFamily="50" charset="-128"/>
-              <a:ea typeface="メイリオ" panose="020B0604030504040204" pitchFamily="50" charset="-128"/>
-            </a:endParaRPr>
-          </a:p>
-          <a:p>
-            <a:endParaRPr kumimoji="1" lang="ja-JP" altLang="en-US" dirty="0">
-              <a:latin typeface="メイリオ" panose="020B0604030504040204" pitchFamily="50" charset="-128"/>
-              <a:ea typeface="メイリオ" panose="020B0604030504040204" pitchFamily="50" charset="-128"/>
-            </a:endParaRPr>
-          </a:p>
-        </p:txBody>
-      </p:sp>
-    </p:spTree>
-    <p:extLst>
-      <p:ext uri="{BB962C8B-B14F-4D97-AF65-F5344CB8AC3E}">
-        <p14:creationId xmlns:p14="http://schemas.microsoft.com/office/powerpoint/2010/main" val="3516883330"/>
-      </p:ext>
-    </p:extLst>
-  </p:cSld>
-  <p:clrMapOvr>
-    <a:masterClrMapping/>
-  </p:clrMapOvr>
-</p:sld>
-</file>
-
-<file path=ppt/slides/slide20.xml><?xml version="1.0" encoding="utf-8"?>
+<file path=ppt/slides/slide21.xml><?xml version="1.0" encoding="utf-8"?>
 <p:sld xmlns:a="http://schemas.openxmlformats.org/drawingml/2006/main" xmlns:r="http://schemas.openxmlformats.org/officeDocument/2006/relationships" xmlns:p="http://schemas.openxmlformats.org/presentationml/2006/main">
   <p:cSld>
     <p:spTree>
@@ -19609,7 +20379,7 @@
 </p:sld>
 </file>
 
-<file path=ppt/slides/slide21.xml><?xml version="1.0" encoding="utf-8"?>
+<file path=ppt/slides/slide22.xml><?xml version="1.0" encoding="utf-8"?>
 <p:sld xmlns:a="http://schemas.openxmlformats.org/drawingml/2006/main" xmlns:r="http://schemas.openxmlformats.org/officeDocument/2006/relationships" xmlns:p="http://schemas.openxmlformats.org/presentationml/2006/main">
   <p:cSld>
     <p:spTree>
@@ -19979,7 +20749,7 @@
 </p:sld>
 </file>
 
-<file path=ppt/slides/slide22.xml><?xml version="1.0" encoding="utf-8"?>
+<file path=ppt/slides/slide23.xml><?xml version="1.0" encoding="utf-8"?>
 <p:sld xmlns:a="http://schemas.openxmlformats.org/drawingml/2006/main" xmlns:r="http://schemas.openxmlformats.org/officeDocument/2006/relationships" xmlns:p="http://schemas.openxmlformats.org/presentationml/2006/main">
   <p:cSld>
     <p:spTree>
@@ -20124,7 +20894,7 @@
 </p:sld>
 </file>
 
-<file path=ppt/slides/slide23.xml><?xml version="1.0" encoding="utf-8"?>
+<file path=ppt/slides/slide24.xml><?xml version="1.0" encoding="utf-8"?>
 <p:sld xmlns:a="http://schemas.openxmlformats.org/drawingml/2006/main" xmlns:r="http://schemas.openxmlformats.org/officeDocument/2006/relationships" xmlns:p="http://schemas.openxmlformats.org/presentationml/2006/main">
   <p:cSld>
     <p:spTree>
@@ -20463,7 +21233,7 @@
 </p:sld>
 </file>
 
-<file path=ppt/slides/slide24.xml><?xml version="1.0" encoding="utf-8"?>
+<file path=ppt/slides/slide25.xml><?xml version="1.0" encoding="utf-8"?>
 <p:sld xmlns:a="http://schemas.openxmlformats.org/drawingml/2006/main" xmlns:r="http://schemas.openxmlformats.org/officeDocument/2006/relationships" xmlns:p="http://schemas.openxmlformats.org/presentationml/2006/main">
   <p:cSld>
     <p:spTree>
@@ -21347,7 +22117,7 @@
 </p:sld>
 </file>
 
-<file path=ppt/slides/slide25.xml><?xml version="1.0" encoding="utf-8"?>
+<file path=ppt/slides/slide26.xml><?xml version="1.0" encoding="utf-8"?>
 <p:sld xmlns:a="http://schemas.openxmlformats.org/drawingml/2006/main" xmlns:r="http://schemas.openxmlformats.org/officeDocument/2006/relationships" xmlns:p="http://schemas.openxmlformats.org/presentationml/2006/main">
   <p:cSld>
     <p:spTree>
@@ -21564,7 +22334,7 @@
 </p:sld>
 </file>
 
-<file path=ppt/slides/slide26.xml><?xml version="1.0" encoding="utf-8"?>
+<file path=ppt/slides/slide27.xml><?xml version="1.0" encoding="utf-8"?>
 <p:sld xmlns:a="http://schemas.openxmlformats.org/drawingml/2006/main" xmlns:r="http://schemas.openxmlformats.org/officeDocument/2006/relationships" xmlns:p="http://schemas.openxmlformats.org/presentationml/2006/main">
   <p:cSld>
     <p:spTree>
@@ -21954,7 +22724,7 @@
 </p:sld>
 </file>
 
-<file path=ppt/slides/slide27.xml><?xml version="1.0" encoding="utf-8"?>
+<file path=ppt/slides/slide28.xml><?xml version="1.0" encoding="utf-8"?>
 <p:sld xmlns:a="http://schemas.openxmlformats.org/drawingml/2006/main" xmlns:r="http://schemas.openxmlformats.org/officeDocument/2006/relationships" xmlns:p="http://schemas.openxmlformats.org/presentationml/2006/main">
   <p:cSld>
     <p:spTree>
@@ -25971,7 +26741,7 @@
           <p:cNvPr id="2" name="テキスト ボックス 1">
             <a:extLst>
               <a:ext uri="{FF2B5EF4-FFF2-40B4-BE49-F238E27FC236}">
-                <a16:creationId xmlns:a16="http://schemas.microsoft.com/office/drawing/2014/main" id="{C46328DE-FACD-F211-A122-17A980440FBA}"/>
+                <a16:creationId xmlns:a16="http://schemas.microsoft.com/office/drawing/2014/main" id="{4942A2BD-17B3-CF9A-EEAB-429DF64053C3}"/>
               </a:ext>
             </a:extLst>
           </p:cNvPr>
@@ -25980,7 +26750,7 @@
         </p:nvSpPr>
         <p:spPr>
           <a:xfrm>
-            <a:off x="735724" y="495421"/>
+            <a:off x="509113" y="208551"/>
             <a:ext cx="7160935" cy="584775"/>
           </a:xfrm>
           <a:prstGeom prst="rect">
@@ -26010,7 +26780,7 @@
           <p:cNvPr id="3" name="テキスト ボックス 2">
             <a:extLst>
               <a:ext uri="{FF2B5EF4-FFF2-40B4-BE49-F238E27FC236}">
-                <a16:creationId xmlns:a16="http://schemas.microsoft.com/office/drawing/2014/main" id="{529C2257-5D5E-FA0D-E1B7-07C557EC2DFE}"/>
+                <a16:creationId xmlns:a16="http://schemas.microsoft.com/office/drawing/2014/main" id="{A3A95FF4-E551-FA6D-EC0A-0146E71655F6}"/>
               </a:ext>
             </a:extLst>
           </p:cNvPr>
@@ -26019,8 +26789,8 @@
         </p:nvSpPr>
         <p:spPr>
           <a:xfrm>
-            <a:off x="830317" y="1745015"/>
-            <a:ext cx="3877985" cy="461665"/>
+            <a:off x="560408" y="877784"/>
+            <a:ext cx="5416868" cy="461665"/>
           </a:xfrm>
           <a:prstGeom prst="rect">
             <a:avLst/>
@@ -26039,7 +26809,7 @@
                 <a:latin typeface="メイリオ" panose="020B0604030504040204" pitchFamily="50" charset="-128"/>
                 <a:ea typeface="メイリオ" panose="020B0604030504040204" pitchFamily="50" charset="-128"/>
               </a:rPr>
-              <a:t>すもももももももものうち</a:t>
+              <a:t>単語に確率があるとはどういうことか</a:t>
             </a:r>
           </a:p>
         </p:txBody>
@@ -26049,7 +26819,7 @@
           <p:cNvPr id="4" name="テキスト ボックス 3">
             <a:extLst>
               <a:ext uri="{FF2B5EF4-FFF2-40B4-BE49-F238E27FC236}">
-                <a16:creationId xmlns:a16="http://schemas.microsoft.com/office/drawing/2014/main" id="{20E5E2DE-686C-B9C7-E0E1-4313E825D22A}"/>
+                <a16:creationId xmlns:a16="http://schemas.microsoft.com/office/drawing/2014/main" id="{FF95ABB5-7D32-40D0-AAB3-A2D11C5A8D43}"/>
               </a:ext>
             </a:extLst>
           </p:cNvPr>
@@ -26058,8 +26828,303 @@
         </p:nvSpPr>
         <p:spPr>
           <a:xfrm>
-            <a:off x="924910" y="2564524"/>
-            <a:ext cx="5832046" cy="461665"/>
+            <a:off x="509113" y="1907689"/>
+            <a:ext cx="10493828" cy="1569660"/>
+          </a:xfrm>
+          <a:prstGeom prst="rect">
+            <a:avLst/>
+          </a:prstGeom>
+          <a:noFill/>
+        </p:spPr>
+        <p:txBody>
+          <a:bodyPr wrap="square" rtlCol="0">
+            <a:spAutoFit/>
+          </a:bodyPr>
+          <a:lstStyle/>
+          <a:p>
+            <a:pPr algn="l"/>
+            <a:r>
+              <a:rPr lang="ja-JP" altLang="en-US" sz="1600" b="0" i="0" dirty="0">
+                <a:solidFill>
+                  <a:srgbClr val="202122"/>
+                </a:solidFill>
+                <a:effectLst/>
+                <a:latin typeface="Arial" panose="020B0604020202020204" pitchFamily="34" charset="0"/>
+              </a:rPr>
+              <a:t>スモモとよばれる栽培種は多数あり、日本に多く見られる</a:t>
+            </a:r>
+            <a:r>
+              <a:rPr lang="ja-JP" altLang="en-US" sz="1600" b="0" i="0" u="none" strike="noStrike" dirty="0">
+                <a:solidFill>
+                  <a:srgbClr val="3366CC"/>
+                </a:solidFill>
+                <a:effectLst/>
+                <a:latin typeface="Arial" panose="020B0604020202020204" pitchFamily="34" charset="0"/>
+                <a:hlinkClick r:id="rId2" tooltip="中国"/>
+              </a:rPr>
+              <a:t>中国</a:t>
+            </a:r>
+            <a:r>
+              <a:rPr lang="ja-JP" altLang="en-US" sz="1600" b="0" i="0" dirty="0">
+                <a:solidFill>
+                  <a:srgbClr val="202122"/>
+                </a:solidFill>
+                <a:effectLst/>
+                <a:latin typeface="Arial" panose="020B0604020202020204" pitchFamily="34" charset="0"/>
+              </a:rPr>
+              <a:t>原産の日本スモモと、</a:t>
+            </a:r>
+            <a:r>
+              <a:rPr lang="ja-JP" altLang="en-US" sz="1600" b="0" i="0" u="none" strike="noStrike" dirty="0">
+                <a:solidFill>
+                  <a:srgbClr val="3366CC"/>
+                </a:solidFill>
+                <a:effectLst/>
+                <a:latin typeface="Arial" panose="020B0604020202020204" pitchFamily="34" charset="0"/>
+                <a:hlinkClick r:id="rId3" tooltip="ヨーロッパ"/>
+              </a:rPr>
+              <a:t>ヨーロッパ</a:t>
+            </a:r>
+            <a:r>
+              <a:rPr lang="ja-JP" altLang="en-US" sz="1600" b="0" i="0" dirty="0">
+                <a:solidFill>
+                  <a:srgbClr val="202122"/>
+                </a:solidFill>
+                <a:effectLst/>
+                <a:latin typeface="Arial" panose="020B0604020202020204" pitchFamily="34" charset="0"/>
+              </a:rPr>
+              <a:t>・</a:t>
+            </a:r>
+            <a:r>
+              <a:rPr lang="ja-JP" altLang="en-US" sz="1600" b="0" i="0" u="none" strike="noStrike" dirty="0">
+                <a:solidFill>
+                  <a:srgbClr val="3366CC"/>
+                </a:solidFill>
+                <a:effectLst/>
+                <a:latin typeface="Arial" panose="020B0604020202020204" pitchFamily="34" charset="0"/>
+                <a:hlinkClick r:id="rId4" tooltip="コーカサス"/>
+              </a:rPr>
+              <a:t>コーカサス</a:t>
+            </a:r>
+            <a:r>
+              <a:rPr lang="ja-JP" altLang="en-US" sz="1600" b="0" i="0" dirty="0">
+                <a:solidFill>
+                  <a:srgbClr val="202122"/>
+                </a:solidFill>
+                <a:effectLst/>
+                <a:latin typeface="Arial" panose="020B0604020202020204" pitchFamily="34" charset="0"/>
+              </a:rPr>
+              <a:t>原産の</a:t>
+            </a:r>
+            <a:r>
+              <a:rPr lang="ja-JP" altLang="en-US" sz="1600" b="0" i="0" u="none" strike="noStrike" dirty="0">
+                <a:solidFill>
+                  <a:srgbClr val="BF3C2C"/>
+                </a:solidFill>
+                <a:effectLst/>
+                <a:latin typeface="Arial" panose="020B0604020202020204" pitchFamily="34" charset="0"/>
+                <a:hlinkClick r:id="rId5" tooltip="ヨーロッパスモモ (存在しないページ)"/>
+              </a:rPr>
+              <a:t>ヨーロッパスモモ</a:t>
+            </a:r>
+            <a:r>
+              <a:rPr lang="ja-JP" altLang="en-US" sz="1600" b="0" i="0" dirty="0">
+                <a:solidFill>
+                  <a:srgbClr val="202122"/>
+                </a:solidFill>
+                <a:effectLst/>
+                <a:latin typeface="Arial" panose="020B0604020202020204" pitchFamily="34" charset="0"/>
+              </a:rPr>
+              <a:t>・</a:t>
+            </a:r>
+            <a:r>
+              <a:rPr lang="ja-JP" altLang="en-US" sz="1600" b="0" i="0" u="none" strike="noStrike" dirty="0">
+                <a:solidFill>
+                  <a:srgbClr val="BF3C2C"/>
+                </a:solidFill>
+                <a:effectLst/>
+                <a:latin typeface="Arial" panose="020B0604020202020204" pitchFamily="34" charset="0"/>
+                <a:hlinkClick r:id="rId6" tooltip="アメリカスモモ (存在しないページ)"/>
+              </a:rPr>
+              <a:t>アメリカスモモ</a:t>
+            </a:r>
+            <a:r>
+              <a:rPr lang="ja-JP" altLang="en-US" sz="1600" b="0" i="0" dirty="0">
+                <a:solidFill>
+                  <a:srgbClr val="202122"/>
+                </a:solidFill>
+                <a:effectLst/>
+                <a:latin typeface="Arial" panose="020B0604020202020204" pitchFamily="34" charset="0"/>
+              </a:rPr>
+              <a:t>に大別できる。日本のスモモはニホンスモモが多品種と交雑してできた品種で、総称して「プラム」とよばれている。</a:t>
+            </a:r>
+            <a:r>
+              <a:rPr lang="en-US" altLang="ja-JP" sz="1600" b="0" i="0" dirty="0">
+                <a:solidFill>
+                  <a:srgbClr val="202122"/>
+                </a:solidFill>
+                <a:effectLst/>
+                <a:latin typeface="Arial" panose="020B0604020202020204" pitchFamily="34" charset="0"/>
+              </a:rPr>
+              <a:t>19</a:t>
+            </a:r>
+            <a:r>
+              <a:rPr lang="ja-JP" altLang="en-US" sz="1600" b="0" i="0" dirty="0">
+                <a:solidFill>
+                  <a:srgbClr val="202122"/>
+                </a:solidFill>
+                <a:effectLst/>
+                <a:latin typeface="Arial" panose="020B0604020202020204" pitchFamily="34" charset="0"/>
+              </a:rPr>
+              <a:t>世紀に</a:t>
+            </a:r>
+            <a:r>
+              <a:rPr lang="ja-JP" altLang="en-US" sz="1600" b="0" i="0" u="none" strike="noStrike" dirty="0">
+                <a:solidFill>
+                  <a:srgbClr val="3366CC"/>
+                </a:solidFill>
+                <a:effectLst/>
+                <a:latin typeface="Arial" panose="020B0604020202020204" pitchFamily="34" charset="0"/>
+                <a:hlinkClick r:id="rId7" tooltip="アメリカ"/>
+              </a:rPr>
+              <a:t>アメリカ</a:t>
+            </a:r>
+            <a:r>
+              <a:rPr lang="ja-JP" altLang="en-US" sz="1600" b="0" i="0" dirty="0">
+                <a:solidFill>
+                  <a:srgbClr val="202122"/>
+                </a:solidFill>
+                <a:effectLst/>
+                <a:latin typeface="Arial" panose="020B0604020202020204" pitchFamily="34" charset="0"/>
+              </a:rPr>
+              <a:t>に渡った</a:t>
+            </a:r>
+            <a:r>
+              <a:rPr lang="ja-JP" altLang="en-US" sz="1600" b="0" i="0" dirty="0">
+                <a:solidFill>
+                  <a:srgbClr val="FF0000"/>
+                </a:solidFill>
+                <a:effectLst/>
+                <a:latin typeface="Arial" panose="020B0604020202020204" pitchFamily="34" charset="0"/>
+              </a:rPr>
+              <a:t>スモモは</a:t>
+            </a:r>
+            <a:r>
+              <a:rPr lang="ja-JP" altLang="en-US" sz="1600" b="0" i="0" dirty="0">
+                <a:solidFill>
+                  <a:srgbClr val="202122"/>
+                </a:solidFill>
+                <a:effectLst/>
+                <a:latin typeface="Arial" panose="020B0604020202020204" pitchFamily="34" charset="0"/>
+              </a:rPr>
+              <a:t>育種家の</a:t>
+            </a:r>
+            <a:r>
+              <a:rPr lang="ja-JP" altLang="en-US" sz="1600" b="0" i="0" u="none" strike="noStrike" dirty="0">
+                <a:solidFill>
+                  <a:srgbClr val="3366CC"/>
+                </a:solidFill>
+                <a:effectLst/>
+                <a:latin typeface="Arial" panose="020B0604020202020204" pitchFamily="34" charset="0"/>
+                <a:hlinkClick r:id="rId8" tooltip="ルーサー・バーバンク"/>
+              </a:rPr>
+              <a:t>ルーサー・バーバンク</a:t>
+            </a:r>
+            <a:r>
+              <a:rPr lang="ja-JP" altLang="en-US" sz="1600" b="0" i="0" dirty="0">
+                <a:solidFill>
+                  <a:srgbClr val="202122"/>
+                </a:solidFill>
+                <a:effectLst/>
+                <a:latin typeface="Arial" panose="020B0604020202020204" pitchFamily="34" charset="0"/>
+              </a:rPr>
+              <a:t>の手により「ソルダム」「サンタローザ」「ビューティー」などの品種として改良され、再び日本に「プラム」として輸入された。それらを元に日本では「大石早生」「月光」などに発展させていった</a:t>
+            </a:r>
+            <a:r>
+              <a:rPr lang="en-US" altLang="ja-JP" sz="1600" b="0" i="0" u="none" strike="noStrike" baseline="30000" dirty="0">
+                <a:solidFill>
+                  <a:srgbClr val="3366CC"/>
+                </a:solidFill>
+                <a:effectLst/>
+                <a:latin typeface="Arial" panose="020B0604020202020204" pitchFamily="34" charset="0"/>
+                <a:hlinkClick r:id="rId9"/>
+              </a:rPr>
+              <a:t>[6]</a:t>
+            </a:r>
+            <a:r>
+              <a:rPr lang="ja-JP" altLang="en-US" sz="1600" b="0" i="0" dirty="0">
+                <a:solidFill>
+                  <a:srgbClr val="202122"/>
+                </a:solidFill>
+                <a:effectLst/>
+                <a:latin typeface="Arial" panose="020B0604020202020204" pitchFamily="34" charset="0"/>
+              </a:rPr>
+              <a:t>。一方、ヨーロッパ</a:t>
+            </a:r>
+            <a:r>
+              <a:rPr lang="ja-JP" altLang="en-US" sz="1600" b="0" i="0" dirty="0">
+                <a:solidFill>
+                  <a:srgbClr val="FF0000"/>
+                </a:solidFill>
+                <a:effectLst/>
+                <a:latin typeface="Arial" panose="020B0604020202020204" pitchFamily="34" charset="0"/>
+              </a:rPr>
+              <a:t>スモモは</a:t>
+            </a:r>
+            <a:r>
+              <a:rPr lang="ja-JP" altLang="en-US" sz="1600" b="0" i="0" dirty="0">
+                <a:solidFill>
+                  <a:srgbClr val="202122"/>
+                </a:solidFill>
+                <a:effectLst/>
+                <a:latin typeface="Arial" panose="020B0604020202020204" pitchFamily="34" charset="0"/>
+              </a:rPr>
+              <a:t>、青紫色の楕円タイプが多く、日本では</a:t>
+            </a:r>
+            <a:r>
+              <a:rPr lang="ja-JP" altLang="en-US" sz="1600" b="0" i="0" u="none" strike="noStrike" dirty="0">
+                <a:solidFill>
+                  <a:srgbClr val="3366CC"/>
+                </a:solidFill>
+                <a:effectLst/>
+                <a:latin typeface="Arial" panose="020B0604020202020204" pitchFamily="34" charset="0"/>
+                <a:hlinkClick r:id="rId10" tooltip="プルーン"/>
+              </a:rPr>
+              <a:t>プルーン</a:t>
+            </a:r>
+            <a:r>
+              <a:rPr lang="ja-JP" altLang="en-US" sz="1600" b="0" i="0" dirty="0">
+                <a:solidFill>
+                  <a:srgbClr val="202122"/>
+                </a:solidFill>
+                <a:effectLst/>
+                <a:latin typeface="Arial" panose="020B0604020202020204" pitchFamily="34" charset="0"/>
+              </a:rPr>
+              <a:t>がよく知られている</a:t>
+            </a:r>
+            <a:endParaRPr kumimoji="1" lang="ja-JP" altLang="en-US" sz="1600" dirty="0">
+              <a:latin typeface="メイリオ" panose="020B0604030504040204" pitchFamily="50" charset="-128"/>
+              <a:ea typeface="メイリオ" panose="020B0604030504040204" pitchFamily="50" charset="-128"/>
+            </a:endParaRPr>
+          </a:p>
+        </p:txBody>
+      </p:sp>
+      <p:sp>
+        <p:nvSpPr>
+          <p:cNvPr id="5" name="テキスト ボックス 4">
+            <a:extLst>
+              <a:ext uri="{FF2B5EF4-FFF2-40B4-BE49-F238E27FC236}">
+                <a16:creationId xmlns:a16="http://schemas.microsoft.com/office/drawing/2014/main" id="{108BCB7A-B25D-2C7F-EB32-BDF7FCDF7D91}"/>
+              </a:ext>
+            </a:extLst>
+          </p:cNvPr>
+          <p:cNvSpPr txBox="1"/>
+          <p:nvPr/>
+        </p:nvSpPr>
+        <p:spPr>
+          <a:xfrm>
+            <a:off x="560408" y="1446024"/>
+            <a:ext cx="7058343" cy="461665"/>
           </a:xfrm>
           <a:prstGeom prst="rect">
             <a:avLst/>
@@ -26074,84 +27139,82 @@
           <a:p>
             <a:pPr algn="l"/>
             <a:r>
-              <a:rPr kumimoji="1" lang="en-US" altLang="ja-JP" sz="2400" dirty="0">
-                <a:latin typeface="メイリオ" panose="020B0604030504040204" pitchFamily="50" charset="-128"/>
-                <a:ea typeface="メイリオ" panose="020B0604030504040204" pitchFamily="50" charset="-128"/>
-              </a:rPr>
-              <a:t>1.</a:t>
-            </a:r>
-            <a:r>
-              <a:rPr kumimoji="1" lang="ja-JP" altLang="en-US" sz="2400" dirty="0">
-                <a:latin typeface="メイリオ" panose="020B0604030504040204" pitchFamily="50" charset="-128"/>
-                <a:ea typeface="メイリオ" panose="020B0604030504040204" pitchFamily="50" charset="-128"/>
-              </a:rPr>
-              <a:t> 最初の文字</a:t>
-            </a:r>
-            <a:r>
-              <a:rPr kumimoji="1" lang="en-US" altLang="ja-JP" sz="2400" dirty="0">
-                <a:latin typeface="メイリオ" panose="020B0604030504040204" pitchFamily="50" charset="-128"/>
-                <a:ea typeface="メイリオ" panose="020B0604030504040204" pitchFamily="50" charset="-128"/>
-              </a:rPr>
-              <a:t>’</a:t>
-            </a:r>
-            <a:r>
-              <a:rPr kumimoji="1" lang="ja-JP" altLang="en-US" sz="2400" dirty="0">
-                <a:latin typeface="メイリオ" panose="020B0604030504040204" pitchFamily="50" charset="-128"/>
-                <a:ea typeface="メイリオ" panose="020B0604030504040204" pitchFamily="50" charset="-128"/>
-              </a:rPr>
-              <a:t>す</a:t>
-            </a:r>
-            <a:r>
-              <a:rPr kumimoji="1" lang="en-US" altLang="ja-JP" sz="2400" dirty="0">
-                <a:latin typeface="メイリオ" panose="020B0604030504040204" pitchFamily="50" charset="-128"/>
-                <a:ea typeface="メイリオ" panose="020B0604030504040204" pitchFamily="50" charset="-128"/>
-              </a:rPr>
-              <a:t>’</a:t>
-            </a:r>
-            <a:r>
-              <a:rPr kumimoji="1" lang="ja-JP" altLang="en-US" sz="2400" dirty="0">
-                <a:latin typeface="メイリオ" panose="020B0604030504040204" pitchFamily="50" charset="-128"/>
-                <a:ea typeface="メイリオ" panose="020B0604030504040204" pitchFamily="50" charset="-128"/>
-              </a:rPr>
-              <a:t>の次に文字、</a:t>
-            </a:r>
-            <a:r>
-              <a:rPr kumimoji="1" lang="en-US" altLang="ja-JP" sz="2400" dirty="0">
-                <a:latin typeface="メイリオ" panose="020B0604030504040204" pitchFamily="50" charset="-128"/>
-                <a:ea typeface="メイリオ" panose="020B0604030504040204" pitchFamily="50" charset="-128"/>
-              </a:rPr>
-              <a:t>’</a:t>
-            </a:r>
-            <a:r>
-              <a:rPr kumimoji="1" lang="ja-JP" altLang="en-US" sz="2400" dirty="0">
-                <a:latin typeface="メイリオ" panose="020B0604030504040204" pitchFamily="50" charset="-128"/>
-                <a:ea typeface="メイリオ" panose="020B0604030504040204" pitchFamily="50" charset="-128"/>
-              </a:rPr>
-              <a:t>も</a:t>
-            </a:r>
-            <a:r>
-              <a:rPr kumimoji="1" lang="en-US" altLang="ja-JP" sz="2400" dirty="0">
-                <a:latin typeface="メイリオ" panose="020B0604030504040204" pitchFamily="50" charset="-128"/>
-                <a:ea typeface="メイリオ" panose="020B0604030504040204" pitchFamily="50" charset="-128"/>
-              </a:rPr>
-              <a:t>’</a:t>
-            </a:r>
-            <a:r>
-              <a:rPr kumimoji="1" lang="ja-JP" altLang="en-US" sz="2400" dirty="0">
-                <a:latin typeface="メイリオ" panose="020B0604030504040204" pitchFamily="50" charset="-128"/>
-                <a:ea typeface="メイリオ" panose="020B0604030504040204" pitchFamily="50" charset="-128"/>
-              </a:rPr>
-              <a:t>が続く</a:t>
+              <a:rPr kumimoji="1" lang="ja-JP" altLang="en-US" sz="2400" u="sng" dirty="0">
+                <a:latin typeface="メイリオ" panose="020B0604030504040204" pitchFamily="50" charset="-128"/>
+                <a:ea typeface="メイリオ" panose="020B0604030504040204" pitchFamily="50" charset="-128"/>
+              </a:rPr>
+              <a:t>世の中の文書が以下（</a:t>
+            </a:r>
+            <a:r>
+              <a:rPr kumimoji="1" lang="en-US" altLang="ja-JP" sz="2400" u="sng" dirty="0">
+                <a:latin typeface="メイリオ" panose="020B0604030504040204" pitchFamily="50" charset="-128"/>
+                <a:ea typeface="メイリオ" panose="020B0604030504040204" pitchFamily="50" charset="-128"/>
+              </a:rPr>
+              <a:t>wiki)</a:t>
+            </a:r>
+            <a:r>
+              <a:rPr kumimoji="1" lang="ja-JP" altLang="en-US" sz="2400" u="sng" dirty="0">
+                <a:latin typeface="メイリオ" panose="020B0604030504040204" pitchFamily="50" charset="-128"/>
+                <a:ea typeface="メイリオ" panose="020B0604030504040204" pitchFamily="50" charset="-128"/>
+              </a:rPr>
+              <a:t>ですべてだったとする</a:t>
             </a:r>
           </a:p>
         </p:txBody>
       </p:sp>
+      <p:pic>
+        <p:nvPicPr>
+          <p:cNvPr id="6" name="Picture 2" descr="Project Jupyter - Wikipedia">
+            <a:extLst>
+              <a:ext uri="{FF2B5EF4-FFF2-40B4-BE49-F238E27FC236}">
+                <a16:creationId xmlns:a16="http://schemas.microsoft.com/office/drawing/2014/main" id="{974B1369-DD14-1230-1F0F-3BD129C4E01C}"/>
+              </a:ext>
+            </a:extLst>
+          </p:cNvPr>
+          <p:cNvPicPr>
+            <a:picLocks noChangeAspect="1" noChangeArrowheads="1"/>
+          </p:cNvPicPr>
+          <p:nvPr/>
+        </p:nvPicPr>
+        <p:blipFill>
+          <a:blip r:embed="rId11">
+            <a:extLst>
+              <a:ext uri="{28A0092B-C50C-407E-A947-70E740481C1C}">
+                <a14:useLocalDpi xmlns:a14="http://schemas.microsoft.com/office/drawing/2010/main" val="0"/>
+              </a:ext>
+            </a:extLst>
+          </a:blip>
+          <a:srcRect/>
+          <a:stretch>
+            <a:fillRect/>
+          </a:stretch>
+        </p:blipFill>
+        <p:spPr bwMode="auto">
+          <a:xfrm>
+            <a:off x="9692064" y="427832"/>
+            <a:ext cx="1110782" cy="1287517"/>
+          </a:xfrm>
+          <a:prstGeom prst="rect">
+            <a:avLst/>
+          </a:prstGeom>
+          <a:noFill/>
+          <a:extLst>
+            <a:ext uri="{909E8E84-426E-40DD-AFC4-6F175D3DCCD1}">
+              <a14:hiddenFill xmlns:a14="http://schemas.microsoft.com/office/drawing/2010/main">
+                <a:solidFill>
+                  <a:srgbClr val="FFFFFF"/>
+                </a:solidFill>
+              </a14:hiddenFill>
+            </a:ext>
+          </a:extLst>
+        </p:spPr>
+      </p:pic>
       <p:sp>
         <p:nvSpPr>
-          <p:cNvPr id="5" name="テキスト ボックス 4">
+          <p:cNvPr id="7" name="テキスト ボックス 6">
             <a:extLst>
               <a:ext uri="{FF2B5EF4-FFF2-40B4-BE49-F238E27FC236}">
-                <a16:creationId xmlns:a16="http://schemas.microsoft.com/office/drawing/2014/main" id="{E4F66114-CE91-9043-8DFA-A3F1288799AA}"/>
+                <a16:creationId xmlns:a16="http://schemas.microsoft.com/office/drawing/2014/main" id="{F4624192-6151-806C-5FC0-C2A64CBB5ABB}"/>
               </a:ext>
             </a:extLst>
           </p:cNvPr>
@@ -26160,8 +27223,8 @@
         </p:nvSpPr>
         <p:spPr>
           <a:xfrm>
-            <a:off x="1355834" y="3146002"/>
-            <a:ext cx="1914307" cy="461665"/>
+            <a:off x="551811" y="3545063"/>
+            <a:ext cx="8948283" cy="461665"/>
           </a:xfrm>
           <a:prstGeom prst="rect">
             <a:avLst/>
@@ -26176,35 +27239,410 @@
           <a:p>
             <a:pPr algn="l"/>
             <a:r>
+              <a:rPr kumimoji="1" lang="en-US" altLang="ja-JP" sz="2400" dirty="0" err="1">
+                <a:latin typeface="メイリオ" panose="020B0604030504040204" pitchFamily="50" charset="-128"/>
+                <a:ea typeface="メイリオ" panose="020B0604030504040204" pitchFamily="50" charset="-128"/>
+              </a:rPr>
+              <a:t>janome</a:t>
+            </a:r>
+            <a:r>
               <a:rPr kumimoji="1" lang="ja-JP" altLang="en-US" sz="2400" dirty="0">
                 <a:latin typeface="メイリオ" panose="020B0604030504040204" pitchFamily="50" charset="-128"/>
                 <a:ea typeface="メイリオ" panose="020B0604030504040204" pitchFamily="50" charset="-128"/>
               </a:rPr>
-              <a:t>可能性は</a:t>
+              <a:t>で形態素に分割すると、全単語数が</a:t>
             </a:r>
             <a:r>
               <a:rPr kumimoji="1" lang="en-US" altLang="ja-JP" sz="2400" dirty="0">
                 <a:latin typeface="メイリオ" panose="020B0604030504040204" pitchFamily="50" charset="-128"/>
                 <a:ea typeface="メイリオ" panose="020B0604030504040204" pitchFamily="50" charset="-128"/>
               </a:rPr>
-              <a:t>2</a:t>
+              <a:t>161 </a:t>
             </a:r>
             <a:r>
               <a:rPr kumimoji="1" lang="ja-JP" altLang="en-US" sz="2400" dirty="0">
                 <a:latin typeface="メイリオ" panose="020B0604030504040204" pitchFamily="50" charset="-128"/>
                 <a:ea typeface="メイリオ" panose="020B0604030504040204" pitchFamily="50" charset="-128"/>
               </a:rPr>
-              <a:t>つ</a:t>
-            </a:r>
+              <a:t>スモモの数が</a:t>
+            </a:r>
+            <a:r>
+              <a:rPr kumimoji="1" lang="en-US" altLang="ja-JP" sz="2400" dirty="0">
+                <a:latin typeface="メイリオ" panose="020B0604030504040204" pitchFamily="50" charset="-128"/>
+                <a:ea typeface="メイリオ" panose="020B0604030504040204" pitchFamily="50" charset="-128"/>
+              </a:rPr>
+              <a:t>7</a:t>
+            </a:r>
+            <a:endParaRPr kumimoji="1" lang="ja-JP" altLang="en-US" sz="2400" dirty="0">
+              <a:latin typeface="メイリオ" panose="020B0604030504040204" pitchFamily="50" charset="-128"/>
+              <a:ea typeface="メイリオ" panose="020B0604030504040204" pitchFamily="50" charset="-128"/>
+            </a:endParaRPr>
           </a:p>
         </p:txBody>
       </p:sp>
+      <mc:AlternateContent xmlns:mc="http://schemas.openxmlformats.org/markup-compatibility/2006">
+        <mc:Choice xmlns:a14="http://schemas.microsoft.com/office/drawing/2010/main" Requires="a14">
+          <p:sp>
+            <p:nvSpPr>
+              <p:cNvPr id="8" name="テキスト ボックス 7">
+                <a:extLst>
+                  <a:ext uri="{FF2B5EF4-FFF2-40B4-BE49-F238E27FC236}">
+                    <a16:creationId xmlns:a16="http://schemas.microsoft.com/office/drawing/2014/main" id="{A7C0F41D-C87D-595E-5908-2FC07912C495}"/>
+                  </a:ext>
+                </a:extLst>
+              </p:cNvPr>
+              <p:cNvSpPr txBox="1"/>
+              <p:nvPr/>
+            </p:nvSpPr>
+            <p:spPr>
+              <a:xfrm>
+                <a:off x="1044626" y="4110710"/>
+                <a:ext cx="2247988" cy="369332"/>
+              </a:xfrm>
+              <a:prstGeom prst="rect">
+                <a:avLst/>
+              </a:prstGeom>
+              <a:noFill/>
+            </p:spPr>
+            <p:txBody>
+              <a:bodyPr wrap="none" lIns="0" tIns="0" rIns="0" bIns="0" rtlCol="0">
+                <a:spAutoFit/>
+              </a:bodyPr>
+              <a:lstStyle/>
+              <a:p>
+                <a:pPr algn="l"/>
+                <a14:m>
+                  <m:oMath xmlns:m="http://schemas.openxmlformats.org/officeDocument/2006/math">
+                    <m:r>
+                      <a:rPr kumimoji="1" lang="en-US" altLang="ja-JP" sz="2400" b="0" i="1" smtClean="0">
+                        <a:latin typeface="Cambria Math" panose="02040503050406030204" pitchFamily="18" charset="0"/>
+                        <a:ea typeface="メイリオ" panose="020B0604030504040204" pitchFamily="50" charset="-128"/>
+                      </a:rPr>
+                      <m:t>𝑝</m:t>
+                    </m:r>
+                    <m:r>
+                      <a:rPr kumimoji="1" lang="en-US" altLang="ja-JP" sz="2400" b="0" i="1" smtClean="0">
+                        <a:latin typeface="Cambria Math" panose="02040503050406030204" pitchFamily="18" charset="0"/>
+                        <a:ea typeface="メイリオ" panose="020B0604030504040204" pitchFamily="50" charset="-128"/>
+                      </a:rPr>
+                      <m:t>(</m:t>
+                    </m:r>
+                    <m:r>
+                      <a:rPr kumimoji="1" lang="ja-JP" altLang="en-US" sz="2400" i="1">
+                        <a:latin typeface="Cambria Math" panose="02040503050406030204" pitchFamily="18" charset="0"/>
+                        <a:ea typeface="メイリオ" panose="020B0604030504040204" pitchFamily="50" charset="-128"/>
+                      </a:rPr>
+                      <m:t>スモモ</m:t>
+                    </m:r>
+                  </m:oMath>
+                </a14:m>
+                <a:r>
+                  <a:rPr kumimoji="1" lang="en-US" altLang="ja-JP" sz="2400" dirty="0">
+                    <a:latin typeface="メイリオ" panose="020B0604030504040204" pitchFamily="50" charset="-128"/>
+                    <a:ea typeface="メイリオ" panose="020B0604030504040204" pitchFamily="50" charset="-128"/>
+                  </a:rPr>
+                  <a:t>)=</a:t>
+                </a:r>
+                <a14:m>
+                  <m:oMath xmlns:m="http://schemas.openxmlformats.org/officeDocument/2006/math">
+                    <m:f>
+                      <m:fPr>
+                        <m:type m:val="skw"/>
+                        <m:ctrlPr>
+                          <a:rPr kumimoji="1" lang="en-US" altLang="ja-JP" sz="2400" i="1" dirty="0" smtClean="0">
+                            <a:latin typeface="Cambria Math" panose="02040503050406030204" pitchFamily="18" charset="0"/>
+                            <a:ea typeface="メイリオ" panose="020B0604030504040204" pitchFamily="50" charset="-128"/>
+                          </a:rPr>
+                        </m:ctrlPr>
+                      </m:fPr>
+                      <m:num>
+                        <m:r>
+                          <a:rPr kumimoji="1" lang="en-US" altLang="ja-JP" sz="2400" b="0" i="1" dirty="0" smtClean="0">
+                            <a:latin typeface="Cambria Math" panose="02040503050406030204" pitchFamily="18" charset="0"/>
+                            <a:ea typeface="メイリオ" panose="020B0604030504040204" pitchFamily="50" charset="-128"/>
+                          </a:rPr>
+                          <m:t>7</m:t>
+                        </m:r>
+                      </m:num>
+                      <m:den>
+                        <m:r>
+                          <a:rPr kumimoji="1" lang="en-US" altLang="ja-JP" sz="2400" b="0" i="1" dirty="0" smtClean="0">
+                            <a:latin typeface="Cambria Math" panose="02040503050406030204" pitchFamily="18" charset="0"/>
+                            <a:ea typeface="メイリオ" panose="020B0604030504040204" pitchFamily="50" charset="-128"/>
+                          </a:rPr>
+                          <m:t>161</m:t>
+                        </m:r>
+                      </m:den>
+                    </m:f>
+                  </m:oMath>
+                </a14:m>
+                <a:endParaRPr kumimoji="1" lang="ja-JP" altLang="en-US" sz="2400" dirty="0">
+                  <a:latin typeface="メイリオ" panose="020B0604030504040204" pitchFamily="50" charset="-128"/>
+                  <a:ea typeface="メイリオ" panose="020B0604030504040204" pitchFamily="50" charset="-128"/>
+                </a:endParaRPr>
+              </a:p>
+            </p:txBody>
+          </p:sp>
+        </mc:Choice>
+        <mc:Fallback>
+          <p:sp>
+            <p:nvSpPr>
+              <p:cNvPr id="8" name="テキスト ボックス 7">
+                <a:extLst>
+                  <a:ext uri="{FF2B5EF4-FFF2-40B4-BE49-F238E27FC236}">
+                    <a16:creationId xmlns:a16="http://schemas.microsoft.com/office/drawing/2014/main" id="{A7C0F41D-C87D-595E-5908-2FC07912C495}"/>
+                  </a:ext>
+                </a:extLst>
+              </p:cNvPr>
+              <p:cNvSpPr txBox="1">
+                <a:spLocks noRot="1" noChangeAspect="1" noMove="1" noResize="1" noEditPoints="1" noAdjustHandles="1" noChangeArrowheads="1" noChangeShapeType="1" noTextEdit="1"/>
+              </p:cNvSpPr>
+              <p:nvPr/>
+            </p:nvSpPr>
+            <p:spPr>
+              <a:xfrm>
+                <a:off x="1044626" y="4110710"/>
+                <a:ext cx="2247988" cy="369332"/>
+              </a:xfrm>
+              <a:prstGeom prst="rect">
+                <a:avLst/>
+              </a:prstGeom>
+              <a:blipFill>
+                <a:blip r:embed="rId12"/>
+                <a:stretch>
+                  <a:fillRect l="-4878" t="-172131" r="-26016" b="-245902"/>
+                </a:stretch>
+              </a:blipFill>
+            </p:spPr>
+            <p:txBody>
+              <a:bodyPr/>
+              <a:lstStyle/>
+              <a:p>
+                <a:r>
+                  <a:rPr lang="ja-JP" altLang="en-US">
+                    <a:noFill/>
+                  </a:rPr>
+                  <a:t> </a:t>
+                </a:r>
+              </a:p>
+            </p:txBody>
+          </p:sp>
+        </mc:Fallback>
+      </mc:AlternateContent>
+      <mc:AlternateContent xmlns:mc="http://schemas.openxmlformats.org/markup-compatibility/2006">
+        <mc:Choice xmlns:a14="http://schemas.microsoft.com/office/drawing/2010/main" Requires="a14">
+          <p:sp>
+            <p:nvSpPr>
+              <p:cNvPr id="9" name="テキスト ボックス 8">
+                <a:extLst>
+                  <a:ext uri="{FF2B5EF4-FFF2-40B4-BE49-F238E27FC236}">
+                    <a16:creationId xmlns:a16="http://schemas.microsoft.com/office/drawing/2014/main" id="{AB3C75D6-00AE-5A94-4C1A-61C987CDD641}"/>
+                  </a:ext>
+                </a:extLst>
+              </p:cNvPr>
+              <p:cNvSpPr txBox="1"/>
+              <p:nvPr/>
+            </p:nvSpPr>
+            <p:spPr>
+              <a:xfrm>
+                <a:off x="887975" y="5263314"/>
+                <a:ext cx="5445850" cy="461665"/>
+              </a:xfrm>
+              <a:prstGeom prst="rect">
+                <a:avLst/>
+              </a:prstGeom>
+              <a:noFill/>
+            </p:spPr>
+            <p:txBody>
+              <a:bodyPr wrap="none" rtlCol="0">
+                <a:spAutoFit/>
+              </a:bodyPr>
+              <a:lstStyle/>
+              <a:p>
+                <a:pPr algn="l"/>
+                <a14:m>
+                  <m:oMath xmlns:m="http://schemas.openxmlformats.org/officeDocument/2006/math">
+                    <m:r>
+                      <a:rPr kumimoji="1" lang="en-US" altLang="ja-JP" sz="2400" b="0" i="1" smtClean="0">
+                        <a:latin typeface="Cambria Math" panose="02040503050406030204" pitchFamily="18" charset="0"/>
+                        <a:ea typeface="メイリオ" panose="020B0604030504040204" pitchFamily="50" charset="-128"/>
+                      </a:rPr>
+                      <m:t>𝑝</m:t>
+                    </m:r>
+                    <m:r>
+                      <a:rPr kumimoji="1" lang="en-US" altLang="ja-JP" sz="2400" b="0" i="1" smtClean="0">
+                        <a:latin typeface="Cambria Math" panose="02040503050406030204" pitchFamily="18" charset="0"/>
+                        <a:ea typeface="メイリオ" panose="020B0604030504040204" pitchFamily="50" charset="-128"/>
+                      </a:rPr>
+                      <m:t>(</m:t>
+                    </m:r>
+                    <m:r>
+                      <a:rPr kumimoji="1" lang="ja-JP" altLang="en-US" sz="2400" i="1">
+                        <a:latin typeface="Cambria Math" panose="02040503050406030204" pitchFamily="18" charset="0"/>
+                        <a:ea typeface="メイリオ" panose="020B0604030504040204" pitchFamily="50" charset="-128"/>
+                      </a:rPr>
+                      <m:t>スモモ</m:t>
+                    </m:r>
+                    <m:r>
+                      <a:rPr kumimoji="1" lang="en-US" altLang="ja-JP" sz="2400" b="0" i="1" smtClean="0">
+                        <a:latin typeface="Cambria Math" panose="02040503050406030204" pitchFamily="18" charset="0"/>
+                        <a:ea typeface="メイリオ" panose="020B0604030504040204" pitchFamily="50" charset="-128"/>
+                      </a:rPr>
+                      <m:t>,  </m:t>
+                    </m:r>
+                    <m:r>
+                      <a:rPr kumimoji="1" lang="ja-JP" altLang="en-US" sz="2400" i="1">
+                        <a:latin typeface="Cambria Math" panose="02040503050406030204" pitchFamily="18" charset="0"/>
+                        <a:ea typeface="メイリオ" panose="020B0604030504040204" pitchFamily="50" charset="-128"/>
+                      </a:rPr>
+                      <m:t>は</m:t>
+                    </m:r>
+                  </m:oMath>
+                </a14:m>
+                <a:r>
+                  <a:rPr kumimoji="1" lang="en-US" altLang="ja-JP" sz="2400" dirty="0">
+                    <a:latin typeface="メイリオ" panose="020B0604030504040204" pitchFamily="50" charset="-128"/>
+                    <a:ea typeface="メイリオ" panose="020B0604030504040204" pitchFamily="50" charset="-128"/>
+                  </a:rPr>
+                  <a:t>)=</a:t>
+                </a:r>
+                <a14:m>
+                  <m:oMath xmlns:m="http://schemas.openxmlformats.org/officeDocument/2006/math">
+                    <m:r>
+                      <a:rPr kumimoji="1" lang="en-US" altLang="ja-JP" sz="2400" b="0" i="1" dirty="0" smtClean="0">
+                        <a:latin typeface="Cambria Math" panose="02040503050406030204" pitchFamily="18" charset="0"/>
+                        <a:ea typeface="メイリオ" panose="020B0604030504040204" pitchFamily="50" charset="-128"/>
+                      </a:rPr>
+                      <m:t>𝑝</m:t>
+                    </m:r>
+                    <m:r>
+                      <a:rPr kumimoji="1" lang="en-US" altLang="ja-JP" sz="2400" b="0" i="1" dirty="0" smtClean="0">
+                        <a:latin typeface="Cambria Math" panose="02040503050406030204" pitchFamily="18" charset="0"/>
+                        <a:ea typeface="メイリオ" panose="020B0604030504040204" pitchFamily="50" charset="-128"/>
+                      </a:rPr>
+                      <m:t>(</m:t>
+                    </m:r>
+                    <m:r>
+                      <a:rPr kumimoji="1" lang="ja-JP" altLang="en-US" sz="2400" i="1" dirty="0">
+                        <a:latin typeface="Cambria Math" panose="02040503050406030204" pitchFamily="18" charset="0"/>
+                        <a:ea typeface="メイリオ" panose="020B0604030504040204" pitchFamily="50" charset="-128"/>
+                      </a:rPr>
+                      <m:t>は</m:t>
+                    </m:r>
+                    <m:r>
+                      <a:rPr kumimoji="1" lang="en-US" altLang="ja-JP" sz="2400" b="0" i="0" dirty="0" smtClean="0">
+                        <a:latin typeface="Cambria Math" panose="02040503050406030204" pitchFamily="18" charset="0"/>
+                        <a:ea typeface="メイリオ" panose="020B0604030504040204" pitchFamily="50" charset="-128"/>
+                      </a:rPr>
+                      <m:t>|</m:t>
+                    </m:r>
+                    <m:r>
+                      <a:rPr kumimoji="1" lang="ja-JP" altLang="en-US" sz="2400" i="1" dirty="0">
+                        <a:latin typeface="Cambria Math" panose="02040503050406030204" pitchFamily="18" charset="0"/>
+                        <a:ea typeface="メイリオ" panose="020B0604030504040204" pitchFamily="50" charset="-128"/>
+                      </a:rPr>
+                      <m:t>スモモ</m:t>
+                    </m:r>
+                  </m:oMath>
+                </a14:m>
+                <a:r>
+                  <a:rPr kumimoji="1" lang="en-US" altLang="ja-JP" sz="2400" dirty="0">
+                    <a:latin typeface="メイリオ" panose="020B0604030504040204" pitchFamily="50" charset="-128"/>
+                    <a:ea typeface="メイリオ" panose="020B0604030504040204" pitchFamily="50" charset="-128"/>
+                  </a:rPr>
+                  <a:t>)</a:t>
+                </a:r>
+                <a14:m>
+                  <m:oMath xmlns:m="http://schemas.openxmlformats.org/officeDocument/2006/math">
+                    <m:r>
+                      <a:rPr kumimoji="1" lang="en-US" altLang="ja-JP" sz="2400" b="0" i="1" dirty="0" smtClean="0">
+                        <a:latin typeface="Cambria Math" panose="02040503050406030204" pitchFamily="18" charset="0"/>
+                        <a:ea typeface="メイリオ" panose="020B0604030504040204" pitchFamily="50" charset="-128"/>
+                      </a:rPr>
+                      <m:t>𝑝</m:t>
+                    </m:r>
+                    <m:r>
+                      <a:rPr kumimoji="1" lang="en-US" altLang="ja-JP" sz="2400" b="0" i="1" dirty="0" smtClean="0">
+                        <a:latin typeface="Cambria Math" panose="02040503050406030204" pitchFamily="18" charset="0"/>
+                        <a:ea typeface="メイリオ" panose="020B0604030504040204" pitchFamily="50" charset="-128"/>
+                      </a:rPr>
+                      <m:t>(</m:t>
+                    </m:r>
+                    <m:r>
+                      <a:rPr kumimoji="1" lang="ja-JP" altLang="en-US" sz="2400" i="1" dirty="0">
+                        <a:latin typeface="Cambria Math" panose="02040503050406030204" pitchFamily="18" charset="0"/>
+                        <a:ea typeface="メイリオ" panose="020B0604030504040204" pitchFamily="50" charset="-128"/>
+                      </a:rPr>
+                      <m:t>スモモ</m:t>
+                    </m:r>
+                  </m:oMath>
+                </a14:m>
+                <a:r>
+                  <a:rPr kumimoji="1" lang="en-US" altLang="ja-JP" sz="2400" dirty="0">
+                    <a:latin typeface="メイリオ" panose="020B0604030504040204" pitchFamily="50" charset="-128"/>
+                    <a:ea typeface="メイリオ" panose="020B0604030504040204" pitchFamily="50" charset="-128"/>
+                  </a:rPr>
+                  <a:t>)</a:t>
+                </a:r>
+                <a:endParaRPr kumimoji="1" lang="ja-JP" altLang="en-US" sz="2400" dirty="0">
+                  <a:latin typeface="メイリオ" panose="020B0604030504040204" pitchFamily="50" charset="-128"/>
+                  <a:ea typeface="メイリオ" panose="020B0604030504040204" pitchFamily="50" charset="-128"/>
+                </a:endParaRPr>
+              </a:p>
+            </p:txBody>
+          </p:sp>
+        </mc:Choice>
+        <mc:Fallback>
+          <p:sp>
+            <p:nvSpPr>
+              <p:cNvPr id="9" name="テキスト ボックス 8">
+                <a:extLst>
+                  <a:ext uri="{FF2B5EF4-FFF2-40B4-BE49-F238E27FC236}">
+                    <a16:creationId xmlns:a16="http://schemas.microsoft.com/office/drawing/2014/main" id="{AB3C75D6-00AE-5A94-4C1A-61C987CDD641}"/>
+                  </a:ext>
+                </a:extLst>
+              </p:cNvPr>
+              <p:cNvSpPr txBox="1">
+                <a:spLocks noRot="1" noChangeAspect="1" noMove="1" noResize="1" noEditPoints="1" noAdjustHandles="1" noChangeArrowheads="1" noChangeShapeType="1" noTextEdit="1"/>
+              </p:cNvSpPr>
+              <p:nvPr/>
+            </p:nvSpPr>
+            <p:spPr>
+              <a:xfrm>
+                <a:off x="887975" y="5263314"/>
+                <a:ext cx="5445850" cy="461665"/>
+              </a:xfrm>
+              <a:prstGeom prst="rect">
+                <a:avLst/>
+              </a:prstGeom>
+              <a:blipFill>
+                <a:blip r:embed="rId13"/>
+                <a:stretch>
+                  <a:fillRect l="-336" t="-7895" r="-672" b="-31579"/>
+                </a:stretch>
+              </a:blipFill>
+            </p:spPr>
+            <p:txBody>
+              <a:bodyPr/>
+              <a:lstStyle/>
+              <a:p>
+                <a:r>
+                  <a:rPr lang="ja-JP" altLang="en-US">
+                    <a:noFill/>
+                  </a:rPr>
+                  <a:t> </a:t>
+                </a:r>
+              </a:p>
+            </p:txBody>
+          </p:sp>
+        </mc:Fallback>
+      </mc:AlternateContent>
       <p:sp>
         <p:nvSpPr>
-          <p:cNvPr id="6" name="テキスト ボックス 5">
+          <p:cNvPr id="10" name="テキスト ボックス 9">
             <a:extLst>
               <a:ext uri="{FF2B5EF4-FFF2-40B4-BE49-F238E27FC236}">
-                <a16:creationId xmlns:a16="http://schemas.microsoft.com/office/drawing/2014/main" id="{DD9CE5F1-20B6-1DD8-1136-246D3F23AB13}"/>
+                <a16:creationId xmlns:a16="http://schemas.microsoft.com/office/drawing/2014/main" id="{DCEC479F-14A0-7D93-CACF-173FF1AA5AE8}"/>
               </a:ext>
             </a:extLst>
           </p:cNvPr>
@@ -26213,8 +27651,8 @@
         </p:nvSpPr>
         <p:spPr>
           <a:xfrm>
-            <a:off x="3476991" y="3216805"/>
-            <a:ext cx="2031325" cy="461665"/>
+            <a:off x="560408" y="4801649"/>
+            <a:ext cx="4961615" cy="461665"/>
           </a:xfrm>
           <a:prstGeom prst="rect">
             <a:avLst/>
@@ -26233,17 +27671,45 @@
                 <a:latin typeface="メイリオ" panose="020B0604030504040204" pitchFamily="50" charset="-128"/>
                 <a:ea typeface="メイリオ" panose="020B0604030504040204" pitchFamily="50" charset="-128"/>
               </a:rPr>
-              <a:t>①酢も、巣も</a:t>
+              <a:t>スモモに続いて</a:t>
+            </a:r>
+            <a:r>
+              <a:rPr kumimoji="1" lang="en-US" altLang="ja-JP" sz="2400" dirty="0">
+                <a:latin typeface="メイリオ" panose="020B0604030504040204" pitchFamily="50" charset="-128"/>
+                <a:ea typeface="メイリオ" panose="020B0604030504040204" pitchFamily="50" charset="-128"/>
+              </a:rPr>
+              <a:t>’</a:t>
+            </a:r>
+            <a:r>
+              <a:rPr kumimoji="1" lang="ja-JP" altLang="en-US" sz="2400" dirty="0">
+                <a:latin typeface="メイリオ" panose="020B0604030504040204" pitchFamily="50" charset="-128"/>
+                <a:ea typeface="メイリオ" panose="020B0604030504040204" pitchFamily="50" charset="-128"/>
+              </a:rPr>
+              <a:t>は</a:t>
+            </a:r>
+            <a:r>
+              <a:rPr kumimoji="1" lang="en-US" altLang="ja-JP" sz="2400" dirty="0">
+                <a:latin typeface="メイリオ" panose="020B0604030504040204" pitchFamily="50" charset="-128"/>
+                <a:ea typeface="メイリオ" panose="020B0604030504040204" pitchFamily="50" charset="-128"/>
+              </a:rPr>
+              <a:t>’</a:t>
+            </a:r>
+            <a:r>
+              <a:rPr kumimoji="1" lang="ja-JP" altLang="en-US" sz="2400" dirty="0">
+                <a:latin typeface="メイリオ" panose="020B0604030504040204" pitchFamily="50" charset="-128"/>
+                <a:ea typeface="メイリオ" panose="020B0604030504040204" pitchFamily="50" charset="-128"/>
+              </a:rPr>
+              <a:t>が出現する確率</a:t>
             </a:r>
           </a:p>
         </p:txBody>
       </p:sp>
       <p:sp>
         <p:nvSpPr>
-          <p:cNvPr id="7" name="テキスト ボックス 6">
+          <p:cNvPr id="11" name="テキスト ボックス 10">
             <a:extLst>
               <a:ext uri="{FF2B5EF4-FFF2-40B4-BE49-F238E27FC236}">
-                <a16:creationId xmlns:a16="http://schemas.microsoft.com/office/drawing/2014/main" id="{45C487A9-1EF6-94D6-0146-E98106BEEA0C}"/>
+                <a16:creationId xmlns:a16="http://schemas.microsoft.com/office/drawing/2014/main" id="{7CDD2E92-1EAB-8AED-F6D6-DEA483680901}"/>
               </a:ext>
             </a:extLst>
           </p:cNvPr>
@@ -26252,8 +27718,8 @@
         </p:nvSpPr>
         <p:spPr>
           <a:xfrm>
-            <a:off x="3476991" y="3577761"/>
-            <a:ext cx="4038285" cy="461665"/>
+            <a:off x="7113257" y="4457343"/>
+            <a:ext cx="4821218" cy="830997"/>
           </a:xfrm>
           <a:prstGeom prst="rect">
             <a:avLst/>
@@ -26261,7 +27727,7 @@
           <a:noFill/>
         </p:spPr>
         <p:txBody>
-          <a:bodyPr wrap="none" rtlCol="0">
+          <a:bodyPr wrap="square" rtlCol="0">
             <a:spAutoFit/>
           </a:bodyPr>
           <a:lstStyle/>
@@ -26272,45 +27738,63 @@
                 <a:latin typeface="メイリオ" panose="020B0604030504040204" pitchFamily="50" charset="-128"/>
                 <a:ea typeface="メイリオ" panose="020B0604030504040204" pitchFamily="50" charset="-128"/>
               </a:rPr>
-              <a:t>②</a:t>
-            </a:r>
-            <a:r>
-              <a:rPr kumimoji="1" lang="en-US" altLang="ja-JP" sz="2400" dirty="0">
-                <a:latin typeface="メイリオ" panose="020B0604030504040204" pitchFamily="50" charset="-128"/>
-                <a:ea typeface="メイリオ" panose="020B0604030504040204" pitchFamily="50" charset="-128"/>
-              </a:rPr>
-              <a:t>‘</a:t>
-            </a:r>
-            <a:r>
-              <a:rPr kumimoji="1" lang="ja-JP" altLang="en-US" sz="2400" dirty="0">
-                <a:latin typeface="メイリオ" panose="020B0604030504040204" pitchFamily="50" charset="-128"/>
-                <a:ea typeface="メイリオ" panose="020B0604030504040204" pitchFamily="50" charset="-128"/>
-              </a:rPr>
-              <a:t>すも</a:t>
-            </a:r>
-            <a:r>
-              <a:rPr kumimoji="1" lang="en-US" altLang="ja-JP" sz="2400" dirty="0">
-                <a:latin typeface="メイリオ" panose="020B0604030504040204" pitchFamily="50" charset="-128"/>
-                <a:ea typeface="メイリオ" panose="020B0604030504040204" pitchFamily="50" charset="-128"/>
-              </a:rPr>
-              <a:t>’</a:t>
-            </a:r>
-            <a:r>
-              <a:rPr kumimoji="1" lang="ja-JP" altLang="en-US" sz="2400" dirty="0">
-                <a:latin typeface="メイリオ" panose="020B0604030504040204" pitchFamily="50" charset="-128"/>
-                <a:ea typeface="メイリオ" panose="020B0604030504040204" pitchFamily="50" charset="-128"/>
-              </a:rPr>
-              <a:t>は単語の一部の文字</a:t>
+              <a:t>大量の日本語文書から単語確率を計算すると真の単語確率に近づく</a:t>
             </a:r>
           </a:p>
         </p:txBody>
       </p:sp>
       <p:sp>
         <p:nvSpPr>
-          <p:cNvPr id="8" name="テキスト ボックス 7">
+          <p:cNvPr id="12" name="矢印: 右 11">
             <a:extLst>
               <a:ext uri="{FF2B5EF4-FFF2-40B4-BE49-F238E27FC236}">
-                <a16:creationId xmlns:a16="http://schemas.microsoft.com/office/drawing/2014/main" id="{3BCB7CA0-B36C-B1F4-86E3-26FDCB863B7A}"/>
+                <a16:creationId xmlns:a16="http://schemas.microsoft.com/office/drawing/2014/main" id="{AE4ED0A5-E809-A817-F6A5-C24241162095}"/>
+              </a:ext>
+            </a:extLst>
+          </p:cNvPr>
+          <p:cNvSpPr/>
+          <p:nvPr/>
+        </p:nvSpPr>
+        <p:spPr>
+          <a:xfrm>
+            <a:off x="6450814" y="4230162"/>
+            <a:ext cx="545454" cy="1062677"/>
+          </a:xfrm>
+          <a:prstGeom prst="rightArrow">
+            <a:avLst/>
+          </a:prstGeom>
+        </p:spPr>
+        <p:style>
+          <a:lnRef idx="2">
+            <a:schemeClr val="accent1">
+              <a:shade val="15000"/>
+            </a:schemeClr>
+          </a:lnRef>
+          <a:fillRef idx="1">
+            <a:schemeClr val="accent1"/>
+          </a:fillRef>
+          <a:effectRef idx="0">
+            <a:schemeClr val="accent1"/>
+          </a:effectRef>
+          <a:fontRef idx="minor">
+            <a:schemeClr val="lt1"/>
+          </a:fontRef>
+        </p:style>
+        <p:txBody>
+          <a:bodyPr rtlCol="0" anchor="ctr"/>
+          <a:lstStyle/>
+          <a:p>
+            <a:pPr algn="ctr"/>
+            <a:endParaRPr kumimoji="1" lang="ja-JP" altLang="en-US"/>
+          </a:p>
+        </p:txBody>
+      </p:sp>
+      <p:sp>
+        <p:nvSpPr>
+          <p:cNvPr id="13" name="テキスト ボックス 12">
+            <a:extLst>
+              <a:ext uri="{FF2B5EF4-FFF2-40B4-BE49-F238E27FC236}">
+                <a16:creationId xmlns:a16="http://schemas.microsoft.com/office/drawing/2014/main" id="{3D977AFA-691E-85EE-CD56-EC6A39531443}"/>
               </a:ext>
             </a:extLst>
           </p:cNvPr>
@@ -26319,8 +27803,8 @@
         </p:nvSpPr>
         <p:spPr>
           <a:xfrm>
-            <a:off x="924910" y="4587669"/>
-            <a:ext cx="4908716" cy="461665"/>
+            <a:off x="560408" y="6027003"/>
+            <a:ext cx="11103832" cy="830997"/>
           </a:xfrm>
           <a:prstGeom prst="rect">
             <a:avLst/>
@@ -26328,365 +27812,18 @@
           <a:noFill/>
         </p:spPr>
         <p:txBody>
-          <a:bodyPr wrap="none" rtlCol="0">
+          <a:bodyPr wrap="square" rtlCol="0">
             <a:spAutoFit/>
           </a:bodyPr>
           <a:lstStyle/>
           <a:p>
             <a:pPr algn="l"/>
             <a:r>
-              <a:rPr kumimoji="1" lang="en-US" altLang="ja-JP" sz="2400" dirty="0">
-                <a:latin typeface="メイリオ" panose="020B0604030504040204" pitchFamily="50" charset="-128"/>
-                <a:ea typeface="メイリオ" panose="020B0604030504040204" pitchFamily="50" charset="-128"/>
-              </a:rPr>
-              <a:t>2.</a:t>
-            </a:r>
-            <a:r>
-              <a:rPr kumimoji="1" lang="ja-JP" altLang="en-US" sz="2400" dirty="0">
-                <a:latin typeface="メイリオ" panose="020B0604030504040204" pitchFamily="50" charset="-128"/>
-                <a:ea typeface="メイリオ" panose="020B0604030504040204" pitchFamily="50" charset="-128"/>
-              </a:rPr>
-              <a:t> 文字</a:t>
-            </a:r>
-            <a:r>
-              <a:rPr kumimoji="1" lang="en-US" altLang="ja-JP" sz="2400" dirty="0">
-                <a:latin typeface="メイリオ" panose="020B0604030504040204" pitchFamily="50" charset="-128"/>
-                <a:ea typeface="メイリオ" panose="020B0604030504040204" pitchFamily="50" charset="-128"/>
-              </a:rPr>
-              <a:t>’</a:t>
-            </a:r>
-            <a:r>
-              <a:rPr kumimoji="1" lang="ja-JP" altLang="en-US" sz="2400" dirty="0">
-                <a:latin typeface="メイリオ" panose="020B0604030504040204" pitchFamily="50" charset="-128"/>
-                <a:ea typeface="メイリオ" panose="020B0604030504040204" pitchFamily="50" charset="-128"/>
-              </a:rPr>
-              <a:t>も</a:t>
-            </a:r>
-            <a:r>
-              <a:rPr kumimoji="1" lang="en-US" altLang="ja-JP" sz="2400" dirty="0">
-                <a:latin typeface="メイリオ" panose="020B0604030504040204" pitchFamily="50" charset="-128"/>
-                <a:ea typeface="メイリオ" panose="020B0604030504040204" pitchFamily="50" charset="-128"/>
-              </a:rPr>
-              <a:t>’</a:t>
-            </a:r>
-            <a:r>
-              <a:rPr kumimoji="1" lang="ja-JP" altLang="en-US" sz="2400" dirty="0">
-                <a:latin typeface="メイリオ" panose="020B0604030504040204" pitchFamily="50" charset="-128"/>
-                <a:ea typeface="メイリオ" panose="020B0604030504040204" pitchFamily="50" charset="-128"/>
-              </a:rPr>
-              <a:t>の次に文字、</a:t>
-            </a:r>
-            <a:r>
-              <a:rPr kumimoji="1" lang="en-US" altLang="ja-JP" sz="2400" dirty="0">
-                <a:latin typeface="メイリオ" panose="020B0604030504040204" pitchFamily="50" charset="-128"/>
-                <a:ea typeface="メイリオ" panose="020B0604030504040204" pitchFamily="50" charset="-128"/>
-              </a:rPr>
-              <a:t>’</a:t>
-            </a:r>
-            <a:r>
-              <a:rPr kumimoji="1" lang="ja-JP" altLang="en-US" sz="2400" dirty="0">
-                <a:latin typeface="メイリオ" panose="020B0604030504040204" pitchFamily="50" charset="-128"/>
-                <a:ea typeface="メイリオ" panose="020B0604030504040204" pitchFamily="50" charset="-128"/>
-              </a:rPr>
-              <a:t>も</a:t>
-            </a:r>
-            <a:r>
-              <a:rPr kumimoji="1" lang="en-US" altLang="ja-JP" sz="2400" dirty="0">
-                <a:latin typeface="メイリオ" panose="020B0604030504040204" pitchFamily="50" charset="-128"/>
-                <a:ea typeface="メイリオ" panose="020B0604030504040204" pitchFamily="50" charset="-128"/>
-              </a:rPr>
-              <a:t>’</a:t>
-            </a:r>
-            <a:r>
-              <a:rPr kumimoji="1" lang="ja-JP" altLang="en-US" sz="2400" dirty="0">
-                <a:latin typeface="メイリオ" panose="020B0604030504040204" pitchFamily="50" charset="-128"/>
-                <a:ea typeface="メイリオ" panose="020B0604030504040204" pitchFamily="50" charset="-128"/>
-              </a:rPr>
-              <a:t>が続く</a:t>
-            </a:r>
-          </a:p>
-        </p:txBody>
-      </p:sp>
-      <p:sp>
-        <p:nvSpPr>
-          <p:cNvPr id="9" name="テキスト ボックス 8">
-            <a:extLst>
-              <a:ext uri="{FF2B5EF4-FFF2-40B4-BE49-F238E27FC236}">
-                <a16:creationId xmlns:a16="http://schemas.microsoft.com/office/drawing/2014/main" id="{BE6BC2CB-20D0-D856-9525-F91ECABE56A0}"/>
-              </a:ext>
-            </a:extLst>
-          </p:cNvPr>
-          <p:cNvSpPr txBox="1"/>
-          <p:nvPr/>
-        </p:nvSpPr>
-        <p:spPr>
-          <a:xfrm>
-            <a:off x="1355834" y="5249917"/>
-            <a:ext cx="1914307" cy="461665"/>
-          </a:xfrm>
-          <a:prstGeom prst="rect">
-            <a:avLst/>
-          </a:prstGeom>
-          <a:noFill/>
-        </p:spPr>
-        <p:txBody>
-          <a:bodyPr wrap="none" rtlCol="0">
-            <a:spAutoFit/>
-          </a:bodyPr>
-          <a:lstStyle/>
-          <a:p>
-            <a:pPr algn="l"/>
-            <a:r>
-              <a:rPr kumimoji="1" lang="ja-JP" altLang="en-US" sz="2400" dirty="0">
-                <a:latin typeface="メイリオ" panose="020B0604030504040204" pitchFamily="50" charset="-128"/>
-                <a:ea typeface="メイリオ" panose="020B0604030504040204" pitchFamily="50" charset="-128"/>
-              </a:rPr>
-              <a:t>可能性は</a:t>
-            </a:r>
-            <a:r>
-              <a:rPr kumimoji="1" lang="en-US" altLang="ja-JP" sz="2400" dirty="0">
-                <a:latin typeface="メイリオ" panose="020B0604030504040204" pitchFamily="50" charset="-128"/>
-                <a:ea typeface="メイリオ" panose="020B0604030504040204" pitchFamily="50" charset="-128"/>
-              </a:rPr>
-              <a:t>3</a:t>
-            </a:r>
-            <a:r>
-              <a:rPr kumimoji="1" lang="ja-JP" altLang="en-US" sz="2400" dirty="0">
-                <a:latin typeface="メイリオ" panose="020B0604030504040204" pitchFamily="50" charset="-128"/>
-                <a:ea typeface="メイリオ" panose="020B0604030504040204" pitchFamily="50" charset="-128"/>
-              </a:rPr>
-              <a:t>つ</a:t>
-            </a:r>
-          </a:p>
-        </p:txBody>
-      </p:sp>
-      <p:sp>
-        <p:nvSpPr>
-          <p:cNvPr id="10" name="テキスト ボックス 9">
-            <a:extLst>
-              <a:ext uri="{FF2B5EF4-FFF2-40B4-BE49-F238E27FC236}">
-                <a16:creationId xmlns:a16="http://schemas.microsoft.com/office/drawing/2014/main" id="{AD630E72-8634-6EDE-9E65-DC5FD8C559F8}"/>
-              </a:ext>
-            </a:extLst>
-          </p:cNvPr>
-          <p:cNvSpPr txBox="1"/>
-          <p:nvPr/>
-        </p:nvSpPr>
-        <p:spPr>
-          <a:xfrm>
-            <a:off x="3476991" y="5514329"/>
-            <a:ext cx="3422732" cy="1200329"/>
-          </a:xfrm>
-          <a:prstGeom prst="rect">
-            <a:avLst/>
-          </a:prstGeom>
-          <a:noFill/>
-        </p:spPr>
-        <p:txBody>
-          <a:bodyPr wrap="none" rtlCol="0">
-            <a:spAutoFit/>
-          </a:bodyPr>
-          <a:lstStyle/>
-          <a:p>
-            <a:pPr algn="l"/>
-            <a:r>
-              <a:rPr kumimoji="1" lang="ja-JP" altLang="en-US" sz="2400" dirty="0">
-                <a:latin typeface="メイリオ" panose="020B0604030504040204" pitchFamily="50" charset="-128"/>
-                <a:ea typeface="メイリオ" panose="020B0604030504040204" pitchFamily="50" charset="-128"/>
-              </a:rPr>
-              <a:t>③酢も（巣も）</a:t>
-            </a:r>
-            <a:r>
-              <a:rPr kumimoji="1" lang="en-US" altLang="ja-JP" sz="2400" dirty="0">
-                <a:latin typeface="メイリオ" panose="020B0604030504040204" pitchFamily="50" charset="-128"/>
-                <a:ea typeface="メイリオ" panose="020B0604030504040204" pitchFamily="50" charset="-128"/>
-              </a:rPr>
-              <a:t>+</a:t>
-            </a:r>
-            <a:r>
-              <a:rPr kumimoji="1" lang="ja-JP" altLang="en-US" sz="2400" dirty="0">
-                <a:latin typeface="メイリオ" panose="020B0604030504040204" pitchFamily="50" charset="-128"/>
-                <a:ea typeface="メイリオ" panose="020B0604030504040204" pitchFamily="50" charset="-128"/>
-              </a:rPr>
-              <a:t>も</a:t>
-            </a:r>
-            <a:endParaRPr kumimoji="1" lang="en-US" altLang="ja-JP" sz="2400" dirty="0">
-              <a:latin typeface="メイリオ" panose="020B0604030504040204" pitchFamily="50" charset="-128"/>
-              <a:ea typeface="メイリオ" panose="020B0604030504040204" pitchFamily="50" charset="-128"/>
-            </a:endParaRPr>
-          </a:p>
-          <a:p>
-            <a:pPr algn="l"/>
-            <a:r>
-              <a:rPr kumimoji="1" lang="ja-JP" altLang="en-US" sz="2400" dirty="0">
-                <a:latin typeface="メイリオ" panose="020B0604030504040204" pitchFamily="50" charset="-128"/>
-                <a:ea typeface="メイリオ" panose="020B0604030504040204" pitchFamily="50" charset="-128"/>
-              </a:rPr>
-              <a:t>④すもも　という名詞</a:t>
-            </a:r>
-            <a:endParaRPr kumimoji="1" lang="en-US" altLang="ja-JP" sz="2400" dirty="0">
-              <a:latin typeface="メイリオ" panose="020B0604030504040204" pitchFamily="50" charset="-128"/>
-              <a:ea typeface="メイリオ" panose="020B0604030504040204" pitchFamily="50" charset="-128"/>
-            </a:endParaRPr>
-          </a:p>
-          <a:p>
-            <a:pPr algn="l"/>
-            <a:r>
-              <a:rPr kumimoji="1" lang="ja-JP" altLang="en-US" sz="2400" dirty="0">
-                <a:latin typeface="メイリオ" panose="020B0604030504040204" pitchFamily="50" charset="-128"/>
-                <a:ea typeface="メイリオ" panose="020B0604030504040204" pitchFamily="50" charset="-128"/>
-              </a:rPr>
-              <a:t>⑤</a:t>
-            </a:r>
-            <a:r>
-              <a:rPr kumimoji="1" lang="en-US" altLang="ja-JP" sz="2400" dirty="0">
-                <a:latin typeface="メイリオ" panose="020B0604030504040204" pitchFamily="50" charset="-128"/>
-                <a:ea typeface="メイリオ" panose="020B0604030504040204" pitchFamily="50" charset="-128"/>
-              </a:rPr>
-              <a:t>’</a:t>
-            </a:r>
-            <a:r>
-              <a:rPr kumimoji="1" lang="ja-JP" altLang="en-US" sz="2400" dirty="0">
-                <a:latin typeface="メイリオ" panose="020B0604030504040204" pitchFamily="50" charset="-128"/>
-                <a:ea typeface="メイリオ" panose="020B0604030504040204" pitchFamily="50" charset="-128"/>
-              </a:rPr>
-              <a:t>すもも</a:t>
-            </a:r>
-            <a:r>
-              <a:rPr kumimoji="1" lang="en-US" altLang="ja-JP" sz="2400" dirty="0">
-                <a:latin typeface="メイリオ" panose="020B0604030504040204" pitchFamily="50" charset="-128"/>
-                <a:ea typeface="メイリオ" panose="020B0604030504040204" pitchFamily="50" charset="-128"/>
-              </a:rPr>
-              <a:t>’</a:t>
-            </a:r>
-            <a:r>
-              <a:rPr kumimoji="1" lang="ja-JP" altLang="en-US" sz="2400" dirty="0">
-                <a:latin typeface="メイリオ" panose="020B0604030504040204" pitchFamily="50" charset="-128"/>
-                <a:ea typeface="メイリオ" panose="020B0604030504040204" pitchFamily="50" charset="-128"/>
-              </a:rPr>
-              <a:t>は単語の一部</a:t>
-            </a:r>
-          </a:p>
-        </p:txBody>
-      </p:sp>
-      <p:sp>
-        <p:nvSpPr>
-          <p:cNvPr id="12" name="右中かっこ 11">
-            <a:extLst>
-              <a:ext uri="{FF2B5EF4-FFF2-40B4-BE49-F238E27FC236}">
-                <a16:creationId xmlns:a16="http://schemas.microsoft.com/office/drawing/2014/main" id="{27266800-4D92-73E1-9243-BEA9CDE1BCD9}"/>
-              </a:ext>
-            </a:extLst>
-          </p:cNvPr>
-          <p:cNvSpPr/>
-          <p:nvPr/>
-        </p:nvSpPr>
-        <p:spPr>
-          <a:xfrm>
-            <a:off x="7273159" y="5328745"/>
-            <a:ext cx="242117" cy="1385913"/>
-          </a:xfrm>
-          <a:prstGeom prst="rightBrace">
-            <a:avLst/>
-          </a:prstGeom>
-        </p:spPr>
-        <p:style>
-          <a:lnRef idx="1">
-            <a:schemeClr val="accent1"/>
-          </a:lnRef>
-          <a:fillRef idx="0">
-            <a:schemeClr val="accent1"/>
-          </a:fillRef>
-          <a:effectRef idx="0">
-            <a:schemeClr val="accent1"/>
-          </a:effectRef>
-          <a:fontRef idx="minor">
-            <a:schemeClr val="tx1"/>
-          </a:fontRef>
-        </p:style>
-        <p:txBody>
-          <a:bodyPr rtlCol="0" anchor="ctr"/>
-          <a:lstStyle/>
-          <a:p>
-            <a:pPr algn="ctr"/>
-            <a:endParaRPr kumimoji="1" lang="ja-JP" altLang="en-US"/>
-          </a:p>
-        </p:txBody>
-      </p:sp>
-      <p:sp>
-        <p:nvSpPr>
-          <p:cNvPr id="13" name="テキスト ボックス 12">
-            <a:extLst>
-              <a:ext uri="{FF2B5EF4-FFF2-40B4-BE49-F238E27FC236}">
-                <a16:creationId xmlns:a16="http://schemas.microsoft.com/office/drawing/2014/main" id="{0AF35F4F-B030-AE32-B6E9-DA24C00F5625}"/>
-              </a:ext>
-            </a:extLst>
-          </p:cNvPr>
-          <p:cNvSpPr txBox="1"/>
-          <p:nvPr/>
-        </p:nvSpPr>
-        <p:spPr>
-          <a:xfrm>
-            <a:off x="7649679" y="5790868"/>
-            <a:ext cx="4493538" cy="461665"/>
-          </a:xfrm>
-          <a:prstGeom prst="rect">
-            <a:avLst/>
-          </a:prstGeom>
-          <a:noFill/>
-        </p:spPr>
-        <p:txBody>
-          <a:bodyPr wrap="none" rtlCol="0">
-            <a:spAutoFit/>
-          </a:bodyPr>
-          <a:lstStyle/>
-          <a:p>
-            <a:pPr algn="l"/>
-            <a:r>
-              <a:rPr kumimoji="1" lang="ja-JP" altLang="en-US" sz="2400" dirty="0">
-                <a:latin typeface="メイリオ" panose="020B0604030504040204" pitchFamily="50" charset="-128"/>
-                <a:ea typeface="メイリオ" panose="020B0604030504040204" pitchFamily="50" charset="-128"/>
-              </a:rPr>
-              <a:t>もっとも確率が高いものを選ぶ</a:t>
-            </a:r>
-          </a:p>
-        </p:txBody>
-      </p:sp>
-      <p:sp>
-        <p:nvSpPr>
-          <p:cNvPr id="14" name="テキスト ボックス 13">
-            <a:extLst>
-              <a:ext uri="{FF2B5EF4-FFF2-40B4-BE49-F238E27FC236}">
-                <a16:creationId xmlns:a16="http://schemas.microsoft.com/office/drawing/2014/main" id="{E0D51343-77D3-1246-0C22-A1222B75FF46}"/>
-              </a:ext>
-            </a:extLst>
-          </p:cNvPr>
-          <p:cNvSpPr txBox="1"/>
-          <p:nvPr/>
-        </p:nvSpPr>
-        <p:spPr>
-          <a:xfrm>
-            <a:off x="735724" y="965940"/>
-            <a:ext cx="2954655" cy="461665"/>
-          </a:xfrm>
-          <a:prstGeom prst="rect">
-            <a:avLst/>
-          </a:prstGeom>
-          <a:noFill/>
-        </p:spPr>
-        <p:txBody>
-          <a:bodyPr wrap="none" rtlCol="0">
-            <a:spAutoFit/>
-          </a:bodyPr>
-          <a:lstStyle/>
-          <a:p>
-            <a:pPr algn="l"/>
-            <a:r>
-              <a:rPr kumimoji="1" lang="ja-JP" altLang="en-US" sz="2400" dirty="0">
-                <a:latin typeface="メイリオ" panose="020B0604030504040204" pitchFamily="50" charset="-128"/>
-                <a:ea typeface="メイリオ" panose="020B0604030504040204" pitchFamily="50" charset="-128"/>
-              </a:rPr>
-              <a:t>概要のみ説明します</a:t>
+              <a:rPr kumimoji="1" lang="ja-JP" altLang="en-US" sz="2400" b="1" dirty="0">
+                <a:latin typeface="メイリオ" panose="020B0604030504040204" pitchFamily="50" charset="-128"/>
+                <a:ea typeface="メイリオ" panose="020B0604030504040204" pitchFamily="50" charset="-128"/>
+              </a:rPr>
+              <a:t>形態素解析では、大量のコーパス（文書）から全ての単語についての確率値を予め計算している</a:t>
             </a:r>
           </a:p>
         </p:txBody>
@@ -26694,7 +27831,7 @@
     </p:spTree>
     <p:extLst>
       <p:ext uri="{BB962C8B-B14F-4D97-AF65-F5344CB8AC3E}">
-        <p14:creationId xmlns:p14="http://schemas.microsoft.com/office/powerpoint/2010/main" val="2745977706"/>
+        <p14:creationId xmlns:p14="http://schemas.microsoft.com/office/powerpoint/2010/main" val="3971152640"/>
       </p:ext>
     </p:extLst>
   </p:cSld>
